--- a/resources/schemas.pptx
+++ b/resources/schemas.pptx
@@ -5,22 +5,23 @@
     <p:sldMasterId id="2147483648" r:id="rId1"/>
   </p:sldMasterIdLst>
   <p:notesMasterIdLst>
-    <p:notesMasterId r:id="rId15"/>
+    <p:notesMasterId r:id="rId16"/>
   </p:notesMasterIdLst>
   <p:sldIdLst>
     <p:sldId id="256" r:id="rId2"/>
     <p:sldId id="257" r:id="rId3"/>
     <p:sldId id="264" r:id="rId4"/>
     <p:sldId id="265" r:id="rId5"/>
-    <p:sldId id="266" r:id="rId6"/>
-    <p:sldId id="268" r:id="rId7"/>
-    <p:sldId id="269" r:id="rId8"/>
-    <p:sldId id="270" r:id="rId9"/>
-    <p:sldId id="258" r:id="rId10"/>
-    <p:sldId id="260" r:id="rId11"/>
-    <p:sldId id="261" r:id="rId12"/>
-    <p:sldId id="262" r:id="rId13"/>
-    <p:sldId id="263" r:id="rId14"/>
+    <p:sldId id="271" r:id="rId6"/>
+    <p:sldId id="266" r:id="rId7"/>
+    <p:sldId id="268" r:id="rId8"/>
+    <p:sldId id="269" r:id="rId9"/>
+    <p:sldId id="270" r:id="rId10"/>
+    <p:sldId id="258" r:id="rId11"/>
+    <p:sldId id="260" r:id="rId12"/>
+    <p:sldId id="261" r:id="rId13"/>
+    <p:sldId id="262" r:id="rId14"/>
+    <p:sldId id="263" r:id="rId15"/>
   </p:sldIdLst>
   <p:sldSz cx="12192000" cy="6858000"/>
   <p:notesSz cx="6858000" cy="9144000"/>
@@ -128,6 +129,7 @@
             <p14:sldId id="257"/>
             <p14:sldId id="264"/>
             <p14:sldId id="265"/>
+            <p14:sldId id="271"/>
             <p14:sldId id="266"/>
           </p14:sldIdLst>
         </p14:section>
@@ -238,7 +240,7 @@
           <a:p>
             <a:fld id="{5C429396-FDB1-F04C-9A46-BA26E46C0344}" type="datetimeFigureOut">
               <a:rPr lang="en-US" smtClean="0"/>
-              <a:t>10/6/17</a:t>
+              <a:t>10/20/17</a:t>
             </a:fld>
             <a:endParaRPr lang="en-US"/>
           </a:p>
@@ -637,7 +639,7 @@
           <a:p>
             <a:fld id="{78C3FB43-EF33-7B42-BD59-CFA98E055764}" type="datetimeFigureOut">
               <a:rPr lang="en-US" smtClean="0"/>
-              <a:t>10/6/17</a:t>
+              <a:t>10/20/17</a:t>
             </a:fld>
             <a:endParaRPr lang="en-US"/>
           </a:p>
@@ -807,7 +809,7 @@
           <a:p>
             <a:fld id="{78C3FB43-EF33-7B42-BD59-CFA98E055764}" type="datetimeFigureOut">
               <a:rPr lang="en-US" smtClean="0"/>
-              <a:t>10/6/17</a:t>
+              <a:t>10/20/17</a:t>
             </a:fld>
             <a:endParaRPr lang="en-US"/>
           </a:p>
@@ -987,7 +989,7 @@
           <a:p>
             <a:fld id="{78C3FB43-EF33-7B42-BD59-CFA98E055764}" type="datetimeFigureOut">
               <a:rPr lang="en-US" smtClean="0"/>
-              <a:t>10/6/17</a:t>
+              <a:t>10/20/17</a:t>
             </a:fld>
             <a:endParaRPr lang="en-US"/>
           </a:p>
@@ -1157,7 +1159,7 @@
           <a:p>
             <a:fld id="{78C3FB43-EF33-7B42-BD59-CFA98E055764}" type="datetimeFigureOut">
               <a:rPr lang="en-US" smtClean="0"/>
-              <a:t>10/6/17</a:t>
+              <a:t>10/20/17</a:t>
             </a:fld>
             <a:endParaRPr lang="en-US"/>
           </a:p>
@@ -1403,7 +1405,7 @@
           <a:p>
             <a:fld id="{78C3FB43-EF33-7B42-BD59-CFA98E055764}" type="datetimeFigureOut">
               <a:rPr lang="en-US" smtClean="0"/>
-              <a:t>10/6/17</a:t>
+              <a:t>10/20/17</a:t>
             </a:fld>
             <a:endParaRPr lang="en-US"/>
           </a:p>
@@ -1635,7 +1637,7 @@
           <a:p>
             <a:fld id="{78C3FB43-EF33-7B42-BD59-CFA98E055764}" type="datetimeFigureOut">
               <a:rPr lang="en-US" smtClean="0"/>
-              <a:t>10/6/17</a:t>
+              <a:t>10/20/17</a:t>
             </a:fld>
             <a:endParaRPr lang="en-US"/>
           </a:p>
@@ -2002,7 +2004,7 @@
           <a:p>
             <a:fld id="{78C3FB43-EF33-7B42-BD59-CFA98E055764}" type="datetimeFigureOut">
               <a:rPr lang="en-US" smtClean="0"/>
-              <a:t>10/6/17</a:t>
+              <a:t>10/20/17</a:t>
             </a:fld>
             <a:endParaRPr lang="en-US"/>
           </a:p>
@@ -2120,7 +2122,7 @@
           <a:p>
             <a:fld id="{78C3FB43-EF33-7B42-BD59-CFA98E055764}" type="datetimeFigureOut">
               <a:rPr lang="en-US" smtClean="0"/>
-              <a:t>10/6/17</a:t>
+              <a:t>10/20/17</a:t>
             </a:fld>
             <a:endParaRPr lang="en-US"/>
           </a:p>
@@ -2215,7 +2217,7 @@
           <a:p>
             <a:fld id="{78C3FB43-EF33-7B42-BD59-CFA98E055764}" type="datetimeFigureOut">
               <a:rPr lang="en-US" smtClean="0"/>
-              <a:t>10/6/17</a:t>
+              <a:t>10/20/17</a:t>
             </a:fld>
             <a:endParaRPr lang="en-US"/>
           </a:p>
@@ -2492,7 +2494,7 @@
           <a:p>
             <a:fld id="{78C3FB43-EF33-7B42-BD59-CFA98E055764}" type="datetimeFigureOut">
               <a:rPr lang="en-US" smtClean="0"/>
-              <a:t>10/6/17</a:t>
+              <a:t>10/20/17</a:t>
             </a:fld>
             <a:endParaRPr lang="en-US"/>
           </a:p>
@@ -2745,7 +2747,7 @@
           <a:p>
             <a:fld id="{78C3FB43-EF33-7B42-BD59-CFA98E055764}" type="datetimeFigureOut">
               <a:rPr lang="en-US" smtClean="0"/>
-              <a:t>10/6/17</a:t>
+              <a:t>10/20/17</a:t>
             </a:fld>
             <a:endParaRPr lang="en-US"/>
           </a:p>
@@ -2958,7 +2960,7 @@
           <a:p>
             <a:fld id="{78C3FB43-EF33-7B42-BD59-CFA98E055764}" type="datetimeFigureOut">
               <a:rPr lang="en-US" smtClean="0"/>
-              <a:t>10/6/17</a:t>
+              <a:t>10/20/17</a:t>
             </a:fld>
             <a:endParaRPr lang="en-US"/>
           </a:p>
@@ -4888,7 +4890,7 @@
             <a:avLst/>
           </a:prstGeom>
           <a:solidFill>
-            <a:srgbClr val="FF0000"/>
+            <a:schemeClr val="accent4"/>
           </a:solidFill>
           <a:ln w="0">
             <a:noFill/>
@@ -6204,13 +6206,20 @@
     </p:spTree>
     <p:extLst>
       <p:ext uri="{BB962C8B-B14F-4D97-AF65-F5344CB8AC3E}">
-        <p14:creationId xmlns:p14="http://schemas.microsoft.com/office/powerpoint/2010/main" val="78529447"/>
+        <p14:creationId xmlns:p14="http://schemas.microsoft.com/office/powerpoint/2010/main" val="521624760"/>
       </p:ext>
     </p:extLst>
   </p:cSld>
   <p:clrMapOvr>
     <a:masterClrMapping/>
   </p:clrMapOvr>
+  <p:timing>
+    <p:tnLst>
+      <p:par>
+        <p:cTn id="1" dur="indefinite" restart="never" nodeType="tmRoot"/>
+      </p:par>
+    </p:tnLst>
+  </p:timing>
 </p:sld>
 </file>
 
@@ -6802,7 +6811,7 @@
             <a:avLst/>
           </a:prstGeom>
           <a:solidFill>
-            <a:srgbClr val="FF0000"/>
+            <a:schemeClr val="accent6"/>
           </a:solidFill>
           <a:ln>
             <a:noFill/>
@@ -6940,7 +6949,7 @@
             <a:avLst/>
           </a:prstGeom>
           <a:solidFill>
-            <a:srgbClr val="FF0000"/>
+            <a:schemeClr val="accent6"/>
           </a:solidFill>
           <a:ln>
             <a:noFill/>
@@ -7754,7 +7763,7 @@
     </p:spTree>
     <p:extLst>
       <p:ext uri="{BB962C8B-B14F-4D97-AF65-F5344CB8AC3E}">
-        <p14:creationId xmlns:p14="http://schemas.microsoft.com/office/powerpoint/2010/main" val="219543235"/>
+        <p14:creationId xmlns:p14="http://schemas.microsoft.com/office/powerpoint/2010/main" val="78529447"/>
       </p:ext>
     </p:extLst>
   </p:cSld>
@@ -8536,6 +8545,1556 @@
             <a:avLst/>
           </a:prstGeom>
           <a:solidFill>
+            <a:schemeClr val="accent6"/>
+          </a:solidFill>
+          <a:ln>
+            <a:noFill/>
+          </a:ln>
+        </p:spPr>
+        <p:style>
+          <a:lnRef idx="2">
+            <a:schemeClr val="accent1">
+              <a:shade val="50000"/>
+            </a:schemeClr>
+          </a:lnRef>
+          <a:fillRef idx="1">
+            <a:schemeClr val="accent1"/>
+          </a:fillRef>
+          <a:effectRef idx="0">
+            <a:schemeClr val="accent1"/>
+          </a:effectRef>
+          <a:fontRef idx="minor">
+            <a:schemeClr val="lt1"/>
+          </a:fontRef>
+        </p:style>
+        <p:txBody>
+          <a:bodyPr rtlCol="0" anchor="ctr"/>
+          <a:lstStyle/>
+          <a:p>
+            <a:pPr algn="ctr"/>
+            <a:endParaRPr lang="en-US"/>
+          </a:p>
+        </p:txBody>
+      </p:sp>
+      <p:cxnSp>
+        <p:nvCxnSpPr>
+          <p:cNvPr id="61" name="Straight Connector 60"/>
+          <p:cNvCxnSpPr>
+            <a:stCxn id="58" idx="2"/>
+            <a:endCxn id="57" idx="0"/>
+          </p:cNvCxnSpPr>
+          <p:nvPr/>
+        </p:nvCxnSpPr>
+        <p:spPr>
+          <a:xfrm flipH="1">
+            <a:off x="5223092" y="2403360"/>
+            <a:ext cx="643295" cy="224131"/>
+          </a:xfrm>
+          <a:prstGeom prst="line">
+            <a:avLst/>
+          </a:prstGeom>
+          <a:ln w="38100">
+            <a:solidFill>
+              <a:schemeClr val="bg1"/>
+            </a:solidFill>
+          </a:ln>
+        </p:spPr>
+        <p:style>
+          <a:lnRef idx="1">
+            <a:schemeClr val="accent1"/>
+          </a:lnRef>
+          <a:fillRef idx="0">
+            <a:schemeClr val="accent1"/>
+          </a:fillRef>
+          <a:effectRef idx="0">
+            <a:schemeClr val="accent1"/>
+          </a:effectRef>
+          <a:fontRef idx="minor">
+            <a:schemeClr val="tx1"/>
+          </a:fontRef>
+        </p:style>
+      </p:cxnSp>
+      <p:cxnSp>
+        <p:nvCxnSpPr>
+          <p:cNvPr id="64" name="Straight Connector 63"/>
+          <p:cNvCxnSpPr>
+            <a:stCxn id="59" idx="0"/>
+            <a:endCxn id="58" idx="2"/>
+          </p:cNvCxnSpPr>
+          <p:nvPr/>
+        </p:nvCxnSpPr>
+        <p:spPr>
+          <a:xfrm flipH="1" flipV="1">
+            <a:off x="5866387" y="2403360"/>
+            <a:ext cx="663846" cy="224131"/>
+          </a:xfrm>
+          <a:prstGeom prst="line">
+            <a:avLst/>
+          </a:prstGeom>
+          <a:ln w="38100">
+            <a:solidFill>
+              <a:schemeClr val="bg1"/>
+            </a:solidFill>
+          </a:ln>
+        </p:spPr>
+        <p:style>
+          <a:lnRef idx="1">
+            <a:schemeClr val="accent1"/>
+          </a:lnRef>
+          <a:fillRef idx="0">
+            <a:schemeClr val="accent1"/>
+          </a:fillRef>
+          <a:effectRef idx="0">
+            <a:schemeClr val="accent1"/>
+          </a:effectRef>
+          <a:fontRef idx="minor">
+            <a:schemeClr val="tx1"/>
+          </a:fontRef>
+        </p:style>
+      </p:cxnSp>
+      <p:cxnSp>
+        <p:nvCxnSpPr>
+          <p:cNvPr id="67" name="Straight Connector 66"/>
+          <p:cNvCxnSpPr>
+            <a:stCxn id="55" idx="0"/>
+            <a:endCxn id="57" idx="2"/>
+          </p:cNvCxnSpPr>
+          <p:nvPr/>
+        </p:nvCxnSpPr>
+        <p:spPr>
+          <a:xfrm flipV="1">
+            <a:off x="4567114" y="3087621"/>
+            <a:ext cx="655978" cy="224131"/>
+          </a:xfrm>
+          <a:prstGeom prst="line">
+            <a:avLst/>
+          </a:prstGeom>
+          <a:ln w="38100">
+            <a:solidFill>
+              <a:schemeClr val="bg1"/>
+            </a:solidFill>
+          </a:ln>
+        </p:spPr>
+        <p:style>
+          <a:lnRef idx="1">
+            <a:schemeClr val="accent1"/>
+          </a:lnRef>
+          <a:fillRef idx="0">
+            <a:schemeClr val="accent1"/>
+          </a:fillRef>
+          <a:effectRef idx="0">
+            <a:schemeClr val="accent1"/>
+          </a:effectRef>
+          <a:fontRef idx="minor">
+            <a:schemeClr val="tx1"/>
+          </a:fontRef>
+        </p:style>
+      </p:cxnSp>
+      <p:cxnSp>
+        <p:nvCxnSpPr>
+          <p:cNvPr id="70" name="Straight Connector 69"/>
+          <p:cNvCxnSpPr>
+            <a:stCxn id="56" idx="0"/>
+            <a:endCxn id="57" idx="2"/>
+          </p:cNvCxnSpPr>
+          <p:nvPr/>
+        </p:nvCxnSpPr>
+        <p:spPr>
+          <a:xfrm flipH="1" flipV="1">
+            <a:off x="5223092" y="3087621"/>
+            <a:ext cx="643297" cy="224131"/>
+          </a:xfrm>
+          <a:prstGeom prst="line">
+            <a:avLst/>
+          </a:prstGeom>
+          <a:ln w="38100">
+            <a:solidFill>
+              <a:schemeClr val="bg1"/>
+            </a:solidFill>
+          </a:ln>
+        </p:spPr>
+        <p:style>
+          <a:lnRef idx="1">
+            <a:schemeClr val="accent1"/>
+          </a:lnRef>
+          <a:fillRef idx="0">
+            <a:schemeClr val="accent1"/>
+          </a:fillRef>
+          <a:effectRef idx="0">
+            <a:schemeClr val="accent1"/>
+          </a:effectRef>
+          <a:fontRef idx="minor">
+            <a:schemeClr val="tx1"/>
+          </a:fontRef>
+        </p:style>
+      </p:cxnSp>
+      <p:cxnSp>
+        <p:nvCxnSpPr>
+          <p:cNvPr id="73" name="Straight Connector 72"/>
+          <p:cNvCxnSpPr>
+            <a:stCxn id="56" idx="2"/>
+            <a:endCxn id="60" idx="0"/>
+          </p:cNvCxnSpPr>
+          <p:nvPr/>
+        </p:nvCxnSpPr>
+        <p:spPr>
+          <a:xfrm flipH="1">
+            <a:off x="5866388" y="3771882"/>
+            <a:ext cx="1" cy="224131"/>
+          </a:xfrm>
+          <a:prstGeom prst="line">
+            <a:avLst/>
+          </a:prstGeom>
+          <a:ln w="38100">
+            <a:solidFill>
+              <a:schemeClr val="bg1"/>
+            </a:solidFill>
+          </a:ln>
+        </p:spPr>
+        <p:style>
+          <a:lnRef idx="1">
+            <a:schemeClr val="accent1"/>
+          </a:lnRef>
+          <a:fillRef idx="0">
+            <a:schemeClr val="accent1"/>
+          </a:fillRef>
+          <a:effectRef idx="0">
+            <a:schemeClr val="accent1"/>
+          </a:effectRef>
+          <a:fontRef idx="minor">
+            <a:schemeClr val="tx1"/>
+          </a:fontRef>
+        </p:style>
+      </p:cxnSp>
+      <p:sp>
+        <p:nvSpPr>
+          <p:cNvPr id="78" name="TextBox 77"/>
+          <p:cNvSpPr txBox="1"/>
+          <p:nvPr/>
+        </p:nvSpPr>
+        <p:spPr>
+          <a:xfrm>
+            <a:off x="4722695" y="4728865"/>
+            <a:ext cx="1744388" cy="830997"/>
+          </a:xfrm>
+          <a:prstGeom prst="rect">
+            <a:avLst/>
+          </a:prstGeom>
+          <a:noFill/>
+        </p:spPr>
+        <p:txBody>
+          <a:bodyPr wrap="none" rtlCol="0">
+            <a:spAutoFit/>
+          </a:bodyPr>
+          <a:lstStyle/>
+          <a:p>
+            <a:pPr algn="ctr"/>
+            <a:r>
+              <a:rPr lang="en-US" sz="2400" dirty="0" smtClean="0">
+                <a:solidFill>
+                  <a:schemeClr val="bg1"/>
+                </a:solidFill>
+              </a:rPr>
+              <a:t>Virtual DOM</a:t>
+            </a:r>
+            <a:br>
+              <a:rPr lang="en-US" sz="2400" dirty="0" smtClean="0">
+                <a:solidFill>
+                  <a:schemeClr val="bg1"/>
+                </a:solidFill>
+              </a:rPr>
+            </a:br>
+            <a:r>
+              <a:rPr lang="en-US" sz="2400" dirty="0" smtClean="0">
+                <a:solidFill>
+                  <a:schemeClr val="bg1"/>
+                </a:solidFill>
+              </a:rPr>
+              <a:t>(in memory)</a:t>
+            </a:r>
+            <a:endParaRPr lang="en-US" sz="2400" dirty="0">
+              <a:solidFill>
+                <a:schemeClr val="bg1"/>
+              </a:solidFill>
+            </a:endParaRPr>
+          </a:p>
+        </p:txBody>
+      </p:sp>
+      <p:sp>
+        <p:nvSpPr>
+          <p:cNvPr id="79" name="Rectangle 78"/>
+          <p:cNvSpPr/>
+          <p:nvPr/>
+        </p:nvSpPr>
+        <p:spPr>
+          <a:xfrm>
+            <a:off x="8069733" y="3322958"/>
+            <a:ext cx="961293" cy="437717"/>
+          </a:xfrm>
+          <a:prstGeom prst="rect">
+            <a:avLst/>
+          </a:prstGeom>
+          <a:solidFill>
+            <a:schemeClr val="accent6"/>
+          </a:solidFill>
+          <a:ln>
+            <a:noFill/>
+          </a:ln>
+        </p:spPr>
+        <p:style>
+          <a:lnRef idx="2">
+            <a:schemeClr val="accent1">
+              <a:shade val="50000"/>
+            </a:schemeClr>
+          </a:lnRef>
+          <a:fillRef idx="1">
+            <a:schemeClr val="accent1"/>
+          </a:fillRef>
+          <a:effectRef idx="0">
+            <a:schemeClr val="accent1"/>
+          </a:effectRef>
+          <a:fontRef idx="minor">
+            <a:schemeClr val="lt1"/>
+          </a:fontRef>
+        </p:style>
+        <p:txBody>
+          <a:bodyPr rtlCol="0" anchor="ctr"/>
+          <a:lstStyle/>
+          <a:p>
+            <a:pPr algn="ctr"/>
+            <a:endParaRPr lang="en-US"/>
+          </a:p>
+        </p:txBody>
+      </p:sp>
+      <p:sp>
+        <p:nvSpPr>
+          <p:cNvPr id="80" name="Rectangle 79"/>
+          <p:cNvSpPr/>
+          <p:nvPr/>
+        </p:nvSpPr>
+        <p:spPr>
+          <a:xfrm>
+            <a:off x="9369008" y="3322958"/>
+            <a:ext cx="961293" cy="437717"/>
+          </a:xfrm>
+          <a:prstGeom prst="rect">
+            <a:avLst/>
+          </a:prstGeom>
+          <a:solidFill>
+            <a:schemeClr val="accent6"/>
+          </a:solidFill>
+          <a:ln>
+            <a:noFill/>
+          </a:ln>
+        </p:spPr>
+        <p:style>
+          <a:lnRef idx="2">
+            <a:schemeClr val="accent1">
+              <a:shade val="50000"/>
+            </a:schemeClr>
+          </a:lnRef>
+          <a:fillRef idx="1">
+            <a:schemeClr val="accent1"/>
+          </a:fillRef>
+          <a:effectRef idx="0">
+            <a:schemeClr val="accent1"/>
+          </a:effectRef>
+          <a:fontRef idx="minor">
+            <a:schemeClr val="lt1"/>
+          </a:fontRef>
+        </p:style>
+        <p:txBody>
+          <a:bodyPr rtlCol="0" anchor="ctr"/>
+          <a:lstStyle/>
+          <a:p>
+            <a:pPr algn="ctr"/>
+            <a:endParaRPr lang="en-US"/>
+          </a:p>
+        </p:txBody>
+      </p:sp>
+      <p:sp>
+        <p:nvSpPr>
+          <p:cNvPr id="81" name="Rectangle 80"/>
+          <p:cNvSpPr/>
+          <p:nvPr/>
+        </p:nvSpPr>
+        <p:spPr>
+          <a:xfrm>
+            <a:off x="8725711" y="2638697"/>
+            <a:ext cx="961293" cy="437717"/>
+          </a:xfrm>
+          <a:prstGeom prst="rect">
+            <a:avLst/>
+          </a:prstGeom>
+          <a:solidFill>
+            <a:schemeClr val="accent6"/>
+          </a:solidFill>
+          <a:ln>
+            <a:noFill/>
+          </a:ln>
+        </p:spPr>
+        <p:style>
+          <a:lnRef idx="2">
+            <a:schemeClr val="accent1">
+              <a:shade val="50000"/>
+            </a:schemeClr>
+          </a:lnRef>
+          <a:fillRef idx="1">
+            <a:schemeClr val="accent1"/>
+          </a:fillRef>
+          <a:effectRef idx="0">
+            <a:schemeClr val="accent1"/>
+          </a:effectRef>
+          <a:fontRef idx="minor">
+            <a:schemeClr val="lt1"/>
+          </a:fontRef>
+        </p:style>
+        <p:txBody>
+          <a:bodyPr rtlCol="0" anchor="ctr"/>
+          <a:lstStyle/>
+          <a:p>
+            <a:pPr algn="ctr"/>
+            <a:endParaRPr lang="en-US"/>
+          </a:p>
+        </p:txBody>
+      </p:sp>
+      <p:sp>
+        <p:nvSpPr>
+          <p:cNvPr id="82" name="Rectangle 81"/>
+          <p:cNvSpPr/>
+          <p:nvPr/>
+        </p:nvSpPr>
+        <p:spPr>
+          <a:xfrm>
+            <a:off x="9369006" y="1954436"/>
+            <a:ext cx="961293" cy="437717"/>
+          </a:xfrm>
+          <a:prstGeom prst="rect">
+            <a:avLst/>
+          </a:prstGeom>
+          <a:solidFill>
+            <a:schemeClr val="accent6"/>
+          </a:solidFill>
+          <a:ln>
+            <a:noFill/>
+          </a:ln>
+        </p:spPr>
+        <p:style>
+          <a:lnRef idx="2">
+            <a:schemeClr val="accent1">
+              <a:shade val="50000"/>
+            </a:schemeClr>
+          </a:lnRef>
+          <a:fillRef idx="1">
+            <a:schemeClr val="accent1"/>
+          </a:fillRef>
+          <a:effectRef idx="0">
+            <a:schemeClr val="accent1"/>
+          </a:effectRef>
+          <a:fontRef idx="minor">
+            <a:schemeClr val="lt1"/>
+          </a:fontRef>
+        </p:style>
+        <p:txBody>
+          <a:bodyPr rtlCol="0" anchor="ctr"/>
+          <a:lstStyle/>
+          <a:p>
+            <a:pPr algn="ctr"/>
+            <a:endParaRPr lang="en-US"/>
+          </a:p>
+        </p:txBody>
+      </p:sp>
+      <p:sp>
+        <p:nvSpPr>
+          <p:cNvPr id="83" name="Rectangle 82"/>
+          <p:cNvSpPr/>
+          <p:nvPr/>
+        </p:nvSpPr>
+        <p:spPr>
+          <a:xfrm>
+            <a:off x="10032852" y="2638697"/>
+            <a:ext cx="961293" cy="437717"/>
+          </a:xfrm>
+          <a:prstGeom prst="rect">
+            <a:avLst/>
+          </a:prstGeom>
+          <a:solidFill>
+            <a:schemeClr val="accent6"/>
+          </a:solidFill>
+          <a:ln>
+            <a:noFill/>
+          </a:ln>
+        </p:spPr>
+        <p:style>
+          <a:lnRef idx="2">
+            <a:schemeClr val="accent1">
+              <a:shade val="50000"/>
+            </a:schemeClr>
+          </a:lnRef>
+          <a:fillRef idx="1">
+            <a:schemeClr val="accent1"/>
+          </a:fillRef>
+          <a:effectRef idx="0">
+            <a:schemeClr val="accent1"/>
+          </a:effectRef>
+          <a:fontRef idx="minor">
+            <a:schemeClr val="lt1"/>
+          </a:fontRef>
+        </p:style>
+        <p:txBody>
+          <a:bodyPr rtlCol="0" anchor="ctr"/>
+          <a:lstStyle/>
+          <a:p>
+            <a:pPr algn="ctr"/>
+            <a:endParaRPr lang="en-US"/>
+          </a:p>
+        </p:txBody>
+      </p:sp>
+      <p:sp>
+        <p:nvSpPr>
+          <p:cNvPr id="84" name="Rectangle 83"/>
+          <p:cNvSpPr/>
+          <p:nvPr/>
+        </p:nvSpPr>
+        <p:spPr>
+          <a:xfrm>
+            <a:off x="9369007" y="4007219"/>
+            <a:ext cx="961293" cy="437717"/>
+          </a:xfrm>
+          <a:prstGeom prst="rect">
+            <a:avLst/>
+          </a:prstGeom>
+          <a:solidFill>
+            <a:schemeClr val="accent6"/>
+          </a:solidFill>
+          <a:ln>
+            <a:noFill/>
+          </a:ln>
+        </p:spPr>
+        <p:style>
+          <a:lnRef idx="2">
+            <a:schemeClr val="accent1">
+              <a:shade val="50000"/>
+            </a:schemeClr>
+          </a:lnRef>
+          <a:fillRef idx="1">
+            <a:schemeClr val="accent1"/>
+          </a:fillRef>
+          <a:effectRef idx="0">
+            <a:schemeClr val="accent1"/>
+          </a:effectRef>
+          <a:fontRef idx="minor">
+            <a:schemeClr val="lt1"/>
+          </a:fontRef>
+        </p:style>
+        <p:txBody>
+          <a:bodyPr rtlCol="0" anchor="ctr"/>
+          <a:lstStyle/>
+          <a:p>
+            <a:pPr algn="ctr"/>
+            <a:endParaRPr lang="en-US"/>
+          </a:p>
+        </p:txBody>
+      </p:sp>
+      <p:cxnSp>
+        <p:nvCxnSpPr>
+          <p:cNvPr id="85" name="Straight Connector 84"/>
+          <p:cNvCxnSpPr/>
+          <p:nvPr/>
+        </p:nvCxnSpPr>
+        <p:spPr>
+          <a:xfrm flipH="1">
+            <a:off x="9206358" y="2403360"/>
+            <a:ext cx="643295" cy="224131"/>
+          </a:xfrm>
+          <a:prstGeom prst="line">
+            <a:avLst/>
+          </a:prstGeom>
+          <a:ln w="38100">
+            <a:solidFill>
+              <a:schemeClr val="bg1"/>
+            </a:solidFill>
+          </a:ln>
+        </p:spPr>
+        <p:style>
+          <a:lnRef idx="1">
+            <a:schemeClr val="accent1"/>
+          </a:lnRef>
+          <a:fillRef idx="0">
+            <a:schemeClr val="accent1"/>
+          </a:fillRef>
+          <a:effectRef idx="0">
+            <a:schemeClr val="accent1"/>
+          </a:effectRef>
+          <a:fontRef idx="minor">
+            <a:schemeClr val="tx1"/>
+          </a:fontRef>
+        </p:style>
+      </p:cxnSp>
+      <p:cxnSp>
+        <p:nvCxnSpPr>
+          <p:cNvPr id="86" name="Straight Connector 85"/>
+          <p:cNvCxnSpPr/>
+          <p:nvPr/>
+        </p:nvCxnSpPr>
+        <p:spPr>
+          <a:xfrm flipH="1" flipV="1">
+            <a:off x="9849653" y="2403360"/>
+            <a:ext cx="663846" cy="224131"/>
+          </a:xfrm>
+          <a:prstGeom prst="line">
+            <a:avLst/>
+          </a:prstGeom>
+          <a:ln w="38100">
+            <a:solidFill>
+              <a:schemeClr val="bg1"/>
+            </a:solidFill>
+          </a:ln>
+        </p:spPr>
+        <p:style>
+          <a:lnRef idx="1">
+            <a:schemeClr val="accent1"/>
+          </a:lnRef>
+          <a:fillRef idx="0">
+            <a:schemeClr val="accent1"/>
+          </a:fillRef>
+          <a:effectRef idx="0">
+            <a:schemeClr val="accent1"/>
+          </a:effectRef>
+          <a:fontRef idx="minor">
+            <a:schemeClr val="tx1"/>
+          </a:fontRef>
+        </p:style>
+      </p:cxnSp>
+      <p:cxnSp>
+        <p:nvCxnSpPr>
+          <p:cNvPr id="87" name="Straight Connector 86"/>
+          <p:cNvCxnSpPr/>
+          <p:nvPr/>
+        </p:nvCxnSpPr>
+        <p:spPr>
+          <a:xfrm flipV="1">
+            <a:off x="8550380" y="3087621"/>
+            <a:ext cx="655978" cy="224131"/>
+          </a:xfrm>
+          <a:prstGeom prst="line">
+            <a:avLst/>
+          </a:prstGeom>
+          <a:ln w="38100">
+            <a:solidFill>
+              <a:schemeClr val="bg1"/>
+            </a:solidFill>
+          </a:ln>
+        </p:spPr>
+        <p:style>
+          <a:lnRef idx="1">
+            <a:schemeClr val="accent1"/>
+          </a:lnRef>
+          <a:fillRef idx="0">
+            <a:schemeClr val="accent1"/>
+          </a:fillRef>
+          <a:effectRef idx="0">
+            <a:schemeClr val="accent1"/>
+          </a:effectRef>
+          <a:fontRef idx="minor">
+            <a:schemeClr val="tx1"/>
+          </a:fontRef>
+        </p:style>
+      </p:cxnSp>
+      <p:cxnSp>
+        <p:nvCxnSpPr>
+          <p:cNvPr id="88" name="Straight Connector 87"/>
+          <p:cNvCxnSpPr/>
+          <p:nvPr/>
+        </p:nvCxnSpPr>
+        <p:spPr>
+          <a:xfrm flipH="1" flipV="1">
+            <a:off x="9206358" y="3087621"/>
+            <a:ext cx="643297" cy="224131"/>
+          </a:xfrm>
+          <a:prstGeom prst="line">
+            <a:avLst/>
+          </a:prstGeom>
+          <a:ln w="38100">
+            <a:solidFill>
+              <a:schemeClr val="bg1"/>
+            </a:solidFill>
+          </a:ln>
+        </p:spPr>
+        <p:style>
+          <a:lnRef idx="1">
+            <a:schemeClr val="accent1"/>
+          </a:lnRef>
+          <a:fillRef idx="0">
+            <a:schemeClr val="accent1"/>
+          </a:fillRef>
+          <a:effectRef idx="0">
+            <a:schemeClr val="accent1"/>
+          </a:effectRef>
+          <a:fontRef idx="minor">
+            <a:schemeClr val="tx1"/>
+          </a:fontRef>
+        </p:style>
+      </p:cxnSp>
+      <p:cxnSp>
+        <p:nvCxnSpPr>
+          <p:cNvPr id="89" name="Straight Connector 88"/>
+          <p:cNvCxnSpPr/>
+          <p:nvPr/>
+        </p:nvCxnSpPr>
+        <p:spPr>
+          <a:xfrm flipH="1">
+            <a:off x="9849654" y="3771882"/>
+            <a:ext cx="1" cy="224131"/>
+          </a:xfrm>
+          <a:prstGeom prst="line">
+            <a:avLst/>
+          </a:prstGeom>
+          <a:ln w="38100">
+            <a:solidFill>
+              <a:schemeClr val="bg1"/>
+            </a:solidFill>
+          </a:ln>
+        </p:spPr>
+        <p:style>
+          <a:lnRef idx="1">
+            <a:schemeClr val="accent1"/>
+          </a:lnRef>
+          <a:fillRef idx="0">
+            <a:schemeClr val="accent1"/>
+          </a:fillRef>
+          <a:effectRef idx="0">
+            <a:schemeClr val="accent1"/>
+          </a:effectRef>
+          <a:fontRef idx="minor">
+            <a:schemeClr val="tx1"/>
+          </a:fontRef>
+        </p:style>
+      </p:cxnSp>
+      <p:sp>
+        <p:nvSpPr>
+          <p:cNvPr id="90" name="TextBox 89"/>
+          <p:cNvSpPr txBox="1"/>
+          <p:nvPr/>
+        </p:nvSpPr>
+        <p:spPr>
+          <a:xfrm>
+            <a:off x="8780504" y="4688320"/>
+            <a:ext cx="1938096" cy="461665"/>
+          </a:xfrm>
+          <a:prstGeom prst="rect">
+            <a:avLst/>
+          </a:prstGeom>
+          <a:noFill/>
+        </p:spPr>
+        <p:txBody>
+          <a:bodyPr wrap="none" rtlCol="0">
+            <a:spAutoFit/>
+          </a:bodyPr>
+          <a:lstStyle/>
+          <a:p>
+            <a:pPr algn="ctr"/>
+            <a:r>
+              <a:rPr lang="en-US" sz="2400" dirty="0" smtClean="0">
+                <a:solidFill>
+                  <a:schemeClr val="bg1"/>
+                </a:solidFill>
+              </a:rPr>
+              <a:t>Browser DOM</a:t>
+            </a:r>
+            <a:endParaRPr lang="en-US" sz="2400" dirty="0">
+              <a:solidFill>
+                <a:schemeClr val="bg1"/>
+              </a:solidFill>
+            </a:endParaRPr>
+          </a:p>
+        </p:txBody>
+      </p:sp>
+    </p:spTree>
+    <p:extLst>
+      <p:ext uri="{BB962C8B-B14F-4D97-AF65-F5344CB8AC3E}">
+        <p14:creationId xmlns:p14="http://schemas.microsoft.com/office/powerpoint/2010/main" val="219543235"/>
+      </p:ext>
+    </p:extLst>
+  </p:cSld>
+  <p:clrMapOvr>
+    <a:masterClrMapping/>
+  </p:clrMapOvr>
+</p:sld>
+</file>
+
+<file path=ppt/slides/slide13.xml><?xml version="1.0" encoding="utf-8"?>
+<p:sld xmlns:a="http://schemas.openxmlformats.org/drawingml/2006/main" xmlns:r="http://schemas.openxmlformats.org/officeDocument/2006/relationships" xmlns:p="http://schemas.openxmlformats.org/presentationml/2006/main">
+  <p:cSld>
+    <p:bg>
+      <p:bgPr>
+        <a:solidFill>
+          <a:srgbClr val="7030A0"/>
+        </a:solidFill>
+        <a:effectLst/>
+      </p:bgPr>
+    </p:bg>
+    <p:spTree>
+      <p:nvGrpSpPr>
+        <p:cNvPr id="1" name=""/>
+        <p:cNvGrpSpPr/>
+        <p:nvPr/>
+      </p:nvGrpSpPr>
+      <p:grpSpPr>
+        <a:xfrm>
+          <a:off x="0" y="0"/>
+          <a:ext cx="0" cy="0"/>
+          <a:chOff x="0" y="0"/>
+          <a:chExt cx="0" cy="0"/>
+        </a:xfrm>
+      </p:grpSpPr>
+      <p:sp>
+        <p:nvSpPr>
+          <p:cNvPr id="4" name="Oval 3"/>
+          <p:cNvSpPr/>
+          <p:nvPr/>
+        </p:nvSpPr>
+        <p:spPr>
+          <a:xfrm>
+            <a:off x="701749" y="3346191"/>
+            <a:ext cx="552893" cy="552893"/>
+          </a:xfrm>
+          <a:prstGeom prst="ellipse">
+            <a:avLst/>
+          </a:prstGeom>
+          <a:solidFill>
+            <a:schemeClr val="accent4"/>
+          </a:solidFill>
+          <a:ln w="0">
+            <a:noFill/>
+          </a:ln>
+        </p:spPr>
+        <p:style>
+          <a:lnRef idx="2">
+            <a:schemeClr val="accent1">
+              <a:shade val="50000"/>
+            </a:schemeClr>
+          </a:lnRef>
+          <a:fillRef idx="1">
+            <a:schemeClr val="accent1"/>
+          </a:fillRef>
+          <a:effectRef idx="0">
+            <a:schemeClr val="accent1"/>
+          </a:effectRef>
+          <a:fontRef idx="minor">
+            <a:schemeClr val="lt1"/>
+          </a:fontRef>
+        </p:style>
+        <p:txBody>
+          <a:bodyPr rtlCol="0" anchor="ctr"/>
+          <a:lstStyle/>
+          <a:p>
+            <a:pPr algn="ctr"/>
+            <a:endParaRPr lang="en-US"/>
+          </a:p>
+        </p:txBody>
+      </p:sp>
+      <p:sp>
+        <p:nvSpPr>
+          <p:cNvPr id="5" name="Oval 4"/>
+          <p:cNvSpPr/>
+          <p:nvPr/>
+        </p:nvSpPr>
+        <p:spPr>
+          <a:xfrm>
+            <a:off x="1599379" y="2346182"/>
+            <a:ext cx="552893" cy="552893"/>
+          </a:xfrm>
+          <a:prstGeom prst="ellipse">
+            <a:avLst/>
+          </a:prstGeom>
+          <a:solidFill>
+            <a:schemeClr val="accent4"/>
+          </a:solidFill>
+          <a:ln w="0">
+            <a:noFill/>
+          </a:ln>
+        </p:spPr>
+        <p:style>
+          <a:lnRef idx="2">
+            <a:schemeClr val="accent1">
+              <a:shade val="50000"/>
+            </a:schemeClr>
+          </a:lnRef>
+          <a:fillRef idx="1">
+            <a:schemeClr val="accent1"/>
+          </a:fillRef>
+          <a:effectRef idx="0">
+            <a:schemeClr val="accent1"/>
+          </a:effectRef>
+          <a:fontRef idx="minor">
+            <a:schemeClr val="lt1"/>
+          </a:fontRef>
+        </p:style>
+        <p:txBody>
+          <a:bodyPr rtlCol="0" anchor="ctr"/>
+          <a:lstStyle/>
+          <a:p>
+            <a:pPr algn="ctr"/>
+            <a:endParaRPr lang="en-US"/>
+          </a:p>
+        </p:txBody>
+      </p:sp>
+      <p:sp>
+        <p:nvSpPr>
+          <p:cNvPr id="6" name="Oval 5"/>
+          <p:cNvSpPr/>
+          <p:nvPr/>
+        </p:nvSpPr>
+        <p:spPr>
+          <a:xfrm>
+            <a:off x="1518410" y="3951699"/>
+            <a:ext cx="552893" cy="552893"/>
+          </a:xfrm>
+          <a:prstGeom prst="ellipse">
+            <a:avLst/>
+          </a:prstGeom>
+          <a:solidFill>
+            <a:schemeClr val="accent4"/>
+          </a:solidFill>
+          <a:ln w="0">
+            <a:noFill/>
+          </a:ln>
+        </p:spPr>
+        <p:style>
+          <a:lnRef idx="2">
+            <a:schemeClr val="accent1">
+              <a:shade val="50000"/>
+            </a:schemeClr>
+          </a:lnRef>
+          <a:fillRef idx="1">
+            <a:schemeClr val="accent1"/>
+          </a:fillRef>
+          <a:effectRef idx="0">
+            <a:schemeClr val="accent1"/>
+          </a:effectRef>
+          <a:fontRef idx="minor">
+            <a:schemeClr val="lt1"/>
+          </a:fontRef>
+        </p:style>
+        <p:txBody>
+          <a:bodyPr rtlCol="0" anchor="ctr"/>
+          <a:lstStyle/>
+          <a:p>
+            <a:pPr algn="ctr"/>
+            <a:endParaRPr lang="en-US"/>
+          </a:p>
+        </p:txBody>
+      </p:sp>
+      <p:sp>
+        <p:nvSpPr>
+          <p:cNvPr id="7" name="Oval 6"/>
+          <p:cNvSpPr/>
+          <p:nvPr/>
+        </p:nvSpPr>
+        <p:spPr>
+          <a:xfrm>
+            <a:off x="874117" y="1793289"/>
+            <a:ext cx="552893" cy="552893"/>
+          </a:xfrm>
+          <a:prstGeom prst="ellipse">
+            <a:avLst/>
+          </a:prstGeom>
+          <a:solidFill>
+            <a:schemeClr val="accent4"/>
+          </a:solidFill>
+          <a:ln w="0">
+            <a:noFill/>
+          </a:ln>
+        </p:spPr>
+        <p:style>
+          <a:lnRef idx="2">
+            <a:schemeClr val="accent1">
+              <a:shade val="50000"/>
+            </a:schemeClr>
+          </a:lnRef>
+          <a:fillRef idx="1">
+            <a:schemeClr val="accent1"/>
+          </a:fillRef>
+          <a:effectRef idx="0">
+            <a:schemeClr val="accent1"/>
+          </a:effectRef>
+          <a:fontRef idx="minor">
+            <a:schemeClr val="lt1"/>
+          </a:fontRef>
+        </p:style>
+        <p:txBody>
+          <a:bodyPr rtlCol="0" anchor="ctr"/>
+          <a:lstStyle/>
+          <a:p>
+            <a:pPr algn="ctr"/>
+            <a:endParaRPr lang="en-US"/>
+          </a:p>
+        </p:txBody>
+      </p:sp>
+      <p:sp>
+        <p:nvSpPr>
+          <p:cNvPr id="8" name="Oval 7"/>
+          <p:cNvSpPr/>
+          <p:nvPr/>
+        </p:nvSpPr>
+        <p:spPr>
+          <a:xfrm>
+            <a:off x="2339566" y="3028986"/>
+            <a:ext cx="552893" cy="552893"/>
+          </a:xfrm>
+          <a:prstGeom prst="ellipse">
+            <a:avLst/>
+          </a:prstGeom>
+          <a:solidFill>
+            <a:srgbClr val="FF0000"/>
+          </a:solidFill>
+          <a:ln w="0">
+            <a:noFill/>
+          </a:ln>
+        </p:spPr>
+        <p:style>
+          <a:lnRef idx="2">
+            <a:schemeClr val="accent1">
+              <a:shade val="50000"/>
+            </a:schemeClr>
+          </a:lnRef>
+          <a:fillRef idx="1">
+            <a:schemeClr val="accent1"/>
+          </a:fillRef>
+          <a:effectRef idx="0">
+            <a:schemeClr val="accent1"/>
+          </a:effectRef>
+          <a:fontRef idx="minor">
+            <a:schemeClr val="lt1"/>
+          </a:fontRef>
+        </p:style>
+        <p:txBody>
+          <a:bodyPr rtlCol="0" anchor="ctr"/>
+          <a:lstStyle/>
+          <a:p>
+            <a:pPr algn="ctr"/>
+            <a:endParaRPr lang="en-US"/>
+          </a:p>
+        </p:txBody>
+      </p:sp>
+      <p:sp>
+        <p:nvSpPr>
+          <p:cNvPr id="9" name="TextBox 8"/>
+          <p:cNvSpPr txBox="1"/>
+          <p:nvPr/>
+        </p:nvSpPr>
+        <p:spPr>
+          <a:xfrm>
+            <a:off x="1005019" y="4732115"/>
+            <a:ext cx="995785" cy="461665"/>
+          </a:xfrm>
+          <a:prstGeom prst="rect">
+            <a:avLst/>
+          </a:prstGeom>
+          <a:noFill/>
+        </p:spPr>
+        <p:txBody>
+          <a:bodyPr wrap="none" rtlCol="0">
+            <a:spAutoFit/>
+          </a:bodyPr>
+          <a:lstStyle/>
+          <a:p>
+            <a:r>
+              <a:rPr lang="en-US" sz="2400" dirty="0" smtClean="0">
+                <a:solidFill>
+                  <a:schemeClr val="bg1"/>
+                </a:solidFill>
+              </a:rPr>
+              <a:t>Model</a:t>
+            </a:r>
+            <a:endParaRPr lang="en-US" sz="2400" dirty="0">
+              <a:solidFill>
+                <a:schemeClr val="bg1"/>
+              </a:solidFill>
+            </a:endParaRPr>
+          </a:p>
+        </p:txBody>
+      </p:sp>
+      <p:cxnSp>
+        <p:nvCxnSpPr>
+          <p:cNvPr id="18" name="Straight Connector 17"/>
+          <p:cNvCxnSpPr>
+            <a:stCxn id="7" idx="5"/>
+            <a:endCxn id="5" idx="2"/>
+          </p:cNvCxnSpPr>
+          <p:nvPr/>
+        </p:nvCxnSpPr>
+        <p:spPr>
+          <a:xfrm>
+            <a:off x="1346041" y="2265213"/>
+            <a:ext cx="253338" cy="357416"/>
+          </a:xfrm>
+          <a:prstGeom prst="line">
+            <a:avLst/>
+          </a:prstGeom>
+          <a:ln w="38100">
+            <a:solidFill>
+              <a:schemeClr val="bg1"/>
+            </a:solidFill>
+          </a:ln>
+        </p:spPr>
+        <p:style>
+          <a:lnRef idx="1">
+            <a:schemeClr val="accent1"/>
+          </a:lnRef>
+          <a:fillRef idx="0">
+            <a:schemeClr val="accent1"/>
+          </a:fillRef>
+          <a:effectRef idx="0">
+            <a:schemeClr val="accent1"/>
+          </a:effectRef>
+          <a:fontRef idx="minor">
+            <a:schemeClr val="tx1"/>
+          </a:fontRef>
+        </p:style>
+      </p:cxnSp>
+      <p:sp>
+        <p:nvSpPr>
+          <p:cNvPr id="77" name="Rounded Rectangle 76"/>
+          <p:cNvSpPr/>
+          <p:nvPr/>
+        </p:nvSpPr>
+        <p:spPr>
+          <a:xfrm>
+            <a:off x="3843580" y="1793289"/>
+            <a:ext cx="3502618" cy="2740204"/>
+          </a:xfrm>
+          <a:prstGeom prst="roundRect">
+            <a:avLst/>
+          </a:prstGeom>
+          <a:solidFill>
+            <a:schemeClr val="accent5">
+              <a:lumMod val="20000"/>
+              <a:lumOff val="80000"/>
+            </a:schemeClr>
+          </a:solidFill>
+        </p:spPr>
+        <p:style>
+          <a:lnRef idx="1">
+            <a:schemeClr val="accent6"/>
+          </a:lnRef>
+          <a:fillRef idx="2">
+            <a:schemeClr val="accent6"/>
+          </a:fillRef>
+          <a:effectRef idx="1">
+            <a:schemeClr val="accent6"/>
+          </a:effectRef>
+          <a:fontRef idx="minor">
+            <a:schemeClr val="dk1"/>
+          </a:fontRef>
+        </p:style>
+        <p:txBody>
+          <a:bodyPr rtlCol="0" anchor="ctr"/>
+          <a:lstStyle/>
+          <a:p>
+            <a:pPr algn="ctr"/>
+            <a:endParaRPr lang="en-US"/>
+          </a:p>
+        </p:txBody>
+      </p:sp>
+      <p:cxnSp>
+        <p:nvCxnSpPr>
+          <p:cNvPr id="21" name="Straight Connector 20"/>
+          <p:cNvCxnSpPr>
+            <a:stCxn id="8" idx="1"/>
+            <a:endCxn id="5" idx="5"/>
+          </p:cNvCxnSpPr>
+          <p:nvPr/>
+        </p:nvCxnSpPr>
+        <p:spPr>
+          <a:xfrm flipH="1" flipV="1">
+            <a:off x="2071303" y="2818106"/>
+            <a:ext cx="349232" cy="291849"/>
+          </a:xfrm>
+          <a:prstGeom prst="line">
+            <a:avLst/>
+          </a:prstGeom>
+          <a:ln w="38100">
+            <a:solidFill>
+              <a:schemeClr val="bg1"/>
+            </a:solidFill>
+          </a:ln>
+        </p:spPr>
+        <p:style>
+          <a:lnRef idx="1">
+            <a:schemeClr val="accent1"/>
+          </a:lnRef>
+          <a:fillRef idx="0">
+            <a:schemeClr val="accent1"/>
+          </a:fillRef>
+          <a:effectRef idx="0">
+            <a:schemeClr val="accent1"/>
+          </a:effectRef>
+          <a:fontRef idx="minor">
+            <a:schemeClr val="tx1"/>
+          </a:fontRef>
+        </p:style>
+      </p:cxnSp>
+      <p:cxnSp>
+        <p:nvCxnSpPr>
+          <p:cNvPr id="24" name="Straight Connector 23"/>
+          <p:cNvCxnSpPr>
+            <a:stCxn id="6" idx="1"/>
+            <a:endCxn id="4" idx="5"/>
+          </p:cNvCxnSpPr>
+          <p:nvPr/>
+        </p:nvCxnSpPr>
+        <p:spPr>
+          <a:xfrm flipH="1" flipV="1">
+            <a:off x="1173673" y="3818115"/>
+            <a:ext cx="425706" cy="214553"/>
+          </a:xfrm>
+          <a:prstGeom prst="line">
+            <a:avLst/>
+          </a:prstGeom>
+          <a:ln w="38100">
+            <a:solidFill>
+              <a:schemeClr val="bg1"/>
+            </a:solidFill>
+          </a:ln>
+        </p:spPr>
+        <p:style>
+          <a:lnRef idx="1">
+            <a:schemeClr val="accent1"/>
+          </a:lnRef>
+          <a:fillRef idx="0">
+            <a:schemeClr val="accent1"/>
+          </a:fillRef>
+          <a:effectRef idx="0">
+            <a:schemeClr val="accent1"/>
+          </a:effectRef>
+          <a:fontRef idx="minor">
+            <a:schemeClr val="tx1"/>
+          </a:fontRef>
+        </p:style>
+      </p:cxnSp>
+      <p:cxnSp>
+        <p:nvCxnSpPr>
+          <p:cNvPr id="34" name="Straight Connector 33"/>
+          <p:cNvCxnSpPr>
+            <a:stCxn id="4" idx="7"/>
+            <a:endCxn id="5" idx="3"/>
+          </p:cNvCxnSpPr>
+          <p:nvPr/>
+        </p:nvCxnSpPr>
+        <p:spPr>
+          <a:xfrm flipV="1">
+            <a:off x="1173673" y="2818106"/>
+            <a:ext cx="506675" cy="609054"/>
+          </a:xfrm>
+          <a:prstGeom prst="line">
+            <a:avLst/>
+          </a:prstGeom>
+          <a:ln w="38100">
+            <a:solidFill>
+              <a:schemeClr val="bg1"/>
+            </a:solidFill>
+          </a:ln>
+        </p:spPr>
+        <p:style>
+          <a:lnRef idx="1">
+            <a:schemeClr val="accent1"/>
+          </a:lnRef>
+          <a:fillRef idx="0">
+            <a:schemeClr val="accent1"/>
+          </a:fillRef>
+          <a:effectRef idx="0">
+            <a:schemeClr val="accent1"/>
+          </a:effectRef>
+          <a:fontRef idx="minor">
+            <a:schemeClr val="tx1"/>
+          </a:fontRef>
+        </p:style>
+      </p:cxnSp>
+      <p:cxnSp>
+        <p:nvCxnSpPr>
+          <p:cNvPr id="40" name="Straight Connector 39"/>
+          <p:cNvCxnSpPr>
+            <a:stCxn id="6" idx="7"/>
+            <a:endCxn id="8" idx="3"/>
+          </p:cNvCxnSpPr>
+          <p:nvPr/>
+        </p:nvCxnSpPr>
+        <p:spPr>
+          <a:xfrm flipV="1">
+            <a:off x="1990334" y="3500910"/>
+            <a:ext cx="430201" cy="531758"/>
+          </a:xfrm>
+          <a:prstGeom prst="line">
+            <a:avLst/>
+          </a:prstGeom>
+          <a:ln w="38100">
+            <a:solidFill>
+              <a:schemeClr val="bg1"/>
+            </a:solidFill>
+          </a:ln>
+        </p:spPr>
+        <p:style>
+          <a:lnRef idx="1">
+            <a:schemeClr val="accent1"/>
+          </a:lnRef>
+          <a:fillRef idx="0">
+            <a:schemeClr val="accent1"/>
+          </a:fillRef>
+          <a:effectRef idx="0">
+            <a:schemeClr val="accent1"/>
+          </a:effectRef>
+          <a:fontRef idx="minor">
+            <a:schemeClr val="tx1"/>
+          </a:fontRef>
+        </p:style>
+      </p:cxnSp>
+      <p:sp>
+        <p:nvSpPr>
+          <p:cNvPr id="55" name="Rectangle 54"/>
+          <p:cNvSpPr/>
+          <p:nvPr/>
+        </p:nvSpPr>
+        <p:spPr>
+          <a:xfrm>
+            <a:off x="4086467" y="3322958"/>
+            <a:ext cx="961293" cy="437717"/>
+          </a:xfrm>
+          <a:prstGeom prst="rect">
+            <a:avLst/>
+          </a:prstGeom>
+          <a:solidFill>
+            <a:schemeClr val="accent6"/>
+          </a:solidFill>
+          <a:ln>
+            <a:noFill/>
+          </a:ln>
+        </p:spPr>
+        <p:style>
+          <a:lnRef idx="2">
+            <a:schemeClr val="accent1">
+              <a:shade val="50000"/>
+            </a:schemeClr>
+          </a:lnRef>
+          <a:fillRef idx="1">
+            <a:schemeClr val="accent1"/>
+          </a:fillRef>
+          <a:effectRef idx="0">
+            <a:schemeClr val="accent1"/>
+          </a:effectRef>
+          <a:fontRef idx="minor">
+            <a:schemeClr val="lt1"/>
+          </a:fontRef>
+        </p:style>
+        <p:txBody>
+          <a:bodyPr rtlCol="0" anchor="ctr"/>
+          <a:lstStyle/>
+          <a:p>
+            <a:pPr algn="ctr"/>
+            <a:endParaRPr lang="en-US"/>
+          </a:p>
+        </p:txBody>
+      </p:sp>
+      <p:sp>
+        <p:nvSpPr>
+          <p:cNvPr id="56" name="Rectangle 55"/>
+          <p:cNvSpPr/>
+          <p:nvPr/>
+        </p:nvSpPr>
+        <p:spPr>
+          <a:xfrm>
+            <a:off x="5385742" y="3322958"/>
+            <a:ext cx="961293" cy="437717"/>
+          </a:xfrm>
+          <a:prstGeom prst="rect">
+            <a:avLst/>
+          </a:prstGeom>
+          <a:solidFill>
+            <a:srgbClr val="FF0000"/>
+          </a:solidFill>
+          <a:ln>
+            <a:noFill/>
+          </a:ln>
+        </p:spPr>
+        <p:style>
+          <a:lnRef idx="2">
+            <a:schemeClr val="accent1">
+              <a:shade val="50000"/>
+            </a:schemeClr>
+          </a:lnRef>
+          <a:fillRef idx="1">
+            <a:schemeClr val="accent1"/>
+          </a:fillRef>
+          <a:effectRef idx="0">
+            <a:schemeClr val="accent1"/>
+          </a:effectRef>
+          <a:fontRef idx="minor">
+            <a:schemeClr val="lt1"/>
+          </a:fontRef>
+        </p:style>
+        <p:txBody>
+          <a:bodyPr rtlCol="0" anchor="ctr"/>
+          <a:lstStyle/>
+          <a:p>
+            <a:pPr algn="ctr"/>
+            <a:endParaRPr lang="en-US"/>
+          </a:p>
+        </p:txBody>
+      </p:sp>
+      <p:sp>
+        <p:nvSpPr>
+          <p:cNvPr id="57" name="Rectangle 56"/>
+          <p:cNvSpPr/>
+          <p:nvPr/>
+        </p:nvSpPr>
+        <p:spPr>
+          <a:xfrm>
+            <a:off x="4742445" y="2638697"/>
+            <a:ext cx="961293" cy="437717"/>
+          </a:xfrm>
+          <a:prstGeom prst="rect">
+            <a:avLst/>
+          </a:prstGeom>
+          <a:solidFill>
+            <a:schemeClr val="accent6"/>
+          </a:solidFill>
+          <a:ln>
+            <a:noFill/>
+          </a:ln>
+        </p:spPr>
+        <p:style>
+          <a:lnRef idx="2">
+            <a:schemeClr val="accent1">
+              <a:shade val="50000"/>
+            </a:schemeClr>
+          </a:lnRef>
+          <a:fillRef idx="1">
+            <a:schemeClr val="accent1"/>
+          </a:fillRef>
+          <a:effectRef idx="0">
+            <a:schemeClr val="accent1"/>
+          </a:effectRef>
+          <a:fontRef idx="minor">
+            <a:schemeClr val="lt1"/>
+          </a:fontRef>
+        </p:style>
+        <p:txBody>
+          <a:bodyPr rtlCol="0" anchor="ctr"/>
+          <a:lstStyle/>
+          <a:p>
+            <a:pPr algn="ctr"/>
+            <a:endParaRPr lang="en-US"/>
+          </a:p>
+        </p:txBody>
+      </p:sp>
+      <p:sp>
+        <p:nvSpPr>
+          <p:cNvPr id="58" name="Rectangle 57"/>
+          <p:cNvSpPr/>
+          <p:nvPr/>
+        </p:nvSpPr>
+        <p:spPr>
+          <a:xfrm>
+            <a:off x="5385740" y="1954436"/>
+            <a:ext cx="961293" cy="437717"/>
+          </a:xfrm>
+          <a:prstGeom prst="rect">
+            <a:avLst/>
+          </a:prstGeom>
+          <a:solidFill>
+            <a:schemeClr val="accent6"/>
+          </a:solidFill>
+          <a:ln>
+            <a:noFill/>
+          </a:ln>
+        </p:spPr>
+        <p:style>
+          <a:lnRef idx="2">
+            <a:schemeClr val="accent1">
+              <a:shade val="50000"/>
+            </a:schemeClr>
+          </a:lnRef>
+          <a:fillRef idx="1">
+            <a:schemeClr val="accent1"/>
+          </a:fillRef>
+          <a:effectRef idx="0">
+            <a:schemeClr val="accent1"/>
+          </a:effectRef>
+          <a:fontRef idx="minor">
+            <a:schemeClr val="lt1"/>
+          </a:fontRef>
+        </p:style>
+        <p:txBody>
+          <a:bodyPr rtlCol="0" anchor="ctr"/>
+          <a:lstStyle/>
+          <a:p>
+            <a:pPr algn="ctr"/>
+            <a:endParaRPr lang="en-US"/>
+          </a:p>
+        </p:txBody>
+      </p:sp>
+      <p:sp>
+        <p:nvSpPr>
+          <p:cNvPr id="59" name="Rectangle 58"/>
+          <p:cNvSpPr/>
+          <p:nvPr/>
+        </p:nvSpPr>
+        <p:spPr>
+          <a:xfrm>
+            <a:off x="6049586" y="2638697"/>
+            <a:ext cx="961293" cy="437717"/>
+          </a:xfrm>
+          <a:prstGeom prst="rect">
+            <a:avLst/>
+          </a:prstGeom>
+          <a:solidFill>
+            <a:srgbClr val="FF0000"/>
+          </a:solidFill>
+          <a:ln>
+            <a:noFill/>
+          </a:ln>
+        </p:spPr>
+        <p:style>
+          <a:lnRef idx="2">
+            <a:schemeClr val="accent1">
+              <a:shade val="50000"/>
+            </a:schemeClr>
+          </a:lnRef>
+          <a:fillRef idx="1">
+            <a:schemeClr val="accent1"/>
+          </a:fillRef>
+          <a:effectRef idx="0">
+            <a:schemeClr val="accent1"/>
+          </a:effectRef>
+          <a:fontRef idx="minor">
+            <a:schemeClr val="lt1"/>
+          </a:fontRef>
+        </p:style>
+        <p:txBody>
+          <a:bodyPr rtlCol="0" anchor="ctr"/>
+          <a:lstStyle/>
+          <a:p>
+            <a:pPr algn="ctr"/>
+            <a:endParaRPr lang="en-US"/>
+          </a:p>
+        </p:txBody>
+      </p:sp>
+      <p:sp>
+        <p:nvSpPr>
+          <p:cNvPr id="60" name="Rectangle 59"/>
+          <p:cNvSpPr/>
+          <p:nvPr/>
+        </p:nvSpPr>
+        <p:spPr>
+          <a:xfrm>
+            <a:off x="5385741" y="4007219"/>
+            <a:ext cx="961293" cy="437717"/>
+          </a:xfrm>
+          <a:prstGeom prst="rect">
+            <a:avLst/>
+          </a:prstGeom>
+          <a:solidFill>
             <a:srgbClr val="FF0000"/>
           </a:solidFill>
           <a:ln>
@@ -9314,7 +10873,7 @@
 </p:sld>
 </file>
 
-<file path=ppt/slides/slide13.xml><?xml version="1.0" encoding="utf-8"?>
+<file path=ppt/slides/slide14.xml><?xml version="1.0" encoding="utf-8"?>
 <p:sld xmlns:a="http://schemas.openxmlformats.org/drawingml/2006/main" xmlns:r="http://schemas.openxmlformats.org/officeDocument/2006/relationships" xmlns:p="http://schemas.openxmlformats.org/presentationml/2006/main">
   <p:cSld>
     <p:bg>
@@ -11838,14 +13397,6 @@
 <file path=ppt/slides/slide5.xml><?xml version="1.0" encoding="utf-8"?>
 <p:sld xmlns:a="http://schemas.openxmlformats.org/drawingml/2006/main" xmlns:r="http://schemas.openxmlformats.org/officeDocument/2006/relationships" xmlns:p="http://schemas.openxmlformats.org/presentationml/2006/main">
   <p:cSld>
-    <p:bg>
-      <p:bgPr>
-        <a:solidFill>
-          <a:srgbClr val="7030A0"/>
-        </a:solidFill>
-        <a:effectLst/>
-      </p:bgPr>
-    </p:bg>
     <p:spTree>
       <p:nvGrpSpPr>
         <p:cNvPr id="1" name=""/>
@@ -11868,8 +13419,8 @@
         </p:nvSpPr>
         <p:spPr>
           <a:xfrm>
-            <a:off x="1555109" y="2714495"/>
-            <a:ext cx="1943461" cy="1039903"/>
+            <a:off x="541544" y="1112735"/>
+            <a:ext cx="3659396" cy="3180969"/>
           </a:xfrm>
           <a:prstGeom prst="rect">
             <a:avLst/>
@@ -11895,39 +13446,28 @@
           </a:fontRef>
         </p:style>
         <p:txBody>
-          <a:bodyPr rtlCol="0" anchor="ctr"/>
+          <a:bodyPr rtlCol="0" anchor="t"/>
           <a:lstStyle/>
           <a:p>
             <a:pPr algn="ctr"/>
             <a:r>
-              <a:rPr lang="en-US" sz="2000" dirty="0" smtClean="0"/>
-              <a:t>Store action:</a:t>
-            </a:r>
-            <a:br>
-              <a:rPr lang="en-US" sz="2000" dirty="0" smtClean="0"/>
-            </a:br>
-            <a:r>
-              <a:rPr lang="en-US" sz="1400" dirty="0" err="1" smtClean="0"/>
-              <a:t>addToSelection</a:t>
-            </a:r>
-            <a:r>
-              <a:rPr lang="en-US" sz="1400" dirty="0" smtClean="0"/>
-              <a:t>()</a:t>
-            </a:r>
-            <a:endParaRPr lang="en-US" sz="1400" dirty="0"/>
-          </a:p>
-        </p:txBody>
-      </p:sp>
-      <p:sp>
-        <p:nvSpPr>
-          <p:cNvPr id="12" name="Rectangle 11"/>
+              <a:rPr lang="en-US" sz="3200" dirty="0" err="1" smtClean="0"/>
+              <a:t>HostelList</a:t>
+            </a:r>
+            <a:endParaRPr lang="en-US" sz="3200" dirty="0"/>
+          </a:p>
+        </p:txBody>
+      </p:sp>
+      <p:sp>
+        <p:nvSpPr>
+          <p:cNvPr id="13" name="Rectangle 12"/>
           <p:cNvSpPr/>
           <p:nvPr/>
         </p:nvSpPr>
         <p:spPr>
           <a:xfrm>
-            <a:off x="6286139" y="3421641"/>
-            <a:ext cx="2447043" cy="1039903"/>
+            <a:off x="746728" y="1726489"/>
+            <a:ext cx="3295183" cy="698660"/>
           </a:xfrm>
           <a:prstGeom prst="rect">
             <a:avLst/>
@@ -11961,42 +13501,23 @@
           <a:p>
             <a:pPr algn="ctr"/>
             <a:r>
-              <a:rPr lang="en-US" dirty="0"/>
-              <a:t>Module/</a:t>
-            </a:r>
-            <a:r>
-              <a:rPr lang="en-US" dirty="0" err="1"/>
-              <a:t>HostelSelection</a:t>
-            </a:r>
-            <a:r>
-              <a:rPr lang="en-US" sz="2000" dirty="0"/>
-              <a:t/>
-            </a:r>
-            <a:br>
-              <a:rPr lang="en-US" sz="2000" dirty="0"/>
-            </a:br>
-            <a:r>
-              <a:rPr lang="en-US" sz="1400" dirty="0"/>
-              <a:t> mutation: </a:t>
-            </a:r>
-            <a:r>
-              <a:rPr lang="en-US" sz="1400" dirty="0" err="1"/>
-              <a:t>addToSelection</a:t>
-            </a:r>
-            <a:endParaRPr lang="en-US" sz="1400" dirty="0"/>
-          </a:p>
-        </p:txBody>
-      </p:sp>
-      <p:sp>
-        <p:nvSpPr>
-          <p:cNvPr id="13" name="Rectangle 12"/>
+              <a:rPr lang="en-US" sz="2000" dirty="0" err="1"/>
+              <a:t>HostelListItem</a:t>
+            </a:r>
+            <a:endParaRPr lang="en-US" sz="2000" dirty="0"/>
+          </a:p>
+        </p:txBody>
+      </p:sp>
+      <p:sp>
+        <p:nvSpPr>
+          <p:cNvPr id="25" name="Rectangle 24"/>
           <p:cNvSpPr/>
           <p:nvPr/>
         </p:nvSpPr>
         <p:spPr>
           <a:xfrm>
-            <a:off x="6286138" y="1919365"/>
-            <a:ext cx="2447043" cy="1039903"/>
+            <a:off x="730275" y="2571203"/>
+            <a:ext cx="3295183" cy="698660"/>
           </a:xfrm>
           <a:prstGeom prst="rect">
             <a:avLst/>
@@ -12030,156 +13551,29 @@
           <a:p>
             <a:pPr algn="ctr"/>
             <a:r>
-              <a:rPr lang="en-US" dirty="0" smtClean="0"/>
-              <a:t>Module/</a:t>
-            </a:r>
-            <a:r>
-              <a:rPr lang="en-US" dirty="0" err="1" smtClean="0"/>
-              <a:t>HostelList</a:t>
-            </a:r>
-            <a:r>
-              <a:rPr lang="en-US" sz="2000" dirty="0" smtClean="0"/>
-              <a:t/>
-            </a:r>
-            <a:br>
-              <a:rPr lang="en-US" sz="2000" dirty="0" smtClean="0"/>
-            </a:br>
-            <a:r>
-              <a:rPr lang="en-US" sz="1400" dirty="0" smtClean="0"/>
-              <a:t>mutation: </a:t>
-            </a:r>
-            <a:r>
-              <a:rPr lang="en-US" sz="1400" dirty="0" err="1" smtClean="0"/>
-              <a:t>addToSelection</a:t>
+              <a:rPr lang="en-US" sz="2000" dirty="0" err="1"/>
+              <a:t>HostelListItem</a:t>
             </a:r>
             <a:endParaRPr lang="en-US" sz="2000" dirty="0"/>
           </a:p>
         </p:txBody>
       </p:sp>
-      <p:cxnSp>
-        <p:nvCxnSpPr>
-          <p:cNvPr id="17" name="Straight Arrow Connector 16"/>
-          <p:cNvCxnSpPr>
-            <a:stCxn id="25" idx="6"/>
-            <a:endCxn id="12" idx="1"/>
-          </p:cNvCxnSpPr>
-          <p:nvPr/>
-        </p:nvCxnSpPr>
-        <p:spPr>
-          <a:xfrm>
-            <a:off x="5369432" y="3224312"/>
-            <a:ext cx="916707" cy="717281"/>
-          </a:xfrm>
-          <a:prstGeom prst="straightConnector1">
-            <a:avLst/>
-          </a:prstGeom>
-          <a:ln w="76200">
-            <a:tailEnd type="triangle"/>
-          </a:ln>
-        </p:spPr>
-        <p:style>
-          <a:lnRef idx="1">
-            <a:schemeClr val="accent3"/>
-          </a:lnRef>
-          <a:fillRef idx="0">
-            <a:schemeClr val="accent3"/>
-          </a:fillRef>
-          <a:effectRef idx="0">
-            <a:schemeClr val="accent3"/>
-          </a:effectRef>
-          <a:fontRef idx="minor">
-            <a:schemeClr val="tx1"/>
-          </a:fontRef>
-        </p:style>
-      </p:cxnSp>
-      <p:cxnSp>
-        <p:nvCxnSpPr>
-          <p:cNvPr id="21" name="Straight Arrow Connector 20"/>
-          <p:cNvCxnSpPr>
-            <a:stCxn id="25" idx="6"/>
-            <a:endCxn id="13" idx="1"/>
-          </p:cNvCxnSpPr>
-          <p:nvPr/>
-        </p:nvCxnSpPr>
-        <p:spPr>
-          <a:xfrm flipV="1">
-            <a:off x="5369432" y="2439317"/>
-            <a:ext cx="916706" cy="784995"/>
-          </a:xfrm>
-          <a:prstGeom prst="straightConnector1">
-            <a:avLst/>
-          </a:prstGeom>
-          <a:ln w="76200">
-            <a:tailEnd type="triangle"/>
-          </a:ln>
-        </p:spPr>
-        <p:style>
-          <a:lnRef idx="1">
-            <a:schemeClr val="accent3"/>
-          </a:lnRef>
-          <a:fillRef idx="0">
-            <a:schemeClr val="accent3"/>
-          </a:fillRef>
-          <a:effectRef idx="0">
-            <a:schemeClr val="accent3"/>
-          </a:effectRef>
-          <a:fontRef idx="minor">
-            <a:schemeClr val="tx1"/>
-          </a:fontRef>
-        </p:style>
-      </p:cxnSp>
-      <p:cxnSp>
-        <p:nvCxnSpPr>
-          <p:cNvPr id="24" name="Straight Arrow Connector 23"/>
-          <p:cNvCxnSpPr>
-            <a:stCxn id="2" idx="3"/>
-            <a:endCxn id="25" idx="2"/>
-          </p:cNvCxnSpPr>
-          <p:nvPr/>
-        </p:nvCxnSpPr>
-        <p:spPr>
-          <a:xfrm flipV="1">
-            <a:off x="3498570" y="3224312"/>
-            <a:ext cx="810689" cy="10135"/>
-          </a:xfrm>
-          <a:prstGeom prst="straightConnector1">
-            <a:avLst/>
-          </a:prstGeom>
-          <a:ln w="76200">
-            <a:tailEnd type="triangle"/>
-          </a:ln>
-        </p:spPr>
-        <p:style>
-          <a:lnRef idx="1">
-            <a:schemeClr val="accent3"/>
-          </a:lnRef>
-          <a:fillRef idx="0">
-            <a:schemeClr val="accent3"/>
-          </a:fillRef>
-          <a:effectRef idx="0">
-            <a:schemeClr val="accent3"/>
-          </a:effectRef>
-          <a:fontRef idx="minor">
-            <a:schemeClr val="tx1"/>
-          </a:fontRef>
-        </p:style>
-      </p:cxnSp>
-      <p:sp>
-        <p:nvSpPr>
-          <p:cNvPr id="25" name="Oval 24"/>
+      <p:sp>
+        <p:nvSpPr>
+          <p:cNvPr id="26" name="Rectangle 25"/>
           <p:cNvSpPr/>
           <p:nvPr/>
         </p:nvSpPr>
         <p:spPr>
           <a:xfrm>
-            <a:off x="4309259" y="2694225"/>
-            <a:ext cx="1060173" cy="1060173"/>
-          </a:xfrm>
-          <a:prstGeom prst="ellipse">
+            <a:off x="723650" y="3415917"/>
+            <a:ext cx="3295183" cy="698660"/>
+          </a:xfrm>
+          <a:prstGeom prst="rect">
             <a:avLst/>
           </a:prstGeom>
           <a:solidFill>
-            <a:schemeClr val="accent2"/>
+            <a:srgbClr val="00A44D"/>
           </a:solidFill>
           <a:ln>
             <a:noFill/>
@@ -12187,15 +13581,15 @@
         </p:spPr>
         <p:style>
           <a:lnRef idx="2">
-            <a:schemeClr val="accent1">
+            <a:schemeClr val="accent4">
               <a:shade val="50000"/>
             </a:schemeClr>
           </a:lnRef>
           <a:fillRef idx="1">
-            <a:schemeClr val="accent1"/>
-          </a:fillRef>
-          <a:effectRef idx="0">
-            <a:schemeClr val="accent1"/>
+            <a:schemeClr val="accent4"/>
+          </a:fillRef>
+          <a:effectRef idx="0">
+            <a:schemeClr val="accent4"/>
           </a:effectRef>
           <a:fontRef idx="minor">
             <a:schemeClr val="lt1"/>
@@ -12207,40 +13601,249 @@
           <a:p>
             <a:pPr algn="ctr"/>
             <a:r>
-              <a:rPr lang="en-US" sz="1400" dirty="0" smtClean="0"/>
-              <a:t>commit</a:t>
-            </a:r>
-            <a:endParaRPr lang="en-US" sz="1400" dirty="0"/>
+              <a:rPr lang="mr-IN" sz="2000" dirty="0" smtClean="0"/>
+              <a:t>…</a:t>
+            </a:r>
+            <a:endParaRPr lang="en-US" sz="2000" dirty="0"/>
+          </a:p>
+        </p:txBody>
+      </p:sp>
+      <p:sp>
+        <p:nvSpPr>
+          <p:cNvPr id="27" name="Rectangle 26"/>
+          <p:cNvSpPr/>
+          <p:nvPr/>
+        </p:nvSpPr>
+        <p:spPr>
+          <a:xfrm>
+            <a:off x="5597249" y="1112735"/>
+            <a:ext cx="3659396" cy="3180969"/>
+          </a:xfrm>
+          <a:prstGeom prst="rect">
+            <a:avLst/>
+          </a:prstGeom>
+          <a:ln>
+            <a:noFill/>
+          </a:ln>
+        </p:spPr>
+        <p:style>
+          <a:lnRef idx="2">
+            <a:schemeClr val="accent4">
+              <a:shade val="50000"/>
+            </a:schemeClr>
+          </a:lnRef>
+          <a:fillRef idx="1">
+            <a:schemeClr val="accent4"/>
+          </a:fillRef>
+          <a:effectRef idx="0">
+            <a:schemeClr val="accent4"/>
+          </a:effectRef>
+          <a:fontRef idx="minor">
+            <a:schemeClr val="lt1"/>
+          </a:fontRef>
+        </p:style>
+        <p:txBody>
+          <a:bodyPr rtlCol="0" anchor="t"/>
+          <a:lstStyle/>
+          <a:p>
+            <a:pPr algn="ctr"/>
+            <a:r>
+              <a:rPr lang="en-US" sz="3200" dirty="0" err="1" smtClean="0"/>
+              <a:t>HostelList</a:t>
+            </a:r>
+            <a:endParaRPr lang="en-US" sz="3200" dirty="0"/>
+          </a:p>
+        </p:txBody>
+      </p:sp>
+      <p:sp>
+        <p:nvSpPr>
+          <p:cNvPr id="28" name="Rectangle 27"/>
+          <p:cNvSpPr/>
+          <p:nvPr/>
+        </p:nvSpPr>
+        <p:spPr>
+          <a:xfrm>
+            <a:off x="5802433" y="1726489"/>
+            <a:ext cx="3295183" cy="698660"/>
+          </a:xfrm>
+          <a:prstGeom prst="rect">
+            <a:avLst/>
+          </a:prstGeom>
+          <a:solidFill>
+            <a:srgbClr val="00A44D"/>
+          </a:solidFill>
+          <a:ln>
+            <a:noFill/>
+          </a:ln>
+        </p:spPr>
+        <p:style>
+          <a:lnRef idx="2">
+            <a:schemeClr val="accent4">
+              <a:shade val="50000"/>
+            </a:schemeClr>
+          </a:lnRef>
+          <a:fillRef idx="1">
+            <a:schemeClr val="accent4"/>
+          </a:fillRef>
+          <a:effectRef idx="0">
+            <a:schemeClr val="accent4"/>
+          </a:effectRef>
+          <a:fontRef idx="minor">
+            <a:schemeClr val="lt1"/>
+          </a:fontRef>
+        </p:style>
+        <p:txBody>
+          <a:bodyPr rtlCol="0" anchor="ctr"/>
+          <a:lstStyle/>
+          <a:p>
+            <a:pPr algn="ctr"/>
+            <a:r>
+              <a:rPr lang="en-US" sz="2000" dirty="0" err="1"/>
+              <a:t>HostelListItem</a:t>
+            </a:r>
+            <a:endParaRPr lang="en-US" sz="2000" dirty="0"/>
+          </a:p>
+        </p:txBody>
+      </p:sp>
+      <p:sp>
+        <p:nvSpPr>
+          <p:cNvPr id="29" name="Rectangle 28"/>
+          <p:cNvSpPr/>
+          <p:nvPr/>
+        </p:nvSpPr>
+        <p:spPr>
+          <a:xfrm>
+            <a:off x="5785980" y="2571203"/>
+            <a:ext cx="3295183" cy="698660"/>
+          </a:xfrm>
+          <a:prstGeom prst="rect">
+            <a:avLst/>
+          </a:prstGeom>
+          <a:solidFill>
+            <a:srgbClr val="00A44D"/>
+          </a:solidFill>
+          <a:ln>
+            <a:noFill/>
+          </a:ln>
+        </p:spPr>
+        <p:style>
+          <a:lnRef idx="2">
+            <a:schemeClr val="accent4">
+              <a:shade val="50000"/>
+            </a:schemeClr>
+          </a:lnRef>
+          <a:fillRef idx="1">
+            <a:schemeClr val="accent4"/>
+          </a:fillRef>
+          <a:effectRef idx="0">
+            <a:schemeClr val="accent4"/>
+          </a:effectRef>
+          <a:fontRef idx="minor">
+            <a:schemeClr val="lt1"/>
+          </a:fontRef>
+        </p:style>
+        <p:txBody>
+          <a:bodyPr rtlCol="0" anchor="ctr"/>
+          <a:lstStyle/>
+          <a:p>
+            <a:pPr algn="ctr"/>
+            <a:r>
+              <a:rPr lang="en-US" sz="2000" dirty="0" err="1"/>
+              <a:t>HostelListItem</a:t>
+            </a:r>
+            <a:endParaRPr lang="en-US" sz="2000" dirty="0"/>
+          </a:p>
+        </p:txBody>
+      </p:sp>
+      <p:sp>
+        <p:nvSpPr>
+          <p:cNvPr id="30" name="Rectangle 29"/>
+          <p:cNvSpPr/>
+          <p:nvPr/>
+        </p:nvSpPr>
+        <p:spPr>
+          <a:xfrm>
+            <a:off x="5779355" y="3415917"/>
+            <a:ext cx="3295183" cy="698660"/>
+          </a:xfrm>
+          <a:prstGeom prst="rect">
+            <a:avLst/>
+          </a:prstGeom>
+          <a:solidFill>
+            <a:srgbClr val="00A44D"/>
+          </a:solidFill>
+          <a:ln>
+            <a:noFill/>
+          </a:ln>
+        </p:spPr>
+        <p:style>
+          <a:lnRef idx="2">
+            <a:schemeClr val="accent4">
+              <a:shade val="50000"/>
+            </a:schemeClr>
+          </a:lnRef>
+          <a:fillRef idx="1">
+            <a:schemeClr val="accent4"/>
+          </a:fillRef>
+          <a:effectRef idx="0">
+            <a:schemeClr val="accent4"/>
+          </a:effectRef>
+          <a:fontRef idx="minor">
+            <a:schemeClr val="lt1"/>
+          </a:fontRef>
+        </p:style>
+        <p:txBody>
+          <a:bodyPr rtlCol="0" anchor="ctr"/>
+          <a:lstStyle/>
+          <a:p>
+            <a:pPr algn="ctr"/>
+            <a:r>
+              <a:rPr lang="mr-IN" sz="2000" dirty="0" smtClean="0"/>
+              <a:t>…</a:t>
+            </a:r>
+            <a:endParaRPr lang="en-US" sz="2000" dirty="0"/>
           </a:p>
         </p:txBody>
       </p:sp>
       <p:cxnSp>
         <p:nvCxnSpPr>
-          <p:cNvPr id="70" name="Straight Arrow Connector 69"/>
-          <p:cNvCxnSpPr/>
+          <p:cNvPr id="31" name="Elbow Connector 30"/>
+          <p:cNvCxnSpPr>
+            <a:endCxn id="29" idx="3"/>
+          </p:cNvCxnSpPr>
           <p:nvPr/>
         </p:nvCxnSpPr>
         <p:spPr>
-          <a:xfrm flipV="1">
-            <a:off x="755374" y="3219244"/>
-            <a:ext cx="746728" cy="15203"/>
-          </a:xfrm>
-          <a:prstGeom prst="straightConnector1">
-            <a:avLst/>
-          </a:prstGeom>
-          <a:ln w="76200">
-            <a:tailEnd type="triangle"/>
+          <a:xfrm rot="16200000" flipH="1">
+            <a:off x="8009341" y="1848710"/>
+            <a:ext cx="1500921" cy="642724"/>
+          </a:xfrm>
+          <a:prstGeom prst="bentConnector4">
+            <a:avLst>
+              <a:gd name="adj1" fmla="val 1279"/>
+              <a:gd name="adj2" fmla="val 205671"/>
+            </a:avLst>
+          </a:prstGeom>
+          <a:ln w="38100">
+            <a:solidFill>
+              <a:schemeClr val="bg1">
+                <a:lumMod val="50000"/>
+              </a:schemeClr>
+            </a:solidFill>
+            <a:prstDash val="dash"/>
+            <a:headEnd type="arrow" w="med" len="med"/>
+            <a:tailEnd type="none" w="med" len="med"/>
           </a:ln>
         </p:spPr>
         <p:style>
           <a:lnRef idx="1">
-            <a:schemeClr val="accent3"/>
+            <a:schemeClr val="accent1"/>
           </a:lnRef>
           <a:fillRef idx="0">
-            <a:schemeClr val="accent3"/>
-          </a:fillRef>
-          <a:effectRef idx="0">
-            <a:schemeClr val="accent3"/>
+            <a:schemeClr val="accent1"/>
+          </a:fillRef>
+          <a:effectRef idx="0">
+            <a:schemeClr val="accent1"/>
           </a:effectRef>
           <a:fontRef idx="minor">
             <a:schemeClr val="tx1"/>
@@ -12249,14 +13852,14 @@
       </p:cxnSp>
       <p:sp>
         <p:nvSpPr>
-          <p:cNvPr id="7" name="TextBox 6"/>
+          <p:cNvPr id="53" name="TextBox 52"/>
           <p:cNvSpPr txBox="1"/>
           <p:nvPr/>
         </p:nvSpPr>
         <p:spPr>
           <a:xfrm>
-            <a:off x="9439286" y="2254650"/>
-            <a:ext cx="1772921" cy="369332"/>
+            <a:off x="9740347" y="2075819"/>
+            <a:ext cx="740908" cy="369332"/>
           </a:xfrm>
           <a:prstGeom prst="rect">
             <a:avLst/>
@@ -12270,135 +13873,17 @@
           <a:lstStyle/>
           <a:p>
             <a:r>
-              <a:rPr lang="en-US" dirty="0" smtClean="0">
-                <a:solidFill>
-                  <a:schemeClr val="bg1"/>
-                </a:solidFill>
-              </a:rPr>
-              <a:t>Remove from list</a:t>
-            </a:r>
-            <a:endParaRPr lang="en-US" dirty="0">
-              <a:solidFill>
-                <a:schemeClr val="bg1"/>
-              </a:solidFill>
-            </a:endParaRPr>
-          </a:p>
-        </p:txBody>
-      </p:sp>
-      <p:cxnSp>
-        <p:nvCxnSpPr>
-          <p:cNvPr id="15" name="Straight Arrow Connector 14"/>
-          <p:cNvCxnSpPr>
-            <a:stCxn id="13" idx="3"/>
-            <a:endCxn id="7" idx="1"/>
-          </p:cNvCxnSpPr>
-          <p:nvPr/>
-        </p:nvCxnSpPr>
-        <p:spPr>
-          <a:xfrm flipV="1">
-            <a:off x="8733181" y="2439316"/>
-            <a:ext cx="706105" cy="1"/>
-          </a:xfrm>
-          <a:prstGeom prst="straightConnector1">
-            <a:avLst/>
-          </a:prstGeom>
-          <a:ln w="76200">
-            <a:tailEnd type="triangle"/>
-          </a:ln>
-        </p:spPr>
-        <p:style>
-          <a:lnRef idx="1">
-            <a:schemeClr val="accent3"/>
-          </a:lnRef>
-          <a:fillRef idx="0">
-            <a:schemeClr val="accent3"/>
-          </a:fillRef>
-          <a:effectRef idx="0">
-            <a:schemeClr val="accent3"/>
-          </a:effectRef>
-          <a:fontRef idx="minor">
-            <a:schemeClr val="tx1"/>
-          </a:fontRef>
-        </p:style>
-      </p:cxnSp>
-      <p:sp>
-        <p:nvSpPr>
-          <p:cNvPr id="19" name="TextBox 18"/>
-          <p:cNvSpPr txBox="1"/>
-          <p:nvPr/>
-        </p:nvSpPr>
-        <p:spPr>
-          <a:xfrm>
-            <a:off x="9439286" y="3756926"/>
-            <a:ext cx="1772921" cy="369332"/>
-          </a:xfrm>
-          <a:prstGeom prst="rect">
-            <a:avLst/>
-          </a:prstGeom>
-          <a:noFill/>
-        </p:spPr>
-        <p:txBody>
-          <a:bodyPr wrap="square" rtlCol="0">
-            <a:spAutoFit/>
-          </a:bodyPr>
-          <a:lstStyle/>
-          <a:p>
-            <a:r>
-              <a:rPr lang="en-US" dirty="0" smtClean="0">
-                <a:solidFill>
-                  <a:schemeClr val="bg1"/>
-                </a:solidFill>
-              </a:rPr>
-              <a:t>Add to list</a:t>
-            </a:r>
-            <a:endParaRPr lang="en-US" dirty="0">
-              <a:solidFill>
-                <a:schemeClr val="bg1"/>
-              </a:solidFill>
-            </a:endParaRPr>
-          </a:p>
-        </p:txBody>
-      </p:sp>
-      <p:cxnSp>
-        <p:nvCxnSpPr>
-          <p:cNvPr id="20" name="Straight Arrow Connector 19"/>
-          <p:cNvCxnSpPr>
-            <a:stCxn id="12" idx="3"/>
-            <a:endCxn id="19" idx="1"/>
-          </p:cNvCxnSpPr>
-          <p:nvPr/>
-        </p:nvCxnSpPr>
-        <p:spPr>
-          <a:xfrm flipV="1">
-            <a:off x="8733182" y="3941592"/>
-            <a:ext cx="706104" cy="1"/>
-          </a:xfrm>
-          <a:prstGeom prst="straightConnector1">
-            <a:avLst/>
-          </a:prstGeom>
-          <a:ln w="76200">
-            <a:tailEnd type="triangle"/>
-          </a:ln>
-        </p:spPr>
-        <p:style>
-          <a:lnRef idx="1">
-            <a:schemeClr val="accent3"/>
-          </a:lnRef>
-          <a:fillRef idx="0">
-            <a:schemeClr val="accent3"/>
-          </a:fillRef>
-          <a:effectRef idx="0">
-            <a:schemeClr val="accent3"/>
-          </a:effectRef>
-          <a:fontRef idx="minor">
-            <a:schemeClr val="tx1"/>
-          </a:fontRef>
-        </p:style>
-      </p:cxnSp>
+              <a:rPr lang="en-US" dirty="0" smtClean="0"/>
+              <a:t>❤️like</a:t>
+            </a:r>
+            <a:endParaRPr lang="en-US" dirty="0"/>
+          </a:p>
+        </p:txBody>
+      </p:sp>
     </p:spTree>
     <p:extLst>
       <p:ext uri="{BB962C8B-B14F-4D97-AF65-F5344CB8AC3E}">
-        <p14:creationId xmlns:p14="http://schemas.microsoft.com/office/powerpoint/2010/main" val="1964913867"/>
+        <p14:creationId xmlns:p14="http://schemas.microsoft.com/office/powerpoint/2010/main" val="85593840"/>
       </p:ext>
     </p:extLst>
   </p:cSld>
@@ -12441,8 +13926,8 @@
         </p:nvSpPr>
         <p:spPr>
           <a:xfrm>
-            <a:off x="1555108" y="1265583"/>
-            <a:ext cx="2447048" cy="1007165"/>
+            <a:off x="1555109" y="2714495"/>
+            <a:ext cx="1943461" cy="1039903"/>
           </a:xfrm>
           <a:prstGeom prst="rect">
             <a:avLst/>
@@ -12473,110 +13958,34 @@
           <a:p>
             <a:pPr algn="ctr"/>
             <a:r>
-              <a:rPr lang="en-US" dirty="0" err="1" smtClean="0"/>
-              <a:t>MyComponent.spec.js</a:t>
+              <a:rPr lang="en-US" sz="2000" dirty="0" smtClean="0"/>
+              <a:t>Store action:</a:t>
+            </a:r>
+            <a:br>
+              <a:rPr lang="en-US" sz="2000" dirty="0" smtClean="0"/>
+            </a:br>
+            <a:r>
+              <a:rPr lang="en-US" sz="1400" dirty="0" err="1" smtClean="0"/>
+              <a:t>addToSelection</a:t>
             </a:r>
             <a:r>
               <a:rPr lang="en-US" sz="1400" dirty="0" smtClean="0"/>
-              <a:t/>
-            </a:r>
-            <a:br>
-              <a:rPr lang="en-US" sz="1400" dirty="0" smtClean="0"/>
-            </a:br>
-            <a:r>
-              <a:rPr lang="en-US" sz="800" dirty="0" smtClean="0"/>
-              <a:t> </a:t>
-            </a:r>
-            <a:r>
-              <a:rPr lang="en-US" sz="1400" dirty="0" smtClean="0"/>
-              <a:t/>
-            </a:r>
-            <a:br>
-              <a:rPr lang="en-US" sz="1400" dirty="0" smtClean="0"/>
-            </a:br>
-            <a:r>
-              <a:rPr lang="en-US" sz="1100" dirty="0" smtClean="0"/>
-              <a:t>expect(template</a:t>
-            </a:r>
-            <a:r>
-              <a:rPr lang="en-US" sz="1100" dirty="0"/>
-              <a:t>).</a:t>
-            </a:r>
-            <a:r>
-              <a:rPr lang="en-US" sz="1100" dirty="0" err="1"/>
-              <a:t>toMatchSnapshot</a:t>
-            </a:r>
-            <a:r>
-              <a:rPr lang="en-US" sz="1100" dirty="0"/>
               <a:t>()</a:t>
             </a:r>
-          </a:p>
-        </p:txBody>
-      </p:sp>
-      <p:sp>
-        <p:nvSpPr>
-          <p:cNvPr id="5" name="Diamond 4"/>
+            <a:endParaRPr lang="en-US" sz="1400" dirty="0"/>
+          </a:p>
+        </p:txBody>
+      </p:sp>
+      <p:sp>
+        <p:nvSpPr>
+          <p:cNvPr id="12" name="Rectangle 11"/>
           <p:cNvSpPr/>
           <p:nvPr/>
         </p:nvSpPr>
         <p:spPr>
           <a:xfrm>
-            <a:off x="1555109" y="3008243"/>
-            <a:ext cx="2447049" cy="927652"/>
-          </a:xfrm>
-          <a:prstGeom prst="diamond">
-            <a:avLst/>
-          </a:prstGeom>
-          <a:ln>
-            <a:noFill/>
-          </a:ln>
-        </p:spPr>
-        <p:style>
-          <a:lnRef idx="2">
-            <a:schemeClr val="accent3">
-              <a:shade val="50000"/>
-            </a:schemeClr>
-          </a:lnRef>
-          <a:fillRef idx="1">
-            <a:schemeClr val="accent3"/>
-          </a:fillRef>
-          <a:effectRef idx="0">
-            <a:schemeClr val="accent3"/>
-          </a:effectRef>
-          <a:fontRef idx="minor">
-            <a:schemeClr val="lt1"/>
-          </a:fontRef>
-        </p:style>
-        <p:txBody>
-          <a:bodyPr rtlCol="0" anchor="ctr"/>
-          <a:lstStyle/>
-          <a:p>
-            <a:pPr algn="ctr"/>
-            <a:r>
-              <a:rPr lang="en-US" dirty="0" smtClean="0"/>
-              <a:t>Compare</a:t>
-            </a:r>
-            <a:br>
-              <a:rPr lang="en-US" dirty="0" smtClean="0"/>
-            </a:br>
-            <a:r>
-              <a:rPr lang="en-US" dirty="0" smtClean="0"/>
-              <a:t>output</a:t>
-            </a:r>
-            <a:endParaRPr lang="en-US" dirty="0"/>
-          </a:p>
-        </p:txBody>
-      </p:sp>
-      <p:sp>
-        <p:nvSpPr>
-          <p:cNvPr id="18" name="Rectangle 17"/>
-          <p:cNvSpPr/>
-          <p:nvPr/>
-        </p:nvSpPr>
-        <p:spPr>
-          <a:xfrm>
-            <a:off x="2187900" y="4651513"/>
-            <a:ext cx="1181465" cy="475244"/>
+            <a:off x="6286139" y="3421641"/>
+            <a:ext cx="2447043" cy="1039903"/>
           </a:xfrm>
           <a:prstGeom prst="rect">
             <a:avLst/>
@@ -12610,29 +14019,48 @@
           <a:p>
             <a:pPr algn="ctr"/>
             <a:r>
-              <a:rPr lang="en-US" smtClean="0"/>
-              <a:t>Pass</a:t>
-            </a:r>
-            <a:endParaRPr lang="en-US" sz="2000" dirty="0"/>
-          </a:p>
-        </p:txBody>
-      </p:sp>
-      <p:sp>
-        <p:nvSpPr>
-          <p:cNvPr id="22" name="Rectangle 21"/>
+              <a:rPr lang="en-US" dirty="0"/>
+              <a:t>Module/</a:t>
+            </a:r>
+            <a:r>
+              <a:rPr lang="en-US" dirty="0" err="1"/>
+              <a:t>HostelSelection</a:t>
+            </a:r>
+            <a:r>
+              <a:rPr lang="en-US" sz="2000" dirty="0"/>
+              <a:t/>
+            </a:r>
+            <a:br>
+              <a:rPr lang="en-US" sz="2000" dirty="0"/>
+            </a:br>
+            <a:r>
+              <a:rPr lang="en-US" sz="1400" dirty="0"/>
+              <a:t> mutation: </a:t>
+            </a:r>
+            <a:r>
+              <a:rPr lang="en-US" sz="1400" dirty="0" err="1"/>
+              <a:t>addToSelection</a:t>
+            </a:r>
+            <a:endParaRPr lang="en-US" sz="1400" dirty="0"/>
+          </a:p>
+        </p:txBody>
+      </p:sp>
+      <p:sp>
+        <p:nvSpPr>
+          <p:cNvPr id="13" name="Rectangle 12"/>
           <p:cNvSpPr/>
           <p:nvPr/>
         </p:nvSpPr>
         <p:spPr>
           <a:xfrm>
-            <a:off x="4705813" y="3234447"/>
-            <a:ext cx="1181465" cy="475244"/>
+            <a:off x="6286138" y="1919365"/>
+            <a:ext cx="2447043" cy="1039903"/>
           </a:xfrm>
           <a:prstGeom prst="rect">
             <a:avLst/>
           </a:prstGeom>
           <a:solidFill>
-            <a:srgbClr val="99424F"/>
+            <a:srgbClr val="00A44D"/>
           </a:solidFill>
           <a:ln>
             <a:noFill/>
@@ -12661,7 +14089,26 @@
             <a:pPr algn="ctr"/>
             <a:r>
               <a:rPr lang="en-US" dirty="0" smtClean="0"/>
-              <a:t>Fail</a:t>
+              <a:t>Module/</a:t>
+            </a:r>
+            <a:r>
+              <a:rPr lang="en-US" dirty="0" err="1" smtClean="0"/>
+              <a:t>HostelList</a:t>
+            </a:r>
+            <a:r>
+              <a:rPr lang="en-US" sz="2000" dirty="0" smtClean="0"/>
+              <a:t/>
+            </a:r>
+            <a:br>
+              <a:rPr lang="en-US" sz="2000" dirty="0" smtClean="0"/>
+            </a:br>
+            <a:r>
+              <a:rPr lang="en-US" sz="1400" dirty="0" smtClean="0"/>
+              <a:t>mutation: </a:t>
+            </a:r>
+            <a:r>
+              <a:rPr lang="en-US" sz="1400" dirty="0" err="1" smtClean="0"/>
+              <a:t>addToSelection</a:t>
             </a:r>
             <a:endParaRPr lang="en-US" sz="2000" dirty="0"/>
           </a:p>
@@ -12669,25 +14116,22 @@
       </p:sp>
       <p:cxnSp>
         <p:nvCxnSpPr>
-          <p:cNvPr id="23" name="Straight Arrow Connector 22"/>
+          <p:cNvPr id="17" name="Straight Arrow Connector 16"/>
           <p:cNvCxnSpPr>
-            <a:stCxn id="5" idx="3"/>
-            <a:endCxn id="22" idx="1"/>
+            <a:stCxn id="25" idx="6"/>
+            <a:endCxn id="12" idx="1"/>
           </p:cNvCxnSpPr>
           <p:nvPr/>
         </p:nvCxnSpPr>
         <p:spPr>
           <a:xfrm>
-            <a:off x="4002158" y="3472069"/>
-            <a:ext cx="703655" cy="0"/>
+            <a:off x="5369432" y="3224312"/>
+            <a:ext cx="916707" cy="717281"/>
           </a:xfrm>
           <a:prstGeom prst="straightConnector1">
             <a:avLst/>
           </a:prstGeom>
           <a:ln w="76200">
-            <a:solidFill>
-              <a:schemeClr val="bg1"/>
-            </a:solidFill>
             <a:tailEnd type="triangle"/>
           </a:ln>
         </p:spPr>
@@ -12708,25 +14152,22 @@
       </p:cxnSp>
       <p:cxnSp>
         <p:nvCxnSpPr>
-          <p:cNvPr id="26" name="Straight Arrow Connector 25"/>
+          <p:cNvPr id="21" name="Straight Arrow Connector 20"/>
           <p:cNvCxnSpPr>
-            <a:stCxn id="5" idx="2"/>
-            <a:endCxn id="18" idx="0"/>
+            <a:stCxn id="25" idx="6"/>
+            <a:endCxn id="13" idx="1"/>
           </p:cNvCxnSpPr>
           <p:nvPr/>
         </p:nvCxnSpPr>
         <p:spPr>
-          <a:xfrm flipH="1">
-            <a:off x="2778633" y="3935895"/>
-            <a:ext cx="1" cy="715618"/>
+          <a:xfrm flipV="1">
+            <a:off x="5369432" y="2439317"/>
+            <a:ext cx="916706" cy="784995"/>
           </a:xfrm>
           <a:prstGeom prst="straightConnector1">
             <a:avLst/>
           </a:prstGeom>
           <a:ln w="76200">
-            <a:solidFill>
-              <a:schemeClr val="bg1"/>
-            </a:solidFill>
             <a:tailEnd type="triangle"/>
           </a:ln>
         </p:spPr>
@@ -12747,25 +14188,22 @@
       </p:cxnSp>
       <p:cxnSp>
         <p:nvCxnSpPr>
-          <p:cNvPr id="27" name="Straight Arrow Connector 26"/>
+          <p:cNvPr id="24" name="Straight Arrow Connector 23"/>
           <p:cNvCxnSpPr>
-            <a:stCxn id="2" idx="2"/>
-            <a:endCxn id="5" idx="0"/>
+            <a:stCxn id="2" idx="3"/>
+            <a:endCxn id="25" idx="2"/>
           </p:cNvCxnSpPr>
           <p:nvPr/>
         </p:nvCxnSpPr>
         <p:spPr>
-          <a:xfrm>
-            <a:off x="2778632" y="2272748"/>
-            <a:ext cx="2" cy="735495"/>
+          <a:xfrm flipV="1">
+            <a:off x="3498570" y="3224312"/>
+            <a:ext cx="810689" cy="10135"/>
           </a:xfrm>
           <a:prstGeom prst="straightConnector1">
             <a:avLst/>
           </a:prstGeom>
           <a:ln w="76200">
-            <a:solidFill>
-              <a:schemeClr val="bg1"/>
-            </a:solidFill>
             <a:tailEnd type="triangle"/>
           </a:ln>
         </p:spPr>
@@ -12784,43 +14222,231 @@
           </a:fontRef>
         </p:style>
       </p:cxnSp>
+      <p:sp>
+        <p:nvSpPr>
+          <p:cNvPr id="25" name="Oval 24"/>
+          <p:cNvSpPr/>
+          <p:nvPr/>
+        </p:nvSpPr>
+        <p:spPr>
+          <a:xfrm>
+            <a:off x="4309259" y="2694225"/>
+            <a:ext cx="1060173" cy="1060173"/>
+          </a:xfrm>
+          <a:prstGeom prst="ellipse">
+            <a:avLst/>
+          </a:prstGeom>
+          <a:solidFill>
+            <a:schemeClr val="accent2"/>
+          </a:solidFill>
+          <a:ln>
+            <a:noFill/>
+          </a:ln>
+        </p:spPr>
+        <p:style>
+          <a:lnRef idx="2">
+            <a:schemeClr val="accent1">
+              <a:shade val="50000"/>
+            </a:schemeClr>
+          </a:lnRef>
+          <a:fillRef idx="1">
+            <a:schemeClr val="accent1"/>
+          </a:fillRef>
+          <a:effectRef idx="0">
+            <a:schemeClr val="accent1"/>
+          </a:effectRef>
+          <a:fontRef idx="minor">
+            <a:schemeClr val="lt1"/>
+          </a:fontRef>
+        </p:style>
+        <p:txBody>
+          <a:bodyPr rtlCol="0" anchor="ctr"/>
+          <a:lstStyle/>
+          <a:p>
+            <a:pPr algn="ctr"/>
+            <a:r>
+              <a:rPr lang="en-US" sz="1400" dirty="0" smtClean="0"/>
+              <a:t>commit</a:t>
+            </a:r>
+            <a:endParaRPr lang="en-US" sz="1400" dirty="0"/>
+          </a:p>
+        </p:txBody>
+      </p:sp>
       <p:cxnSp>
         <p:nvCxnSpPr>
-          <p:cNvPr id="48" name="Elbow Connector 47"/>
+          <p:cNvPr id="70" name="Straight Arrow Connector 69"/>
           <p:cNvCxnSpPr/>
           <p:nvPr/>
         </p:nvCxnSpPr>
         <p:spPr>
-          <a:xfrm flipH="1">
-            <a:off x="2875723" y="4078356"/>
-            <a:ext cx="4913240" cy="231913"/>
-          </a:xfrm>
-          <a:prstGeom prst="bentConnector5">
-            <a:avLst>
-              <a:gd name="adj1" fmla="val -4653"/>
-              <a:gd name="adj2" fmla="val 260001"/>
-              <a:gd name="adj3" fmla="val 62023"/>
-            </a:avLst>
+          <a:xfrm flipV="1">
+            <a:off x="755374" y="3219244"/>
+            <a:ext cx="746728" cy="15203"/>
+          </a:xfrm>
+          <a:prstGeom prst="straightConnector1">
+            <a:avLst/>
           </a:prstGeom>
           <a:ln w="76200">
-            <a:solidFill>
-              <a:schemeClr val="bg1">
-                <a:alpha val="0"/>
-              </a:schemeClr>
-            </a:solidFill>
-            <a:prstDash val="sysDot"/>
             <a:tailEnd type="triangle"/>
           </a:ln>
         </p:spPr>
         <p:style>
           <a:lnRef idx="1">
-            <a:schemeClr val="accent1"/>
+            <a:schemeClr val="accent3"/>
           </a:lnRef>
           <a:fillRef idx="0">
-            <a:schemeClr val="accent1"/>
-          </a:fillRef>
-          <a:effectRef idx="0">
-            <a:schemeClr val="accent1"/>
+            <a:schemeClr val="accent3"/>
+          </a:fillRef>
+          <a:effectRef idx="0">
+            <a:schemeClr val="accent3"/>
+          </a:effectRef>
+          <a:fontRef idx="minor">
+            <a:schemeClr val="tx1"/>
+          </a:fontRef>
+        </p:style>
+      </p:cxnSp>
+      <p:sp>
+        <p:nvSpPr>
+          <p:cNvPr id="7" name="TextBox 6"/>
+          <p:cNvSpPr txBox="1"/>
+          <p:nvPr/>
+        </p:nvSpPr>
+        <p:spPr>
+          <a:xfrm>
+            <a:off x="9439286" y="2254650"/>
+            <a:ext cx="1772921" cy="369332"/>
+          </a:xfrm>
+          <a:prstGeom prst="rect">
+            <a:avLst/>
+          </a:prstGeom>
+          <a:noFill/>
+        </p:spPr>
+        <p:txBody>
+          <a:bodyPr wrap="none" rtlCol="0">
+            <a:spAutoFit/>
+          </a:bodyPr>
+          <a:lstStyle/>
+          <a:p>
+            <a:r>
+              <a:rPr lang="en-US" dirty="0" smtClean="0">
+                <a:solidFill>
+                  <a:schemeClr val="bg1"/>
+                </a:solidFill>
+              </a:rPr>
+              <a:t>Remove from list</a:t>
+            </a:r>
+            <a:endParaRPr lang="en-US" dirty="0">
+              <a:solidFill>
+                <a:schemeClr val="bg1"/>
+              </a:solidFill>
+            </a:endParaRPr>
+          </a:p>
+        </p:txBody>
+      </p:sp>
+      <p:cxnSp>
+        <p:nvCxnSpPr>
+          <p:cNvPr id="15" name="Straight Arrow Connector 14"/>
+          <p:cNvCxnSpPr>
+            <a:stCxn id="13" idx="3"/>
+            <a:endCxn id="7" idx="1"/>
+          </p:cNvCxnSpPr>
+          <p:nvPr/>
+        </p:nvCxnSpPr>
+        <p:spPr>
+          <a:xfrm flipV="1">
+            <a:off x="8733181" y="2439316"/>
+            <a:ext cx="706105" cy="1"/>
+          </a:xfrm>
+          <a:prstGeom prst="straightConnector1">
+            <a:avLst/>
+          </a:prstGeom>
+          <a:ln w="76200">
+            <a:tailEnd type="triangle"/>
+          </a:ln>
+        </p:spPr>
+        <p:style>
+          <a:lnRef idx="1">
+            <a:schemeClr val="accent3"/>
+          </a:lnRef>
+          <a:fillRef idx="0">
+            <a:schemeClr val="accent3"/>
+          </a:fillRef>
+          <a:effectRef idx="0">
+            <a:schemeClr val="accent3"/>
+          </a:effectRef>
+          <a:fontRef idx="minor">
+            <a:schemeClr val="tx1"/>
+          </a:fontRef>
+        </p:style>
+      </p:cxnSp>
+      <p:sp>
+        <p:nvSpPr>
+          <p:cNvPr id="19" name="TextBox 18"/>
+          <p:cNvSpPr txBox="1"/>
+          <p:nvPr/>
+        </p:nvSpPr>
+        <p:spPr>
+          <a:xfrm>
+            <a:off x="9439286" y="3756926"/>
+            <a:ext cx="1772921" cy="369332"/>
+          </a:xfrm>
+          <a:prstGeom prst="rect">
+            <a:avLst/>
+          </a:prstGeom>
+          <a:noFill/>
+        </p:spPr>
+        <p:txBody>
+          <a:bodyPr wrap="square" rtlCol="0">
+            <a:spAutoFit/>
+          </a:bodyPr>
+          <a:lstStyle/>
+          <a:p>
+            <a:r>
+              <a:rPr lang="en-US" dirty="0" smtClean="0">
+                <a:solidFill>
+                  <a:schemeClr val="bg1"/>
+                </a:solidFill>
+              </a:rPr>
+              <a:t>Add to list</a:t>
+            </a:r>
+            <a:endParaRPr lang="en-US" dirty="0">
+              <a:solidFill>
+                <a:schemeClr val="bg1"/>
+              </a:solidFill>
+            </a:endParaRPr>
+          </a:p>
+        </p:txBody>
+      </p:sp>
+      <p:cxnSp>
+        <p:nvCxnSpPr>
+          <p:cNvPr id="20" name="Straight Arrow Connector 19"/>
+          <p:cNvCxnSpPr>
+            <a:stCxn id="12" idx="3"/>
+            <a:endCxn id="19" idx="1"/>
+          </p:cNvCxnSpPr>
+          <p:nvPr/>
+        </p:nvCxnSpPr>
+        <p:spPr>
+          <a:xfrm flipV="1">
+            <a:off x="8733182" y="3941592"/>
+            <a:ext cx="706104" cy="1"/>
+          </a:xfrm>
+          <a:prstGeom prst="straightConnector1">
+            <a:avLst/>
+          </a:prstGeom>
+          <a:ln w="76200">
+            <a:tailEnd type="triangle"/>
+          </a:ln>
+        </p:spPr>
+        <p:style>
+          <a:lnRef idx="1">
+            <a:schemeClr val="accent3"/>
+          </a:lnRef>
+          <a:fillRef idx="0">
+            <a:schemeClr val="accent3"/>
+          </a:fillRef>
+          <a:effectRef idx="0">
+            <a:schemeClr val="accent3"/>
           </a:effectRef>
           <a:fontRef idx="minor">
             <a:schemeClr val="tx1"/>
@@ -12830,7 +14456,7 @@
     </p:spTree>
     <p:extLst>
       <p:ext uri="{BB962C8B-B14F-4D97-AF65-F5344CB8AC3E}">
-        <p14:creationId xmlns:p14="http://schemas.microsoft.com/office/powerpoint/2010/main" val="48424859"/>
+        <p14:creationId xmlns:p14="http://schemas.microsoft.com/office/powerpoint/2010/main" val="1964913867"/>
       </p:ext>
     </p:extLst>
   </p:cSld>
@@ -13218,188 +14844,8 @@
       </p:cxnSp>
       <p:cxnSp>
         <p:nvCxnSpPr>
-          <p:cNvPr id="35" name="Straight Arrow Connector 34"/>
-          <p:cNvCxnSpPr>
-            <a:stCxn id="22" idx="3"/>
-            <a:endCxn id="36" idx="1"/>
-          </p:cNvCxnSpPr>
-          <p:nvPr/>
-        </p:nvCxnSpPr>
-        <p:spPr>
-          <a:xfrm flipV="1">
-            <a:off x="5887278" y="2782039"/>
-            <a:ext cx="720220" cy="690030"/>
-          </a:xfrm>
-          <a:prstGeom prst="straightConnector1">
-            <a:avLst/>
-          </a:prstGeom>
-          <a:ln w="76200">
-            <a:solidFill>
-              <a:schemeClr val="bg1"/>
-            </a:solidFill>
-            <a:tailEnd type="triangle"/>
-          </a:ln>
-        </p:spPr>
-        <p:style>
-          <a:lnRef idx="1">
-            <a:schemeClr val="accent3"/>
-          </a:lnRef>
-          <a:fillRef idx="0">
-            <a:schemeClr val="accent3"/>
-          </a:fillRef>
-          <a:effectRef idx="0">
-            <a:schemeClr val="accent3"/>
-          </a:effectRef>
-          <a:fontRef idx="minor">
-            <a:schemeClr val="tx1"/>
-          </a:fontRef>
-        </p:style>
-      </p:cxnSp>
-      <p:sp>
-        <p:nvSpPr>
-          <p:cNvPr id="36" name="Rectangle 35"/>
-          <p:cNvSpPr/>
-          <p:nvPr/>
-        </p:nvSpPr>
-        <p:spPr>
-          <a:xfrm>
-            <a:off x="6607498" y="2544417"/>
-            <a:ext cx="1181465" cy="475244"/>
-          </a:xfrm>
-          <a:prstGeom prst="rect">
-            <a:avLst/>
-          </a:prstGeom>
-          <a:solidFill>
-            <a:srgbClr val="99424F"/>
-          </a:solidFill>
-          <a:ln>
-            <a:noFill/>
-          </a:ln>
-        </p:spPr>
-        <p:style>
-          <a:lnRef idx="2">
-            <a:schemeClr val="accent4">
-              <a:shade val="50000"/>
-            </a:schemeClr>
-          </a:lnRef>
-          <a:fillRef idx="1">
-            <a:schemeClr val="accent4"/>
-          </a:fillRef>
-          <a:effectRef idx="0">
-            <a:schemeClr val="accent4"/>
-          </a:effectRef>
-          <a:fontRef idx="minor">
-            <a:schemeClr val="lt1"/>
-          </a:fontRef>
-        </p:style>
-        <p:txBody>
-          <a:bodyPr rtlCol="0" anchor="ctr"/>
-          <a:lstStyle/>
-          <a:p>
-            <a:pPr algn="ctr"/>
-            <a:r>
-              <a:rPr lang="en-US" smtClean="0"/>
-              <a:t>Bug</a:t>
-            </a:r>
-            <a:endParaRPr lang="en-US" sz="2000" dirty="0"/>
-          </a:p>
-        </p:txBody>
-      </p:sp>
-      <p:sp>
-        <p:nvSpPr>
-          <p:cNvPr id="37" name="Rectangle 36"/>
-          <p:cNvSpPr/>
-          <p:nvPr/>
-        </p:nvSpPr>
-        <p:spPr>
-          <a:xfrm>
-            <a:off x="6607498" y="3703981"/>
-            <a:ext cx="1181465" cy="748749"/>
-          </a:xfrm>
-          <a:prstGeom prst="rect">
-            <a:avLst/>
-          </a:prstGeom>
-          <a:solidFill>
-            <a:schemeClr val="accent2"/>
-          </a:solidFill>
-          <a:ln>
-            <a:noFill/>
-          </a:ln>
-        </p:spPr>
-        <p:style>
-          <a:lnRef idx="2">
-            <a:schemeClr val="accent4">
-              <a:shade val="50000"/>
-            </a:schemeClr>
-          </a:lnRef>
-          <a:fillRef idx="1">
-            <a:schemeClr val="accent4"/>
-          </a:fillRef>
-          <a:effectRef idx="0">
-            <a:schemeClr val="accent4"/>
-          </a:effectRef>
-          <a:fontRef idx="minor">
-            <a:schemeClr val="lt1"/>
-          </a:fontRef>
-        </p:style>
-        <p:txBody>
-          <a:bodyPr rtlCol="0" anchor="ctr"/>
-          <a:lstStyle/>
-          <a:p>
-            <a:pPr algn="ctr"/>
-            <a:r>
-              <a:rPr lang="en-US" dirty="0" smtClean="0"/>
-              <a:t>Update snapshot</a:t>
-            </a:r>
-            <a:endParaRPr lang="en-US" sz="2000" dirty="0"/>
-          </a:p>
-        </p:txBody>
-      </p:sp>
-      <p:cxnSp>
-        <p:nvCxnSpPr>
-          <p:cNvPr id="40" name="Straight Arrow Connector 39"/>
-          <p:cNvCxnSpPr>
-            <a:stCxn id="22" idx="3"/>
-            <a:endCxn id="37" idx="1"/>
-          </p:cNvCxnSpPr>
-          <p:nvPr/>
-        </p:nvCxnSpPr>
-        <p:spPr>
-          <a:xfrm>
-            <a:off x="5887278" y="3472069"/>
-            <a:ext cx="720220" cy="606287"/>
-          </a:xfrm>
-          <a:prstGeom prst="straightConnector1">
-            <a:avLst/>
-          </a:prstGeom>
-          <a:ln w="76200">
-            <a:solidFill>
-              <a:schemeClr val="bg1"/>
-            </a:solidFill>
-            <a:tailEnd type="triangle"/>
-          </a:ln>
-        </p:spPr>
-        <p:style>
-          <a:lnRef idx="1">
-            <a:schemeClr val="accent3"/>
-          </a:lnRef>
-          <a:fillRef idx="0">
-            <a:schemeClr val="accent3"/>
-          </a:fillRef>
-          <a:effectRef idx="0">
-            <a:schemeClr val="accent3"/>
-          </a:effectRef>
-          <a:fontRef idx="minor">
-            <a:schemeClr val="tx1"/>
-          </a:fontRef>
-        </p:style>
-      </p:cxnSp>
-      <p:cxnSp>
-        <p:nvCxnSpPr>
           <p:cNvPr id="48" name="Elbow Connector 47"/>
-          <p:cNvCxnSpPr>
-            <a:stCxn id="37" idx="3"/>
-          </p:cNvCxnSpPr>
+          <p:cNvCxnSpPr/>
           <p:nvPr/>
         </p:nvCxnSpPr>
         <p:spPr>
@@ -13442,7 +14888,7 @@
     </p:spTree>
     <p:extLst>
       <p:ext uri="{BB962C8B-B14F-4D97-AF65-F5344CB8AC3E}">
-        <p14:creationId xmlns:p14="http://schemas.microsoft.com/office/powerpoint/2010/main" val="229368651"/>
+        <p14:creationId xmlns:p14="http://schemas.microsoft.com/office/powerpoint/2010/main" val="48424859"/>
       </p:ext>
     </p:extLst>
   </p:cSld>
@@ -14028,7 +15474,9 @@
           </a:prstGeom>
           <a:ln w="76200">
             <a:solidFill>
-              <a:schemeClr val="bg1"/>
+              <a:schemeClr val="bg1">
+                <a:alpha val="0"/>
+              </a:schemeClr>
             </a:solidFill>
             <a:prstDash val="sysDot"/>
             <a:tailEnd type="triangle"/>
@@ -14052,7 +15500,7 @@
     </p:spTree>
     <p:extLst>
       <p:ext uri="{BB962C8B-B14F-4D97-AF65-F5344CB8AC3E}">
-        <p14:creationId xmlns:p14="http://schemas.microsoft.com/office/powerpoint/2010/main" val="265770992"/>
+        <p14:creationId xmlns:p14="http://schemas.microsoft.com/office/powerpoint/2010/main" val="229368651"/>
       </p:ext>
     </p:extLst>
   </p:cSld>
@@ -14089,36 +15537,33 @@
       </p:grpSpPr>
       <p:sp>
         <p:nvSpPr>
-          <p:cNvPr id="4" name="Oval 3"/>
+          <p:cNvPr id="2" name="Rectangle 1"/>
           <p:cNvSpPr/>
           <p:nvPr/>
         </p:nvSpPr>
         <p:spPr>
           <a:xfrm>
-            <a:off x="701749" y="3346191"/>
-            <a:ext cx="552893" cy="552893"/>
-          </a:xfrm>
-          <a:prstGeom prst="ellipse">
-            <a:avLst/>
-          </a:prstGeom>
-          <a:solidFill>
-            <a:schemeClr val="accent4"/>
-          </a:solidFill>
-          <a:ln w="0">
+            <a:off x="1555108" y="1265583"/>
+            <a:ext cx="2447048" cy="1007165"/>
+          </a:xfrm>
+          <a:prstGeom prst="rect">
+            <a:avLst/>
+          </a:prstGeom>
+          <a:ln>
             <a:noFill/>
           </a:ln>
         </p:spPr>
         <p:style>
           <a:lnRef idx="2">
-            <a:schemeClr val="accent1">
+            <a:schemeClr val="accent4">
               <a:shade val="50000"/>
             </a:schemeClr>
           </a:lnRef>
           <a:fillRef idx="1">
-            <a:schemeClr val="accent1"/>
-          </a:fillRef>
-          <a:effectRef idx="0">
-            <a:schemeClr val="accent1"/>
+            <a:schemeClr val="accent4"/>
+          </a:fillRef>
+          <a:effectRef idx="0">
+            <a:schemeClr val="accent4"/>
           </a:effectRef>
           <a:fontRef idx="minor">
             <a:schemeClr val="lt1"/>
@@ -14129,42 +15574,76 @@
           <a:lstStyle/>
           <a:p>
             <a:pPr algn="ctr"/>
-            <a:endParaRPr lang="en-US"/>
-          </a:p>
-        </p:txBody>
-      </p:sp>
-      <p:sp>
-        <p:nvSpPr>
-          <p:cNvPr id="5" name="Oval 4"/>
+            <a:r>
+              <a:rPr lang="en-US" dirty="0" err="1" smtClean="0"/>
+              <a:t>MyComponent.spec.js</a:t>
+            </a:r>
+            <a:r>
+              <a:rPr lang="en-US" sz="1400" dirty="0" smtClean="0"/>
+              <a:t/>
+            </a:r>
+            <a:br>
+              <a:rPr lang="en-US" sz="1400" dirty="0" smtClean="0"/>
+            </a:br>
+            <a:r>
+              <a:rPr lang="en-US" sz="800" dirty="0" smtClean="0"/>
+              <a:t> </a:t>
+            </a:r>
+            <a:r>
+              <a:rPr lang="en-US" sz="1400" dirty="0" smtClean="0"/>
+              <a:t/>
+            </a:r>
+            <a:br>
+              <a:rPr lang="en-US" sz="1400" dirty="0" smtClean="0"/>
+            </a:br>
+            <a:r>
+              <a:rPr lang="en-US" sz="1100" dirty="0" smtClean="0"/>
+              <a:t>expect(template</a:t>
+            </a:r>
+            <a:r>
+              <a:rPr lang="en-US" sz="1100" dirty="0"/>
+              <a:t>).</a:t>
+            </a:r>
+            <a:r>
+              <a:rPr lang="en-US" sz="1100" dirty="0" err="1"/>
+              <a:t>toMatchSnapshot</a:t>
+            </a:r>
+            <a:r>
+              <a:rPr lang="en-US" sz="1100" dirty="0"/>
+              <a:t>()</a:t>
+            </a:r>
+          </a:p>
+        </p:txBody>
+      </p:sp>
+      <p:sp>
+        <p:nvSpPr>
+          <p:cNvPr id="5" name="Diamond 4"/>
           <p:cNvSpPr/>
           <p:nvPr/>
         </p:nvSpPr>
         <p:spPr>
           <a:xfrm>
-            <a:off x="1599379" y="2346182"/>
-            <a:ext cx="552893" cy="552893"/>
-          </a:xfrm>
-          <a:prstGeom prst="ellipse">
-            <a:avLst/>
-          </a:prstGeom>
-          <a:solidFill>
-            <a:schemeClr val="accent4"/>
-          </a:solidFill>
-          <a:ln w="0">
+            <a:off x="1555109" y="3008243"/>
+            <a:ext cx="2447049" cy="927652"/>
+          </a:xfrm>
+          <a:prstGeom prst="diamond">
+            <a:avLst/>
+          </a:prstGeom>
+          <a:ln>
             <a:noFill/>
           </a:ln>
         </p:spPr>
         <p:style>
           <a:lnRef idx="2">
-            <a:schemeClr val="accent1">
+            <a:schemeClr val="accent3">
               <a:shade val="50000"/>
             </a:schemeClr>
           </a:lnRef>
           <a:fillRef idx="1">
-            <a:schemeClr val="accent1"/>
-          </a:fillRef>
-          <a:effectRef idx="0">
-            <a:schemeClr val="accent1"/>
+            <a:schemeClr val="accent3"/>
+          </a:fillRef>
+          <a:effectRef idx="0">
+            <a:schemeClr val="accent3"/>
           </a:effectRef>
           <a:fontRef idx="minor">
             <a:schemeClr val="lt1"/>
@@ -14175,42 +15654,53 @@
           <a:lstStyle/>
           <a:p>
             <a:pPr algn="ctr"/>
-            <a:endParaRPr lang="en-US"/>
-          </a:p>
-        </p:txBody>
-      </p:sp>
-      <p:sp>
-        <p:nvSpPr>
-          <p:cNvPr id="6" name="Oval 5"/>
+            <a:r>
+              <a:rPr lang="en-US" dirty="0" smtClean="0"/>
+              <a:t>Compare</a:t>
+            </a:r>
+            <a:br>
+              <a:rPr lang="en-US" dirty="0" smtClean="0"/>
+            </a:br>
+            <a:r>
+              <a:rPr lang="en-US" dirty="0" smtClean="0"/>
+              <a:t>output</a:t>
+            </a:r>
+            <a:endParaRPr lang="en-US" dirty="0"/>
+          </a:p>
+        </p:txBody>
+      </p:sp>
+      <p:sp>
+        <p:nvSpPr>
+          <p:cNvPr id="18" name="Rectangle 17"/>
           <p:cNvSpPr/>
           <p:nvPr/>
         </p:nvSpPr>
         <p:spPr>
           <a:xfrm>
-            <a:off x="1518410" y="3951699"/>
-            <a:ext cx="552893" cy="552893"/>
-          </a:xfrm>
-          <a:prstGeom prst="ellipse">
+            <a:off x="2187900" y="4651513"/>
+            <a:ext cx="1181465" cy="475244"/>
+          </a:xfrm>
+          <a:prstGeom prst="rect">
             <a:avLst/>
           </a:prstGeom>
           <a:solidFill>
-            <a:schemeClr val="accent4"/>
+            <a:srgbClr val="00A44D"/>
           </a:solidFill>
-          <a:ln w="0">
+          <a:ln>
             <a:noFill/>
           </a:ln>
         </p:spPr>
         <p:style>
           <a:lnRef idx="2">
-            <a:schemeClr val="accent1">
+            <a:schemeClr val="accent4">
               <a:shade val="50000"/>
             </a:schemeClr>
           </a:lnRef>
           <a:fillRef idx="1">
-            <a:schemeClr val="accent1"/>
-          </a:fillRef>
-          <a:effectRef idx="0">
-            <a:schemeClr val="accent1"/>
+            <a:schemeClr val="accent4"/>
+          </a:fillRef>
+          <a:effectRef idx="0">
+            <a:schemeClr val="accent4"/>
           </a:effectRef>
           <a:fontRef idx="minor">
             <a:schemeClr val="lt1"/>
@@ -14221,42 +15711,46 @@
           <a:lstStyle/>
           <a:p>
             <a:pPr algn="ctr"/>
-            <a:endParaRPr lang="en-US"/>
-          </a:p>
-        </p:txBody>
-      </p:sp>
-      <p:sp>
-        <p:nvSpPr>
-          <p:cNvPr id="7" name="Oval 6"/>
+            <a:r>
+              <a:rPr lang="en-US" smtClean="0"/>
+              <a:t>Pass</a:t>
+            </a:r>
+            <a:endParaRPr lang="en-US" sz="2000" dirty="0"/>
+          </a:p>
+        </p:txBody>
+      </p:sp>
+      <p:sp>
+        <p:nvSpPr>
+          <p:cNvPr id="22" name="Rectangle 21"/>
           <p:cNvSpPr/>
           <p:nvPr/>
         </p:nvSpPr>
         <p:spPr>
           <a:xfrm>
-            <a:off x="874117" y="1793289"/>
-            <a:ext cx="552893" cy="552893"/>
-          </a:xfrm>
-          <a:prstGeom prst="ellipse">
+            <a:off x="4705813" y="3234447"/>
+            <a:ext cx="1181465" cy="475244"/>
+          </a:xfrm>
+          <a:prstGeom prst="rect">
             <a:avLst/>
           </a:prstGeom>
           <a:solidFill>
-            <a:schemeClr val="accent4"/>
+            <a:srgbClr val="99424F"/>
           </a:solidFill>
-          <a:ln w="0">
+          <a:ln>
             <a:noFill/>
           </a:ln>
         </p:spPr>
         <p:style>
           <a:lnRef idx="2">
-            <a:schemeClr val="accent1">
+            <a:schemeClr val="accent4">
               <a:shade val="50000"/>
             </a:schemeClr>
           </a:lnRef>
           <a:fillRef idx="1">
-            <a:schemeClr val="accent1"/>
-          </a:fillRef>
-          <a:effectRef idx="0">
-            <a:schemeClr val="accent1"/>
+            <a:schemeClr val="accent4"/>
+          </a:fillRef>
+          <a:effectRef idx="0">
+            <a:schemeClr val="accent4"/>
           </a:effectRef>
           <a:fontRef idx="minor">
             <a:schemeClr val="lt1"/>
@@ -14267,208 +15761,86 @@
           <a:lstStyle/>
           <a:p>
             <a:pPr algn="ctr"/>
-            <a:endParaRPr lang="en-US"/>
-          </a:p>
-        </p:txBody>
-      </p:sp>
-      <p:sp>
-        <p:nvSpPr>
-          <p:cNvPr id="8" name="Oval 7"/>
-          <p:cNvSpPr/>
-          <p:nvPr/>
-        </p:nvSpPr>
-        <p:spPr>
-          <a:xfrm>
-            <a:off x="2339566" y="3028986"/>
-            <a:ext cx="552893" cy="552893"/>
-          </a:xfrm>
-          <a:prstGeom prst="ellipse">
-            <a:avLst/>
-          </a:prstGeom>
-          <a:solidFill>
-            <a:schemeClr val="accent4"/>
-          </a:solidFill>
-          <a:ln w="0">
-            <a:noFill/>
-          </a:ln>
-        </p:spPr>
-        <p:style>
-          <a:lnRef idx="2">
-            <a:schemeClr val="accent1">
-              <a:shade val="50000"/>
-            </a:schemeClr>
-          </a:lnRef>
-          <a:fillRef idx="1">
-            <a:schemeClr val="accent1"/>
-          </a:fillRef>
-          <a:effectRef idx="0">
-            <a:schemeClr val="accent1"/>
-          </a:effectRef>
-          <a:fontRef idx="minor">
-            <a:schemeClr val="lt1"/>
-          </a:fontRef>
-        </p:style>
-        <p:txBody>
-          <a:bodyPr rtlCol="0" anchor="ctr"/>
-          <a:lstStyle/>
-          <a:p>
-            <a:pPr algn="ctr"/>
-            <a:endParaRPr lang="en-US"/>
-          </a:p>
-        </p:txBody>
-      </p:sp>
-      <p:sp>
-        <p:nvSpPr>
-          <p:cNvPr id="9" name="TextBox 8"/>
-          <p:cNvSpPr txBox="1"/>
-          <p:nvPr/>
-        </p:nvSpPr>
-        <p:spPr>
-          <a:xfrm>
-            <a:off x="1005019" y="4732115"/>
-            <a:ext cx="995785" cy="461665"/>
-          </a:xfrm>
-          <a:prstGeom prst="rect">
-            <a:avLst/>
-          </a:prstGeom>
-          <a:noFill/>
-        </p:spPr>
-        <p:txBody>
-          <a:bodyPr wrap="none" rtlCol="0">
-            <a:spAutoFit/>
-          </a:bodyPr>
-          <a:lstStyle/>
-          <a:p>
-            <a:r>
-              <a:rPr lang="en-US" sz="2400" dirty="0" smtClean="0">
-                <a:solidFill>
-                  <a:schemeClr val="bg1"/>
-                </a:solidFill>
-              </a:rPr>
-              <a:t>Model</a:t>
-            </a:r>
-            <a:endParaRPr lang="en-US" sz="2400" dirty="0">
-              <a:solidFill>
-                <a:schemeClr val="bg1"/>
-              </a:solidFill>
-            </a:endParaRPr>
+            <a:r>
+              <a:rPr lang="en-US" dirty="0" smtClean="0"/>
+              <a:t>Fail</a:t>
+            </a:r>
+            <a:endParaRPr lang="en-US" sz="2000" dirty="0"/>
           </a:p>
         </p:txBody>
       </p:sp>
       <p:cxnSp>
         <p:nvCxnSpPr>
-          <p:cNvPr id="18" name="Straight Connector 17"/>
+          <p:cNvPr id="23" name="Straight Arrow Connector 22"/>
           <p:cNvCxnSpPr>
-            <a:stCxn id="7" idx="5"/>
-            <a:endCxn id="5" idx="2"/>
+            <a:stCxn id="5" idx="3"/>
+            <a:endCxn id="22" idx="1"/>
           </p:cNvCxnSpPr>
           <p:nvPr/>
         </p:nvCxnSpPr>
         <p:spPr>
           <a:xfrm>
-            <a:off x="1346041" y="2265213"/>
-            <a:ext cx="253338" cy="357416"/>
-          </a:xfrm>
-          <a:prstGeom prst="line">
-            <a:avLst/>
-          </a:prstGeom>
-          <a:ln w="38100">
+            <a:off x="4002158" y="3472069"/>
+            <a:ext cx="703655" cy="0"/>
+          </a:xfrm>
+          <a:prstGeom prst="straightConnector1">
+            <a:avLst/>
+          </a:prstGeom>
+          <a:ln w="76200">
             <a:solidFill>
               <a:schemeClr val="bg1"/>
             </a:solidFill>
+            <a:tailEnd type="triangle"/>
           </a:ln>
         </p:spPr>
         <p:style>
           <a:lnRef idx="1">
-            <a:schemeClr val="accent1"/>
+            <a:schemeClr val="accent3"/>
           </a:lnRef>
           <a:fillRef idx="0">
-            <a:schemeClr val="accent1"/>
-          </a:fillRef>
-          <a:effectRef idx="0">
-            <a:schemeClr val="accent1"/>
+            <a:schemeClr val="accent3"/>
+          </a:fillRef>
+          <a:effectRef idx="0">
+            <a:schemeClr val="accent3"/>
           </a:effectRef>
           <a:fontRef idx="minor">
             <a:schemeClr val="tx1"/>
           </a:fontRef>
         </p:style>
       </p:cxnSp>
-      <p:sp>
-        <p:nvSpPr>
-          <p:cNvPr id="77" name="Rounded Rectangle 76"/>
-          <p:cNvSpPr/>
-          <p:nvPr/>
-        </p:nvSpPr>
-        <p:spPr>
-          <a:xfrm>
-            <a:off x="3843580" y="1793289"/>
-            <a:ext cx="3502618" cy="2740204"/>
-          </a:xfrm>
-          <a:prstGeom prst="roundRect">
-            <a:avLst/>
-          </a:prstGeom>
-          <a:solidFill>
-            <a:schemeClr val="accent5">
-              <a:lumMod val="20000"/>
-              <a:lumOff val="80000"/>
-            </a:schemeClr>
-          </a:solidFill>
-        </p:spPr>
-        <p:style>
-          <a:lnRef idx="1">
-            <a:schemeClr val="accent6"/>
-          </a:lnRef>
-          <a:fillRef idx="2">
-            <a:schemeClr val="accent6"/>
-          </a:fillRef>
-          <a:effectRef idx="1">
-            <a:schemeClr val="accent6"/>
-          </a:effectRef>
-          <a:fontRef idx="minor">
-            <a:schemeClr val="dk1"/>
-          </a:fontRef>
-        </p:style>
-        <p:txBody>
-          <a:bodyPr rtlCol="0" anchor="ctr"/>
-          <a:lstStyle/>
-          <a:p>
-            <a:pPr algn="ctr"/>
-            <a:endParaRPr lang="en-US"/>
-          </a:p>
-        </p:txBody>
-      </p:sp>
       <p:cxnSp>
         <p:nvCxnSpPr>
-          <p:cNvPr id="21" name="Straight Connector 20"/>
+          <p:cNvPr id="26" name="Straight Arrow Connector 25"/>
           <p:cNvCxnSpPr>
-            <a:stCxn id="8" idx="1"/>
-            <a:endCxn id="5" idx="5"/>
+            <a:stCxn id="5" idx="2"/>
+            <a:endCxn id="18" idx="0"/>
           </p:cNvCxnSpPr>
           <p:nvPr/>
         </p:nvCxnSpPr>
         <p:spPr>
-          <a:xfrm flipH="1" flipV="1">
-            <a:off x="2071303" y="2818106"/>
-            <a:ext cx="349232" cy="291849"/>
-          </a:xfrm>
-          <a:prstGeom prst="line">
-            <a:avLst/>
-          </a:prstGeom>
-          <a:ln w="38100">
+          <a:xfrm flipH="1">
+            <a:off x="2778633" y="3935895"/>
+            <a:ext cx="1" cy="715618"/>
+          </a:xfrm>
+          <a:prstGeom prst="straightConnector1">
+            <a:avLst/>
+          </a:prstGeom>
+          <a:ln w="76200">
             <a:solidFill>
               <a:schemeClr val="bg1"/>
             </a:solidFill>
+            <a:tailEnd type="triangle"/>
           </a:ln>
         </p:spPr>
         <p:style>
           <a:lnRef idx="1">
-            <a:schemeClr val="accent1"/>
+            <a:schemeClr val="accent3"/>
           </a:lnRef>
           <a:fillRef idx="0">
-            <a:schemeClr val="accent1"/>
-          </a:fillRef>
-          <a:effectRef idx="0">
-            <a:schemeClr val="accent1"/>
+            <a:schemeClr val="accent3"/>
+          </a:fillRef>
+          <a:effectRef idx="0">
+            <a:schemeClr val="accent3"/>
           </a:effectRef>
           <a:fontRef idx="minor">
             <a:schemeClr val="tx1"/>
@@ -14477,36 +15849,37 @@
       </p:cxnSp>
       <p:cxnSp>
         <p:nvCxnSpPr>
-          <p:cNvPr id="24" name="Straight Connector 23"/>
+          <p:cNvPr id="27" name="Straight Arrow Connector 26"/>
           <p:cNvCxnSpPr>
-            <a:stCxn id="6" idx="1"/>
-            <a:endCxn id="4" idx="5"/>
+            <a:stCxn id="2" idx="2"/>
+            <a:endCxn id="5" idx="0"/>
           </p:cNvCxnSpPr>
           <p:nvPr/>
         </p:nvCxnSpPr>
         <p:spPr>
-          <a:xfrm flipH="1" flipV="1">
-            <a:off x="1173673" y="3818115"/>
-            <a:ext cx="425706" cy="214553"/>
-          </a:xfrm>
-          <a:prstGeom prst="line">
-            <a:avLst/>
-          </a:prstGeom>
-          <a:ln w="38100">
+          <a:xfrm>
+            <a:off x="2778632" y="2272748"/>
+            <a:ext cx="2" cy="735495"/>
+          </a:xfrm>
+          <a:prstGeom prst="straightConnector1">
+            <a:avLst/>
+          </a:prstGeom>
+          <a:ln w="76200">
             <a:solidFill>
               <a:schemeClr val="bg1"/>
             </a:solidFill>
+            <a:tailEnd type="triangle"/>
           </a:ln>
         </p:spPr>
         <p:style>
           <a:lnRef idx="1">
-            <a:schemeClr val="accent1"/>
+            <a:schemeClr val="accent3"/>
           </a:lnRef>
           <a:fillRef idx="0">
-            <a:schemeClr val="accent1"/>
-          </a:fillRef>
-          <a:effectRef idx="0">
-            <a:schemeClr val="accent1"/>
+            <a:schemeClr val="accent3"/>
+          </a:fillRef>
+          <a:effectRef idx="0">
+            <a:schemeClr val="accent3"/>
           </a:effectRef>
           <a:fontRef idx="minor">
             <a:schemeClr val="tx1"/>
@@ -14515,36 +15888,176 @@
       </p:cxnSp>
       <p:cxnSp>
         <p:nvCxnSpPr>
-          <p:cNvPr id="34" name="Straight Connector 33"/>
+          <p:cNvPr id="35" name="Straight Arrow Connector 34"/>
           <p:cNvCxnSpPr>
-            <a:stCxn id="4" idx="7"/>
-            <a:endCxn id="5" idx="3"/>
+            <a:stCxn id="22" idx="3"/>
+            <a:endCxn id="36" idx="1"/>
           </p:cNvCxnSpPr>
           <p:nvPr/>
         </p:nvCxnSpPr>
         <p:spPr>
           <a:xfrm flipV="1">
-            <a:off x="1173673" y="2818106"/>
-            <a:ext cx="506675" cy="609054"/>
-          </a:xfrm>
-          <a:prstGeom prst="line">
-            <a:avLst/>
-          </a:prstGeom>
-          <a:ln w="38100">
+            <a:off x="5887278" y="2782039"/>
+            <a:ext cx="720220" cy="690030"/>
+          </a:xfrm>
+          <a:prstGeom prst="straightConnector1">
+            <a:avLst/>
+          </a:prstGeom>
+          <a:ln w="76200">
             <a:solidFill>
               <a:schemeClr val="bg1"/>
             </a:solidFill>
+            <a:tailEnd type="triangle"/>
           </a:ln>
         </p:spPr>
         <p:style>
           <a:lnRef idx="1">
-            <a:schemeClr val="accent1"/>
+            <a:schemeClr val="accent3"/>
           </a:lnRef>
           <a:fillRef idx="0">
-            <a:schemeClr val="accent1"/>
-          </a:fillRef>
-          <a:effectRef idx="0">
-            <a:schemeClr val="accent1"/>
+            <a:schemeClr val="accent3"/>
+          </a:fillRef>
+          <a:effectRef idx="0">
+            <a:schemeClr val="accent3"/>
+          </a:effectRef>
+          <a:fontRef idx="minor">
+            <a:schemeClr val="tx1"/>
+          </a:fontRef>
+        </p:style>
+      </p:cxnSp>
+      <p:sp>
+        <p:nvSpPr>
+          <p:cNvPr id="36" name="Rectangle 35"/>
+          <p:cNvSpPr/>
+          <p:nvPr/>
+        </p:nvSpPr>
+        <p:spPr>
+          <a:xfrm>
+            <a:off x="6607498" y="2544417"/>
+            <a:ext cx="1181465" cy="475244"/>
+          </a:xfrm>
+          <a:prstGeom prst="rect">
+            <a:avLst/>
+          </a:prstGeom>
+          <a:solidFill>
+            <a:srgbClr val="99424F"/>
+          </a:solidFill>
+          <a:ln>
+            <a:noFill/>
+          </a:ln>
+        </p:spPr>
+        <p:style>
+          <a:lnRef idx="2">
+            <a:schemeClr val="accent4">
+              <a:shade val="50000"/>
+            </a:schemeClr>
+          </a:lnRef>
+          <a:fillRef idx="1">
+            <a:schemeClr val="accent4"/>
+          </a:fillRef>
+          <a:effectRef idx="0">
+            <a:schemeClr val="accent4"/>
+          </a:effectRef>
+          <a:fontRef idx="minor">
+            <a:schemeClr val="lt1"/>
+          </a:fontRef>
+        </p:style>
+        <p:txBody>
+          <a:bodyPr rtlCol="0" anchor="ctr"/>
+          <a:lstStyle/>
+          <a:p>
+            <a:pPr algn="ctr"/>
+            <a:r>
+              <a:rPr lang="en-US" smtClean="0"/>
+              <a:t>Bug</a:t>
+            </a:r>
+            <a:endParaRPr lang="en-US" sz="2000" dirty="0"/>
+          </a:p>
+        </p:txBody>
+      </p:sp>
+      <p:sp>
+        <p:nvSpPr>
+          <p:cNvPr id="37" name="Rectangle 36"/>
+          <p:cNvSpPr/>
+          <p:nvPr/>
+        </p:nvSpPr>
+        <p:spPr>
+          <a:xfrm>
+            <a:off x="6607498" y="3703981"/>
+            <a:ext cx="1181465" cy="748749"/>
+          </a:xfrm>
+          <a:prstGeom prst="rect">
+            <a:avLst/>
+          </a:prstGeom>
+          <a:solidFill>
+            <a:schemeClr val="accent2"/>
+          </a:solidFill>
+          <a:ln>
+            <a:noFill/>
+          </a:ln>
+        </p:spPr>
+        <p:style>
+          <a:lnRef idx="2">
+            <a:schemeClr val="accent4">
+              <a:shade val="50000"/>
+            </a:schemeClr>
+          </a:lnRef>
+          <a:fillRef idx="1">
+            <a:schemeClr val="accent4"/>
+          </a:fillRef>
+          <a:effectRef idx="0">
+            <a:schemeClr val="accent4"/>
+          </a:effectRef>
+          <a:fontRef idx="minor">
+            <a:schemeClr val="lt1"/>
+          </a:fontRef>
+        </p:style>
+        <p:txBody>
+          <a:bodyPr rtlCol="0" anchor="ctr"/>
+          <a:lstStyle/>
+          <a:p>
+            <a:pPr algn="ctr"/>
+            <a:r>
+              <a:rPr lang="en-US" dirty="0" smtClean="0"/>
+              <a:t>Update snapshot</a:t>
+            </a:r>
+            <a:endParaRPr lang="en-US" sz="2000" dirty="0"/>
+          </a:p>
+        </p:txBody>
+      </p:sp>
+      <p:cxnSp>
+        <p:nvCxnSpPr>
+          <p:cNvPr id="40" name="Straight Arrow Connector 39"/>
+          <p:cNvCxnSpPr>
+            <a:stCxn id="22" idx="3"/>
+            <a:endCxn id="37" idx="1"/>
+          </p:cNvCxnSpPr>
+          <p:nvPr/>
+        </p:nvCxnSpPr>
+        <p:spPr>
+          <a:xfrm>
+            <a:off x="5887278" y="3472069"/>
+            <a:ext cx="720220" cy="606287"/>
+          </a:xfrm>
+          <a:prstGeom prst="straightConnector1">
+            <a:avLst/>
+          </a:prstGeom>
+          <a:ln w="76200">
+            <a:solidFill>
+              <a:schemeClr val="bg1"/>
+            </a:solidFill>
+            <a:tailEnd type="triangle"/>
+          </a:ln>
+        </p:spPr>
+        <p:style>
+          <a:lnRef idx="1">
+            <a:schemeClr val="accent3"/>
+          </a:lnRef>
+          <a:fillRef idx="0">
+            <a:schemeClr val="accent3"/>
+          </a:fillRef>
+          <a:effectRef idx="0">
+            <a:schemeClr val="accent3"/>
           </a:effectRef>
           <a:fontRef idx="minor">
             <a:schemeClr val="tx1"/>
@@ -14553,25 +16066,30 @@
       </p:cxnSp>
       <p:cxnSp>
         <p:nvCxnSpPr>
-          <p:cNvPr id="40" name="Straight Connector 39"/>
+          <p:cNvPr id="48" name="Elbow Connector 47"/>
           <p:cNvCxnSpPr>
-            <a:stCxn id="6" idx="7"/>
-            <a:endCxn id="8" idx="3"/>
+            <a:stCxn id="37" idx="3"/>
           </p:cNvCxnSpPr>
           <p:nvPr/>
         </p:nvCxnSpPr>
         <p:spPr>
-          <a:xfrm flipV="1">
-            <a:off x="1990334" y="3500910"/>
-            <a:ext cx="430201" cy="531758"/>
-          </a:xfrm>
-          <a:prstGeom prst="line">
-            <a:avLst/>
-          </a:prstGeom>
-          <a:ln w="38100">
+          <a:xfrm flipH="1">
+            <a:off x="2875723" y="4078356"/>
+            <a:ext cx="4913240" cy="231913"/>
+          </a:xfrm>
+          <a:prstGeom prst="bentConnector5">
+            <a:avLst>
+              <a:gd name="adj1" fmla="val -4653"/>
+              <a:gd name="adj2" fmla="val 260001"/>
+              <a:gd name="adj3" fmla="val 62023"/>
+            </a:avLst>
+          </a:prstGeom>
+          <a:ln w="76200">
             <a:solidFill>
               <a:schemeClr val="bg1"/>
             </a:solidFill>
+            <a:prstDash val="sysDot"/>
+            <a:tailEnd type="triangle"/>
           </a:ln>
         </p:spPr>
         <p:style>
@@ -14589,1033 +16107,16 @@
           </a:fontRef>
         </p:style>
       </p:cxnSp>
-      <p:sp>
-        <p:nvSpPr>
-          <p:cNvPr id="55" name="Rectangle 54"/>
-          <p:cNvSpPr/>
-          <p:nvPr/>
-        </p:nvSpPr>
-        <p:spPr>
-          <a:xfrm>
-            <a:off x="4086467" y="3322958"/>
-            <a:ext cx="961293" cy="437717"/>
-          </a:xfrm>
-          <a:prstGeom prst="rect">
-            <a:avLst/>
-          </a:prstGeom>
-          <a:solidFill>
-            <a:schemeClr val="accent6"/>
-          </a:solidFill>
-          <a:ln>
-            <a:noFill/>
-          </a:ln>
-        </p:spPr>
-        <p:style>
-          <a:lnRef idx="2">
-            <a:schemeClr val="accent1">
-              <a:shade val="50000"/>
-            </a:schemeClr>
-          </a:lnRef>
-          <a:fillRef idx="1">
-            <a:schemeClr val="accent1"/>
-          </a:fillRef>
-          <a:effectRef idx="0">
-            <a:schemeClr val="accent1"/>
-          </a:effectRef>
-          <a:fontRef idx="minor">
-            <a:schemeClr val="lt1"/>
-          </a:fontRef>
-        </p:style>
-        <p:txBody>
-          <a:bodyPr rtlCol="0" anchor="ctr"/>
-          <a:lstStyle/>
-          <a:p>
-            <a:pPr algn="ctr"/>
-            <a:endParaRPr lang="en-US"/>
-          </a:p>
-        </p:txBody>
-      </p:sp>
-      <p:sp>
-        <p:nvSpPr>
-          <p:cNvPr id="56" name="Rectangle 55"/>
-          <p:cNvSpPr/>
-          <p:nvPr/>
-        </p:nvSpPr>
-        <p:spPr>
-          <a:xfrm>
-            <a:off x="5385742" y="3322958"/>
-            <a:ext cx="961293" cy="437717"/>
-          </a:xfrm>
-          <a:prstGeom prst="rect">
-            <a:avLst/>
-          </a:prstGeom>
-          <a:solidFill>
-            <a:schemeClr val="accent6"/>
-          </a:solidFill>
-          <a:ln>
-            <a:noFill/>
-          </a:ln>
-        </p:spPr>
-        <p:style>
-          <a:lnRef idx="2">
-            <a:schemeClr val="accent1">
-              <a:shade val="50000"/>
-            </a:schemeClr>
-          </a:lnRef>
-          <a:fillRef idx="1">
-            <a:schemeClr val="accent1"/>
-          </a:fillRef>
-          <a:effectRef idx="0">
-            <a:schemeClr val="accent1"/>
-          </a:effectRef>
-          <a:fontRef idx="minor">
-            <a:schemeClr val="lt1"/>
-          </a:fontRef>
-        </p:style>
-        <p:txBody>
-          <a:bodyPr rtlCol="0" anchor="ctr"/>
-          <a:lstStyle/>
-          <a:p>
-            <a:pPr algn="ctr"/>
-            <a:endParaRPr lang="en-US"/>
-          </a:p>
-        </p:txBody>
-      </p:sp>
-      <p:sp>
-        <p:nvSpPr>
-          <p:cNvPr id="57" name="Rectangle 56"/>
-          <p:cNvSpPr/>
-          <p:nvPr/>
-        </p:nvSpPr>
-        <p:spPr>
-          <a:xfrm>
-            <a:off x="4742445" y="2638697"/>
-            <a:ext cx="961293" cy="437717"/>
-          </a:xfrm>
-          <a:prstGeom prst="rect">
-            <a:avLst/>
-          </a:prstGeom>
-          <a:solidFill>
-            <a:schemeClr val="accent6"/>
-          </a:solidFill>
-          <a:ln>
-            <a:noFill/>
-          </a:ln>
-        </p:spPr>
-        <p:style>
-          <a:lnRef idx="2">
-            <a:schemeClr val="accent1">
-              <a:shade val="50000"/>
-            </a:schemeClr>
-          </a:lnRef>
-          <a:fillRef idx="1">
-            <a:schemeClr val="accent1"/>
-          </a:fillRef>
-          <a:effectRef idx="0">
-            <a:schemeClr val="accent1"/>
-          </a:effectRef>
-          <a:fontRef idx="minor">
-            <a:schemeClr val="lt1"/>
-          </a:fontRef>
-        </p:style>
-        <p:txBody>
-          <a:bodyPr rtlCol="0" anchor="ctr"/>
-          <a:lstStyle/>
-          <a:p>
-            <a:pPr algn="ctr"/>
-            <a:endParaRPr lang="en-US"/>
-          </a:p>
-        </p:txBody>
-      </p:sp>
-      <p:sp>
-        <p:nvSpPr>
-          <p:cNvPr id="58" name="Rectangle 57"/>
-          <p:cNvSpPr/>
-          <p:nvPr/>
-        </p:nvSpPr>
-        <p:spPr>
-          <a:xfrm>
-            <a:off x="5385740" y="1954436"/>
-            <a:ext cx="961293" cy="437717"/>
-          </a:xfrm>
-          <a:prstGeom prst="rect">
-            <a:avLst/>
-          </a:prstGeom>
-          <a:solidFill>
-            <a:schemeClr val="accent6"/>
-          </a:solidFill>
-          <a:ln>
-            <a:noFill/>
-          </a:ln>
-        </p:spPr>
-        <p:style>
-          <a:lnRef idx="2">
-            <a:schemeClr val="accent1">
-              <a:shade val="50000"/>
-            </a:schemeClr>
-          </a:lnRef>
-          <a:fillRef idx="1">
-            <a:schemeClr val="accent1"/>
-          </a:fillRef>
-          <a:effectRef idx="0">
-            <a:schemeClr val="accent1"/>
-          </a:effectRef>
-          <a:fontRef idx="minor">
-            <a:schemeClr val="lt1"/>
-          </a:fontRef>
-        </p:style>
-        <p:txBody>
-          <a:bodyPr rtlCol="0" anchor="ctr"/>
-          <a:lstStyle/>
-          <a:p>
-            <a:pPr algn="ctr"/>
-            <a:endParaRPr lang="en-US"/>
-          </a:p>
-        </p:txBody>
-      </p:sp>
-      <p:sp>
-        <p:nvSpPr>
-          <p:cNvPr id="59" name="Rectangle 58"/>
-          <p:cNvSpPr/>
-          <p:nvPr/>
-        </p:nvSpPr>
-        <p:spPr>
-          <a:xfrm>
-            <a:off x="6049586" y="2638697"/>
-            <a:ext cx="961293" cy="437717"/>
-          </a:xfrm>
-          <a:prstGeom prst="rect">
-            <a:avLst/>
-          </a:prstGeom>
-          <a:solidFill>
-            <a:schemeClr val="accent6"/>
-          </a:solidFill>
-          <a:ln>
-            <a:noFill/>
-          </a:ln>
-        </p:spPr>
-        <p:style>
-          <a:lnRef idx="2">
-            <a:schemeClr val="accent1">
-              <a:shade val="50000"/>
-            </a:schemeClr>
-          </a:lnRef>
-          <a:fillRef idx="1">
-            <a:schemeClr val="accent1"/>
-          </a:fillRef>
-          <a:effectRef idx="0">
-            <a:schemeClr val="accent1"/>
-          </a:effectRef>
-          <a:fontRef idx="minor">
-            <a:schemeClr val="lt1"/>
-          </a:fontRef>
-        </p:style>
-        <p:txBody>
-          <a:bodyPr rtlCol="0" anchor="ctr"/>
-          <a:lstStyle/>
-          <a:p>
-            <a:pPr algn="ctr"/>
-            <a:endParaRPr lang="en-US"/>
-          </a:p>
-        </p:txBody>
-      </p:sp>
-      <p:sp>
-        <p:nvSpPr>
-          <p:cNvPr id="60" name="Rectangle 59"/>
-          <p:cNvSpPr/>
-          <p:nvPr/>
-        </p:nvSpPr>
-        <p:spPr>
-          <a:xfrm>
-            <a:off x="5385741" y="4007219"/>
-            <a:ext cx="961293" cy="437717"/>
-          </a:xfrm>
-          <a:prstGeom prst="rect">
-            <a:avLst/>
-          </a:prstGeom>
-          <a:solidFill>
-            <a:schemeClr val="accent6"/>
-          </a:solidFill>
-          <a:ln>
-            <a:noFill/>
-          </a:ln>
-        </p:spPr>
-        <p:style>
-          <a:lnRef idx="2">
-            <a:schemeClr val="accent1">
-              <a:shade val="50000"/>
-            </a:schemeClr>
-          </a:lnRef>
-          <a:fillRef idx="1">
-            <a:schemeClr val="accent1"/>
-          </a:fillRef>
-          <a:effectRef idx="0">
-            <a:schemeClr val="accent1"/>
-          </a:effectRef>
-          <a:fontRef idx="minor">
-            <a:schemeClr val="lt1"/>
-          </a:fontRef>
-        </p:style>
-        <p:txBody>
-          <a:bodyPr rtlCol="0" anchor="ctr"/>
-          <a:lstStyle/>
-          <a:p>
-            <a:pPr algn="ctr"/>
-            <a:endParaRPr lang="en-US"/>
-          </a:p>
-        </p:txBody>
-      </p:sp>
-      <p:cxnSp>
-        <p:nvCxnSpPr>
-          <p:cNvPr id="61" name="Straight Connector 60"/>
-          <p:cNvCxnSpPr>
-            <a:stCxn id="58" idx="2"/>
-            <a:endCxn id="57" idx="0"/>
-          </p:cNvCxnSpPr>
-          <p:nvPr/>
-        </p:nvCxnSpPr>
-        <p:spPr>
-          <a:xfrm flipH="1">
-            <a:off x="5223092" y="2403360"/>
-            <a:ext cx="643295" cy="224131"/>
-          </a:xfrm>
-          <a:prstGeom prst="line">
-            <a:avLst/>
-          </a:prstGeom>
-          <a:ln w="38100">
-            <a:solidFill>
-              <a:schemeClr val="bg1"/>
-            </a:solidFill>
-          </a:ln>
-        </p:spPr>
-        <p:style>
-          <a:lnRef idx="1">
-            <a:schemeClr val="accent1"/>
-          </a:lnRef>
-          <a:fillRef idx="0">
-            <a:schemeClr val="accent1"/>
-          </a:fillRef>
-          <a:effectRef idx="0">
-            <a:schemeClr val="accent1"/>
-          </a:effectRef>
-          <a:fontRef idx="minor">
-            <a:schemeClr val="tx1"/>
-          </a:fontRef>
-        </p:style>
-      </p:cxnSp>
-      <p:cxnSp>
-        <p:nvCxnSpPr>
-          <p:cNvPr id="64" name="Straight Connector 63"/>
-          <p:cNvCxnSpPr>
-            <a:stCxn id="59" idx="0"/>
-            <a:endCxn id="58" idx="2"/>
-          </p:cNvCxnSpPr>
-          <p:nvPr/>
-        </p:nvCxnSpPr>
-        <p:spPr>
-          <a:xfrm flipH="1" flipV="1">
-            <a:off x="5866387" y="2403360"/>
-            <a:ext cx="663846" cy="224131"/>
-          </a:xfrm>
-          <a:prstGeom prst="line">
-            <a:avLst/>
-          </a:prstGeom>
-          <a:ln w="38100">
-            <a:solidFill>
-              <a:schemeClr val="bg1"/>
-            </a:solidFill>
-          </a:ln>
-        </p:spPr>
-        <p:style>
-          <a:lnRef idx="1">
-            <a:schemeClr val="accent1"/>
-          </a:lnRef>
-          <a:fillRef idx="0">
-            <a:schemeClr val="accent1"/>
-          </a:fillRef>
-          <a:effectRef idx="0">
-            <a:schemeClr val="accent1"/>
-          </a:effectRef>
-          <a:fontRef idx="minor">
-            <a:schemeClr val="tx1"/>
-          </a:fontRef>
-        </p:style>
-      </p:cxnSp>
-      <p:cxnSp>
-        <p:nvCxnSpPr>
-          <p:cNvPr id="67" name="Straight Connector 66"/>
-          <p:cNvCxnSpPr>
-            <a:stCxn id="55" idx="0"/>
-            <a:endCxn id="57" idx="2"/>
-          </p:cNvCxnSpPr>
-          <p:nvPr/>
-        </p:nvCxnSpPr>
-        <p:spPr>
-          <a:xfrm flipV="1">
-            <a:off x="4567114" y="3087621"/>
-            <a:ext cx="655978" cy="224131"/>
-          </a:xfrm>
-          <a:prstGeom prst="line">
-            <a:avLst/>
-          </a:prstGeom>
-          <a:ln w="38100">
-            <a:solidFill>
-              <a:schemeClr val="bg1"/>
-            </a:solidFill>
-          </a:ln>
-        </p:spPr>
-        <p:style>
-          <a:lnRef idx="1">
-            <a:schemeClr val="accent1"/>
-          </a:lnRef>
-          <a:fillRef idx="0">
-            <a:schemeClr val="accent1"/>
-          </a:fillRef>
-          <a:effectRef idx="0">
-            <a:schemeClr val="accent1"/>
-          </a:effectRef>
-          <a:fontRef idx="minor">
-            <a:schemeClr val="tx1"/>
-          </a:fontRef>
-        </p:style>
-      </p:cxnSp>
-      <p:cxnSp>
-        <p:nvCxnSpPr>
-          <p:cNvPr id="70" name="Straight Connector 69"/>
-          <p:cNvCxnSpPr>
-            <a:stCxn id="56" idx="0"/>
-            <a:endCxn id="57" idx="2"/>
-          </p:cNvCxnSpPr>
-          <p:nvPr/>
-        </p:nvCxnSpPr>
-        <p:spPr>
-          <a:xfrm flipH="1" flipV="1">
-            <a:off x="5223092" y="3087621"/>
-            <a:ext cx="643297" cy="224131"/>
-          </a:xfrm>
-          <a:prstGeom prst="line">
-            <a:avLst/>
-          </a:prstGeom>
-          <a:ln w="38100">
-            <a:solidFill>
-              <a:schemeClr val="bg1"/>
-            </a:solidFill>
-          </a:ln>
-        </p:spPr>
-        <p:style>
-          <a:lnRef idx="1">
-            <a:schemeClr val="accent1"/>
-          </a:lnRef>
-          <a:fillRef idx="0">
-            <a:schemeClr val="accent1"/>
-          </a:fillRef>
-          <a:effectRef idx="0">
-            <a:schemeClr val="accent1"/>
-          </a:effectRef>
-          <a:fontRef idx="minor">
-            <a:schemeClr val="tx1"/>
-          </a:fontRef>
-        </p:style>
-      </p:cxnSp>
-      <p:cxnSp>
-        <p:nvCxnSpPr>
-          <p:cNvPr id="73" name="Straight Connector 72"/>
-          <p:cNvCxnSpPr>
-            <a:stCxn id="56" idx="2"/>
-            <a:endCxn id="60" idx="0"/>
-          </p:cNvCxnSpPr>
-          <p:nvPr/>
-        </p:nvCxnSpPr>
-        <p:spPr>
-          <a:xfrm flipH="1">
-            <a:off x="5866388" y="3771882"/>
-            <a:ext cx="1" cy="224131"/>
-          </a:xfrm>
-          <a:prstGeom prst="line">
-            <a:avLst/>
-          </a:prstGeom>
-          <a:ln w="38100">
-            <a:solidFill>
-              <a:schemeClr val="bg1"/>
-            </a:solidFill>
-          </a:ln>
-        </p:spPr>
-        <p:style>
-          <a:lnRef idx="1">
-            <a:schemeClr val="accent1"/>
-          </a:lnRef>
-          <a:fillRef idx="0">
-            <a:schemeClr val="accent1"/>
-          </a:fillRef>
-          <a:effectRef idx="0">
-            <a:schemeClr val="accent1"/>
-          </a:effectRef>
-          <a:fontRef idx="minor">
-            <a:schemeClr val="tx1"/>
-          </a:fontRef>
-        </p:style>
-      </p:cxnSp>
-      <p:sp>
-        <p:nvSpPr>
-          <p:cNvPr id="78" name="TextBox 77"/>
-          <p:cNvSpPr txBox="1"/>
-          <p:nvPr/>
-        </p:nvSpPr>
-        <p:spPr>
-          <a:xfrm>
-            <a:off x="4722695" y="4728865"/>
-            <a:ext cx="1744388" cy="830997"/>
-          </a:xfrm>
-          <a:prstGeom prst="rect">
-            <a:avLst/>
-          </a:prstGeom>
-          <a:noFill/>
-        </p:spPr>
-        <p:txBody>
-          <a:bodyPr wrap="none" rtlCol="0">
-            <a:spAutoFit/>
-          </a:bodyPr>
-          <a:lstStyle/>
-          <a:p>
-            <a:pPr algn="ctr"/>
-            <a:r>
-              <a:rPr lang="en-US" sz="2400" dirty="0" smtClean="0">
-                <a:solidFill>
-                  <a:schemeClr val="bg1"/>
-                </a:solidFill>
-              </a:rPr>
-              <a:t>Virtual DOM</a:t>
-            </a:r>
-            <a:br>
-              <a:rPr lang="en-US" sz="2400" dirty="0" smtClean="0">
-                <a:solidFill>
-                  <a:schemeClr val="bg1"/>
-                </a:solidFill>
-              </a:rPr>
-            </a:br>
-            <a:r>
-              <a:rPr lang="en-US" sz="2400" dirty="0" smtClean="0">
-                <a:solidFill>
-                  <a:schemeClr val="bg1"/>
-                </a:solidFill>
-              </a:rPr>
-              <a:t>(in memory)</a:t>
-            </a:r>
-            <a:endParaRPr lang="en-US" sz="2400" dirty="0">
-              <a:solidFill>
-                <a:schemeClr val="bg1"/>
-              </a:solidFill>
-            </a:endParaRPr>
-          </a:p>
-        </p:txBody>
-      </p:sp>
-      <p:sp>
-        <p:nvSpPr>
-          <p:cNvPr id="79" name="Rectangle 78"/>
-          <p:cNvSpPr/>
-          <p:nvPr/>
-        </p:nvSpPr>
-        <p:spPr>
-          <a:xfrm>
-            <a:off x="8069733" y="3322958"/>
-            <a:ext cx="961293" cy="437717"/>
-          </a:xfrm>
-          <a:prstGeom prst="rect">
-            <a:avLst/>
-          </a:prstGeom>
-          <a:solidFill>
-            <a:schemeClr val="accent6"/>
-          </a:solidFill>
-          <a:ln>
-            <a:noFill/>
-          </a:ln>
-        </p:spPr>
-        <p:style>
-          <a:lnRef idx="2">
-            <a:schemeClr val="accent1">
-              <a:shade val="50000"/>
-            </a:schemeClr>
-          </a:lnRef>
-          <a:fillRef idx="1">
-            <a:schemeClr val="accent1"/>
-          </a:fillRef>
-          <a:effectRef idx="0">
-            <a:schemeClr val="accent1"/>
-          </a:effectRef>
-          <a:fontRef idx="minor">
-            <a:schemeClr val="lt1"/>
-          </a:fontRef>
-        </p:style>
-        <p:txBody>
-          <a:bodyPr rtlCol="0" anchor="ctr"/>
-          <a:lstStyle/>
-          <a:p>
-            <a:pPr algn="ctr"/>
-            <a:endParaRPr lang="en-US"/>
-          </a:p>
-        </p:txBody>
-      </p:sp>
-      <p:sp>
-        <p:nvSpPr>
-          <p:cNvPr id="80" name="Rectangle 79"/>
-          <p:cNvSpPr/>
-          <p:nvPr/>
-        </p:nvSpPr>
-        <p:spPr>
-          <a:xfrm>
-            <a:off x="9369008" y="3322958"/>
-            <a:ext cx="961293" cy="437717"/>
-          </a:xfrm>
-          <a:prstGeom prst="rect">
-            <a:avLst/>
-          </a:prstGeom>
-          <a:solidFill>
-            <a:schemeClr val="accent6"/>
-          </a:solidFill>
-          <a:ln>
-            <a:noFill/>
-          </a:ln>
-        </p:spPr>
-        <p:style>
-          <a:lnRef idx="2">
-            <a:schemeClr val="accent1">
-              <a:shade val="50000"/>
-            </a:schemeClr>
-          </a:lnRef>
-          <a:fillRef idx="1">
-            <a:schemeClr val="accent1"/>
-          </a:fillRef>
-          <a:effectRef idx="0">
-            <a:schemeClr val="accent1"/>
-          </a:effectRef>
-          <a:fontRef idx="minor">
-            <a:schemeClr val="lt1"/>
-          </a:fontRef>
-        </p:style>
-        <p:txBody>
-          <a:bodyPr rtlCol="0" anchor="ctr"/>
-          <a:lstStyle/>
-          <a:p>
-            <a:pPr algn="ctr"/>
-            <a:endParaRPr lang="en-US"/>
-          </a:p>
-        </p:txBody>
-      </p:sp>
-      <p:sp>
-        <p:nvSpPr>
-          <p:cNvPr id="81" name="Rectangle 80"/>
-          <p:cNvSpPr/>
-          <p:nvPr/>
-        </p:nvSpPr>
-        <p:spPr>
-          <a:xfrm>
-            <a:off x="8725711" y="2638697"/>
-            <a:ext cx="961293" cy="437717"/>
-          </a:xfrm>
-          <a:prstGeom prst="rect">
-            <a:avLst/>
-          </a:prstGeom>
-          <a:solidFill>
-            <a:schemeClr val="accent6"/>
-          </a:solidFill>
-          <a:ln>
-            <a:noFill/>
-          </a:ln>
-        </p:spPr>
-        <p:style>
-          <a:lnRef idx="2">
-            <a:schemeClr val="accent1">
-              <a:shade val="50000"/>
-            </a:schemeClr>
-          </a:lnRef>
-          <a:fillRef idx="1">
-            <a:schemeClr val="accent1"/>
-          </a:fillRef>
-          <a:effectRef idx="0">
-            <a:schemeClr val="accent1"/>
-          </a:effectRef>
-          <a:fontRef idx="minor">
-            <a:schemeClr val="lt1"/>
-          </a:fontRef>
-        </p:style>
-        <p:txBody>
-          <a:bodyPr rtlCol="0" anchor="ctr"/>
-          <a:lstStyle/>
-          <a:p>
-            <a:pPr algn="ctr"/>
-            <a:endParaRPr lang="en-US"/>
-          </a:p>
-        </p:txBody>
-      </p:sp>
-      <p:sp>
-        <p:nvSpPr>
-          <p:cNvPr id="82" name="Rectangle 81"/>
-          <p:cNvSpPr/>
-          <p:nvPr/>
-        </p:nvSpPr>
-        <p:spPr>
-          <a:xfrm>
-            <a:off x="9369006" y="1954436"/>
-            <a:ext cx="961293" cy="437717"/>
-          </a:xfrm>
-          <a:prstGeom prst="rect">
-            <a:avLst/>
-          </a:prstGeom>
-          <a:solidFill>
-            <a:schemeClr val="accent6"/>
-          </a:solidFill>
-          <a:ln>
-            <a:noFill/>
-          </a:ln>
-        </p:spPr>
-        <p:style>
-          <a:lnRef idx="2">
-            <a:schemeClr val="accent1">
-              <a:shade val="50000"/>
-            </a:schemeClr>
-          </a:lnRef>
-          <a:fillRef idx="1">
-            <a:schemeClr val="accent1"/>
-          </a:fillRef>
-          <a:effectRef idx="0">
-            <a:schemeClr val="accent1"/>
-          </a:effectRef>
-          <a:fontRef idx="minor">
-            <a:schemeClr val="lt1"/>
-          </a:fontRef>
-        </p:style>
-        <p:txBody>
-          <a:bodyPr rtlCol="0" anchor="ctr"/>
-          <a:lstStyle/>
-          <a:p>
-            <a:pPr algn="ctr"/>
-            <a:endParaRPr lang="en-US"/>
-          </a:p>
-        </p:txBody>
-      </p:sp>
-      <p:sp>
-        <p:nvSpPr>
-          <p:cNvPr id="83" name="Rectangle 82"/>
-          <p:cNvSpPr/>
-          <p:nvPr/>
-        </p:nvSpPr>
-        <p:spPr>
-          <a:xfrm>
-            <a:off x="10032852" y="2638697"/>
-            <a:ext cx="961293" cy="437717"/>
-          </a:xfrm>
-          <a:prstGeom prst="rect">
-            <a:avLst/>
-          </a:prstGeom>
-          <a:solidFill>
-            <a:schemeClr val="accent6"/>
-          </a:solidFill>
-          <a:ln>
-            <a:noFill/>
-          </a:ln>
-        </p:spPr>
-        <p:style>
-          <a:lnRef idx="2">
-            <a:schemeClr val="accent1">
-              <a:shade val="50000"/>
-            </a:schemeClr>
-          </a:lnRef>
-          <a:fillRef idx="1">
-            <a:schemeClr val="accent1"/>
-          </a:fillRef>
-          <a:effectRef idx="0">
-            <a:schemeClr val="accent1"/>
-          </a:effectRef>
-          <a:fontRef idx="minor">
-            <a:schemeClr val="lt1"/>
-          </a:fontRef>
-        </p:style>
-        <p:txBody>
-          <a:bodyPr rtlCol="0" anchor="ctr"/>
-          <a:lstStyle/>
-          <a:p>
-            <a:pPr algn="ctr"/>
-            <a:endParaRPr lang="en-US"/>
-          </a:p>
-        </p:txBody>
-      </p:sp>
-      <p:sp>
-        <p:nvSpPr>
-          <p:cNvPr id="84" name="Rectangle 83"/>
-          <p:cNvSpPr/>
-          <p:nvPr/>
-        </p:nvSpPr>
-        <p:spPr>
-          <a:xfrm>
-            <a:off x="9369007" y="4007219"/>
-            <a:ext cx="961293" cy="437717"/>
-          </a:xfrm>
-          <a:prstGeom prst="rect">
-            <a:avLst/>
-          </a:prstGeom>
-          <a:solidFill>
-            <a:schemeClr val="accent6"/>
-          </a:solidFill>
-          <a:ln>
-            <a:noFill/>
-          </a:ln>
-        </p:spPr>
-        <p:style>
-          <a:lnRef idx="2">
-            <a:schemeClr val="accent1">
-              <a:shade val="50000"/>
-            </a:schemeClr>
-          </a:lnRef>
-          <a:fillRef idx="1">
-            <a:schemeClr val="accent1"/>
-          </a:fillRef>
-          <a:effectRef idx="0">
-            <a:schemeClr val="accent1"/>
-          </a:effectRef>
-          <a:fontRef idx="minor">
-            <a:schemeClr val="lt1"/>
-          </a:fontRef>
-        </p:style>
-        <p:txBody>
-          <a:bodyPr rtlCol="0" anchor="ctr"/>
-          <a:lstStyle/>
-          <a:p>
-            <a:pPr algn="ctr"/>
-            <a:endParaRPr lang="en-US"/>
-          </a:p>
-        </p:txBody>
-      </p:sp>
-      <p:cxnSp>
-        <p:nvCxnSpPr>
-          <p:cNvPr id="85" name="Straight Connector 84"/>
-          <p:cNvCxnSpPr/>
-          <p:nvPr/>
-        </p:nvCxnSpPr>
-        <p:spPr>
-          <a:xfrm flipH="1">
-            <a:off x="9206358" y="2403360"/>
-            <a:ext cx="643295" cy="224131"/>
-          </a:xfrm>
-          <a:prstGeom prst="line">
-            <a:avLst/>
-          </a:prstGeom>
-          <a:ln w="38100">
-            <a:solidFill>
-              <a:schemeClr val="bg1"/>
-            </a:solidFill>
-          </a:ln>
-        </p:spPr>
-        <p:style>
-          <a:lnRef idx="1">
-            <a:schemeClr val="accent1"/>
-          </a:lnRef>
-          <a:fillRef idx="0">
-            <a:schemeClr val="accent1"/>
-          </a:fillRef>
-          <a:effectRef idx="0">
-            <a:schemeClr val="accent1"/>
-          </a:effectRef>
-          <a:fontRef idx="minor">
-            <a:schemeClr val="tx1"/>
-          </a:fontRef>
-        </p:style>
-      </p:cxnSp>
-      <p:cxnSp>
-        <p:nvCxnSpPr>
-          <p:cNvPr id="86" name="Straight Connector 85"/>
-          <p:cNvCxnSpPr/>
-          <p:nvPr/>
-        </p:nvCxnSpPr>
-        <p:spPr>
-          <a:xfrm flipH="1" flipV="1">
-            <a:off x="9849653" y="2403360"/>
-            <a:ext cx="663846" cy="224131"/>
-          </a:xfrm>
-          <a:prstGeom prst="line">
-            <a:avLst/>
-          </a:prstGeom>
-          <a:ln w="38100">
-            <a:solidFill>
-              <a:schemeClr val="bg1"/>
-            </a:solidFill>
-          </a:ln>
-        </p:spPr>
-        <p:style>
-          <a:lnRef idx="1">
-            <a:schemeClr val="accent1"/>
-          </a:lnRef>
-          <a:fillRef idx="0">
-            <a:schemeClr val="accent1"/>
-          </a:fillRef>
-          <a:effectRef idx="0">
-            <a:schemeClr val="accent1"/>
-          </a:effectRef>
-          <a:fontRef idx="minor">
-            <a:schemeClr val="tx1"/>
-          </a:fontRef>
-        </p:style>
-      </p:cxnSp>
-      <p:cxnSp>
-        <p:nvCxnSpPr>
-          <p:cNvPr id="87" name="Straight Connector 86"/>
-          <p:cNvCxnSpPr/>
-          <p:nvPr/>
-        </p:nvCxnSpPr>
-        <p:spPr>
-          <a:xfrm flipV="1">
-            <a:off x="8550380" y="3087621"/>
-            <a:ext cx="655978" cy="224131"/>
-          </a:xfrm>
-          <a:prstGeom prst="line">
-            <a:avLst/>
-          </a:prstGeom>
-          <a:ln w="38100">
-            <a:solidFill>
-              <a:schemeClr val="bg1"/>
-            </a:solidFill>
-          </a:ln>
-        </p:spPr>
-        <p:style>
-          <a:lnRef idx="1">
-            <a:schemeClr val="accent1"/>
-          </a:lnRef>
-          <a:fillRef idx="0">
-            <a:schemeClr val="accent1"/>
-          </a:fillRef>
-          <a:effectRef idx="0">
-            <a:schemeClr val="accent1"/>
-          </a:effectRef>
-          <a:fontRef idx="minor">
-            <a:schemeClr val="tx1"/>
-          </a:fontRef>
-        </p:style>
-      </p:cxnSp>
-      <p:cxnSp>
-        <p:nvCxnSpPr>
-          <p:cNvPr id="88" name="Straight Connector 87"/>
-          <p:cNvCxnSpPr/>
-          <p:nvPr/>
-        </p:nvCxnSpPr>
-        <p:spPr>
-          <a:xfrm flipH="1" flipV="1">
-            <a:off x="9206358" y="3087621"/>
-            <a:ext cx="643297" cy="224131"/>
-          </a:xfrm>
-          <a:prstGeom prst="line">
-            <a:avLst/>
-          </a:prstGeom>
-          <a:ln w="38100">
-            <a:solidFill>
-              <a:schemeClr val="bg1"/>
-            </a:solidFill>
-          </a:ln>
-        </p:spPr>
-        <p:style>
-          <a:lnRef idx="1">
-            <a:schemeClr val="accent1"/>
-          </a:lnRef>
-          <a:fillRef idx="0">
-            <a:schemeClr val="accent1"/>
-          </a:fillRef>
-          <a:effectRef idx="0">
-            <a:schemeClr val="accent1"/>
-          </a:effectRef>
-          <a:fontRef idx="minor">
-            <a:schemeClr val="tx1"/>
-          </a:fontRef>
-        </p:style>
-      </p:cxnSp>
-      <p:cxnSp>
-        <p:nvCxnSpPr>
-          <p:cNvPr id="89" name="Straight Connector 88"/>
-          <p:cNvCxnSpPr/>
-          <p:nvPr/>
-        </p:nvCxnSpPr>
-        <p:spPr>
-          <a:xfrm flipH="1">
-            <a:off x="9849654" y="3771882"/>
-            <a:ext cx="1" cy="224131"/>
-          </a:xfrm>
-          <a:prstGeom prst="line">
-            <a:avLst/>
-          </a:prstGeom>
-          <a:ln w="38100">
-            <a:solidFill>
-              <a:schemeClr val="bg1"/>
-            </a:solidFill>
-          </a:ln>
-        </p:spPr>
-        <p:style>
-          <a:lnRef idx="1">
-            <a:schemeClr val="accent1"/>
-          </a:lnRef>
-          <a:fillRef idx="0">
-            <a:schemeClr val="accent1"/>
-          </a:fillRef>
-          <a:effectRef idx="0">
-            <a:schemeClr val="accent1"/>
-          </a:effectRef>
-          <a:fontRef idx="minor">
-            <a:schemeClr val="tx1"/>
-          </a:fontRef>
-        </p:style>
-      </p:cxnSp>
-      <p:sp>
-        <p:nvSpPr>
-          <p:cNvPr id="90" name="TextBox 89"/>
-          <p:cNvSpPr txBox="1"/>
-          <p:nvPr/>
-        </p:nvSpPr>
-        <p:spPr>
-          <a:xfrm>
-            <a:off x="8780504" y="4688320"/>
-            <a:ext cx="1938096" cy="461665"/>
-          </a:xfrm>
-          <a:prstGeom prst="rect">
-            <a:avLst/>
-          </a:prstGeom>
-          <a:noFill/>
-        </p:spPr>
-        <p:txBody>
-          <a:bodyPr wrap="none" rtlCol="0">
-            <a:spAutoFit/>
-          </a:bodyPr>
-          <a:lstStyle/>
-          <a:p>
-            <a:pPr algn="ctr"/>
-            <a:r>
-              <a:rPr lang="en-US" sz="2400" dirty="0" smtClean="0">
-                <a:solidFill>
-                  <a:schemeClr val="bg1"/>
-                </a:solidFill>
-              </a:rPr>
-              <a:t>Browser DOM</a:t>
-            </a:r>
-            <a:endParaRPr lang="en-US" sz="2400" dirty="0">
-              <a:solidFill>
-                <a:schemeClr val="bg1"/>
-              </a:solidFill>
-            </a:endParaRPr>
-          </a:p>
-        </p:txBody>
-      </p:sp>
     </p:spTree>
     <p:extLst>
       <p:ext uri="{BB962C8B-B14F-4D97-AF65-F5344CB8AC3E}">
-        <p14:creationId xmlns:p14="http://schemas.microsoft.com/office/powerpoint/2010/main" val="521624760"/>
+        <p14:creationId xmlns:p14="http://schemas.microsoft.com/office/powerpoint/2010/main" val="265770992"/>
       </p:ext>
     </p:extLst>
   </p:cSld>
   <p:clrMapOvr>
     <a:masterClrMapping/>
   </p:clrMapOvr>
-  <p:timing>
-    <p:tnLst>
-      <p:par>
-        <p:cTn id="1" dur="indefinite" restart="never" nodeType="tmRoot"/>
-      </p:par>
-    </p:tnLst>
-  </p:timing>
 </p:sld>
 </file>
 

--- a/resources/schemas.pptx
+++ b/resources/schemas.pptx
@@ -5,26 +5,27 @@
     <p:sldMasterId id="2147483648" r:id="rId1"/>
   </p:sldMasterIdLst>
   <p:notesMasterIdLst>
-    <p:notesMasterId r:id="rId19"/>
+    <p:notesMasterId r:id="rId20"/>
   </p:notesMasterIdLst>
   <p:sldIdLst>
     <p:sldId id="256" r:id="rId2"/>
     <p:sldId id="257" r:id="rId3"/>
     <p:sldId id="264" r:id="rId4"/>
     <p:sldId id="265" r:id="rId5"/>
-    <p:sldId id="271" r:id="rId6"/>
-    <p:sldId id="272" r:id="rId7"/>
-    <p:sldId id="273" r:id="rId8"/>
-    <p:sldId id="274" r:id="rId9"/>
-    <p:sldId id="266" r:id="rId10"/>
-    <p:sldId id="268" r:id="rId11"/>
-    <p:sldId id="269" r:id="rId12"/>
-    <p:sldId id="270" r:id="rId13"/>
-    <p:sldId id="258" r:id="rId14"/>
-    <p:sldId id="260" r:id="rId15"/>
-    <p:sldId id="261" r:id="rId16"/>
-    <p:sldId id="262" r:id="rId17"/>
-    <p:sldId id="263" r:id="rId18"/>
+    <p:sldId id="266" r:id="rId6"/>
+    <p:sldId id="271" r:id="rId7"/>
+    <p:sldId id="272" r:id="rId8"/>
+    <p:sldId id="273" r:id="rId9"/>
+    <p:sldId id="274" r:id="rId10"/>
+    <p:sldId id="275" r:id="rId11"/>
+    <p:sldId id="268" r:id="rId12"/>
+    <p:sldId id="269" r:id="rId13"/>
+    <p:sldId id="270" r:id="rId14"/>
+    <p:sldId id="258" r:id="rId15"/>
+    <p:sldId id="260" r:id="rId16"/>
+    <p:sldId id="261" r:id="rId17"/>
+    <p:sldId id="262" r:id="rId18"/>
+    <p:sldId id="263" r:id="rId19"/>
   </p:sldIdLst>
   <p:sldSz cx="12192000" cy="6858000"/>
   <p:notesSz cx="6858000" cy="9144000"/>
@@ -132,11 +133,20 @@
             <p14:sldId id="257"/>
             <p14:sldId id="264"/>
             <p14:sldId id="265"/>
+            <p14:sldId id="266"/>
+          </p14:sldIdLst>
+        </p14:section>
+        <p14:section name="Workshop" id="{F0B10FF6-6E20-E745-923A-5D16BBDE1E11}">
+          <p14:sldIdLst>
             <p14:sldId id="271"/>
             <p14:sldId id="272"/>
             <p14:sldId id="273"/>
             <p14:sldId id="274"/>
-            <p14:sldId id="266"/>
+          </p14:sldIdLst>
+        </p14:section>
+        <p14:section name="smart dumb" id="{47FE8BF7-C552-D945-80A9-538C772FEAF3}">
+          <p14:sldIdLst>
+            <p14:sldId id="275"/>
           </p14:sldIdLst>
         </p14:section>
         <p14:section name="snapshot" id="{0355D261-7F96-474C-9D89-DD51CE460E15}">
@@ -246,7 +256,7 @@
           <a:p>
             <a:fld id="{5C429396-FDB1-F04C-9A46-BA26E46C0344}" type="datetimeFigureOut">
               <a:rPr lang="en-US" smtClean="0"/>
-              <a:t>10/25/17</a:t>
+              <a:t>11/10/17</a:t>
             </a:fld>
             <a:endParaRPr lang="en-US"/>
           </a:p>
@@ -645,7 +655,7 @@
           <a:p>
             <a:fld id="{78C3FB43-EF33-7B42-BD59-CFA98E055764}" type="datetimeFigureOut">
               <a:rPr lang="en-US" smtClean="0"/>
-              <a:t>10/25/17</a:t>
+              <a:t>11/10/17</a:t>
             </a:fld>
             <a:endParaRPr lang="en-US"/>
           </a:p>
@@ -815,7 +825,7 @@
           <a:p>
             <a:fld id="{78C3FB43-EF33-7B42-BD59-CFA98E055764}" type="datetimeFigureOut">
               <a:rPr lang="en-US" smtClean="0"/>
-              <a:t>10/25/17</a:t>
+              <a:t>11/10/17</a:t>
             </a:fld>
             <a:endParaRPr lang="en-US"/>
           </a:p>
@@ -995,7 +1005,7 @@
           <a:p>
             <a:fld id="{78C3FB43-EF33-7B42-BD59-CFA98E055764}" type="datetimeFigureOut">
               <a:rPr lang="en-US" smtClean="0"/>
-              <a:t>10/25/17</a:t>
+              <a:t>11/10/17</a:t>
             </a:fld>
             <a:endParaRPr lang="en-US"/>
           </a:p>
@@ -1165,7 +1175,7 @@
           <a:p>
             <a:fld id="{78C3FB43-EF33-7B42-BD59-CFA98E055764}" type="datetimeFigureOut">
               <a:rPr lang="en-US" smtClean="0"/>
-              <a:t>10/25/17</a:t>
+              <a:t>11/10/17</a:t>
             </a:fld>
             <a:endParaRPr lang="en-US"/>
           </a:p>
@@ -1411,7 +1421,7 @@
           <a:p>
             <a:fld id="{78C3FB43-EF33-7B42-BD59-CFA98E055764}" type="datetimeFigureOut">
               <a:rPr lang="en-US" smtClean="0"/>
-              <a:t>10/25/17</a:t>
+              <a:t>11/10/17</a:t>
             </a:fld>
             <a:endParaRPr lang="en-US"/>
           </a:p>
@@ -1643,7 +1653,7 @@
           <a:p>
             <a:fld id="{78C3FB43-EF33-7B42-BD59-CFA98E055764}" type="datetimeFigureOut">
               <a:rPr lang="en-US" smtClean="0"/>
-              <a:t>10/25/17</a:t>
+              <a:t>11/10/17</a:t>
             </a:fld>
             <a:endParaRPr lang="en-US"/>
           </a:p>
@@ -2010,7 +2020,7 @@
           <a:p>
             <a:fld id="{78C3FB43-EF33-7B42-BD59-CFA98E055764}" type="datetimeFigureOut">
               <a:rPr lang="en-US" smtClean="0"/>
-              <a:t>10/25/17</a:t>
+              <a:t>11/10/17</a:t>
             </a:fld>
             <a:endParaRPr lang="en-US"/>
           </a:p>
@@ -2128,7 +2138,7 @@
           <a:p>
             <a:fld id="{78C3FB43-EF33-7B42-BD59-CFA98E055764}" type="datetimeFigureOut">
               <a:rPr lang="en-US" smtClean="0"/>
-              <a:t>10/25/17</a:t>
+              <a:t>11/10/17</a:t>
             </a:fld>
             <a:endParaRPr lang="en-US"/>
           </a:p>
@@ -2223,7 +2233,7 @@
           <a:p>
             <a:fld id="{78C3FB43-EF33-7B42-BD59-CFA98E055764}" type="datetimeFigureOut">
               <a:rPr lang="en-US" smtClean="0"/>
-              <a:t>10/25/17</a:t>
+              <a:t>11/10/17</a:t>
             </a:fld>
             <a:endParaRPr lang="en-US"/>
           </a:p>
@@ -2500,7 +2510,7 @@
           <a:p>
             <a:fld id="{78C3FB43-EF33-7B42-BD59-CFA98E055764}" type="datetimeFigureOut">
               <a:rPr lang="en-US" smtClean="0"/>
-              <a:t>10/25/17</a:t>
+              <a:t>11/10/17</a:t>
             </a:fld>
             <a:endParaRPr lang="en-US"/>
           </a:p>
@@ -2753,7 +2763,7 @@
           <a:p>
             <a:fld id="{78C3FB43-EF33-7B42-BD59-CFA98E055764}" type="datetimeFigureOut">
               <a:rPr lang="en-US" smtClean="0"/>
-              <a:t>10/25/17</a:t>
+              <a:t>11/10/17</a:t>
             </a:fld>
             <a:endParaRPr lang="en-US"/>
           </a:p>
@@ -2966,7 +2976,7 @@
           <a:p>
             <a:fld id="{78C3FB43-EF33-7B42-BD59-CFA98E055764}" type="datetimeFigureOut">
               <a:rPr lang="en-US" smtClean="0"/>
-              <a:t>10/25/17</a:t>
+              <a:t>11/10/17</a:t>
             </a:fld>
             <a:endParaRPr lang="en-US"/>
           </a:p>
@@ -4705,8 +4715,8 @@
         </p:nvSpPr>
         <p:spPr>
           <a:xfrm>
-            <a:off x="1555108" y="1265583"/>
-            <a:ext cx="2447048" cy="1007165"/>
+            <a:off x="7209182" y="2429644"/>
+            <a:ext cx="1828801" cy="1977368"/>
           </a:xfrm>
           <a:prstGeom prst="rect">
             <a:avLst/>
@@ -4737,110 +4747,23 @@
           <a:p>
             <a:pPr algn="ctr"/>
             <a:r>
-              <a:rPr lang="en-US" dirty="0" err="1" smtClean="0"/>
-              <a:t>MyComponent.spec.js</a:t>
-            </a:r>
-            <a:r>
-              <a:rPr lang="en-US" sz="1400" dirty="0" smtClean="0"/>
-              <a:t/>
-            </a:r>
-            <a:br>
-              <a:rPr lang="en-US" sz="1400" dirty="0" smtClean="0"/>
-            </a:br>
-            <a:r>
-              <a:rPr lang="en-US" sz="800" dirty="0" smtClean="0"/>
-              <a:t> </a:t>
-            </a:r>
-            <a:r>
-              <a:rPr lang="en-US" sz="1400" dirty="0" smtClean="0"/>
-              <a:t/>
-            </a:r>
-            <a:br>
-              <a:rPr lang="en-US" sz="1400" dirty="0" smtClean="0"/>
-            </a:br>
-            <a:r>
-              <a:rPr lang="en-US" sz="1100" dirty="0" smtClean="0"/>
-              <a:t>expect(template</a:t>
-            </a:r>
-            <a:r>
-              <a:rPr lang="en-US" sz="1100" dirty="0"/>
-              <a:t>).</a:t>
-            </a:r>
-            <a:r>
-              <a:rPr lang="en-US" sz="1100" dirty="0" err="1"/>
-              <a:t>toMatchSnapshot</a:t>
-            </a:r>
-            <a:r>
-              <a:rPr lang="en-US" sz="1100" dirty="0"/>
-              <a:t>()</a:t>
-            </a:r>
-          </a:p>
-        </p:txBody>
-      </p:sp>
-      <p:sp>
-        <p:nvSpPr>
-          <p:cNvPr id="5" name="Diamond 4"/>
+              <a:rPr lang="en-US" sz="3200" dirty="0" err="1" smtClean="0"/>
+              <a:t>HostelList</a:t>
+            </a:r>
+            <a:endParaRPr lang="en-US" sz="3200" dirty="0"/>
+          </a:p>
+        </p:txBody>
+      </p:sp>
+      <p:sp>
+        <p:nvSpPr>
+          <p:cNvPr id="12" name="Rectangle 11"/>
           <p:cNvSpPr/>
           <p:nvPr/>
         </p:nvSpPr>
         <p:spPr>
           <a:xfrm>
-            <a:off x="1555109" y="3008243"/>
-            <a:ext cx="2447049" cy="927652"/>
-          </a:xfrm>
-          <a:prstGeom prst="diamond">
-            <a:avLst/>
-          </a:prstGeom>
-          <a:ln>
-            <a:noFill/>
-          </a:ln>
-        </p:spPr>
-        <p:style>
-          <a:lnRef idx="2">
-            <a:schemeClr val="accent3">
-              <a:shade val="50000"/>
-            </a:schemeClr>
-          </a:lnRef>
-          <a:fillRef idx="1">
-            <a:schemeClr val="accent3"/>
-          </a:fillRef>
-          <a:effectRef idx="0">
-            <a:schemeClr val="accent3"/>
-          </a:effectRef>
-          <a:fontRef idx="minor">
-            <a:schemeClr val="lt1"/>
-          </a:fontRef>
-        </p:style>
-        <p:txBody>
-          <a:bodyPr rtlCol="0" anchor="ctr"/>
-          <a:lstStyle/>
-          <a:p>
-            <a:pPr algn="ctr"/>
-            <a:r>
-              <a:rPr lang="en-US" dirty="0" smtClean="0"/>
-              <a:t>Compare</a:t>
-            </a:r>
-            <a:br>
-              <a:rPr lang="en-US" dirty="0" smtClean="0"/>
-            </a:br>
-            <a:r>
-              <a:rPr lang="en-US" dirty="0" smtClean="0"/>
-              <a:t>output</a:t>
-            </a:r>
-            <a:endParaRPr lang="en-US" dirty="0"/>
-          </a:p>
-        </p:txBody>
-      </p:sp>
-      <p:sp>
-        <p:nvSpPr>
-          <p:cNvPr id="18" name="Rectangle 17"/>
-          <p:cNvSpPr/>
-          <p:nvPr/>
-        </p:nvSpPr>
-        <p:spPr>
-          <a:xfrm>
-            <a:off x="2187900" y="4651513"/>
-            <a:ext cx="1181465" cy="475244"/>
+            <a:off x="9607826" y="2429645"/>
+            <a:ext cx="1671010" cy="574450"/>
           </a:xfrm>
           <a:prstGeom prst="rect">
             <a:avLst/>
@@ -4874,8 +4797,8 @@
           <a:p>
             <a:pPr algn="ctr"/>
             <a:r>
-              <a:rPr lang="en-US" smtClean="0"/>
-              <a:t>Pass</a:t>
+              <a:rPr lang="en-US" sz="2000" dirty="0" err="1"/>
+              <a:t>HostelListItem</a:t>
             </a:r>
             <a:endParaRPr lang="en-US" sz="2000" dirty="0"/>
           </a:p>
@@ -4883,20 +4806,20 @@
       </p:sp>
       <p:sp>
         <p:nvSpPr>
-          <p:cNvPr id="22" name="Rectangle 21"/>
+          <p:cNvPr id="9" name="Rectangle 8"/>
           <p:cNvSpPr/>
           <p:nvPr/>
         </p:nvSpPr>
         <p:spPr>
           <a:xfrm>
-            <a:off x="4705813" y="3234447"/>
-            <a:ext cx="1181465" cy="475244"/>
+            <a:off x="9607826" y="3131103"/>
+            <a:ext cx="1671010" cy="574450"/>
           </a:xfrm>
           <a:prstGeom prst="rect">
             <a:avLst/>
           </a:prstGeom>
           <a:solidFill>
-            <a:srgbClr val="99424F"/>
+            <a:srgbClr val="00A44D"/>
           </a:solidFill>
           <a:ln>
             <a:noFill/>
@@ -4924,8 +4847,161 @@
           <a:p>
             <a:pPr algn="ctr"/>
             <a:r>
-              <a:rPr lang="en-US" dirty="0" smtClean="0"/>
-              <a:t>Fail</a:t>
+              <a:rPr lang="en-US" sz="2000" dirty="0" err="1"/>
+              <a:t>HostelListItem</a:t>
+            </a:r>
+            <a:endParaRPr lang="en-US" sz="2000" dirty="0"/>
+          </a:p>
+        </p:txBody>
+      </p:sp>
+      <p:sp>
+        <p:nvSpPr>
+          <p:cNvPr id="10" name="Rectangle 9"/>
+          <p:cNvSpPr/>
+          <p:nvPr/>
+        </p:nvSpPr>
+        <p:spPr>
+          <a:xfrm>
+            <a:off x="9607826" y="3839987"/>
+            <a:ext cx="1671010" cy="574450"/>
+          </a:xfrm>
+          <a:prstGeom prst="rect">
+            <a:avLst/>
+          </a:prstGeom>
+          <a:solidFill>
+            <a:srgbClr val="00A44D"/>
+          </a:solidFill>
+          <a:ln>
+            <a:noFill/>
+          </a:ln>
+        </p:spPr>
+        <p:style>
+          <a:lnRef idx="2">
+            <a:schemeClr val="accent4">
+              <a:shade val="50000"/>
+            </a:schemeClr>
+          </a:lnRef>
+          <a:fillRef idx="1">
+            <a:schemeClr val="accent4"/>
+          </a:fillRef>
+          <a:effectRef idx="0">
+            <a:schemeClr val="accent4"/>
+          </a:effectRef>
+          <a:fontRef idx="minor">
+            <a:schemeClr val="lt1"/>
+          </a:fontRef>
+        </p:style>
+        <p:txBody>
+          <a:bodyPr rtlCol="0" anchor="ctr"/>
+          <a:lstStyle/>
+          <a:p>
+            <a:pPr algn="ctr"/>
+            <a:r>
+              <a:rPr lang="en-US" sz="2000" dirty="0" err="1"/>
+              <a:t>HostelListItem</a:t>
+            </a:r>
+            <a:endParaRPr lang="en-US" sz="2000" dirty="0"/>
+          </a:p>
+        </p:txBody>
+      </p:sp>
+      <p:sp>
+        <p:nvSpPr>
+          <p:cNvPr id="11" name="Rectangle 10"/>
+          <p:cNvSpPr/>
+          <p:nvPr/>
+        </p:nvSpPr>
+        <p:spPr>
+          <a:xfrm>
+            <a:off x="3916551" y="1622055"/>
+            <a:ext cx="1896296" cy="2792382"/>
+          </a:xfrm>
+          <a:prstGeom prst="rect">
+            <a:avLst/>
+          </a:prstGeom>
+          <a:solidFill>
+            <a:schemeClr val="accent3">
+              <a:lumMod val="60000"/>
+              <a:lumOff val="40000"/>
+            </a:schemeClr>
+          </a:solidFill>
+          <a:ln>
+            <a:noFill/>
+          </a:ln>
+        </p:spPr>
+        <p:style>
+          <a:lnRef idx="2">
+            <a:schemeClr val="accent4">
+              <a:shade val="50000"/>
+            </a:schemeClr>
+          </a:lnRef>
+          <a:fillRef idx="1">
+            <a:schemeClr val="accent4"/>
+          </a:fillRef>
+          <a:effectRef idx="0">
+            <a:schemeClr val="accent4"/>
+          </a:effectRef>
+          <a:fontRef idx="minor">
+            <a:schemeClr val="lt1"/>
+          </a:fontRef>
+        </p:style>
+        <p:txBody>
+          <a:bodyPr rtlCol="0" anchor="ctr"/>
+          <a:lstStyle/>
+          <a:p>
+            <a:pPr algn="ctr"/>
+            <a:r>
+              <a:rPr lang="en-US" sz="2400" dirty="0" err="1" smtClean="0"/>
+              <a:t>HostelsPage</a:t>
+            </a:r>
+            <a:endParaRPr lang="en-US" dirty="0"/>
+          </a:p>
+        </p:txBody>
+      </p:sp>
+      <p:sp>
+        <p:nvSpPr>
+          <p:cNvPr id="19" name="Rectangle 18"/>
+          <p:cNvSpPr/>
+          <p:nvPr/>
+        </p:nvSpPr>
+        <p:spPr>
+          <a:xfrm>
+            <a:off x="7209182" y="1614630"/>
+            <a:ext cx="4069654" cy="574450"/>
+          </a:xfrm>
+          <a:prstGeom prst="rect">
+            <a:avLst/>
+          </a:prstGeom>
+          <a:solidFill>
+            <a:schemeClr val="accent5"/>
+          </a:solidFill>
+          <a:ln>
+            <a:noFill/>
+          </a:ln>
+        </p:spPr>
+        <p:style>
+          <a:lnRef idx="2">
+            <a:schemeClr val="accent4">
+              <a:shade val="50000"/>
+            </a:schemeClr>
+          </a:lnRef>
+          <a:fillRef idx="1">
+            <a:schemeClr val="accent4"/>
+          </a:fillRef>
+          <a:effectRef idx="0">
+            <a:schemeClr val="accent4"/>
+          </a:effectRef>
+          <a:fontRef idx="minor">
+            <a:schemeClr val="lt1"/>
+          </a:fontRef>
+        </p:style>
+        <p:txBody>
+          <a:bodyPr rtlCol="0" anchor="ctr"/>
+          <a:lstStyle/>
+          <a:p>
+            <a:pPr algn="ctr"/>
+            <a:r>
+              <a:rPr lang="en-US" sz="2000" smtClean="0"/>
+              <a:t>User</a:t>
             </a:r>
             <a:endParaRPr lang="en-US" sz="2000" dirty="0"/>
           </a:p>
@@ -4933,37 +5009,41 @@
       </p:sp>
       <p:cxnSp>
         <p:nvCxnSpPr>
-          <p:cNvPr id="23" name="Straight Arrow Connector 22"/>
+          <p:cNvPr id="20" name="Elbow Connector 19"/>
           <p:cNvCxnSpPr>
-            <a:stCxn id="5" idx="3"/>
-            <a:endCxn id="22" idx="1"/>
+            <a:stCxn id="2" idx="3"/>
+            <a:endCxn id="12" idx="1"/>
           </p:cNvCxnSpPr>
           <p:nvPr/>
         </p:nvCxnSpPr>
         <p:spPr>
-          <a:xfrm>
-            <a:off x="4002158" y="3472069"/>
-            <a:ext cx="703655" cy="0"/>
-          </a:xfrm>
-          <a:prstGeom prst="straightConnector1">
-            <a:avLst/>
-          </a:prstGeom>
-          <a:ln w="76200">
+          <a:xfrm flipV="1">
+            <a:off x="9037983" y="2716870"/>
+            <a:ext cx="569843" cy="701458"/>
+          </a:xfrm>
+          <a:prstGeom prst="bentConnector3">
+            <a:avLst>
+              <a:gd name="adj1" fmla="val 50000"/>
+            </a:avLst>
+          </a:prstGeom>
+          <a:ln w="38100">
             <a:solidFill>
               <a:schemeClr val="bg1"/>
             </a:solidFill>
-            <a:tailEnd type="triangle"/>
+            <a:prstDash val="sysDot"/>
+            <a:headEnd type="none" w="med" len="med"/>
+            <a:tailEnd type="arrow" w="med" len="med"/>
           </a:ln>
         </p:spPr>
         <p:style>
           <a:lnRef idx="1">
-            <a:schemeClr val="accent3"/>
+            <a:schemeClr val="accent1"/>
           </a:lnRef>
           <a:fillRef idx="0">
-            <a:schemeClr val="accent3"/>
-          </a:fillRef>
-          <a:effectRef idx="0">
-            <a:schemeClr val="accent3"/>
+            <a:schemeClr val="accent1"/>
+          </a:fillRef>
+          <a:effectRef idx="0">
+            <a:schemeClr val="accent1"/>
           </a:effectRef>
           <a:fontRef idx="minor">
             <a:schemeClr val="tx1"/>
@@ -4972,37 +5052,41 @@
       </p:cxnSp>
       <p:cxnSp>
         <p:nvCxnSpPr>
-          <p:cNvPr id="26" name="Straight Arrow Connector 25"/>
+          <p:cNvPr id="21" name="Elbow Connector 20"/>
           <p:cNvCxnSpPr>
-            <a:stCxn id="5" idx="2"/>
-            <a:endCxn id="18" idx="0"/>
+            <a:stCxn id="2" idx="3"/>
+            <a:endCxn id="10" idx="1"/>
           </p:cNvCxnSpPr>
           <p:nvPr/>
         </p:nvCxnSpPr>
         <p:spPr>
-          <a:xfrm flipH="1">
-            <a:off x="2778633" y="3935895"/>
-            <a:ext cx="1" cy="715618"/>
-          </a:xfrm>
-          <a:prstGeom prst="straightConnector1">
-            <a:avLst/>
-          </a:prstGeom>
-          <a:ln w="76200">
+          <a:xfrm>
+            <a:off x="9037983" y="3418328"/>
+            <a:ext cx="569843" cy="708884"/>
+          </a:xfrm>
+          <a:prstGeom prst="bentConnector3">
+            <a:avLst>
+              <a:gd name="adj1" fmla="val 50000"/>
+            </a:avLst>
+          </a:prstGeom>
+          <a:ln w="38100">
             <a:solidFill>
               <a:schemeClr val="bg1"/>
             </a:solidFill>
-            <a:tailEnd type="triangle"/>
+            <a:prstDash val="sysDot"/>
+            <a:headEnd type="none" w="med" len="med"/>
+            <a:tailEnd type="arrow" w="med" len="med"/>
           </a:ln>
         </p:spPr>
         <p:style>
           <a:lnRef idx="1">
-            <a:schemeClr val="accent3"/>
+            <a:schemeClr val="accent1"/>
           </a:lnRef>
           <a:fillRef idx="0">
-            <a:schemeClr val="accent3"/>
-          </a:fillRef>
-          <a:effectRef idx="0">
-            <a:schemeClr val="accent3"/>
+            <a:schemeClr val="accent1"/>
+          </a:fillRef>
+          <a:effectRef idx="0">
+            <a:schemeClr val="accent1"/>
           </a:effectRef>
           <a:fontRef idx="minor">
             <a:schemeClr val="tx1"/>
@@ -5011,37 +5095,41 @@
       </p:cxnSp>
       <p:cxnSp>
         <p:nvCxnSpPr>
-          <p:cNvPr id="27" name="Straight Arrow Connector 26"/>
+          <p:cNvPr id="28" name="Elbow Connector 27"/>
           <p:cNvCxnSpPr>
-            <a:stCxn id="2" idx="2"/>
-            <a:endCxn id="5" idx="0"/>
+            <a:stCxn id="11" idx="3"/>
+            <a:endCxn id="2" idx="1"/>
           </p:cNvCxnSpPr>
           <p:nvPr/>
         </p:nvCxnSpPr>
         <p:spPr>
           <a:xfrm>
-            <a:off x="2778632" y="2272748"/>
-            <a:ext cx="2" cy="735495"/>
-          </a:xfrm>
-          <a:prstGeom prst="straightConnector1">
-            <a:avLst/>
-          </a:prstGeom>
-          <a:ln w="76200">
+            <a:off x="5812847" y="3018246"/>
+            <a:ext cx="1396335" cy="400082"/>
+          </a:xfrm>
+          <a:prstGeom prst="bentConnector3">
+            <a:avLst>
+              <a:gd name="adj1" fmla="val 50000"/>
+            </a:avLst>
+          </a:prstGeom>
+          <a:ln w="38100">
             <a:solidFill>
               <a:schemeClr val="bg1"/>
             </a:solidFill>
-            <a:tailEnd type="triangle"/>
+            <a:prstDash val="dash"/>
+            <a:headEnd type="none" w="med" len="med"/>
+            <a:tailEnd type="arrow" w="med" len="med"/>
           </a:ln>
         </p:spPr>
         <p:style>
           <a:lnRef idx="1">
-            <a:schemeClr val="accent3"/>
+            <a:schemeClr val="accent1"/>
           </a:lnRef>
           <a:fillRef idx="0">
-            <a:schemeClr val="accent3"/>
-          </a:fillRef>
-          <a:effectRef idx="0">
-            <a:schemeClr val="accent3"/>
+            <a:schemeClr val="accent1"/>
+          </a:fillRef>
+          <a:effectRef idx="0">
+            <a:schemeClr val="accent1"/>
           </a:effectRef>
           <a:fontRef idx="minor">
             <a:schemeClr val="tx1"/>
@@ -5050,30 +5138,324 @@
       </p:cxnSp>
       <p:cxnSp>
         <p:nvCxnSpPr>
-          <p:cNvPr id="48" name="Elbow Connector 47"/>
-          <p:cNvCxnSpPr/>
+          <p:cNvPr id="31" name="Elbow Connector 30"/>
+          <p:cNvCxnSpPr>
+            <a:stCxn id="11" idx="3"/>
+            <a:endCxn id="19" idx="1"/>
+          </p:cNvCxnSpPr>
           <p:nvPr/>
         </p:nvCxnSpPr>
         <p:spPr>
-          <a:xfrm flipH="1">
-            <a:off x="2875723" y="4078356"/>
-            <a:ext cx="4913240" cy="231913"/>
-          </a:xfrm>
-          <a:prstGeom prst="bentConnector5">
+          <a:xfrm flipV="1">
+            <a:off x="5812847" y="1901855"/>
+            <a:ext cx="1396335" cy="1116391"/>
+          </a:xfrm>
+          <a:prstGeom prst="bentConnector3">
             <a:avLst>
-              <a:gd name="adj1" fmla="val -4653"/>
-              <a:gd name="adj2" fmla="val 260001"/>
-              <a:gd name="adj3" fmla="val 62023"/>
+              <a:gd name="adj1" fmla="val 50000"/>
             </a:avLst>
           </a:prstGeom>
-          <a:ln w="76200">
+          <a:ln w="38100">
             <a:solidFill>
-              <a:schemeClr val="bg1">
-                <a:alpha val="0"/>
-              </a:schemeClr>
+              <a:schemeClr val="bg1"/>
+            </a:solidFill>
+            <a:prstDash val="dash"/>
+            <a:headEnd type="none" w="med" len="med"/>
+            <a:tailEnd type="arrow" w="med" len="med"/>
+          </a:ln>
+        </p:spPr>
+        <p:style>
+          <a:lnRef idx="1">
+            <a:schemeClr val="accent1"/>
+          </a:lnRef>
+          <a:fillRef idx="0">
+            <a:schemeClr val="accent1"/>
+          </a:fillRef>
+          <a:effectRef idx="0">
+            <a:schemeClr val="accent1"/>
+          </a:effectRef>
+          <a:fontRef idx="minor">
+            <a:schemeClr val="tx1"/>
+          </a:fontRef>
+        </p:style>
+      </p:cxnSp>
+      <p:cxnSp>
+        <p:nvCxnSpPr>
+          <p:cNvPr id="36" name="Elbow Connector 35"/>
+          <p:cNvCxnSpPr>
+            <a:stCxn id="2" idx="3"/>
+            <a:endCxn id="9" idx="1"/>
+          </p:cNvCxnSpPr>
+          <p:nvPr/>
+        </p:nvCxnSpPr>
+        <p:spPr>
+          <a:xfrm>
+            <a:off x="9037983" y="3418328"/>
+            <a:ext cx="569843" cy="12700"/>
+          </a:xfrm>
+          <a:prstGeom prst="bentConnector3">
+            <a:avLst>
+              <a:gd name="adj1" fmla="val 50000"/>
+            </a:avLst>
+          </a:prstGeom>
+          <a:ln w="38100">
+            <a:solidFill>
+              <a:schemeClr val="bg1"/>
             </a:solidFill>
             <a:prstDash val="sysDot"/>
+            <a:headEnd type="none" w="med" len="med"/>
+            <a:tailEnd type="arrow" w="med" len="med"/>
+          </a:ln>
+        </p:spPr>
+        <p:style>
+          <a:lnRef idx="1">
+            <a:schemeClr val="accent1"/>
+          </a:lnRef>
+          <a:fillRef idx="0">
+            <a:schemeClr val="accent1"/>
+          </a:fillRef>
+          <a:effectRef idx="0">
+            <a:schemeClr val="accent1"/>
+          </a:effectRef>
+          <a:fontRef idx="minor">
+            <a:schemeClr val="tx1"/>
+          </a:fontRef>
+        </p:style>
+      </p:cxnSp>
+      <p:sp>
+        <p:nvSpPr>
+          <p:cNvPr id="46" name="Rectangle 45"/>
+          <p:cNvSpPr/>
+          <p:nvPr/>
+        </p:nvSpPr>
+        <p:spPr>
+          <a:xfrm>
+            <a:off x="1261258" y="1626551"/>
+            <a:ext cx="1896296" cy="2792382"/>
+          </a:xfrm>
+          <a:prstGeom prst="rect">
+            <a:avLst/>
+          </a:prstGeom>
+          <a:solidFill>
+            <a:schemeClr val="accent2"/>
+          </a:solidFill>
+          <a:ln>
+            <a:noFill/>
+          </a:ln>
+        </p:spPr>
+        <p:style>
+          <a:lnRef idx="2">
+            <a:schemeClr val="accent4">
+              <a:shade val="50000"/>
+            </a:schemeClr>
+          </a:lnRef>
+          <a:fillRef idx="1">
+            <a:schemeClr val="accent4"/>
+          </a:fillRef>
+          <a:effectRef idx="0">
+            <a:schemeClr val="accent4"/>
+          </a:effectRef>
+          <a:fontRef idx="minor">
+            <a:schemeClr val="lt1"/>
+          </a:fontRef>
+        </p:style>
+        <p:txBody>
+          <a:bodyPr rtlCol="0" anchor="ctr"/>
+          <a:lstStyle/>
+          <a:p>
+            <a:pPr algn="ctr"/>
+            <a:r>
+              <a:rPr lang="en-US" sz="3200" dirty="0" smtClean="0"/>
+              <a:t>Service</a:t>
+            </a:r>
+            <a:br>
+              <a:rPr lang="en-US" sz="3200" dirty="0" smtClean="0"/>
+            </a:br>
+            <a:r>
+              <a:rPr lang="en-US" sz="2000" i="1" dirty="0" smtClean="0"/>
+              <a:t>(</a:t>
+            </a:r>
+            <a:r>
+              <a:rPr lang="en-US" sz="2000" i="1" dirty="0" err="1" smtClean="0"/>
+              <a:t>async</a:t>
+            </a:r>
+            <a:r>
+              <a:rPr lang="en-US" sz="2000" i="1" dirty="0" smtClean="0"/>
+              <a:t> read/write)</a:t>
+            </a:r>
+            <a:endParaRPr lang="en-US" sz="2000" i="1" dirty="0"/>
+          </a:p>
+        </p:txBody>
+      </p:sp>
+      <p:cxnSp>
+        <p:nvCxnSpPr>
+          <p:cNvPr id="48" name="Straight Arrow Connector 47"/>
+          <p:cNvCxnSpPr>
+            <a:stCxn id="46" idx="3"/>
+            <a:endCxn id="11" idx="1"/>
+          </p:cNvCxnSpPr>
+          <p:nvPr/>
+        </p:nvCxnSpPr>
+        <p:spPr>
+          <a:xfrm flipV="1">
+            <a:off x="3157554" y="3018246"/>
+            <a:ext cx="758997" cy="4496"/>
+          </a:xfrm>
+          <a:prstGeom prst="straightConnector1">
+            <a:avLst/>
+          </a:prstGeom>
+          <a:ln w="38100">
+            <a:solidFill>
+              <a:schemeClr val="bg1"/>
+            </a:solidFill>
+            <a:headEnd type="triangle"/>
             <a:tailEnd type="triangle"/>
+          </a:ln>
+        </p:spPr>
+        <p:style>
+          <a:lnRef idx="1">
+            <a:schemeClr val="accent1"/>
+          </a:lnRef>
+          <a:fillRef idx="0">
+            <a:schemeClr val="accent1"/>
+          </a:fillRef>
+          <a:effectRef idx="0">
+            <a:schemeClr val="accent1"/>
+          </a:effectRef>
+          <a:fontRef idx="minor">
+            <a:schemeClr val="tx1"/>
+          </a:fontRef>
+        </p:style>
+      </p:cxnSp>
+      <p:sp>
+        <p:nvSpPr>
+          <p:cNvPr id="52" name="TextBox 51"/>
+          <p:cNvSpPr txBox="1"/>
+          <p:nvPr/>
+        </p:nvSpPr>
+        <p:spPr>
+          <a:xfrm>
+            <a:off x="4436761" y="4821245"/>
+            <a:ext cx="855875" cy="369332"/>
+          </a:xfrm>
+          <a:prstGeom prst="rect">
+            <a:avLst/>
+          </a:prstGeom>
+          <a:noFill/>
+        </p:spPr>
+        <p:txBody>
+          <a:bodyPr wrap="none" rtlCol="0">
+            <a:spAutoFit/>
+          </a:bodyPr>
+          <a:lstStyle/>
+          <a:p>
+            <a:r>
+              <a:rPr lang="en-US" smtClean="0">
+                <a:solidFill>
+                  <a:schemeClr val="bg1"/>
+                </a:solidFill>
+              </a:rPr>
+              <a:t>SMART</a:t>
+            </a:r>
+            <a:endParaRPr lang="en-US" dirty="0">
+              <a:solidFill>
+                <a:schemeClr val="bg1"/>
+              </a:solidFill>
+            </a:endParaRPr>
+          </a:p>
+        </p:txBody>
+      </p:sp>
+      <p:cxnSp>
+        <p:nvCxnSpPr>
+          <p:cNvPr id="54" name="Straight Connector 53"/>
+          <p:cNvCxnSpPr/>
+          <p:nvPr/>
+        </p:nvCxnSpPr>
+        <p:spPr>
+          <a:xfrm>
+            <a:off x="3916551" y="4713447"/>
+            <a:ext cx="1896296" cy="0"/>
+          </a:xfrm>
+          <a:prstGeom prst="line">
+            <a:avLst/>
+          </a:prstGeom>
+          <a:ln w="57150">
+            <a:solidFill>
+              <a:schemeClr val="bg1"/>
+            </a:solidFill>
+          </a:ln>
+        </p:spPr>
+        <p:style>
+          <a:lnRef idx="1">
+            <a:schemeClr val="accent1"/>
+          </a:lnRef>
+          <a:fillRef idx="0">
+            <a:schemeClr val="accent1"/>
+          </a:fillRef>
+          <a:effectRef idx="0">
+            <a:schemeClr val="accent1"/>
+          </a:effectRef>
+          <a:fontRef idx="minor">
+            <a:schemeClr val="tx1"/>
+          </a:fontRef>
+        </p:style>
+      </p:cxnSp>
+      <p:sp>
+        <p:nvSpPr>
+          <p:cNvPr id="57" name="TextBox 56"/>
+          <p:cNvSpPr txBox="1"/>
+          <p:nvPr/>
+        </p:nvSpPr>
+        <p:spPr>
+          <a:xfrm>
+            <a:off x="8845502" y="4821245"/>
+            <a:ext cx="797013" cy="369332"/>
+          </a:xfrm>
+          <a:prstGeom prst="rect">
+            <a:avLst/>
+          </a:prstGeom>
+          <a:noFill/>
+        </p:spPr>
+        <p:txBody>
+          <a:bodyPr wrap="none" rtlCol="0">
+            <a:spAutoFit/>
+          </a:bodyPr>
+          <a:lstStyle/>
+          <a:p>
+            <a:r>
+              <a:rPr lang="en-US" smtClean="0">
+                <a:solidFill>
+                  <a:schemeClr val="bg1"/>
+                </a:solidFill>
+              </a:rPr>
+              <a:t>DUMB</a:t>
+            </a:r>
+            <a:endParaRPr lang="en-US" dirty="0">
+              <a:solidFill>
+                <a:schemeClr val="bg1"/>
+              </a:solidFill>
+            </a:endParaRPr>
+          </a:p>
+        </p:txBody>
+      </p:sp>
+      <p:cxnSp>
+        <p:nvCxnSpPr>
+          <p:cNvPr id="58" name="Straight Connector 57"/>
+          <p:cNvCxnSpPr/>
+          <p:nvPr/>
+        </p:nvCxnSpPr>
+        <p:spPr>
+          <a:xfrm>
+            <a:off x="7209182" y="4732807"/>
+            <a:ext cx="4069654" cy="0"/>
+          </a:xfrm>
+          <a:prstGeom prst="line">
+            <a:avLst/>
+          </a:prstGeom>
+          <a:ln w="57150">
+            <a:solidFill>
+              <a:schemeClr val="bg1"/>
+            </a:solidFill>
           </a:ln>
         </p:spPr>
         <p:style>
@@ -5094,13 +5476,20 @@
     </p:spTree>
     <p:extLst>
       <p:ext uri="{BB962C8B-B14F-4D97-AF65-F5344CB8AC3E}">
-        <p14:creationId xmlns:p14="http://schemas.microsoft.com/office/powerpoint/2010/main" val="48424859"/>
+        <p14:creationId xmlns:p14="http://schemas.microsoft.com/office/powerpoint/2010/main" val="1584321953"/>
       </p:ext>
     </p:extLst>
   </p:cSld>
   <p:clrMapOvr>
     <a:masterClrMapping/>
   </p:clrMapOvr>
+  <p:timing>
+    <p:tnLst>
+      <p:par>
+        <p:cTn id="1" dur="indefinite" restart="never" nodeType="tmRoot"/>
+      </p:par>
+    </p:tnLst>
+  </p:timing>
 </p:sld>
 </file>
 
@@ -5482,188 +5871,8 @@
       </p:cxnSp>
       <p:cxnSp>
         <p:nvCxnSpPr>
-          <p:cNvPr id="35" name="Straight Arrow Connector 34"/>
-          <p:cNvCxnSpPr>
-            <a:stCxn id="22" idx="3"/>
-            <a:endCxn id="36" idx="1"/>
-          </p:cNvCxnSpPr>
-          <p:nvPr/>
-        </p:nvCxnSpPr>
-        <p:spPr>
-          <a:xfrm flipV="1">
-            <a:off x="5887278" y="2782039"/>
-            <a:ext cx="720220" cy="690030"/>
-          </a:xfrm>
-          <a:prstGeom prst="straightConnector1">
-            <a:avLst/>
-          </a:prstGeom>
-          <a:ln w="76200">
-            <a:solidFill>
-              <a:schemeClr val="bg1"/>
-            </a:solidFill>
-            <a:tailEnd type="triangle"/>
-          </a:ln>
-        </p:spPr>
-        <p:style>
-          <a:lnRef idx="1">
-            <a:schemeClr val="accent3"/>
-          </a:lnRef>
-          <a:fillRef idx="0">
-            <a:schemeClr val="accent3"/>
-          </a:fillRef>
-          <a:effectRef idx="0">
-            <a:schemeClr val="accent3"/>
-          </a:effectRef>
-          <a:fontRef idx="minor">
-            <a:schemeClr val="tx1"/>
-          </a:fontRef>
-        </p:style>
-      </p:cxnSp>
-      <p:sp>
-        <p:nvSpPr>
-          <p:cNvPr id="36" name="Rectangle 35"/>
-          <p:cNvSpPr/>
-          <p:nvPr/>
-        </p:nvSpPr>
-        <p:spPr>
-          <a:xfrm>
-            <a:off x="6607498" y="2544417"/>
-            <a:ext cx="1181465" cy="475244"/>
-          </a:xfrm>
-          <a:prstGeom prst="rect">
-            <a:avLst/>
-          </a:prstGeom>
-          <a:solidFill>
-            <a:srgbClr val="99424F"/>
-          </a:solidFill>
-          <a:ln>
-            <a:noFill/>
-          </a:ln>
-        </p:spPr>
-        <p:style>
-          <a:lnRef idx="2">
-            <a:schemeClr val="accent4">
-              <a:shade val="50000"/>
-            </a:schemeClr>
-          </a:lnRef>
-          <a:fillRef idx="1">
-            <a:schemeClr val="accent4"/>
-          </a:fillRef>
-          <a:effectRef idx="0">
-            <a:schemeClr val="accent4"/>
-          </a:effectRef>
-          <a:fontRef idx="minor">
-            <a:schemeClr val="lt1"/>
-          </a:fontRef>
-        </p:style>
-        <p:txBody>
-          <a:bodyPr rtlCol="0" anchor="ctr"/>
-          <a:lstStyle/>
-          <a:p>
-            <a:pPr algn="ctr"/>
-            <a:r>
-              <a:rPr lang="en-US" smtClean="0"/>
-              <a:t>Bug</a:t>
-            </a:r>
-            <a:endParaRPr lang="en-US" sz="2000" dirty="0"/>
-          </a:p>
-        </p:txBody>
-      </p:sp>
-      <p:sp>
-        <p:nvSpPr>
-          <p:cNvPr id="37" name="Rectangle 36"/>
-          <p:cNvSpPr/>
-          <p:nvPr/>
-        </p:nvSpPr>
-        <p:spPr>
-          <a:xfrm>
-            <a:off x="6607498" y="3703981"/>
-            <a:ext cx="1181465" cy="748749"/>
-          </a:xfrm>
-          <a:prstGeom prst="rect">
-            <a:avLst/>
-          </a:prstGeom>
-          <a:solidFill>
-            <a:schemeClr val="accent2"/>
-          </a:solidFill>
-          <a:ln>
-            <a:noFill/>
-          </a:ln>
-        </p:spPr>
-        <p:style>
-          <a:lnRef idx="2">
-            <a:schemeClr val="accent4">
-              <a:shade val="50000"/>
-            </a:schemeClr>
-          </a:lnRef>
-          <a:fillRef idx="1">
-            <a:schemeClr val="accent4"/>
-          </a:fillRef>
-          <a:effectRef idx="0">
-            <a:schemeClr val="accent4"/>
-          </a:effectRef>
-          <a:fontRef idx="minor">
-            <a:schemeClr val="lt1"/>
-          </a:fontRef>
-        </p:style>
-        <p:txBody>
-          <a:bodyPr rtlCol="0" anchor="ctr"/>
-          <a:lstStyle/>
-          <a:p>
-            <a:pPr algn="ctr"/>
-            <a:r>
-              <a:rPr lang="en-US" dirty="0" smtClean="0"/>
-              <a:t>Update snapshot</a:t>
-            </a:r>
-            <a:endParaRPr lang="en-US" sz="2000" dirty="0"/>
-          </a:p>
-        </p:txBody>
-      </p:sp>
-      <p:cxnSp>
-        <p:nvCxnSpPr>
-          <p:cNvPr id="40" name="Straight Arrow Connector 39"/>
-          <p:cNvCxnSpPr>
-            <a:stCxn id="22" idx="3"/>
-            <a:endCxn id="37" idx="1"/>
-          </p:cNvCxnSpPr>
-          <p:nvPr/>
-        </p:nvCxnSpPr>
-        <p:spPr>
-          <a:xfrm>
-            <a:off x="5887278" y="3472069"/>
-            <a:ext cx="720220" cy="606287"/>
-          </a:xfrm>
-          <a:prstGeom prst="straightConnector1">
-            <a:avLst/>
-          </a:prstGeom>
-          <a:ln w="76200">
-            <a:solidFill>
-              <a:schemeClr val="bg1"/>
-            </a:solidFill>
-            <a:tailEnd type="triangle"/>
-          </a:ln>
-        </p:spPr>
-        <p:style>
-          <a:lnRef idx="1">
-            <a:schemeClr val="accent3"/>
-          </a:lnRef>
-          <a:fillRef idx="0">
-            <a:schemeClr val="accent3"/>
-          </a:fillRef>
-          <a:effectRef idx="0">
-            <a:schemeClr val="accent3"/>
-          </a:effectRef>
-          <a:fontRef idx="minor">
-            <a:schemeClr val="tx1"/>
-          </a:fontRef>
-        </p:style>
-      </p:cxnSp>
-      <p:cxnSp>
-        <p:nvCxnSpPr>
           <p:cNvPr id="48" name="Elbow Connector 47"/>
-          <p:cNvCxnSpPr>
-            <a:stCxn id="37" idx="3"/>
-          </p:cNvCxnSpPr>
+          <p:cNvCxnSpPr/>
           <p:nvPr/>
         </p:nvCxnSpPr>
         <p:spPr>
@@ -5706,7 +5915,7 @@
     </p:spTree>
     <p:extLst>
       <p:ext uri="{BB962C8B-B14F-4D97-AF65-F5344CB8AC3E}">
-        <p14:creationId xmlns:p14="http://schemas.microsoft.com/office/powerpoint/2010/main" val="229368651"/>
+        <p14:creationId xmlns:p14="http://schemas.microsoft.com/office/powerpoint/2010/main" val="48424859"/>
       </p:ext>
     </p:extLst>
   </p:cSld>
@@ -6292,7 +6501,9 @@
           </a:prstGeom>
           <a:ln w="76200">
             <a:solidFill>
-              <a:schemeClr val="bg1"/>
+              <a:schemeClr val="bg1">
+                <a:alpha val="0"/>
+              </a:schemeClr>
             </a:solidFill>
             <a:prstDash val="sysDot"/>
             <a:tailEnd type="triangle"/>
@@ -6316,7 +6527,7 @@
     </p:spTree>
     <p:extLst>
       <p:ext uri="{BB962C8B-B14F-4D97-AF65-F5344CB8AC3E}">
-        <p14:creationId xmlns:p14="http://schemas.microsoft.com/office/powerpoint/2010/main" val="265770992"/>
+        <p14:creationId xmlns:p14="http://schemas.microsoft.com/office/powerpoint/2010/main" val="229368651"/>
       </p:ext>
     </p:extLst>
   </p:cSld>
@@ -6353,36 +6564,33 @@
       </p:grpSpPr>
       <p:sp>
         <p:nvSpPr>
-          <p:cNvPr id="4" name="Oval 3"/>
+          <p:cNvPr id="2" name="Rectangle 1"/>
           <p:cNvSpPr/>
           <p:nvPr/>
         </p:nvSpPr>
         <p:spPr>
           <a:xfrm>
-            <a:off x="701749" y="3346191"/>
-            <a:ext cx="552893" cy="552893"/>
-          </a:xfrm>
-          <a:prstGeom prst="ellipse">
-            <a:avLst/>
-          </a:prstGeom>
-          <a:solidFill>
-            <a:schemeClr val="accent4"/>
-          </a:solidFill>
-          <a:ln w="0">
+            <a:off x="1555108" y="1265583"/>
+            <a:ext cx="2447048" cy="1007165"/>
+          </a:xfrm>
+          <a:prstGeom prst="rect">
+            <a:avLst/>
+          </a:prstGeom>
+          <a:ln>
             <a:noFill/>
           </a:ln>
         </p:spPr>
         <p:style>
           <a:lnRef idx="2">
-            <a:schemeClr val="accent1">
+            <a:schemeClr val="accent4">
               <a:shade val="50000"/>
             </a:schemeClr>
           </a:lnRef>
           <a:fillRef idx="1">
-            <a:schemeClr val="accent1"/>
-          </a:fillRef>
-          <a:effectRef idx="0">
-            <a:schemeClr val="accent1"/>
+            <a:schemeClr val="accent4"/>
+          </a:fillRef>
+          <a:effectRef idx="0">
+            <a:schemeClr val="accent4"/>
           </a:effectRef>
           <a:fontRef idx="minor">
             <a:schemeClr val="lt1"/>
@@ -6393,42 +6601,76 @@
           <a:lstStyle/>
           <a:p>
             <a:pPr algn="ctr"/>
-            <a:endParaRPr lang="en-US"/>
-          </a:p>
-        </p:txBody>
-      </p:sp>
-      <p:sp>
-        <p:nvSpPr>
-          <p:cNvPr id="5" name="Oval 4"/>
+            <a:r>
+              <a:rPr lang="en-US" dirty="0" err="1" smtClean="0"/>
+              <a:t>MyComponent.spec.js</a:t>
+            </a:r>
+            <a:r>
+              <a:rPr lang="en-US" sz="1400" dirty="0" smtClean="0"/>
+              <a:t/>
+            </a:r>
+            <a:br>
+              <a:rPr lang="en-US" sz="1400" dirty="0" smtClean="0"/>
+            </a:br>
+            <a:r>
+              <a:rPr lang="en-US" sz="800" dirty="0" smtClean="0"/>
+              <a:t> </a:t>
+            </a:r>
+            <a:r>
+              <a:rPr lang="en-US" sz="1400" dirty="0" smtClean="0"/>
+              <a:t/>
+            </a:r>
+            <a:br>
+              <a:rPr lang="en-US" sz="1400" dirty="0" smtClean="0"/>
+            </a:br>
+            <a:r>
+              <a:rPr lang="en-US" sz="1100" dirty="0" smtClean="0"/>
+              <a:t>expect(template</a:t>
+            </a:r>
+            <a:r>
+              <a:rPr lang="en-US" sz="1100" dirty="0"/>
+              <a:t>).</a:t>
+            </a:r>
+            <a:r>
+              <a:rPr lang="en-US" sz="1100" dirty="0" err="1"/>
+              <a:t>toMatchSnapshot</a:t>
+            </a:r>
+            <a:r>
+              <a:rPr lang="en-US" sz="1100" dirty="0"/>
+              <a:t>()</a:t>
+            </a:r>
+          </a:p>
+        </p:txBody>
+      </p:sp>
+      <p:sp>
+        <p:nvSpPr>
+          <p:cNvPr id="5" name="Diamond 4"/>
           <p:cNvSpPr/>
           <p:nvPr/>
         </p:nvSpPr>
         <p:spPr>
           <a:xfrm>
-            <a:off x="1599379" y="2346182"/>
-            <a:ext cx="552893" cy="552893"/>
-          </a:xfrm>
-          <a:prstGeom prst="ellipse">
-            <a:avLst/>
-          </a:prstGeom>
-          <a:solidFill>
-            <a:schemeClr val="accent4"/>
-          </a:solidFill>
-          <a:ln w="0">
+            <a:off x="1555109" y="3008243"/>
+            <a:ext cx="2447049" cy="927652"/>
+          </a:xfrm>
+          <a:prstGeom prst="diamond">
+            <a:avLst/>
+          </a:prstGeom>
+          <a:ln>
             <a:noFill/>
           </a:ln>
         </p:spPr>
         <p:style>
           <a:lnRef idx="2">
-            <a:schemeClr val="accent1">
+            <a:schemeClr val="accent3">
               <a:shade val="50000"/>
             </a:schemeClr>
           </a:lnRef>
           <a:fillRef idx="1">
-            <a:schemeClr val="accent1"/>
-          </a:fillRef>
-          <a:effectRef idx="0">
-            <a:schemeClr val="accent1"/>
+            <a:schemeClr val="accent3"/>
+          </a:fillRef>
+          <a:effectRef idx="0">
+            <a:schemeClr val="accent3"/>
           </a:effectRef>
           <a:fontRef idx="minor">
             <a:schemeClr val="lt1"/>
@@ -6439,42 +6681,53 @@
           <a:lstStyle/>
           <a:p>
             <a:pPr algn="ctr"/>
-            <a:endParaRPr lang="en-US"/>
-          </a:p>
-        </p:txBody>
-      </p:sp>
-      <p:sp>
-        <p:nvSpPr>
-          <p:cNvPr id="6" name="Oval 5"/>
+            <a:r>
+              <a:rPr lang="en-US" dirty="0" smtClean="0"/>
+              <a:t>Compare</a:t>
+            </a:r>
+            <a:br>
+              <a:rPr lang="en-US" dirty="0" smtClean="0"/>
+            </a:br>
+            <a:r>
+              <a:rPr lang="en-US" dirty="0" smtClean="0"/>
+              <a:t>output</a:t>
+            </a:r>
+            <a:endParaRPr lang="en-US" dirty="0"/>
+          </a:p>
+        </p:txBody>
+      </p:sp>
+      <p:sp>
+        <p:nvSpPr>
+          <p:cNvPr id="18" name="Rectangle 17"/>
           <p:cNvSpPr/>
           <p:nvPr/>
         </p:nvSpPr>
         <p:spPr>
           <a:xfrm>
-            <a:off x="1518410" y="3951699"/>
-            <a:ext cx="552893" cy="552893"/>
-          </a:xfrm>
-          <a:prstGeom prst="ellipse">
+            <a:off x="2187900" y="4651513"/>
+            <a:ext cx="1181465" cy="475244"/>
+          </a:xfrm>
+          <a:prstGeom prst="rect">
             <a:avLst/>
           </a:prstGeom>
           <a:solidFill>
-            <a:schemeClr val="accent4"/>
+            <a:srgbClr val="00A44D"/>
           </a:solidFill>
-          <a:ln w="0">
+          <a:ln>
             <a:noFill/>
           </a:ln>
         </p:spPr>
         <p:style>
           <a:lnRef idx="2">
-            <a:schemeClr val="accent1">
+            <a:schemeClr val="accent4">
               <a:shade val="50000"/>
             </a:schemeClr>
           </a:lnRef>
           <a:fillRef idx="1">
-            <a:schemeClr val="accent1"/>
-          </a:fillRef>
-          <a:effectRef idx="0">
-            <a:schemeClr val="accent1"/>
+            <a:schemeClr val="accent4"/>
+          </a:fillRef>
+          <a:effectRef idx="0">
+            <a:schemeClr val="accent4"/>
           </a:effectRef>
           <a:fontRef idx="minor">
             <a:schemeClr val="lt1"/>
@@ -6485,42 +6738,46 @@
           <a:lstStyle/>
           <a:p>
             <a:pPr algn="ctr"/>
-            <a:endParaRPr lang="en-US"/>
-          </a:p>
-        </p:txBody>
-      </p:sp>
-      <p:sp>
-        <p:nvSpPr>
-          <p:cNvPr id="7" name="Oval 6"/>
+            <a:r>
+              <a:rPr lang="en-US" smtClean="0"/>
+              <a:t>Pass</a:t>
+            </a:r>
+            <a:endParaRPr lang="en-US" sz="2000" dirty="0"/>
+          </a:p>
+        </p:txBody>
+      </p:sp>
+      <p:sp>
+        <p:nvSpPr>
+          <p:cNvPr id="22" name="Rectangle 21"/>
           <p:cNvSpPr/>
           <p:nvPr/>
         </p:nvSpPr>
         <p:spPr>
           <a:xfrm>
-            <a:off x="874117" y="1793289"/>
-            <a:ext cx="552893" cy="552893"/>
-          </a:xfrm>
-          <a:prstGeom prst="ellipse">
+            <a:off x="4705813" y="3234447"/>
+            <a:ext cx="1181465" cy="475244"/>
+          </a:xfrm>
+          <a:prstGeom prst="rect">
             <a:avLst/>
           </a:prstGeom>
           <a:solidFill>
-            <a:schemeClr val="accent4"/>
+            <a:srgbClr val="99424F"/>
           </a:solidFill>
-          <a:ln w="0">
+          <a:ln>
             <a:noFill/>
           </a:ln>
         </p:spPr>
         <p:style>
           <a:lnRef idx="2">
-            <a:schemeClr val="accent1">
+            <a:schemeClr val="accent4">
               <a:shade val="50000"/>
             </a:schemeClr>
           </a:lnRef>
           <a:fillRef idx="1">
-            <a:schemeClr val="accent1"/>
-          </a:fillRef>
-          <a:effectRef idx="0">
-            <a:schemeClr val="accent1"/>
+            <a:schemeClr val="accent4"/>
+          </a:fillRef>
+          <a:effectRef idx="0">
+            <a:schemeClr val="accent4"/>
           </a:effectRef>
           <a:fontRef idx="minor">
             <a:schemeClr val="lt1"/>
@@ -6531,208 +6788,86 @@
           <a:lstStyle/>
           <a:p>
             <a:pPr algn="ctr"/>
-            <a:endParaRPr lang="en-US"/>
-          </a:p>
-        </p:txBody>
-      </p:sp>
-      <p:sp>
-        <p:nvSpPr>
-          <p:cNvPr id="8" name="Oval 7"/>
-          <p:cNvSpPr/>
-          <p:nvPr/>
-        </p:nvSpPr>
-        <p:spPr>
-          <a:xfrm>
-            <a:off x="2339566" y="3028986"/>
-            <a:ext cx="552893" cy="552893"/>
-          </a:xfrm>
-          <a:prstGeom prst="ellipse">
-            <a:avLst/>
-          </a:prstGeom>
-          <a:solidFill>
-            <a:schemeClr val="accent4"/>
-          </a:solidFill>
-          <a:ln w="0">
-            <a:noFill/>
-          </a:ln>
-        </p:spPr>
-        <p:style>
-          <a:lnRef idx="2">
-            <a:schemeClr val="accent1">
-              <a:shade val="50000"/>
-            </a:schemeClr>
-          </a:lnRef>
-          <a:fillRef idx="1">
-            <a:schemeClr val="accent1"/>
-          </a:fillRef>
-          <a:effectRef idx="0">
-            <a:schemeClr val="accent1"/>
-          </a:effectRef>
-          <a:fontRef idx="minor">
-            <a:schemeClr val="lt1"/>
-          </a:fontRef>
-        </p:style>
-        <p:txBody>
-          <a:bodyPr rtlCol="0" anchor="ctr"/>
-          <a:lstStyle/>
-          <a:p>
-            <a:pPr algn="ctr"/>
-            <a:endParaRPr lang="en-US"/>
-          </a:p>
-        </p:txBody>
-      </p:sp>
-      <p:sp>
-        <p:nvSpPr>
-          <p:cNvPr id="9" name="TextBox 8"/>
-          <p:cNvSpPr txBox="1"/>
-          <p:nvPr/>
-        </p:nvSpPr>
-        <p:spPr>
-          <a:xfrm>
-            <a:off x="1005019" y="4732115"/>
-            <a:ext cx="995785" cy="461665"/>
-          </a:xfrm>
-          <a:prstGeom prst="rect">
-            <a:avLst/>
-          </a:prstGeom>
-          <a:noFill/>
-        </p:spPr>
-        <p:txBody>
-          <a:bodyPr wrap="none" rtlCol="0">
-            <a:spAutoFit/>
-          </a:bodyPr>
-          <a:lstStyle/>
-          <a:p>
-            <a:r>
-              <a:rPr lang="en-US" sz="2400" dirty="0" smtClean="0">
-                <a:solidFill>
-                  <a:schemeClr val="bg1"/>
-                </a:solidFill>
-              </a:rPr>
-              <a:t>Model</a:t>
-            </a:r>
-            <a:endParaRPr lang="en-US" sz="2400" dirty="0">
-              <a:solidFill>
-                <a:schemeClr val="bg1"/>
-              </a:solidFill>
-            </a:endParaRPr>
+            <a:r>
+              <a:rPr lang="en-US" dirty="0" smtClean="0"/>
+              <a:t>Fail</a:t>
+            </a:r>
+            <a:endParaRPr lang="en-US" sz="2000" dirty="0"/>
           </a:p>
         </p:txBody>
       </p:sp>
       <p:cxnSp>
         <p:nvCxnSpPr>
-          <p:cNvPr id="18" name="Straight Connector 17"/>
+          <p:cNvPr id="23" name="Straight Arrow Connector 22"/>
           <p:cNvCxnSpPr>
-            <a:stCxn id="7" idx="5"/>
-            <a:endCxn id="5" idx="2"/>
+            <a:stCxn id="5" idx="3"/>
+            <a:endCxn id="22" idx="1"/>
           </p:cNvCxnSpPr>
           <p:nvPr/>
         </p:nvCxnSpPr>
         <p:spPr>
           <a:xfrm>
-            <a:off x="1346041" y="2265213"/>
-            <a:ext cx="253338" cy="357416"/>
-          </a:xfrm>
-          <a:prstGeom prst="line">
-            <a:avLst/>
-          </a:prstGeom>
-          <a:ln w="38100">
+            <a:off x="4002158" y="3472069"/>
+            <a:ext cx="703655" cy="0"/>
+          </a:xfrm>
+          <a:prstGeom prst="straightConnector1">
+            <a:avLst/>
+          </a:prstGeom>
+          <a:ln w="76200">
             <a:solidFill>
               <a:schemeClr val="bg1"/>
             </a:solidFill>
+            <a:tailEnd type="triangle"/>
           </a:ln>
         </p:spPr>
         <p:style>
           <a:lnRef idx="1">
-            <a:schemeClr val="accent1"/>
+            <a:schemeClr val="accent3"/>
           </a:lnRef>
           <a:fillRef idx="0">
-            <a:schemeClr val="accent1"/>
-          </a:fillRef>
-          <a:effectRef idx="0">
-            <a:schemeClr val="accent1"/>
+            <a:schemeClr val="accent3"/>
+          </a:fillRef>
+          <a:effectRef idx="0">
+            <a:schemeClr val="accent3"/>
           </a:effectRef>
           <a:fontRef idx="minor">
             <a:schemeClr val="tx1"/>
           </a:fontRef>
         </p:style>
       </p:cxnSp>
-      <p:sp>
-        <p:nvSpPr>
-          <p:cNvPr id="77" name="Rounded Rectangle 76"/>
-          <p:cNvSpPr/>
-          <p:nvPr/>
-        </p:nvSpPr>
-        <p:spPr>
-          <a:xfrm>
-            <a:off x="3843580" y="1793289"/>
-            <a:ext cx="3502618" cy="2740204"/>
-          </a:xfrm>
-          <a:prstGeom prst="roundRect">
-            <a:avLst/>
-          </a:prstGeom>
-          <a:solidFill>
-            <a:schemeClr val="accent5">
-              <a:lumMod val="20000"/>
-              <a:lumOff val="80000"/>
-            </a:schemeClr>
-          </a:solidFill>
-        </p:spPr>
-        <p:style>
-          <a:lnRef idx="1">
-            <a:schemeClr val="accent6"/>
-          </a:lnRef>
-          <a:fillRef idx="2">
-            <a:schemeClr val="accent6"/>
-          </a:fillRef>
-          <a:effectRef idx="1">
-            <a:schemeClr val="accent6"/>
-          </a:effectRef>
-          <a:fontRef idx="minor">
-            <a:schemeClr val="dk1"/>
-          </a:fontRef>
-        </p:style>
-        <p:txBody>
-          <a:bodyPr rtlCol="0" anchor="ctr"/>
-          <a:lstStyle/>
-          <a:p>
-            <a:pPr algn="ctr"/>
-            <a:endParaRPr lang="en-US"/>
-          </a:p>
-        </p:txBody>
-      </p:sp>
       <p:cxnSp>
         <p:nvCxnSpPr>
-          <p:cNvPr id="21" name="Straight Connector 20"/>
+          <p:cNvPr id="26" name="Straight Arrow Connector 25"/>
           <p:cNvCxnSpPr>
-            <a:stCxn id="8" idx="1"/>
-            <a:endCxn id="5" idx="5"/>
+            <a:stCxn id="5" idx="2"/>
+            <a:endCxn id="18" idx="0"/>
           </p:cNvCxnSpPr>
           <p:nvPr/>
         </p:nvCxnSpPr>
         <p:spPr>
-          <a:xfrm flipH="1" flipV="1">
-            <a:off x="2071303" y="2818106"/>
-            <a:ext cx="349232" cy="291849"/>
-          </a:xfrm>
-          <a:prstGeom prst="line">
-            <a:avLst/>
-          </a:prstGeom>
-          <a:ln w="38100">
+          <a:xfrm flipH="1">
+            <a:off x="2778633" y="3935895"/>
+            <a:ext cx="1" cy="715618"/>
+          </a:xfrm>
+          <a:prstGeom prst="straightConnector1">
+            <a:avLst/>
+          </a:prstGeom>
+          <a:ln w="76200">
             <a:solidFill>
               <a:schemeClr val="bg1"/>
             </a:solidFill>
+            <a:tailEnd type="triangle"/>
           </a:ln>
         </p:spPr>
         <p:style>
           <a:lnRef idx="1">
-            <a:schemeClr val="accent1"/>
+            <a:schemeClr val="accent3"/>
           </a:lnRef>
           <a:fillRef idx="0">
-            <a:schemeClr val="accent1"/>
-          </a:fillRef>
-          <a:effectRef idx="0">
-            <a:schemeClr val="accent1"/>
+            <a:schemeClr val="accent3"/>
+          </a:fillRef>
+          <a:effectRef idx="0">
+            <a:schemeClr val="accent3"/>
           </a:effectRef>
           <a:fontRef idx="minor">
             <a:schemeClr val="tx1"/>
@@ -6741,36 +6876,37 @@
       </p:cxnSp>
       <p:cxnSp>
         <p:nvCxnSpPr>
-          <p:cNvPr id="24" name="Straight Connector 23"/>
+          <p:cNvPr id="27" name="Straight Arrow Connector 26"/>
           <p:cNvCxnSpPr>
-            <a:stCxn id="6" idx="1"/>
-            <a:endCxn id="4" idx="5"/>
+            <a:stCxn id="2" idx="2"/>
+            <a:endCxn id="5" idx="0"/>
           </p:cNvCxnSpPr>
           <p:nvPr/>
         </p:nvCxnSpPr>
         <p:spPr>
-          <a:xfrm flipH="1" flipV="1">
-            <a:off x="1173673" y="3818115"/>
-            <a:ext cx="425706" cy="214553"/>
-          </a:xfrm>
-          <a:prstGeom prst="line">
-            <a:avLst/>
-          </a:prstGeom>
-          <a:ln w="38100">
+          <a:xfrm>
+            <a:off x="2778632" y="2272748"/>
+            <a:ext cx="2" cy="735495"/>
+          </a:xfrm>
+          <a:prstGeom prst="straightConnector1">
+            <a:avLst/>
+          </a:prstGeom>
+          <a:ln w="76200">
             <a:solidFill>
               <a:schemeClr val="bg1"/>
             </a:solidFill>
+            <a:tailEnd type="triangle"/>
           </a:ln>
         </p:spPr>
         <p:style>
           <a:lnRef idx="1">
-            <a:schemeClr val="accent1"/>
+            <a:schemeClr val="accent3"/>
           </a:lnRef>
           <a:fillRef idx="0">
-            <a:schemeClr val="accent1"/>
-          </a:fillRef>
-          <a:effectRef idx="0">
-            <a:schemeClr val="accent1"/>
+            <a:schemeClr val="accent3"/>
+          </a:fillRef>
+          <a:effectRef idx="0">
+            <a:schemeClr val="accent3"/>
           </a:effectRef>
           <a:fontRef idx="minor">
             <a:schemeClr val="tx1"/>
@@ -6779,36 +6915,176 @@
       </p:cxnSp>
       <p:cxnSp>
         <p:nvCxnSpPr>
-          <p:cNvPr id="34" name="Straight Connector 33"/>
+          <p:cNvPr id="35" name="Straight Arrow Connector 34"/>
           <p:cNvCxnSpPr>
-            <a:stCxn id="4" idx="7"/>
-            <a:endCxn id="5" idx="3"/>
+            <a:stCxn id="22" idx="3"/>
+            <a:endCxn id="36" idx="1"/>
           </p:cNvCxnSpPr>
           <p:nvPr/>
         </p:nvCxnSpPr>
         <p:spPr>
           <a:xfrm flipV="1">
-            <a:off x="1173673" y="2818106"/>
-            <a:ext cx="506675" cy="609054"/>
-          </a:xfrm>
-          <a:prstGeom prst="line">
-            <a:avLst/>
-          </a:prstGeom>
-          <a:ln w="38100">
+            <a:off x="5887278" y="2782039"/>
+            <a:ext cx="720220" cy="690030"/>
+          </a:xfrm>
+          <a:prstGeom prst="straightConnector1">
+            <a:avLst/>
+          </a:prstGeom>
+          <a:ln w="76200">
             <a:solidFill>
               <a:schemeClr val="bg1"/>
             </a:solidFill>
+            <a:tailEnd type="triangle"/>
           </a:ln>
         </p:spPr>
         <p:style>
           <a:lnRef idx="1">
-            <a:schemeClr val="accent1"/>
+            <a:schemeClr val="accent3"/>
           </a:lnRef>
           <a:fillRef idx="0">
-            <a:schemeClr val="accent1"/>
-          </a:fillRef>
-          <a:effectRef idx="0">
-            <a:schemeClr val="accent1"/>
+            <a:schemeClr val="accent3"/>
+          </a:fillRef>
+          <a:effectRef idx="0">
+            <a:schemeClr val="accent3"/>
+          </a:effectRef>
+          <a:fontRef idx="minor">
+            <a:schemeClr val="tx1"/>
+          </a:fontRef>
+        </p:style>
+      </p:cxnSp>
+      <p:sp>
+        <p:nvSpPr>
+          <p:cNvPr id="36" name="Rectangle 35"/>
+          <p:cNvSpPr/>
+          <p:nvPr/>
+        </p:nvSpPr>
+        <p:spPr>
+          <a:xfrm>
+            <a:off x="6607498" y="2544417"/>
+            <a:ext cx="1181465" cy="475244"/>
+          </a:xfrm>
+          <a:prstGeom prst="rect">
+            <a:avLst/>
+          </a:prstGeom>
+          <a:solidFill>
+            <a:srgbClr val="99424F"/>
+          </a:solidFill>
+          <a:ln>
+            <a:noFill/>
+          </a:ln>
+        </p:spPr>
+        <p:style>
+          <a:lnRef idx="2">
+            <a:schemeClr val="accent4">
+              <a:shade val="50000"/>
+            </a:schemeClr>
+          </a:lnRef>
+          <a:fillRef idx="1">
+            <a:schemeClr val="accent4"/>
+          </a:fillRef>
+          <a:effectRef idx="0">
+            <a:schemeClr val="accent4"/>
+          </a:effectRef>
+          <a:fontRef idx="minor">
+            <a:schemeClr val="lt1"/>
+          </a:fontRef>
+        </p:style>
+        <p:txBody>
+          <a:bodyPr rtlCol="0" anchor="ctr"/>
+          <a:lstStyle/>
+          <a:p>
+            <a:pPr algn="ctr"/>
+            <a:r>
+              <a:rPr lang="en-US" smtClean="0"/>
+              <a:t>Bug</a:t>
+            </a:r>
+            <a:endParaRPr lang="en-US" sz="2000" dirty="0"/>
+          </a:p>
+        </p:txBody>
+      </p:sp>
+      <p:sp>
+        <p:nvSpPr>
+          <p:cNvPr id="37" name="Rectangle 36"/>
+          <p:cNvSpPr/>
+          <p:nvPr/>
+        </p:nvSpPr>
+        <p:spPr>
+          <a:xfrm>
+            <a:off x="6607498" y="3703981"/>
+            <a:ext cx="1181465" cy="748749"/>
+          </a:xfrm>
+          <a:prstGeom prst="rect">
+            <a:avLst/>
+          </a:prstGeom>
+          <a:solidFill>
+            <a:schemeClr val="accent2"/>
+          </a:solidFill>
+          <a:ln>
+            <a:noFill/>
+          </a:ln>
+        </p:spPr>
+        <p:style>
+          <a:lnRef idx="2">
+            <a:schemeClr val="accent4">
+              <a:shade val="50000"/>
+            </a:schemeClr>
+          </a:lnRef>
+          <a:fillRef idx="1">
+            <a:schemeClr val="accent4"/>
+          </a:fillRef>
+          <a:effectRef idx="0">
+            <a:schemeClr val="accent4"/>
+          </a:effectRef>
+          <a:fontRef idx="minor">
+            <a:schemeClr val="lt1"/>
+          </a:fontRef>
+        </p:style>
+        <p:txBody>
+          <a:bodyPr rtlCol="0" anchor="ctr"/>
+          <a:lstStyle/>
+          <a:p>
+            <a:pPr algn="ctr"/>
+            <a:r>
+              <a:rPr lang="en-US" dirty="0" smtClean="0"/>
+              <a:t>Update snapshot</a:t>
+            </a:r>
+            <a:endParaRPr lang="en-US" sz="2000" dirty="0"/>
+          </a:p>
+        </p:txBody>
+      </p:sp>
+      <p:cxnSp>
+        <p:nvCxnSpPr>
+          <p:cNvPr id="40" name="Straight Arrow Connector 39"/>
+          <p:cNvCxnSpPr>
+            <a:stCxn id="22" idx="3"/>
+            <a:endCxn id="37" idx="1"/>
+          </p:cNvCxnSpPr>
+          <p:nvPr/>
+        </p:nvCxnSpPr>
+        <p:spPr>
+          <a:xfrm>
+            <a:off x="5887278" y="3472069"/>
+            <a:ext cx="720220" cy="606287"/>
+          </a:xfrm>
+          <a:prstGeom prst="straightConnector1">
+            <a:avLst/>
+          </a:prstGeom>
+          <a:ln w="76200">
+            <a:solidFill>
+              <a:schemeClr val="bg1"/>
+            </a:solidFill>
+            <a:tailEnd type="triangle"/>
+          </a:ln>
+        </p:spPr>
+        <p:style>
+          <a:lnRef idx="1">
+            <a:schemeClr val="accent3"/>
+          </a:lnRef>
+          <a:fillRef idx="0">
+            <a:schemeClr val="accent3"/>
+          </a:fillRef>
+          <a:effectRef idx="0">
+            <a:schemeClr val="accent3"/>
           </a:effectRef>
           <a:fontRef idx="minor">
             <a:schemeClr val="tx1"/>
@@ -6817,25 +7093,30 @@
       </p:cxnSp>
       <p:cxnSp>
         <p:nvCxnSpPr>
-          <p:cNvPr id="40" name="Straight Connector 39"/>
+          <p:cNvPr id="48" name="Elbow Connector 47"/>
           <p:cNvCxnSpPr>
-            <a:stCxn id="6" idx="7"/>
-            <a:endCxn id="8" idx="3"/>
+            <a:stCxn id="37" idx="3"/>
           </p:cNvCxnSpPr>
           <p:nvPr/>
         </p:nvCxnSpPr>
         <p:spPr>
-          <a:xfrm flipV="1">
-            <a:off x="1990334" y="3500910"/>
-            <a:ext cx="430201" cy="531758"/>
-          </a:xfrm>
-          <a:prstGeom prst="line">
-            <a:avLst/>
-          </a:prstGeom>
-          <a:ln w="38100">
+          <a:xfrm flipH="1">
+            <a:off x="2875723" y="4078356"/>
+            <a:ext cx="4913240" cy="231913"/>
+          </a:xfrm>
+          <a:prstGeom prst="bentConnector5">
+            <a:avLst>
+              <a:gd name="adj1" fmla="val -4653"/>
+              <a:gd name="adj2" fmla="val 260001"/>
+              <a:gd name="adj3" fmla="val 62023"/>
+            </a:avLst>
+          </a:prstGeom>
+          <a:ln w="76200">
             <a:solidFill>
               <a:schemeClr val="bg1"/>
             </a:solidFill>
+            <a:prstDash val="sysDot"/>
+            <a:tailEnd type="triangle"/>
           </a:ln>
         </p:spPr>
         <p:style>
@@ -6853,1033 +7134,16 @@
           </a:fontRef>
         </p:style>
       </p:cxnSp>
-      <p:sp>
-        <p:nvSpPr>
-          <p:cNvPr id="55" name="Rectangle 54"/>
-          <p:cNvSpPr/>
-          <p:nvPr/>
-        </p:nvSpPr>
-        <p:spPr>
-          <a:xfrm>
-            <a:off x="4086467" y="3322958"/>
-            <a:ext cx="961293" cy="437717"/>
-          </a:xfrm>
-          <a:prstGeom prst="rect">
-            <a:avLst/>
-          </a:prstGeom>
-          <a:solidFill>
-            <a:schemeClr val="accent6"/>
-          </a:solidFill>
-          <a:ln>
-            <a:noFill/>
-          </a:ln>
-        </p:spPr>
-        <p:style>
-          <a:lnRef idx="2">
-            <a:schemeClr val="accent1">
-              <a:shade val="50000"/>
-            </a:schemeClr>
-          </a:lnRef>
-          <a:fillRef idx="1">
-            <a:schemeClr val="accent1"/>
-          </a:fillRef>
-          <a:effectRef idx="0">
-            <a:schemeClr val="accent1"/>
-          </a:effectRef>
-          <a:fontRef idx="minor">
-            <a:schemeClr val="lt1"/>
-          </a:fontRef>
-        </p:style>
-        <p:txBody>
-          <a:bodyPr rtlCol="0" anchor="ctr"/>
-          <a:lstStyle/>
-          <a:p>
-            <a:pPr algn="ctr"/>
-            <a:endParaRPr lang="en-US"/>
-          </a:p>
-        </p:txBody>
-      </p:sp>
-      <p:sp>
-        <p:nvSpPr>
-          <p:cNvPr id="56" name="Rectangle 55"/>
-          <p:cNvSpPr/>
-          <p:nvPr/>
-        </p:nvSpPr>
-        <p:spPr>
-          <a:xfrm>
-            <a:off x="5385742" y="3322958"/>
-            <a:ext cx="961293" cy="437717"/>
-          </a:xfrm>
-          <a:prstGeom prst="rect">
-            <a:avLst/>
-          </a:prstGeom>
-          <a:solidFill>
-            <a:schemeClr val="accent6"/>
-          </a:solidFill>
-          <a:ln>
-            <a:noFill/>
-          </a:ln>
-        </p:spPr>
-        <p:style>
-          <a:lnRef idx="2">
-            <a:schemeClr val="accent1">
-              <a:shade val="50000"/>
-            </a:schemeClr>
-          </a:lnRef>
-          <a:fillRef idx="1">
-            <a:schemeClr val="accent1"/>
-          </a:fillRef>
-          <a:effectRef idx="0">
-            <a:schemeClr val="accent1"/>
-          </a:effectRef>
-          <a:fontRef idx="minor">
-            <a:schemeClr val="lt1"/>
-          </a:fontRef>
-        </p:style>
-        <p:txBody>
-          <a:bodyPr rtlCol="0" anchor="ctr"/>
-          <a:lstStyle/>
-          <a:p>
-            <a:pPr algn="ctr"/>
-            <a:endParaRPr lang="en-US"/>
-          </a:p>
-        </p:txBody>
-      </p:sp>
-      <p:sp>
-        <p:nvSpPr>
-          <p:cNvPr id="57" name="Rectangle 56"/>
-          <p:cNvSpPr/>
-          <p:nvPr/>
-        </p:nvSpPr>
-        <p:spPr>
-          <a:xfrm>
-            <a:off x="4742445" y="2638697"/>
-            <a:ext cx="961293" cy="437717"/>
-          </a:xfrm>
-          <a:prstGeom prst="rect">
-            <a:avLst/>
-          </a:prstGeom>
-          <a:solidFill>
-            <a:schemeClr val="accent6"/>
-          </a:solidFill>
-          <a:ln>
-            <a:noFill/>
-          </a:ln>
-        </p:spPr>
-        <p:style>
-          <a:lnRef idx="2">
-            <a:schemeClr val="accent1">
-              <a:shade val="50000"/>
-            </a:schemeClr>
-          </a:lnRef>
-          <a:fillRef idx="1">
-            <a:schemeClr val="accent1"/>
-          </a:fillRef>
-          <a:effectRef idx="0">
-            <a:schemeClr val="accent1"/>
-          </a:effectRef>
-          <a:fontRef idx="minor">
-            <a:schemeClr val="lt1"/>
-          </a:fontRef>
-        </p:style>
-        <p:txBody>
-          <a:bodyPr rtlCol="0" anchor="ctr"/>
-          <a:lstStyle/>
-          <a:p>
-            <a:pPr algn="ctr"/>
-            <a:endParaRPr lang="en-US"/>
-          </a:p>
-        </p:txBody>
-      </p:sp>
-      <p:sp>
-        <p:nvSpPr>
-          <p:cNvPr id="58" name="Rectangle 57"/>
-          <p:cNvSpPr/>
-          <p:nvPr/>
-        </p:nvSpPr>
-        <p:spPr>
-          <a:xfrm>
-            <a:off x="5385740" y="1954436"/>
-            <a:ext cx="961293" cy="437717"/>
-          </a:xfrm>
-          <a:prstGeom prst="rect">
-            <a:avLst/>
-          </a:prstGeom>
-          <a:solidFill>
-            <a:schemeClr val="accent6"/>
-          </a:solidFill>
-          <a:ln>
-            <a:noFill/>
-          </a:ln>
-        </p:spPr>
-        <p:style>
-          <a:lnRef idx="2">
-            <a:schemeClr val="accent1">
-              <a:shade val="50000"/>
-            </a:schemeClr>
-          </a:lnRef>
-          <a:fillRef idx="1">
-            <a:schemeClr val="accent1"/>
-          </a:fillRef>
-          <a:effectRef idx="0">
-            <a:schemeClr val="accent1"/>
-          </a:effectRef>
-          <a:fontRef idx="minor">
-            <a:schemeClr val="lt1"/>
-          </a:fontRef>
-        </p:style>
-        <p:txBody>
-          <a:bodyPr rtlCol="0" anchor="ctr"/>
-          <a:lstStyle/>
-          <a:p>
-            <a:pPr algn="ctr"/>
-            <a:endParaRPr lang="en-US"/>
-          </a:p>
-        </p:txBody>
-      </p:sp>
-      <p:sp>
-        <p:nvSpPr>
-          <p:cNvPr id="59" name="Rectangle 58"/>
-          <p:cNvSpPr/>
-          <p:nvPr/>
-        </p:nvSpPr>
-        <p:spPr>
-          <a:xfrm>
-            <a:off x="6049586" y="2638697"/>
-            <a:ext cx="961293" cy="437717"/>
-          </a:xfrm>
-          <a:prstGeom prst="rect">
-            <a:avLst/>
-          </a:prstGeom>
-          <a:solidFill>
-            <a:schemeClr val="accent6"/>
-          </a:solidFill>
-          <a:ln>
-            <a:noFill/>
-          </a:ln>
-        </p:spPr>
-        <p:style>
-          <a:lnRef idx="2">
-            <a:schemeClr val="accent1">
-              <a:shade val="50000"/>
-            </a:schemeClr>
-          </a:lnRef>
-          <a:fillRef idx="1">
-            <a:schemeClr val="accent1"/>
-          </a:fillRef>
-          <a:effectRef idx="0">
-            <a:schemeClr val="accent1"/>
-          </a:effectRef>
-          <a:fontRef idx="minor">
-            <a:schemeClr val="lt1"/>
-          </a:fontRef>
-        </p:style>
-        <p:txBody>
-          <a:bodyPr rtlCol="0" anchor="ctr"/>
-          <a:lstStyle/>
-          <a:p>
-            <a:pPr algn="ctr"/>
-            <a:endParaRPr lang="en-US"/>
-          </a:p>
-        </p:txBody>
-      </p:sp>
-      <p:sp>
-        <p:nvSpPr>
-          <p:cNvPr id="60" name="Rectangle 59"/>
-          <p:cNvSpPr/>
-          <p:nvPr/>
-        </p:nvSpPr>
-        <p:spPr>
-          <a:xfrm>
-            <a:off x="5385741" y="4007219"/>
-            <a:ext cx="961293" cy="437717"/>
-          </a:xfrm>
-          <a:prstGeom prst="rect">
-            <a:avLst/>
-          </a:prstGeom>
-          <a:solidFill>
-            <a:schemeClr val="accent6"/>
-          </a:solidFill>
-          <a:ln>
-            <a:noFill/>
-          </a:ln>
-        </p:spPr>
-        <p:style>
-          <a:lnRef idx="2">
-            <a:schemeClr val="accent1">
-              <a:shade val="50000"/>
-            </a:schemeClr>
-          </a:lnRef>
-          <a:fillRef idx="1">
-            <a:schemeClr val="accent1"/>
-          </a:fillRef>
-          <a:effectRef idx="0">
-            <a:schemeClr val="accent1"/>
-          </a:effectRef>
-          <a:fontRef idx="minor">
-            <a:schemeClr val="lt1"/>
-          </a:fontRef>
-        </p:style>
-        <p:txBody>
-          <a:bodyPr rtlCol="0" anchor="ctr"/>
-          <a:lstStyle/>
-          <a:p>
-            <a:pPr algn="ctr"/>
-            <a:endParaRPr lang="en-US"/>
-          </a:p>
-        </p:txBody>
-      </p:sp>
-      <p:cxnSp>
-        <p:nvCxnSpPr>
-          <p:cNvPr id="61" name="Straight Connector 60"/>
-          <p:cNvCxnSpPr>
-            <a:stCxn id="58" idx="2"/>
-            <a:endCxn id="57" idx="0"/>
-          </p:cNvCxnSpPr>
-          <p:nvPr/>
-        </p:nvCxnSpPr>
-        <p:spPr>
-          <a:xfrm flipH="1">
-            <a:off x="5223092" y="2403360"/>
-            <a:ext cx="643295" cy="224131"/>
-          </a:xfrm>
-          <a:prstGeom prst="line">
-            <a:avLst/>
-          </a:prstGeom>
-          <a:ln w="38100">
-            <a:solidFill>
-              <a:schemeClr val="bg1"/>
-            </a:solidFill>
-          </a:ln>
-        </p:spPr>
-        <p:style>
-          <a:lnRef idx="1">
-            <a:schemeClr val="accent1"/>
-          </a:lnRef>
-          <a:fillRef idx="0">
-            <a:schemeClr val="accent1"/>
-          </a:fillRef>
-          <a:effectRef idx="0">
-            <a:schemeClr val="accent1"/>
-          </a:effectRef>
-          <a:fontRef idx="minor">
-            <a:schemeClr val="tx1"/>
-          </a:fontRef>
-        </p:style>
-      </p:cxnSp>
-      <p:cxnSp>
-        <p:nvCxnSpPr>
-          <p:cNvPr id="64" name="Straight Connector 63"/>
-          <p:cNvCxnSpPr>
-            <a:stCxn id="59" idx="0"/>
-            <a:endCxn id="58" idx="2"/>
-          </p:cNvCxnSpPr>
-          <p:nvPr/>
-        </p:nvCxnSpPr>
-        <p:spPr>
-          <a:xfrm flipH="1" flipV="1">
-            <a:off x="5866387" y="2403360"/>
-            <a:ext cx="663846" cy="224131"/>
-          </a:xfrm>
-          <a:prstGeom prst="line">
-            <a:avLst/>
-          </a:prstGeom>
-          <a:ln w="38100">
-            <a:solidFill>
-              <a:schemeClr val="bg1"/>
-            </a:solidFill>
-          </a:ln>
-        </p:spPr>
-        <p:style>
-          <a:lnRef idx="1">
-            <a:schemeClr val="accent1"/>
-          </a:lnRef>
-          <a:fillRef idx="0">
-            <a:schemeClr val="accent1"/>
-          </a:fillRef>
-          <a:effectRef idx="0">
-            <a:schemeClr val="accent1"/>
-          </a:effectRef>
-          <a:fontRef idx="minor">
-            <a:schemeClr val="tx1"/>
-          </a:fontRef>
-        </p:style>
-      </p:cxnSp>
-      <p:cxnSp>
-        <p:nvCxnSpPr>
-          <p:cNvPr id="67" name="Straight Connector 66"/>
-          <p:cNvCxnSpPr>
-            <a:stCxn id="55" idx="0"/>
-            <a:endCxn id="57" idx="2"/>
-          </p:cNvCxnSpPr>
-          <p:nvPr/>
-        </p:nvCxnSpPr>
-        <p:spPr>
-          <a:xfrm flipV="1">
-            <a:off x="4567114" y="3087621"/>
-            <a:ext cx="655978" cy="224131"/>
-          </a:xfrm>
-          <a:prstGeom prst="line">
-            <a:avLst/>
-          </a:prstGeom>
-          <a:ln w="38100">
-            <a:solidFill>
-              <a:schemeClr val="bg1"/>
-            </a:solidFill>
-          </a:ln>
-        </p:spPr>
-        <p:style>
-          <a:lnRef idx="1">
-            <a:schemeClr val="accent1"/>
-          </a:lnRef>
-          <a:fillRef idx="0">
-            <a:schemeClr val="accent1"/>
-          </a:fillRef>
-          <a:effectRef idx="0">
-            <a:schemeClr val="accent1"/>
-          </a:effectRef>
-          <a:fontRef idx="minor">
-            <a:schemeClr val="tx1"/>
-          </a:fontRef>
-        </p:style>
-      </p:cxnSp>
-      <p:cxnSp>
-        <p:nvCxnSpPr>
-          <p:cNvPr id="70" name="Straight Connector 69"/>
-          <p:cNvCxnSpPr>
-            <a:stCxn id="56" idx="0"/>
-            <a:endCxn id="57" idx="2"/>
-          </p:cNvCxnSpPr>
-          <p:nvPr/>
-        </p:nvCxnSpPr>
-        <p:spPr>
-          <a:xfrm flipH="1" flipV="1">
-            <a:off x="5223092" y="3087621"/>
-            <a:ext cx="643297" cy="224131"/>
-          </a:xfrm>
-          <a:prstGeom prst="line">
-            <a:avLst/>
-          </a:prstGeom>
-          <a:ln w="38100">
-            <a:solidFill>
-              <a:schemeClr val="bg1"/>
-            </a:solidFill>
-          </a:ln>
-        </p:spPr>
-        <p:style>
-          <a:lnRef idx="1">
-            <a:schemeClr val="accent1"/>
-          </a:lnRef>
-          <a:fillRef idx="0">
-            <a:schemeClr val="accent1"/>
-          </a:fillRef>
-          <a:effectRef idx="0">
-            <a:schemeClr val="accent1"/>
-          </a:effectRef>
-          <a:fontRef idx="minor">
-            <a:schemeClr val="tx1"/>
-          </a:fontRef>
-        </p:style>
-      </p:cxnSp>
-      <p:cxnSp>
-        <p:nvCxnSpPr>
-          <p:cNvPr id="73" name="Straight Connector 72"/>
-          <p:cNvCxnSpPr>
-            <a:stCxn id="56" idx="2"/>
-            <a:endCxn id="60" idx="0"/>
-          </p:cNvCxnSpPr>
-          <p:nvPr/>
-        </p:nvCxnSpPr>
-        <p:spPr>
-          <a:xfrm flipH="1">
-            <a:off x="5866388" y="3771882"/>
-            <a:ext cx="1" cy="224131"/>
-          </a:xfrm>
-          <a:prstGeom prst="line">
-            <a:avLst/>
-          </a:prstGeom>
-          <a:ln w="38100">
-            <a:solidFill>
-              <a:schemeClr val="bg1"/>
-            </a:solidFill>
-          </a:ln>
-        </p:spPr>
-        <p:style>
-          <a:lnRef idx="1">
-            <a:schemeClr val="accent1"/>
-          </a:lnRef>
-          <a:fillRef idx="0">
-            <a:schemeClr val="accent1"/>
-          </a:fillRef>
-          <a:effectRef idx="0">
-            <a:schemeClr val="accent1"/>
-          </a:effectRef>
-          <a:fontRef idx="minor">
-            <a:schemeClr val="tx1"/>
-          </a:fontRef>
-        </p:style>
-      </p:cxnSp>
-      <p:sp>
-        <p:nvSpPr>
-          <p:cNvPr id="78" name="TextBox 77"/>
-          <p:cNvSpPr txBox="1"/>
-          <p:nvPr/>
-        </p:nvSpPr>
-        <p:spPr>
-          <a:xfrm>
-            <a:off x="4722695" y="4728865"/>
-            <a:ext cx="1744388" cy="830997"/>
-          </a:xfrm>
-          <a:prstGeom prst="rect">
-            <a:avLst/>
-          </a:prstGeom>
-          <a:noFill/>
-        </p:spPr>
-        <p:txBody>
-          <a:bodyPr wrap="none" rtlCol="0">
-            <a:spAutoFit/>
-          </a:bodyPr>
-          <a:lstStyle/>
-          <a:p>
-            <a:pPr algn="ctr"/>
-            <a:r>
-              <a:rPr lang="en-US" sz="2400" dirty="0" smtClean="0">
-                <a:solidFill>
-                  <a:schemeClr val="bg1"/>
-                </a:solidFill>
-              </a:rPr>
-              <a:t>Virtual DOM</a:t>
-            </a:r>
-            <a:br>
-              <a:rPr lang="en-US" sz="2400" dirty="0" smtClean="0">
-                <a:solidFill>
-                  <a:schemeClr val="bg1"/>
-                </a:solidFill>
-              </a:rPr>
-            </a:br>
-            <a:r>
-              <a:rPr lang="en-US" sz="2400" dirty="0" smtClean="0">
-                <a:solidFill>
-                  <a:schemeClr val="bg1"/>
-                </a:solidFill>
-              </a:rPr>
-              <a:t>(in memory)</a:t>
-            </a:r>
-            <a:endParaRPr lang="en-US" sz="2400" dirty="0">
-              <a:solidFill>
-                <a:schemeClr val="bg1"/>
-              </a:solidFill>
-            </a:endParaRPr>
-          </a:p>
-        </p:txBody>
-      </p:sp>
-      <p:sp>
-        <p:nvSpPr>
-          <p:cNvPr id="79" name="Rectangle 78"/>
-          <p:cNvSpPr/>
-          <p:nvPr/>
-        </p:nvSpPr>
-        <p:spPr>
-          <a:xfrm>
-            <a:off x="8069733" y="3322958"/>
-            <a:ext cx="961293" cy="437717"/>
-          </a:xfrm>
-          <a:prstGeom prst="rect">
-            <a:avLst/>
-          </a:prstGeom>
-          <a:solidFill>
-            <a:schemeClr val="accent6"/>
-          </a:solidFill>
-          <a:ln>
-            <a:noFill/>
-          </a:ln>
-        </p:spPr>
-        <p:style>
-          <a:lnRef idx="2">
-            <a:schemeClr val="accent1">
-              <a:shade val="50000"/>
-            </a:schemeClr>
-          </a:lnRef>
-          <a:fillRef idx="1">
-            <a:schemeClr val="accent1"/>
-          </a:fillRef>
-          <a:effectRef idx="0">
-            <a:schemeClr val="accent1"/>
-          </a:effectRef>
-          <a:fontRef idx="minor">
-            <a:schemeClr val="lt1"/>
-          </a:fontRef>
-        </p:style>
-        <p:txBody>
-          <a:bodyPr rtlCol="0" anchor="ctr"/>
-          <a:lstStyle/>
-          <a:p>
-            <a:pPr algn="ctr"/>
-            <a:endParaRPr lang="en-US"/>
-          </a:p>
-        </p:txBody>
-      </p:sp>
-      <p:sp>
-        <p:nvSpPr>
-          <p:cNvPr id="80" name="Rectangle 79"/>
-          <p:cNvSpPr/>
-          <p:nvPr/>
-        </p:nvSpPr>
-        <p:spPr>
-          <a:xfrm>
-            <a:off x="9369008" y="3322958"/>
-            <a:ext cx="961293" cy="437717"/>
-          </a:xfrm>
-          <a:prstGeom prst="rect">
-            <a:avLst/>
-          </a:prstGeom>
-          <a:solidFill>
-            <a:schemeClr val="accent6"/>
-          </a:solidFill>
-          <a:ln>
-            <a:noFill/>
-          </a:ln>
-        </p:spPr>
-        <p:style>
-          <a:lnRef idx="2">
-            <a:schemeClr val="accent1">
-              <a:shade val="50000"/>
-            </a:schemeClr>
-          </a:lnRef>
-          <a:fillRef idx="1">
-            <a:schemeClr val="accent1"/>
-          </a:fillRef>
-          <a:effectRef idx="0">
-            <a:schemeClr val="accent1"/>
-          </a:effectRef>
-          <a:fontRef idx="minor">
-            <a:schemeClr val="lt1"/>
-          </a:fontRef>
-        </p:style>
-        <p:txBody>
-          <a:bodyPr rtlCol="0" anchor="ctr"/>
-          <a:lstStyle/>
-          <a:p>
-            <a:pPr algn="ctr"/>
-            <a:endParaRPr lang="en-US"/>
-          </a:p>
-        </p:txBody>
-      </p:sp>
-      <p:sp>
-        <p:nvSpPr>
-          <p:cNvPr id="81" name="Rectangle 80"/>
-          <p:cNvSpPr/>
-          <p:nvPr/>
-        </p:nvSpPr>
-        <p:spPr>
-          <a:xfrm>
-            <a:off x="8725711" y="2638697"/>
-            <a:ext cx="961293" cy="437717"/>
-          </a:xfrm>
-          <a:prstGeom prst="rect">
-            <a:avLst/>
-          </a:prstGeom>
-          <a:solidFill>
-            <a:schemeClr val="accent6"/>
-          </a:solidFill>
-          <a:ln>
-            <a:noFill/>
-          </a:ln>
-        </p:spPr>
-        <p:style>
-          <a:lnRef idx="2">
-            <a:schemeClr val="accent1">
-              <a:shade val="50000"/>
-            </a:schemeClr>
-          </a:lnRef>
-          <a:fillRef idx="1">
-            <a:schemeClr val="accent1"/>
-          </a:fillRef>
-          <a:effectRef idx="0">
-            <a:schemeClr val="accent1"/>
-          </a:effectRef>
-          <a:fontRef idx="minor">
-            <a:schemeClr val="lt1"/>
-          </a:fontRef>
-        </p:style>
-        <p:txBody>
-          <a:bodyPr rtlCol="0" anchor="ctr"/>
-          <a:lstStyle/>
-          <a:p>
-            <a:pPr algn="ctr"/>
-            <a:endParaRPr lang="en-US"/>
-          </a:p>
-        </p:txBody>
-      </p:sp>
-      <p:sp>
-        <p:nvSpPr>
-          <p:cNvPr id="82" name="Rectangle 81"/>
-          <p:cNvSpPr/>
-          <p:nvPr/>
-        </p:nvSpPr>
-        <p:spPr>
-          <a:xfrm>
-            <a:off x="9369006" y="1954436"/>
-            <a:ext cx="961293" cy="437717"/>
-          </a:xfrm>
-          <a:prstGeom prst="rect">
-            <a:avLst/>
-          </a:prstGeom>
-          <a:solidFill>
-            <a:schemeClr val="accent6"/>
-          </a:solidFill>
-          <a:ln>
-            <a:noFill/>
-          </a:ln>
-        </p:spPr>
-        <p:style>
-          <a:lnRef idx="2">
-            <a:schemeClr val="accent1">
-              <a:shade val="50000"/>
-            </a:schemeClr>
-          </a:lnRef>
-          <a:fillRef idx="1">
-            <a:schemeClr val="accent1"/>
-          </a:fillRef>
-          <a:effectRef idx="0">
-            <a:schemeClr val="accent1"/>
-          </a:effectRef>
-          <a:fontRef idx="minor">
-            <a:schemeClr val="lt1"/>
-          </a:fontRef>
-        </p:style>
-        <p:txBody>
-          <a:bodyPr rtlCol="0" anchor="ctr"/>
-          <a:lstStyle/>
-          <a:p>
-            <a:pPr algn="ctr"/>
-            <a:endParaRPr lang="en-US"/>
-          </a:p>
-        </p:txBody>
-      </p:sp>
-      <p:sp>
-        <p:nvSpPr>
-          <p:cNvPr id="83" name="Rectangle 82"/>
-          <p:cNvSpPr/>
-          <p:nvPr/>
-        </p:nvSpPr>
-        <p:spPr>
-          <a:xfrm>
-            <a:off x="10032852" y="2638697"/>
-            <a:ext cx="961293" cy="437717"/>
-          </a:xfrm>
-          <a:prstGeom prst="rect">
-            <a:avLst/>
-          </a:prstGeom>
-          <a:solidFill>
-            <a:schemeClr val="accent6"/>
-          </a:solidFill>
-          <a:ln>
-            <a:noFill/>
-          </a:ln>
-        </p:spPr>
-        <p:style>
-          <a:lnRef idx="2">
-            <a:schemeClr val="accent1">
-              <a:shade val="50000"/>
-            </a:schemeClr>
-          </a:lnRef>
-          <a:fillRef idx="1">
-            <a:schemeClr val="accent1"/>
-          </a:fillRef>
-          <a:effectRef idx="0">
-            <a:schemeClr val="accent1"/>
-          </a:effectRef>
-          <a:fontRef idx="minor">
-            <a:schemeClr val="lt1"/>
-          </a:fontRef>
-        </p:style>
-        <p:txBody>
-          <a:bodyPr rtlCol="0" anchor="ctr"/>
-          <a:lstStyle/>
-          <a:p>
-            <a:pPr algn="ctr"/>
-            <a:endParaRPr lang="en-US"/>
-          </a:p>
-        </p:txBody>
-      </p:sp>
-      <p:sp>
-        <p:nvSpPr>
-          <p:cNvPr id="84" name="Rectangle 83"/>
-          <p:cNvSpPr/>
-          <p:nvPr/>
-        </p:nvSpPr>
-        <p:spPr>
-          <a:xfrm>
-            <a:off x="9369007" y="4007219"/>
-            <a:ext cx="961293" cy="437717"/>
-          </a:xfrm>
-          <a:prstGeom prst="rect">
-            <a:avLst/>
-          </a:prstGeom>
-          <a:solidFill>
-            <a:schemeClr val="accent6"/>
-          </a:solidFill>
-          <a:ln>
-            <a:noFill/>
-          </a:ln>
-        </p:spPr>
-        <p:style>
-          <a:lnRef idx="2">
-            <a:schemeClr val="accent1">
-              <a:shade val="50000"/>
-            </a:schemeClr>
-          </a:lnRef>
-          <a:fillRef idx="1">
-            <a:schemeClr val="accent1"/>
-          </a:fillRef>
-          <a:effectRef idx="0">
-            <a:schemeClr val="accent1"/>
-          </a:effectRef>
-          <a:fontRef idx="minor">
-            <a:schemeClr val="lt1"/>
-          </a:fontRef>
-        </p:style>
-        <p:txBody>
-          <a:bodyPr rtlCol="0" anchor="ctr"/>
-          <a:lstStyle/>
-          <a:p>
-            <a:pPr algn="ctr"/>
-            <a:endParaRPr lang="en-US"/>
-          </a:p>
-        </p:txBody>
-      </p:sp>
-      <p:cxnSp>
-        <p:nvCxnSpPr>
-          <p:cNvPr id="85" name="Straight Connector 84"/>
-          <p:cNvCxnSpPr/>
-          <p:nvPr/>
-        </p:nvCxnSpPr>
-        <p:spPr>
-          <a:xfrm flipH="1">
-            <a:off x="9206358" y="2403360"/>
-            <a:ext cx="643295" cy="224131"/>
-          </a:xfrm>
-          <a:prstGeom prst="line">
-            <a:avLst/>
-          </a:prstGeom>
-          <a:ln w="38100">
-            <a:solidFill>
-              <a:schemeClr val="bg1"/>
-            </a:solidFill>
-          </a:ln>
-        </p:spPr>
-        <p:style>
-          <a:lnRef idx="1">
-            <a:schemeClr val="accent1"/>
-          </a:lnRef>
-          <a:fillRef idx="0">
-            <a:schemeClr val="accent1"/>
-          </a:fillRef>
-          <a:effectRef idx="0">
-            <a:schemeClr val="accent1"/>
-          </a:effectRef>
-          <a:fontRef idx="minor">
-            <a:schemeClr val="tx1"/>
-          </a:fontRef>
-        </p:style>
-      </p:cxnSp>
-      <p:cxnSp>
-        <p:nvCxnSpPr>
-          <p:cNvPr id="86" name="Straight Connector 85"/>
-          <p:cNvCxnSpPr/>
-          <p:nvPr/>
-        </p:nvCxnSpPr>
-        <p:spPr>
-          <a:xfrm flipH="1" flipV="1">
-            <a:off x="9849653" y="2403360"/>
-            <a:ext cx="663846" cy="224131"/>
-          </a:xfrm>
-          <a:prstGeom prst="line">
-            <a:avLst/>
-          </a:prstGeom>
-          <a:ln w="38100">
-            <a:solidFill>
-              <a:schemeClr val="bg1"/>
-            </a:solidFill>
-          </a:ln>
-        </p:spPr>
-        <p:style>
-          <a:lnRef idx="1">
-            <a:schemeClr val="accent1"/>
-          </a:lnRef>
-          <a:fillRef idx="0">
-            <a:schemeClr val="accent1"/>
-          </a:fillRef>
-          <a:effectRef idx="0">
-            <a:schemeClr val="accent1"/>
-          </a:effectRef>
-          <a:fontRef idx="minor">
-            <a:schemeClr val="tx1"/>
-          </a:fontRef>
-        </p:style>
-      </p:cxnSp>
-      <p:cxnSp>
-        <p:nvCxnSpPr>
-          <p:cNvPr id="87" name="Straight Connector 86"/>
-          <p:cNvCxnSpPr/>
-          <p:nvPr/>
-        </p:nvCxnSpPr>
-        <p:spPr>
-          <a:xfrm flipV="1">
-            <a:off x="8550380" y="3087621"/>
-            <a:ext cx="655978" cy="224131"/>
-          </a:xfrm>
-          <a:prstGeom prst="line">
-            <a:avLst/>
-          </a:prstGeom>
-          <a:ln w="38100">
-            <a:solidFill>
-              <a:schemeClr val="bg1"/>
-            </a:solidFill>
-          </a:ln>
-        </p:spPr>
-        <p:style>
-          <a:lnRef idx="1">
-            <a:schemeClr val="accent1"/>
-          </a:lnRef>
-          <a:fillRef idx="0">
-            <a:schemeClr val="accent1"/>
-          </a:fillRef>
-          <a:effectRef idx="0">
-            <a:schemeClr val="accent1"/>
-          </a:effectRef>
-          <a:fontRef idx="minor">
-            <a:schemeClr val="tx1"/>
-          </a:fontRef>
-        </p:style>
-      </p:cxnSp>
-      <p:cxnSp>
-        <p:nvCxnSpPr>
-          <p:cNvPr id="88" name="Straight Connector 87"/>
-          <p:cNvCxnSpPr/>
-          <p:nvPr/>
-        </p:nvCxnSpPr>
-        <p:spPr>
-          <a:xfrm flipH="1" flipV="1">
-            <a:off x="9206358" y="3087621"/>
-            <a:ext cx="643297" cy="224131"/>
-          </a:xfrm>
-          <a:prstGeom prst="line">
-            <a:avLst/>
-          </a:prstGeom>
-          <a:ln w="38100">
-            <a:solidFill>
-              <a:schemeClr val="bg1"/>
-            </a:solidFill>
-          </a:ln>
-        </p:spPr>
-        <p:style>
-          <a:lnRef idx="1">
-            <a:schemeClr val="accent1"/>
-          </a:lnRef>
-          <a:fillRef idx="0">
-            <a:schemeClr val="accent1"/>
-          </a:fillRef>
-          <a:effectRef idx="0">
-            <a:schemeClr val="accent1"/>
-          </a:effectRef>
-          <a:fontRef idx="minor">
-            <a:schemeClr val="tx1"/>
-          </a:fontRef>
-        </p:style>
-      </p:cxnSp>
-      <p:cxnSp>
-        <p:nvCxnSpPr>
-          <p:cNvPr id="89" name="Straight Connector 88"/>
-          <p:cNvCxnSpPr/>
-          <p:nvPr/>
-        </p:nvCxnSpPr>
-        <p:spPr>
-          <a:xfrm flipH="1">
-            <a:off x="9849654" y="3771882"/>
-            <a:ext cx="1" cy="224131"/>
-          </a:xfrm>
-          <a:prstGeom prst="line">
-            <a:avLst/>
-          </a:prstGeom>
-          <a:ln w="38100">
-            <a:solidFill>
-              <a:schemeClr val="bg1"/>
-            </a:solidFill>
-          </a:ln>
-        </p:spPr>
-        <p:style>
-          <a:lnRef idx="1">
-            <a:schemeClr val="accent1"/>
-          </a:lnRef>
-          <a:fillRef idx="0">
-            <a:schemeClr val="accent1"/>
-          </a:fillRef>
-          <a:effectRef idx="0">
-            <a:schemeClr val="accent1"/>
-          </a:effectRef>
-          <a:fontRef idx="minor">
-            <a:schemeClr val="tx1"/>
-          </a:fontRef>
-        </p:style>
-      </p:cxnSp>
-      <p:sp>
-        <p:nvSpPr>
-          <p:cNvPr id="90" name="TextBox 89"/>
-          <p:cNvSpPr txBox="1"/>
-          <p:nvPr/>
-        </p:nvSpPr>
-        <p:spPr>
-          <a:xfrm>
-            <a:off x="8780504" y="4688320"/>
-            <a:ext cx="1938096" cy="461665"/>
-          </a:xfrm>
-          <a:prstGeom prst="rect">
-            <a:avLst/>
-          </a:prstGeom>
-          <a:noFill/>
-        </p:spPr>
-        <p:txBody>
-          <a:bodyPr wrap="none" rtlCol="0">
-            <a:spAutoFit/>
-          </a:bodyPr>
-          <a:lstStyle/>
-          <a:p>
-            <a:pPr algn="ctr"/>
-            <a:r>
-              <a:rPr lang="en-US" sz="2400" dirty="0" smtClean="0">
-                <a:solidFill>
-                  <a:schemeClr val="bg1"/>
-                </a:solidFill>
-              </a:rPr>
-              <a:t>Browser DOM</a:t>
-            </a:r>
-            <a:endParaRPr lang="en-US" sz="2400" dirty="0">
-              <a:solidFill>
-                <a:schemeClr val="bg1"/>
-              </a:solidFill>
-            </a:endParaRPr>
-          </a:p>
-        </p:txBody>
-      </p:sp>
     </p:spTree>
     <p:extLst>
       <p:ext uri="{BB962C8B-B14F-4D97-AF65-F5344CB8AC3E}">
-        <p14:creationId xmlns:p14="http://schemas.microsoft.com/office/powerpoint/2010/main" val="521624760"/>
+        <p14:creationId xmlns:p14="http://schemas.microsoft.com/office/powerpoint/2010/main" val="265770992"/>
       </p:ext>
     </p:extLst>
   </p:cSld>
   <p:clrMapOvr>
     <a:masterClrMapping/>
   </p:clrMapOvr>
-  <p:timing>
-    <p:tnLst>
-      <p:par>
-        <p:cTn id="1" dur="indefinite" restart="never" nodeType="tmRoot"/>
-      </p:par>
-    </p:tnLst>
-  </p:timing>
 </p:sld>
 </file>
 
@@ -8107,7 +7371,7 @@
             <a:avLst/>
           </a:prstGeom>
           <a:solidFill>
-            <a:srgbClr val="FF0000"/>
+            <a:schemeClr val="accent4"/>
           </a:solidFill>
           <a:ln w="0">
             <a:noFill/>
@@ -9423,13 +8687,20 @@
     </p:spTree>
     <p:extLst>
       <p:ext uri="{BB962C8B-B14F-4D97-AF65-F5344CB8AC3E}">
-        <p14:creationId xmlns:p14="http://schemas.microsoft.com/office/powerpoint/2010/main" val="78529447"/>
+        <p14:creationId xmlns:p14="http://schemas.microsoft.com/office/powerpoint/2010/main" val="521624760"/>
       </p:ext>
     </p:extLst>
   </p:cSld>
   <p:clrMapOvr>
     <a:masterClrMapping/>
   </p:clrMapOvr>
+  <p:timing>
+    <p:tnLst>
+      <p:par>
+        <p:cTn id="1" dur="indefinite" restart="never" nodeType="tmRoot"/>
+      </p:par>
+    </p:tnLst>
+  </p:timing>
 </p:sld>
 </file>
 
@@ -10021,7 +9292,7 @@
             <a:avLst/>
           </a:prstGeom>
           <a:solidFill>
-            <a:srgbClr val="FF0000"/>
+            <a:schemeClr val="accent6"/>
           </a:solidFill>
           <a:ln>
             <a:noFill/>
@@ -10159,7 +9430,7 @@
             <a:avLst/>
           </a:prstGeom>
           <a:solidFill>
-            <a:srgbClr val="FF0000"/>
+            <a:schemeClr val="accent6"/>
           </a:solidFill>
           <a:ln>
             <a:noFill/>
@@ -10973,7 +10244,7 @@
     </p:spTree>
     <p:extLst>
       <p:ext uri="{BB962C8B-B14F-4D97-AF65-F5344CB8AC3E}">
-        <p14:creationId xmlns:p14="http://schemas.microsoft.com/office/powerpoint/2010/main" val="219543235"/>
+        <p14:creationId xmlns:p14="http://schemas.microsoft.com/office/powerpoint/2010/main" val="78529447"/>
       </p:ext>
     </p:extLst>
   </p:cSld>
@@ -11755,6 +11026,1556 @@
             <a:avLst/>
           </a:prstGeom>
           <a:solidFill>
+            <a:schemeClr val="accent6"/>
+          </a:solidFill>
+          <a:ln>
+            <a:noFill/>
+          </a:ln>
+        </p:spPr>
+        <p:style>
+          <a:lnRef idx="2">
+            <a:schemeClr val="accent1">
+              <a:shade val="50000"/>
+            </a:schemeClr>
+          </a:lnRef>
+          <a:fillRef idx="1">
+            <a:schemeClr val="accent1"/>
+          </a:fillRef>
+          <a:effectRef idx="0">
+            <a:schemeClr val="accent1"/>
+          </a:effectRef>
+          <a:fontRef idx="minor">
+            <a:schemeClr val="lt1"/>
+          </a:fontRef>
+        </p:style>
+        <p:txBody>
+          <a:bodyPr rtlCol="0" anchor="ctr"/>
+          <a:lstStyle/>
+          <a:p>
+            <a:pPr algn="ctr"/>
+            <a:endParaRPr lang="en-US"/>
+          </a:p>
+        </p:txBody>
+      </p:sp>
+      <p:cxnSp>
+        <p:nvCxnSpPr>
+          <p:cNvPr id="61" name="Straight Connector 60"/>
+          <p:cNvCxnSpPr>
+            <a:stCxn id="58" idx="2"/>
+            <a:endCxn id="57" idx="0"/>
+          </p:cNvCxnSpPr>
+          <p:nvPr/>
+        </p:nvCxnSpPr>
+        <p:spPr>
+          <a:xfrm flipH="1">
+            <a:off x="5223092" y="2403360"/>
+            <a:ext cx="643295" cy="224131"/>
+          </a:xfrm>
+          <a:prstGeom prst="line">
+            <a:avLst/>
+          </a:prstGeom>
+          <a:ln w="38100">
+            <a:solidFill>
+              <a:schemeClr val="bg1"/>
+            </a:solidFill>
+          </a:ln>
+        </p:spPr>
+        <p:style>
+          <a:lnRef idx="1">
+            <a:schemeClr val="accent1"/>
+          </a:lnRef>
+          <a:fillRef idx="0">
+            <a:schemeClr val="accent1"/>
+          </a:fillRef>
+          <a:effectRef idx="0">
+            <a:schemeClr val="accent1"/>
+          </a:effectRef>
+          <a:fontRef idx="minor">
+            <a:schemeClr val="tx1"/>
+          </a:fontRef>
+        </p:style>
+      </p:cxnSp>
+      <p:cxnSp>
+        <p:nvCxnSpPr>
+          <p:cNvPr id="64" name="Straight Connector 63"/>
+          <p:cNvCxnSpPr>
+            <a:stCxn id="59" idx="0"/>
+            <a:endCxn id="58" idx="2"/>
+          </p:cNvCxnSpPr>
+          <p:nvPr/>
+        </p:nvCxnSpPr>
+        <p:spPr>
+          <a:xfrm flipH="1" flipV="1">
+            <a:off x="5866387" y="2403360"/>
+            <a:ext cx="663846" cy="224131"/>
+          </a:xfrm>
+          <a:prstGeom prst="line">
+            <a:avLst/>
+          </a:prstGeom>
+          <a:ln w="38100">
+            <a:solidFill>
+              <a:schemeClr val="bg1"/>
+            </a:solidFill>
+          </a:ln>
+        </p:spPr>
+        <p:style>
+          <a:lnRef idx="1">
+            <a:schemeClr val="accent1"/>
+          </a:lnRef>
+          <a:fillRef idx="0">
+            <a:schemeClr val="accent1"/>
+          </a:fillRef>
+          <a:effectRef idx="0">
+            <a:schemeClr val="accent1"/>
+          </a:effectRef>
+          <a:fontRef idx="minor">
+            <a:schemeClr val="tx1"/>
+          </a:fontRef>
+        </p:style>
+      </p:cxnSp>
+      <p:cxnSp>
+        <p:nvCxnSpPr>
+          <p:cNvPr id="67" name="Straight Connector 66"/>
+          <p:cNvCxnSpPr>
+            <a:stCxn id="55" idx="0"/>
+            <a:endCxn id="57" idx="2"/>
+          </p:cNvCxnSpPr>
+          <p:nvPr/>
+        </p:nvCxnSpPr>
+        <p:spPr>
+          <a:xfrm flipV="1">
+            <a:off x="4567114" y="3087621"/>
+            <a:ext cx="655978" cy="224131"/>
+          </a:xfrm>
+          <a:prstGeom prst="line">
+            <a:avLst/>
+          </a:prstGeom>
+          <a:ln w="38100">
+            <a:solidFill>
+              <a:schemeClr val="bg1"/>
+            </a:solidFill>
+          </a:ln>
+        </p:spPr>
+        <p:style>
+          <a:lnRef idx="1">
+            <a:schemeClr val="accent1"/>
+          </a:lnRef>
+          <a:fillRef idx="0">
+            <a:schemeClr val="accent1"/>
+          </a:fillRef>
+          <a:effectRef idx="0">
+            <a:schemeClr val="accent1"/>
+          </a:effectRef>
+          <a:fontRef idx="minor">
+            <a:schemeClr val="tx1"/>
+          </a:fontRef>
+        </p:style>
+      </p:cxnSp>
+      <p:cxnSp>
+        <p:nvCxnSpPr>
+          <p:cNvPr id="70" name="Straight Connector 69"/>
+          <p:cNvCxnSpPr>
+            <a:stCxn id="56" idx="0"/>
+            <a:endCxn id="57" idx="2"/>
+          </p:cNvCxnSpPr>
+          <p:nvPr/>
+        </p:nvCxnSpPr>
+        <p:spPr>
+          <a:xfrm flipH="1" flipV="1">
+            <a:off x="5223092" y="3087621"/>
+            <a:ext cx="643297" cy="224131"/>
+          </a:xfrm>
+          <a:prstGeom prst="line">
+            <a:avLst/>
+          </a:prstGeom>
+          <a:ln w="38100">
+            <a:solidFill>
+              <a:schemeClr val="bg1"/>
+            </a:solidFill>
+          </a:ln>
+        </p:spPr>
+        <p:style>
+          <a:lnRef idx="1">
+            <a:schemeClr val="accent1"/>
+          </a:lnRef>
+          <a:fillRef idx="0">
+            <a:schemeClr val="accent1"/>
+          </a:fillRef>
+          <a:effectRef idx="0">
+            <a:schemeClr val="accent1"/>
+          </a:effectRef>
+          <a:fontRef idx="minor">
+            <a:schemeClr val="tx1"/>
+          </a:fontRef>
+        </p:style>
+      </p:cxnSp>
+      <p:cxnSp>
+        <p:nvCxnSpPr>
+          <p:cNvPr id="73" name="Straight Connector 72"/>
+          <p:cNvCxnSpPr>
+            <a:stCxn id="56" idx="2"/>
+            <a:endCxn id="60" idx="0"/>
+          </p:cNvCxnSpPr>
+          <p:nvPr/>
+        </p:nvCxnSpPr>
+        <p:spPr>
+          <a:xfrm flipH="1">
+            <a:off x="5866388" y="3771882"/>
+            <a:ext cx="1" cy="224131"/>
+          </a:xfrm>
+          <a:prstGeom prst="line">
+            <a:avLst/>
+          </a:prstGeom>
+          <a:ln w="38100">
+            <a:solidFill>
+              <a:schemeClr val="bg1"/>
+            </a:solidFill>
+          </a:ln>
+        </p:spPr>
+        <p:style>
+          <a:lnRef idx="1">
+            <a:schemeClr val="accent1"/>
+          </a:lnRef>
+          <a:fillRef idx="0">
+            <a:schemeClr val="accent1"/>
+          </a:fillRef>
+          <a:effectRef idx="0">
+            <a:schemeClr val="accent1"/>
+          </a:effectRef>
+          <a:fontRef idx="minor">
+            <a:schemeClr val="tx1"/>
+          </a:fontRef>
+        </p:style>
+      </p:cxnSp>
+      <p:sp>
+        <p:nvSpPr>
+          <p:cNvPr id="78" name="TextBox 77"/>
+          <p:cNvSpPr txBox="1"/>
+          <p:nvPr/>
+        </p:nvSpPr>
+        <p:spPr>
+          <a:xfrm>
+            <a:off x="4722695" y="4728865"/>
+            <a:ext cx="1744388" cy="830997"/>
+          </a:xfrm>
+          <a:prstGeom prst="rect">
+            <a:avLst/>
+          </a:prstGeom>
+          <a:noFill/>
+        </p:spPr>
+        <p:txBody>
+          <a:bodyPr wrap="none" rtlCol="0">
+            <a:spAutoFit/>
+          </a:bodyPr>
+          <a:lstStyle/>
+          <a:p>
+            <a:pPr algn="ctr"/>
+            <a:r>
+              <a:rPr lang="en-US" sz="2400" dirty="0" smtClean="0">
+                <a:solidFill>
+                  <a:schemeClr val="bg1"/>
+                </a:solidFill>
+              </a:rPr>
+              <a:t>Virtual DOM</a:t>
+            </a:r>
+            <a:br>
+              <a:rPr lang="en-US" sz="2400" dirty="0" smtClean="0">
+                <a:solidFill>
+                  <a:schemeClr val="bg1"/>
+                </a:solidFill>
+              </a:rPr>
+            </a:br>
+            <a:r>
+              <a:rPr lang="en-US" sz="2400" dirty="0" smtClean="0">
+                <a:solidFill>
+                  <a:schemeClr val="bg1"/>
+                </a:solidFill>
+              </a:rPr>
+              <a:t>(in memory)</a:t>
+            </a:r>
+            <a:endParaRPr lang="en-US" sz="2400" dirty="0">
+              <a:solidFill>
+                <a:schemeClr val="bg1"/>
+              </a:solidFill>
+            </a:endParaRPr>
+          </a:p>
+        </p:txBody>
+      </p:sp>
+      <p:sp>
+        <p:nvSpPr>
+          <p:cNvPr id="79" name="Rectangle 78"/>
+          <p:cNvSpPr/>
+          <p:nvPr/>
+        </p:nvSpPr>
+        <p:spPr>
+          <a:xfrm>
+            <a:off x="8069733" y="3322958"/>
+            <a:ext cx="961293" cy="437717"/>
+          </a:xfrm>
+          <a:prstGeom prst="rect">
+            <a:avLst/>
+          </a:prstGeom>
+          <a:solidFill>
+            <a:schemeClr val="accent6"/>
+          </a:solidFill>
+          <a:ln>
+            <a:noFill/>
+          </a:ln>
+        </p:spPr>
+        <p:style>
+          <a:lnRef idx="2">
+            <a:schemeClr val="accent1">
+              <a:shade val="50000"/>
+            </a:schemeClr>
+          </a:lnRef>
+          <a:fillRef idx="1">
+            <a:schemeClr val="accent1"/>
+          </a:fillRef>
+          <a:effectRef idx="0">
+            <a:schemeClr val="accent1"/>
+          </a:effectRef>
+          <a:fontRef idx="minor">
+            <a:schemeClr val="lt1"/>
+          </a:fontRef>
+        </p:style>
+        <p:txBody>
+          <a:bodyPr rtlCol="0" anchor="ctr"/>
+          <a:lstStyle/>
+          <a:p>
+            <a:pPr algn="ctr"/>
+            <a:endParaRPr lang="en-US"/>
+          </a:p>
+        </p:txBody>
+      </p:sp>
+      <p:sp>
+        <p:nvSpPr>
+          <p:cNvPr id="80" name="Rectangle 79"/>
+          <p:cNvSpPr/>
+          <p:nvPr/>
+        </p:nvSpPr>
+        <p:spPr>
+          <a:xfrm>
+            <a:off x="9369008" y="3322958"/>
+            <a:ext cx="961293" cy="437717"/>
+          </a:xfrm>
+          <a:prstGeom prst="rect">
+            <a:avLst/>
+          </a:prstGeom>
+          <a:solidFill>
+            <a:schemeClr val="accent6"/>
+          </a:solidFill>
+          <a:ln>
+            <a:noFill/>
+          </a:ln>
+        </p:spPr>
+        <p:style>
+          <a:lnRef idx="2">
+            <a:schemeClr val="accent1">
+              <a:shade val="50000"/>
+            </a:schemeClr>
+          </a:lnRef>
+          <a:fillRef idx="1">
+            <a:schemeClr val="accent1"/>
+          </a:fillRef>
+          <a:effectRef idx="0">
+            <a:schemeClr val="accent1"/>
+          </a:effectRef>
+          <a:fontRef idx="minor">
+            <a:schemeClr val="lt1"/>
+          </a:fontRef>
+        </p:style>
+        <p:txBody>
+          <a:bodyPr rtlCol="0" anchor="ctr"/>
+          <a:lstStyle/>
+          <a:p>
+            <a:pPr algn="ctr"/>
+            <a:endParaRPr lang="en-US"/>
+          </a:p>
+        </p:txBody>
+      </p:sp>
+      <p:sp>
+        <p:nvSpPr>
+          <p:cNvPr id="81" name="Rectangle 80"/>
+          <p:cNvSpPr/>
+          <p:nvPr/>
+        </p:nvSpPr>
+        <p:spPr>
+          <a:xfrm>
+            <a:off x="8725711" y="2638697"/>
+            <a:ext cx="961293" cy="437717"/>
+          </a:xfrm>
+          <a:prstGeom prst="rect">
+            <a:avLst/>
+          </a:prstGeom>
+          <a:solidFill>
+            <a:schemeClr val="accent6"/>
+          </a:solidFill>
+          <a:ln>
+            <a:noFill/>
+          </a:ln>
+        </p:spPr>
+        <p:style>
+          <a:lnRef idx="2">
+            <a:schemeClr val="accent1">
+              <a:shade val="50000"/>
+            </a:schemeClr>
+          </a:lnRef>
+          <a:fillRef idx="1">
+            <a:schemeClr val="accent1"/>
+          </a:fillRef>
+          <a:effectRef idx="0">
+            <a:schemeClr val="accent1"/>
+          </a:effectRef>
+          <a:fontRef idx="minor">
+            <a:schemeClr val="lt1"/>
+          </a:fontRef>
+        </p:style>
+        <p:txBody>
+          <a:bodyPr rtlCol="0" anchor="ctr"/>
+          <a:lstStyle/>
+          <a:p>
+            <a:pPr algn="ctr"/>
+            <a:endParaRPr lang="en-US"/>
+          </a:p>
+        </p:txBody>
+      </p:sp>
+      <p:sp>
+        <p:nvSpPr>
+          <p:cNvPr id="82" name="Rectangle 81"/>
+          <p:cNvSpPr/>
+          <p:nvPr/>
+        </p:nvSpPr>
+        <p:spPr>
+          <a:xfrm>
+            <a:off x="9369006" y="1954436"/>
+            <a:ext cx="961293" cy="437717"/>
+          </a:xfrm>
+          <a:prstGeom prst="rect">
+            <a:avLst/>
+          </a:prstGeom>
+          <a:solidFill>
+            <a:schemeClr val="accent6"/>
+          </a:solidFill>
+          <a:ln>
+            <a:noFill/>
+          </a:ln>
+        </p:spPr>
+        <p:style>
+          <a:lnRef idx="2">
+            <a:schemeClr val="accent1">
+              <a:shade val="50000"/>
+            </a:schemeClr>
+          </a:lnRef>
+          <a:fillRef idx="1">
+            <a:schemeClr val="accent1"/>
+          </a:fillRef>
+          <a:effectRef idx="0">
+            <a:schemeClr val="accent1"/>
+          </a:effectRef>
+          <a:fontRef idx="minor">
+            <a:schemeClr val="lt1"/>
+          </a:fontRef>
+        </p:style>
+        <p:txBody>
+          <a:bodyPr rtlCol="0" anchor="ctr"/>
+          <a:lstStyle/>
+          <a:p>
+            <a:pPr algn="ctr"/>
+            <a:endParaRPr lang="en-US"/>
+          </a:p>
+        </p:txBody>
+      </p:sp>
+      <p:sp>
+        <p:nvSpPr>
+          <p:cNvPr id="83" name="Rectangle 82"/>
+          <p:cNvSpPr/>
+          <p:nvPr/>
+        </p:nvSpPr>
+        <p:spPr>
+          <a:xfrm>
+            <a:off x="10032852" y="2638697"/>
+            <a:ext cx="961293" cy="437717"/>
+          </a:xfrm>
+          <a:prstGeom prst="rect">
+            <a:avLst/>
+          </a:prstGeom>
+          <a:solidFill>
+            <a:schemeClr val="accent6"/>
+          </a:solidFill>
+          <a:ln>
+            <a:noFill/>
+          </a:ln>
+        </p:spPr>
+        <p:style>
+          <a:lnRef idx="2">
+            <a:schemeClr val="accent1">
+              <a:shade val="50000"/>
+            </a:schemeClr>
+          </a:lnRef>
+          <a:fillRef idx="1">
+            <a:schemeClr val="accent1"/>
+          </a:fillRef>
+          <a:effectRef idx="0">
+            <a:schemeClr val="accent1"/>
+          </a:effectRef>
+          <a:fontRef idx="minor">
+            <a:schemeClr val="lt1"/>
+          </a:fontRef>
+        </p:style>
+        <p:txBody>
+          <a:bodyPr rtlCol="0" anchor="ctr"/>
+          <a:lstStyle/>
+          <a:p>
+            <a:pPr algn="ctr"/>
+            <a:endParaRPr lang="en-US"/>
+          </a:p>
+        </p:txBody>
+      </p:sp>
+      <p:sp>
+        <p:nvSpPr>
+          <p:cNvPr id="84" name="Rectangle 83"/>
+          <p:cNvSpPr/>
+          <p:nvPr/>
+        </p:nvSpPr>
+        <p:spPr>
+          <a:xfrm>
+            <a:off x="9369007" y="4007219"/>
+            <a:ext cx="961293" cy="437717"/>
+          </a:xfrm>
+          <a:prstGeom prst="rect">
+            <a:avLst/>
+          </a:prstGeom>
+          <a:solidFill>
+            <a:schemeClr val="accent6"/>
+          </a:solidFill>
+          <a:ln>
+            <a:noFill/>
+          </a:ln>
+        </p:spPr>
+        <p:style>
+          <a:lnRef idx="2">
+            <a:schemeClr val="accent1">
+              <a:shade val="50000"/>
+            </a:schemeClr>
+          </a:lnRef>
+          <a:fillRef idx="1">
+            <a:schemeClr val="accent1"/>
+          </a:fillRef>
+          <a:effectRef idx="0">
+            <a:schemeClr val="accent1"/>
+          </a:effectRef>
+          <a:fontRef idx="minor">
+            <a:schemeClr val="lt1"/>
+          </a:fontRef>
+        </p:style>
+        <p:txBody>
+          <a:bodyPr rtlCol="0" anchor="ctr"/>
+          <a:lstStyle/>
+          <a:p>
+            <a:pPr algn="ctr"/>
+            <a:endParaRPr lang="en-US"/>
+          </a:p>
+        </p:txBody>
+      </p:sp>
+      <p:cxnSp>
+        <p:nvCxnSpPr>
+          <p:cNvPr id="85" name="Straight Connector 84"/>
+          <p:cNvCxnSpPr/>
+          <p:nvPr/>
+        </p:nvCxnSpPr>
+        <p:spPr>
+          <a:xfrm flipH="1">
+            <a:off x="9206358" y="2403360"/>
+            <a:ext cx="643295" cy="224131"/>
+          </a:xfrm>
+          <a:prstGeom prst="line">
+            <a:avLst/>
+          </a:prstGeom>
+          <a:ln w="38100">
+            <a:solidFill>
+              <a:schemeClr val="bg1"/>
+            </a:solidFill>
+          </a:ln>
+        </p:spPr>
+        <p:style>
+          <a:lnRef idx="1">
+            <a:schemeClr val="accent1"/>
+          </a:lnRef>
+          <a:fillRef idx="0">
+            <a:schemeClr val="accent1"/>
+          </a:fillRef>
+          <a:effectRef idx="0">
+            <a:schemeClr val="accent1"/>
+          </a:effectRef>
+          <a:fontRef idx="minor">
+            <a:schemeClr val="tx1"/>
+          </a:fontRef>
+        </p:style>
+      </p:cxnSp>
+      <p:cxnSp>
+        <p:nvCxnSpPr>
+          <p:cNvPr id="86" name="Straight Connector 85"/>
+          <p:cNvCxnSpPr/>
+          <p:nvPr/>
+        </p:nvCxnSpPr>
+        <p:spPr>
+          <a:xfrm flipH="1" flipV="1">
+            <a:off x="9849653" y="2403360"/>
+            <a:ext cx="663846" cy="224131"/>
+          </a:xfrm>
+          <a:prstGeom prst="line">
+            <a:avLst/>
+          </a:prstGeom>
+          <a:ln w="38100">
+            <a:solidFill>
+              <a:schemeClr val="bg1"/>
+            </a:solidFill>
+          </a:ln>
+        </p:spPr>
+        <p:style>
+          <a:lnRef idx="1">
+            <a:schemeClr val="accent1"/>
+          </a:lnRef>
+          <a:fillRef idx="0">
+            <a:schemeClr val="accent1"/>
+          </a:fillRef>
+          <a:effectRef idx="0">
+            <a:schemeClr val="accent1"/>
+          </a:effectRef>
+          <a:fontRef idx="minor">
+            <a:schemeClr val="tx1"/>
+          </a:fontRef>
+        </p:style>
+      </p:cxnSp>
+      <p:cxnSp>
+        <p:nvCxnSpPr>
+          <p:cNvPr id="87" name="Straight Connector 86"/>
+          <p:cNvCxnSpPr/>
+          <p:nvPr/>
+        </p:nvCxnSpPr>
+        <p:spPr>
+          <a:xfrm flipV="1">
+            <a:off x="8550380" y="3087621"/>
+            <a:ext cx="655978" cy="224131"/>
+          </a:xfrm>
+          <a:prstGeom prst="line">
+            <a:avLst/>
+          </a:prstGeom>
+          <a:ln w="38100">
+            <a:solidFill>
+              <a:schemeClr val="bg1"/>
+            </a:solidFill>
+          </a:ln>
+        </p:spPr>
+        <p:style>
+          <a:lnRef idx="1">
+            <a:schemeClr val="accent1"/>
+          </a:lnRef>
+          <a:fillRef idx="0">
+            <a:schemeClr val="accent1"/>
+          </a:fillRef>
+          <a:effectRef idx="0">
+            <a:schemeClr val="accent1"/>
+          </a:effectRef>
+          <a:fontRef idx="minor">
+            <a:schemeClr val="tx1"/>
+          </a:fontRef>
+        </p:style>
+      </p:cxnSp>
+      <p:cxnSp>
+        <p:nvCxnSpPr>
+          <p:cNvPr id="88" name="Straight Connector 87"/>
+          <p:cNvCxnSpPr/>
+          <p:nvPr/>
+        </p:nvCxnSpPr>
+        <p:spPr>
+          <a:xfrm flipH="1" flipV="1">
+            <a:off x="9206358" y="3087621"/>
+            <a:ext cx="643297" cy="224131"/>
+          </a:xfrm>
+          <a:prstGeom prst="line">
+            <a:avLst/>
+          </a:prstGeom>
+          <a:ln w="38100">
+            <a:solidFill>
+              <a:schemeClr val="bg1"/>
+            </a:solidFill>
+          </a:ln>
+        </p:spPr>
+        <p:style>
+          <a:lnRef idx="1">
+            <a:schemeClr val="accent1"/>
+          </a:lnRef>
+          <a:fillRef idx="0">
+            <a:schemeClr val="accent1"/>
+          </a:fillRef>
+          <a:effectRef idx="0">
+            <a:schemeClr val="accent1"/>
+          </a:effectRef>
+          <a:fontRef idx="minor">
+            <a:schemeClr val="tx1"/>
+          </a:fontRef>
+        </p:style>
+      </p:cxnSp>
+      <p:cxnSp>
+        <p:nvCxnSpPr>
+          <p:cNvPr id="89" name="Straight Connector 88"/>
+          <p:cNvCxnSpPr/>
+          <p:nvPr/>
+        </p:nvCxnSpPr>
+        <p:spPr>
+          <a:xfrm flipH="1">
+            <a:off x="9849654" y="3771882"/>
+            <a:ext cx="1" cy="224131"/>
+          </a:xfrm>
+          <a:prstGeom prst="line">
+            <a:avLst/>
+          </a:prstGeom>
+          <a:ln w="38100">
+            <a:solidFill>
+              <a:schemeClr val="bg1"/>
+            </a:solidFill>
+          </a:ln>
+        </p:spPr>
+        <p:style>
+          <a:lnRef idx="1">
+            <a:schemeClr val="accent1"/>
+          </a:lnRef>
+          <a:fillRef idx="0">
+            <a:schemeClr val="accent1"/>
+          </a:fillRef>
+          <a:effectRef idx="0">
+            <a:schemeClr val="accent1"/>
+          </a:effectRef>
+          <a:fontRef idx="minor">
+            <a:schemeClr val="tx1"/>
+          </a:fontRef>
+        </p:style>
+      </p:cxnSp>
+      <p:sp>
+        <p:nvSpPr>
+          <p:cNvPr id="90" name="TextBox 89"/>
+          <p:cNvSpPr txBox="1"/>
+          <p:nvPr/>
+        </p:nvSpPr>
+        <p:spPr>
+          <a:xfrm>
+            <a:off x="8780504" y="4688320"/>
+            <a:ext cx="1938096" cy="461665"/>
+          </a:xfrm>
+          <a:prstGeom prst="rect">
+            <a:avLst/>
+          </a:prstGeom>
+          <a:noFill/>
+        </p:spPr>
+        <p:txBody>
+          <a:bodyPr wrap="none" rtlCol="0">
+            <a:spAutoFit/>
+          </a:bodyPr>
+          <a:lstStyle/>
+          <a:p>
+            <a:pPr algn="ctr"/>
+            <a:r>
+              <a:rPr lang="en-US" sz="2400" dirty="0" smtClean="0">
+                <a:solidFill>
+                  <a:schemeClr val="bg1"/>
+                </a:solidFill>
+              </a:rPr>
+              <a:t>Browser DOM</a:t>
+            </a:r>
+            <a:endParaRPr lang="en-US" sz="2400" dirty="0">
+              <a:solidFill>
+                <a:schemeClr val="bg1"/>
+              </a:solidFill>
+            </a:endParaRPr>
+          </a:p>
+        </p:txBody>
+      </p:sp>
+    </p:spTree>
+    <p:extLst>
+      <p:ext uri="{BB962C8B-B14F-4D97-AF65-F5344CB8AC3E}">
+        <p14:creationId xmlns:p14="http://schemas.microsoft.com/office/powerpoint/2010/main" val="219543235"/>
+      </p:ext>
+    </p:extLst>
+  </p:cSld>
+  <p:clrMapOvr>
+    <a:masterClrMapping/>
+  </p:clrMapOvr>
+</p:sld>
+</file>
+
+<file path=ppt/slides/slide17.xml><?xml version="1.0" encoding="utf-8"?>
+<p:sld xmlns:a="http://schemas.openxmlformats.org/drawingml/2006/main" xmlns:r="http://schemas.openxmlformats.org/officeDocument/2006/relationships" xmlns:p="http://schemas.openxmlformats.org/presentationml/2006/main">
+  <p:cSld>
+    <p:bg>
+      <p:bgPr>
+        <a:solidFill>
+          <a:srgbClr val="7030A0"/>
+        </a:solidFill>
+        <a:effectLst/>
+      </p:bgPr>
+    </p:bg>
+    <p:spTree>
+      <p:nvGrpSpPr>
+        <p:cNvPr id="1" name=""/>
+        <p:cNvGrpSpPr/>
+        <p:nvPr/>
+      </p:nvGrpSpPr>
+      <p:grpSpPr>
+        <a:xfrm>
+          <a:off x="0" y="0"/>
+          <a:ext cx="0" cy="0"/>
+          <a:chOff x="0" y="0"/>
+          <a:chExt cx="0" cy="0"/>
+        </a:xfrm>
+      </p:grpSpPr>
+      <p:sp>
+        <p:nvSpPr>
+          <p:cNvPr id="4" name="Oval 3"/>
+          <p:cNvSpPr/>
+          <p:nvPr/>
+        </p:nvSpPr>
+        <p:spPr>
+          <a:xfrm>
+            <a:off x="701749" y="3346191"/>
+            <a:ext cx="552893" cy="552893"/>
+          </a:xfrm>
+          <a:prstGeom prst="ellipse">
+            <a:avLst/>
+          </a:prstGeom>
+          <a:solidFill>
+            <a:schemeClr val="accent4"/>
+          </a:solidFill>
+          <a:ln w="0">
+            <a:noFill/>
+          </a:ln>
+        </p:spPr>
+        <p:style>
+          <a:lnRef idx="2">
+            <a:schemeClr val="accent1">
+              <a:shade val="50000"/>
+            </a:schemeClr>
+          </a:lnRef>
+          <a:fillRef idx="1">
+            <a:schemeClr val="accent1"/>
+          </a:fillRef>
+          <a:effectRef idx="0">
+            <a:schemeClr val="accent1"/>
+          </a:effectRef>
+          <a:fontRef idx="minor">
+            <a:schemeClr val="lt1"/>
+          </a:fontRef>
+        </p:style>
+        <p:txBody>
+          <a:bodyPr rtlCol="0" anchor="ctr"/>
+          <a:lstStyle/>
+          <a:p>
+            <a:pPr algn="ctr"/>
+            <a:endParaRPr lang="en-US"/>
+          </a:p>
+        </p:txBody>
+      </p:sp>
+      <p:sp>
+        <p:nvSpPr>
+          <p:cNvPr id="5" name="Oval 4"/>
+          <p:cNvSpPr/>
+          <p:nvPr/>
+        </p:nvSpPr>
+        <p:spPr>
+          <a:xfrm>
+            <a:off x="1599379" y="2346182"/>
+            <a:ext cx="552893" cy="552893"/>
+          </a:xfrm>
+          <a:prstGeom prst="ellipse">
+            <a:avLst/>
+          </a:prstGeom>
+          <a:solidFill>
+            <a:schemeClr val="accent4"/>
+          </a:solidFill>
+          <a:ln w="0">
+            <a:noFill/>
+          </a:ln>
+        </p:spPr>
+        <p:style>
+          <a:lnRef idx="2">
+            <a:schemeClr val="accent1">
+              <a:shade val="50000"/>
+            </a:schemeClr>
+          </a:lnRef>
+          <a:fillRef idx="1">
+            <a:schemeClr val="accent1"/>
+          </a:fillRef>
+          <a:effectRef idx="0">
+            <a:schemeClr val="accent1"/>
+          </a:effectRef>
+          <a:fontRef idx="minor">
+            <a:schemeClr val="lt1"/>
+          </a:fontRef>
+        </p:style>
+        <p:txBody>
+          <a:bodyPr rtlCol="0" anchor="ctr"/>
+          <a:lstStyle/>
+          <a:p>
+            <a:pPr algn="ctr"/>
+            <a:endParaRPr lang="en-US"/>
+          </a:p>
+        </p:txBody>
+      </p:sp>
+      <p:sp>
+        <p:nvSpPr>
+          <p:cNvPr id="6" name="Oval 5"/>
+          <p:cNvSpPr/>
+          <p:nvPr/>
+        </p:nvSpPr>
+        <p:spPr>
+          <a:xfrm>
+            <a:off x="1518410" y="3951699"/>
+            <a:ext cx="552893" cy="552893"/>
+          </a:xfrm>
+          <a:prstGeom prst="ellipse">
+            <a:avLst/>
+          </a:prstGeom>
+          <a:solidFill>
+            <a:schemeClr val="accent4"/>
+          </a:solidFill>
+          <a:ln w="0">
+            <a:noFill/>
+          </a:ln>
+        </p:spPr>
+        <p:style>
+          <a:lnRef idx="2">
+            <a:schemeClr val="accent1">
+              <a:shade val="50000"/>
+            </a:schemeClr>
+          </a:lnRef>
+          <a:fillRef idx="1">
+            <a:schemeClr val="accent1"/>
+          </a:fillRef>
+          <a:effectRef idx="0">
+            <a:schemeClr val="accent1"/>
+          </a:effectRef>
+          <a:fontRef idx="minor">
+            <a:schemeClr val="lt1"/>
+          </a:fontRef>
+        </p:style>
+        <p:txBody>
+          <a:bodyPr rtlCol="0" anchor="ctr"/>
+          <a:lstStyle/>
+          <a:p>
+            <a:pPr algn="ctr"/>
+            <a:endParaRPr lang="en-US"/>
+          </a:p>
+        </p:txBody>
+      </p:sp>
+      <p:sp>
+        <p:nvSpPr>
+          <p:cNvPr id="7" name="Oval 6"/>
+          <p:cNvSpPr/>
+          <p:nvPr/>
+        </p:nvSpPr>
+        <p:spPr>
+          <a:xfrm>
+            <a:off x="874117" y="1793289"/>
+            <a:ext cx="552893" cy="552893"/>
+          </a:xfrm>
+          <a:prstGeom prst="ellipse">
+            <a:avLst/>
+          </a:prstGeom>
+          <a:solidFill>
+            <a:schemeClr val="accent4"/>
+          </a:solidFill>
+          <a:ln w="0">
+            <a:noFill/>
+          </a:ln>
+        </p:spPr>
+        <p:style>
+          <a:lnRef idx="2">
+            <a:schemeClr val="accent1">
+              <a:shade val="50000"/>
+            </a:schemeClr>
+          </a:lnRef>
+          <a:fillRef idx="1">
+            <a:schemeClr val="accent1"/>
+          </a:fillRef>
+          <a:effectRef idx="0">
+            <a:schemeClr val="accent1"/>
+          </a:effectRef>
+          <a:fontRef idx="minor">
+            <a:schemeClr val="lt1"/>
+          </a:fontRef>
+        </p:style>
+        <p:txBody>
+          <a:bodyPr rtlCol="0" anchor="ctr"/>
+          <a:lstStyle/>
+          <a:p>
+            <a:pPr algn="ctr"/>
+            <a:endParaRPr lang="en-US"/>
+          </a:p>
+        </p:txBody>
+      </p:sp>
+      <p:sp>
+        <p:nvSpPr>
+          <p:cNvPr id="8" name="Oval 7"/>
+          <p:cNvSpPr/>
+          <p:nvPr/>
+        </p:nvSpPr>
+        <p:spPr>
+          <a:xfrm>
+            <a:off x="2339566" y="3028986"/>
+            <a:ext cx="552893" cy="552893"/>
+          </a:xfrm>
+          <a:prstGeom prst="ellipse">
+            <a:avLst/>
+          </a:prstGeom>
+          <a:solidFill>
+            <a:srgbClr val="FF0000"/>
+          </a:solidFill>
+          <a:ln w="0">
+            <a:noFill/>
+          </a:ln>
+        </p:spPr>
+        <p:style>
+          <a:lnRef idx="2">
+            <a:schemeClr val="accent1">
+              <a:shade val="50000"/>
+            </a:schemeClr>
+          </a:lnRef>
+          <a:fillRef idx="1">
+            <a:schemeClr val="accent1"/>
+          </a:fillRef>
+          <a:effectRef idx="0">
+            <a:schemeClr val="accent1"/>
+          </a:effectRef>
+          <a:fontRef idx="minor">
+            <a:schemeClr val="lt1"/>
+          </a:fontRef>
+        </p:style>
+        <p:txBody>
+          <a:bodyPr rtlCol="0" anchor="ctr"/>
+          <a:lstStyle/>
+          <a:p>
+            <a:pPr algn="ctr"/>
+            <a:endParaRPr lang="en-US"/>
+          </a:p>
+        </p:txBody>
+      </p:sp>
+      <p:sp>
+        <p:nvSpPr>
+          <p:cNvPr id="9" name="TextBox 8"/>
+          <p:cNvSpPr txBox="1"/>
+          <p:nvPr/>
+        </p:nvSpPr>
+        <p:spPr>
+          <a:xfrm>
+            <a:off x="1005019" y="4732115"/>
+            <a:ext cx="995785" cy="461665"/>
+          </a:xfrm>
+          <a:prstGeom prst="rect">
+            <a:avLst/>
+          </a:prstGeom>
+          <a:noFill/>
+        </p:spPr>
+        <p:txBody>
+          <a:bodyPr wrap="none" rtlCol="0">
+            <a:spAutoFit/>
+          </a:bodyPr>
+          <a:lstStyle/>
+          <a:p>
+            <a:r>
+              <a:rPr lang="en-US" sz="2400" dirty="0" smtClean="0">
+                <a:solidFill>
+                  <a:schemeClr val="bg1"/>
+                </a:solidFill>
+              </a:rPr>
+              <a:t>Model</a:t>
+            </a:r>
+            <a:endParaRPr lang="en-US" sz="2400" dirty="0">
+              <a:solidFill>
+                <a:schemeClr val="bg1"/>
+              </a:solidFill>
+            </a:endParaRPr>
+          </a:p>
+        </p:txBody>
+      </p:sp>
+      <p:cxnSp>
+        <p:nvCxnSpPr>
+          <p:cNvPr id="18" name="Straight Connector 17"/>
+          <p:cNvCxnSpPr>
+            <a:stCxn id="7" idx="5"/>
+            <a:endCxn id="5" idx="2"/>
+          </p:cNvCxnSpPr>
+          <p:nvPr/>
+        </p:nvCxnSpPr>
+        <p:spPr>
+          <a:xfrm>
+            <a:off x="1346041" y="2265213"/>
+            <a:ext cx="253338" cy="357416"/>
+          </a:xfrm>
+          <a:prstGeom prst="line">
+            <a:avLst/>
+          </a:prstGeom>
+          <a:ln w="38100">
+            <a:solidFill>
+              <a:schemeClr val="bg1"/>
+            </a:solidFill>
+          </a:ln>
+        </p:spPr>
+        <p:style>
+          <a:lnRef idx="1">
+            <a:schemeClr val="accent1"/>
+          </a:lnRef>
+          <a:fillRef idx="0">
+            <a:schemeClr val="accent1"/>
+          </a:fillRef>
+          <a:effectRef idx="0">
+            <a:schemeClr val="accent1"/>
+          </a:effectRef>
+          <a:fontRef idx="minor">
+            <a:schemeClr val="tx1"/>
+          </a:fontRef>
+        </p:style>
+      </p:cxnSp>
+      <p:sp>
+        <p:nvSpPr>
+          <p:cNvPr id="77" name="Rounded Rectangle 76"/>
+          <p:cNvSpPr/>
+          <p:nvPr/>
+        </p:nvSpPr>
+        <p:spPr>
+          <a:xfrm>
+            <a:off x="3843580" y="1793289"/>
+            <a:ext cx="3502618" cy="2740204"/>
+          </a:xfrm>
+          <a:prstGeom prst="roundRect">
+            <a:avLst/>
+          </a:prstGeom>
+          <a:solidFill>
+            <a:schemeClr val="accent5">
+              <a:lumMod val="20000"/>
+              <a:lumOff val="80000"/>
+            </a:schemeClr>
+          </a:solidFill>
+        </p:spPr>
+        <p:style>
+          <a:lnRef idx="1">
+            <a:schemeClr val="accent6"/>
+          </a:lnRef>
+          <a:fillRef idx="2">
+            <a:schemeClr val="accent6"/>
+          </a:fillRef>
+          <a:effectRef idx="1">
+            <a:schemeClr val="accent6"/>
+          </a:effectRef>
+          <a:fontRef idx="minor">
+            <a:schemeClr val="dk1"/>
+          </a:fontRef>
+        </p:style>
+        <p:txBody>
+          <a:bodyPr rtlCol="0" anchor="ctr"/>
+          <a:lstStyle/>
+          <a:p>
+            <a:pPr algn="ctr"/>
+            <a:endParaRPr lang="en-US"/>
+          </a:p>
+        </p:txBody>
+      </p:sp>
+      <p:cxnSp>
+        <p:nvCxnSpPr>
+          <p:cNvPr id="21" name="Straight Connector 20"/>
+          <p:cNvCxnSpPr>
+            <a:stCxn id="8" idx="1"/>
+            <a:endCxn id="5" idx="5"/>
+          </p:cNvCxnSpPr>
+          <p:nvPr/>
+        </p:nvCxnSpPr>
+        <p:spPr>
+          <a:xfrm flipH="1" flipV="1">
+            <a:off x="2071303" y="2818106"/>
+            <a:ext cx="349232" cy="291849"/>
+          </a:xfrm>
+          <a:prstGeom prst="line">
+            <a:avLst/>
+          </a:prstGeom>
+          <a:ln w="38100">
+            <a:solidFill>
+              <a:schemeClr val="bg1"/>
+            </a:solidFill>
+          </a:ln>
+        </p:spPr>
+        <p:style>
+          <a:lnRef idx="1">
+            <a:schemeClr val="accent1"/>
+          </a:lnRef>
+          <a:fillRef idx="0">
+            <a:schemeClr val="accent1"/>
+          </a:fillRef>
+          <a:effectRef idx="0">
+            <a:schemeClr val="accent1"/>
+          </a:effectRef>
+          <a:fontRef idx="minor">
+            <a:schemeClr val="tx1"/>
+          </a:fontRef>
+        </p:style>
+      </p:cxnSp>
+      <p:cxnSp>
+        <p:nvCxnSpPr>
+          <p:cNvPr id="24" name="Straight Connector 23"/>
+          <p:cNvCxnSpPr>
+            <a:stCxn id="6" idx="1"/>
+            <a:endCxn id="4" idx="5"/>
+          </p:cNvCxnSpPr>
+          <p:nvPr/>
+        </p:nvCxnSpPr>
+        <p:spPr>
+          <a:xfrm flipH="1" flipV="1">
+            <a:off x="1173673" y="3818115"/>
+            <a:ext cx="425706" cy="214553"/>
+          </a:xfrm>
+          <a:prstGeom prst="line">
+            <a:avLst/>
+          </a:prstGeom>
+          <a:ln w="38100">
+            <a:solidFill>
+              <a:schemeClr val="bg1"/>
+            </a:solidFill>
+          </a:ln>
+        </p:spPr>
+        <p:style>
+          <a:lnRef idx="1">
+            <a:schemeClr val="accent1"/>
+          </a:lnRef>
+          <a:fillRef idx="0">
+            <a:schemeClr val="accent1"/>
+          </a:fillRef>
+          <a:effectRef idx="0">
+            <a:schemeClr val="accent1"/>
+          </a:effectRef>
+          <a:fontRef idx="minor">
+            <a:schemeClr val="tx1"/>
+          </a:fontRef>
+        </p:style>
+      </p:cxnSp>
+      <p:cxnSp>
+        <p:nvCxnSpPr>
+          <p:cNvPr id="34" name="Straight Connector 33"/>
+          <p:cNvCxnSpPr>
+            <a:stCxn id="4" idx="7"/>
+            <a:endCxn id="5" idx="3"/>
+          </p:cNvCxnSpPr>
+          <p:nvPr/>
+        </p:nvCxnSpPr>
+        <p:spPr>
+          <a:xfrm flipV="1">
+            <a:off x="1173673" y="2818106"/>
+            <a:ext cx="506675" cy="609054"/>
+          </a:xfrm>
+          <a:prstGeom prst="line">
+            <a:avLst/>
+          </a:prstGeom>
+          <a:ln w="38100">
+            <a:solidFill>
+              <a:schemeClr val="bg1"/>
+            </a:solidFill>
+          </a:ln>
+        </p:spPr>
+        <p:style>
+          <a:lnRef idx="1">
+            <a:schemeClr val="accent1"/>
+          </a:lnRef>
+          <a:fillRef idx="0">
+            <a:schemeClr val="accent1"/>
+          </a:fillRef>
+          <a:effectRef idx="0">
+            <a:schemeClr val="accent1"/>
+          </a:effectRef>
+          <a:fontRef idx="minor">
+            <a:schemeClr val="tx1"/>
+          </a:fontRef>
+        </p:style>
+      </p:cxnSp>
+      <p:cxnSp>
+        <p:nvCxnSpPr>
+          <p:cNvPr id="40" name="Straight Connector 39"/>
+          <p:cNvCxnSpPr>
+            <a:stCxn id="6" idx="7"/>
+            <a:endCxn id="8" idx="3"/>
+          </p:cNvCxnSpPr>
+          <p:nvPr/>
+        </p:nvCxnSpPr>
+        <p:spPr>
+          <a:xfrm flipV="1">
+            <a:off x="1990334" y="3500910"/>
+            <a:ext cx="430201" cy="531758"/>
+          </a:xfrm>
+          <a:prstGeom prst="line">
+            <a:avLst/>
+          </a:prstGeom>
+          <a:ln w="38100">
+            <a:solidFill>
+              <a:schemeClr val="bg1"/>
+            </a:solidFill>
+          </a:ln>
+        </p:spPr>
+        <p:style>
+          <a:lnRef idx="1">
+            <a:schemeClr val="accent1"/>
+          </a:lnRef>
+          <a:fillRef idx="0">
+            <a:schemeClr val="accent1"/>
+          </a:fillRef>
+          <a:effectRef idx="0">
+            <a:schemeClr val="accent1"/>
+          </a:effectRef>
+          <a:fontRef idx="minor">
+            <a:schemeClr val="tx1"/>
+          </a:fontRef>
+        </p:style>
+      </p:cxnSp>
+      <p:sp>
+        <p:nvSpPr>
+          <p:cNvPr id="55" name="Rectangle 54"/>
+          <p:cNvSpPr/>
+          <p:nvPr/>
+        </p:nvSpPr>
+        <p:spPr>
+          <a:xfrm>
+            <a:off x="4086467" y="3322958"/>
+            <a:ext cx="961293" cy="437717"/>
+          </a:xfrm>
+          <a:prstGeom prst="rect">
+            <a:avLst/>
+          </a:prstGeom>
+          <a:solidFill>
+            <a:schemeClr val="accent6"/>
+          </a:solidFill>
+          <a:ln>
+            <a:noFill/>
+          </a:ln>
+        </p:spPr>
+        <p:style>
+          <a:lnRef idx="2">
+            <a:schemeClr val="accent1">
+              <a:shade val="50000"/>
+            </a:schemeClr>
+          </a:lnRef>
+          <a:fillRef idx="1">
+            <a:schemeClr val="accent1"/>
+          </a:fillRef>
+          <a:effectRef idx="0">
+            <a:schemeClr val="accent1"/>
+          </a:effectRef>
+          <a:fontRef idx="minor">
+            <a:schemeClr val="lt1"/>
+          </a:fontRef>
+        </p:style>
+        <p:txBody>
+          <a:bodyPr rtlCol="0" anchor="ctr"/>
+          <a:lstStyle/>
+          <a:p>
+            <a:pPr algn="ctr"/>
+            <a:endParaRPr lang="en-US"/>
+          </a:p>
+        </p:txBody>
+      </p:sp>
+      <p:sp>
+        <p:nvSpPr>
+          <p:cNvPr id="56" name="Rectangle 55"/>
+          <p:cNvSpPr/>
+          <p:nvPr/>
+        </p:nvSpPr>
+        <p:spPr>
+          <a:xfrm>
+            <a:off x="5385742" y="3322958"/>
+            <a:ext cx="961293" cy="437717"/>
+          </a:xfrm>
+          <a:prstGeom prst="rect">
+            <a:avLst/>
+          </a:prstGeom>
+          <a:solidFill>
+            <a:srgbClr val="FF0000"/>
+          </a:solidFill>
+          <a:ln>
+            <a:noFill/>
+          </a:ln>
+        </p:spPr>
+        <p:style>
+          <a:lnRef idx="2">
+            <a:schemeClr val="accent1">
+              <a:shade val="50000"/>
+            </a:schemeClr>
+          </a:lnRef>
+          <a:fillRef idx="1">
+            <a:schemeClr val="accent1"/>
+          </a:fillRef>
+          <a:effectRef idx="0">
+            <a:schemeClr val="accent1"/>
+          </a:effectRef>
+          <a:fontRef idx="minor">
+            <a:schemeClr val="lt1"/>
+          </a:fontRef>
+        </p:style>
+        <p:txBody>
+          <a:bodyPr rtlCol="0" anchor="ctr"/>
+          <a:lstStyle/>
+          <a:p>
+            <a:pPr algn="ctr"/>
+            <a:endParaRPr lang="en-US"/>
+          </a:p>
+        </p:txBody>
+      </p:sp>
+      <p:sp>
+        <p:nvSpPr>
+          <p:cNvPr id="57" name="Rectangle 56"/>
+          <p:cNvSpPr/>
+          <p:nvPr/>
+        </p:nvSpPr>
+        <p:spPr>
+          <a:xfrm>
+            <a:off x="4742445" y="2638697"/>
+            <a:ext cx="961293" cy="437717"/>
+          </a:xfrm>
+          <a:prstGeom prst="rect">
+            <a:avLst/>
+          </a:prstGeom>
+          <a:solidFill>
+            <a:schemeClr val="accent6"/>
+          </a:solidFill>
+          <a:ln>
+            <a:noFill/>
+          </a:ln>
+        </p:spPr>
+        <p:style>
+          <a:lnRef idx="2">
+            <a:schemeClr val="accent1">
+              <a:shade val="50000"/>
+            </a:schemeClr>
+          </a:lnRef>
+          <a:fillRef idx="1">
+            <a:schemeClr val="accent1"/>
+          </a:fillRef>
+          <a:effectRef idx="0">
+            <a:schemeClr val="accent1"/>
+          </a:effectRef>
+          <a:fontRef idx="minor">
+            <a:schemeClr val="lt1"/>
+          </a:fontRef>
+        </p:style>
+        <p:txBody>
+          <a:bodyPr rtlCol="0" anchor="ctr"/>
+          <a:lstStyle/>
+          <a:p>
+            <a:pPr algn="ctr"/>
+            <a:endParaRPr lang="en-US"/>
+          </a:p>
+        </p:txBody>
+      </p:sp>
+      <p:sp>
+        <p:nvSpPr>
+          <p:cNvPr id="58" name="Rectangle 57"/>
+          <p:cNvSpPr/>
+          <p:nvPr/>
+        </p:nvSpPr>
+        <p:spPr>
+          <a:xfrm>
+            <a:off x="5385740" y="1954436"/>
+            <a:ext cx="961293" cy="437717"/>
+          </a:xfrm>
+          <a:prstGeom prst="rect">
+            <a:avLst/>
+          </a:prstGeom>
+          <a:solidFill>
+            <a:schemeClr val="accent6"/>
+          </a:solidFill>
+          <a:ln>
+            <a:noFill/>
+          </a:ln>
+        </p:spPr>
+        <p:style>
+          <a:lnRef idx="2">
+            <a:schemeClr val="accent1">
+              <a:shade val="50000"/>
+            </a:schemeClr>
+          </a:lnRef>
+          <a:fillRef idx="1">
+            <a:schemeClr val="accent1"/>
+          </a:fillRef>
+          <a:effectRef idx="0">
+            <a:schemeClr val="accent1"/>
+          </a:effectRef>
+          <a:fontRef idx="minor">
+            <a:schemeClr val="lt1"/>
+          </a:fontRef>
+        </p:style>
+        <p:txBody>
+          <a:bodyPr rtlCol="0" anchor="ctr"/>
+          <a:lstStyle/>
+          <a:p>
+            <a:pPr algn="ctr"/>
+            <a:endParaRPr lang="en-US"/>
+          </a:p>
+        </p:txBody>
+      </p:sp>
+      <p:sp>
+        <p:nvSpPr>
+          <p:cNvPr id="59" name="Rectangle 58"/>
+          <p:cNvSpPr/>
+          <p:nvPr/>
+        </p:nvSpPr>
+        <p:spPr>
+          <a:xfrm>
+            <a:off x="6049586" y="2638697"/>
+            <a:ext cx="961293" cy="437717"/>
+          </a:xfrm>
+          <a:prstGeom prst="rect">
+            <a:avLst/>
+          </a:prstGeom>
+          <a:solidFill>
+            <a:srgbClr val="FF0000"/>
+          </a:solidFill>
+          <a:ln>
+            <a:noFill/>
+          </a:ln>
+        </p:spPr>
+        <p:style>
+          <a:lnRef idx="2">
+            <a:schemeClr val="accent1">
+              <a:shade val="50000"/>
+            </a:schemeClr>
+          </a:lnRef>
+          <a:fillRef idx="1">
+            <a:schemeClr val="accent1"/>
+          </a:fillRef>
+          <a:effectRef idx="0">
+            <a:schemeClr val="accent1"/>
+          </a:effectRef>
+          <a:fontRef idx="minor">
+            <a:schemeClr val="lt1"/>
+          </a:fontRef>
+        </p:style>
+        <p:txBody>
+          <a:bodyPr rtlCol="0" anchor="ctr"/>
+          <a:lstStyle/>
+          <a:p>
+            <a:pPr algn="ctr"/>
+            <a:endParaRPr lang="en-US"/>
+          </a:p>
+        </p:txBody>
+      </p:sp>
+      <p:sp>
+        <p:nvSpPr>
+          <p:cNvPr id="60" name="Rectangle 59"/>
+          <p:cNvSpPr/>
+          <p:nvPr/>
+        </p:nvSpPr>
+        <p:spPr>
+          <a:xfrm>
+            <a:off x="5385741" y="4007219"/>
+            <a:ext cx="961293" cy="437717"/>
+          </a:xfrm>
+          <a:prstGeom prst="rect">
+            <a:avLst/>
+          </a:prstGeom>
+          <a:solidFill>
             <a:srgbClr val="FF0000"/>
           </a:solidFill>
           <a:ln>
@@ -12533,7 +13354,7 @@
 </p:sld>
 </file>
 
-<file path=ppt/slides/slide17.xml><?xml version="1.0" encoding="utf-8"?>
+<file path=ppt/slides/slide18.xml><?xml version="1.0" encoding="utf-8"?>
 <p:sld xmlns:a="http://schemas.openxmlformats.org/drawingml/2006/main" xmlns:r="http://schemas.openxmlformats.org/officeDocument/2006/relationships" xmlns:p="http://schemas.openxmlformats.org/presentationml/2006/main">
   <p:cSld>
     <p:bg>
@@ -15051,12 +15872,27 @@
   <p:clrMapOvr>
     <a:masterClrMapping/>
   </p:clrMapOvr>
+  <p:timing>
+    <p:tnLst>
+      <p:par>
+        <p:cTn id="1" dur="indefinite" restart="never" nodeType="tmRoot"/>
+      </p:par>
+    </p:tnLst>
+  </p:timing>
 </p:sld>
 </file>
 
 <file path=ppt/slides/slide5.xml><?xml version="1.0" encoding="utf-8"?>
 <p:sld xmlns:a="http://schemas.openxmlformats.org/drawingml/2006/main" xmlns:r="http://schemas.openxmlformats.org/officeDocument/2006/relationships" xmlns:p="http://schemas.openxmlformats.org/presentationml/2006/main">
   <p:cSld>
+    <p:bg>
+      <p:bgPr>
+        <a:solidFill>
+          <a:srgbClr val="7030A0"/>
+        </a:solidFill>
+        <a:effectLst/>
+      </p:bgPr>
+    </p:bg>
     <p:spTree>
       <p:nvGrpSpPr>
         <p:cNvPr id="1" name=""/>
@@ -15079,8 +15915,8 @@
         </p:nvSpPr>
         <p:spPr>
           <a:xfrm>
-            <a:off x="541544" y="1112735"/>
-            <a:ext cx="3659396" cy="3180969"/>
+            <a:off x="1555109" y="2714495"/>
+            <a:ext cx="1943461" cy="1039903"/>
           </a:xfrm>
           <a:prstGeom prst="rect">
             <a:avLst/>
@@ -15106,28 +15942,39 @@
           </a:fontRef>
         </p:style>
         <p:txBody>
-          <a:bodyPr rtlCol="0" anchor="t"/>
+          <a:bodyPr rtlCol="0" anchor="ctr"/>
           <a:lstStyle/>
           <a:p>
             <a:pPr algn="ctr"/>
             <a:r>
-              <a:rPr lang="en-US" sz="3200" dirty="0" err="1" smtClean="0"/>
-              <a:t>HostelList</a:t>
-            </a:r>
-            <a:endParaRPr lang="en-US" sz="3200" dirty="0"/>
-          </a:p>
-        </p:txBody>
-      </p:sp>
-      <p:sp>
-        <p:nvSpPr>
-          <p:cNvPr id="13" name="Rectangle 12"/>
+              <a:rPr lang="en-US" sz="2000" dirty="0" smtClean="0"/>
+              <a:t>Store action:</a:t>
+            </a:r>
+            <a:br>
+              <a:rPr lang="en-US" sz="2000" dirty="0" smtClean="0"/>
+            </a:br>
+            <a:r>
+              <a:rPr lang="en-US" sz="1400" dirty="0" err="1" smtClean="0"/>
+              <a:t>addToSelection</a:t>
+            </a:r>
+            <a:r>
+              <a:rPr lang="en-US" sz="1400" dirty="0" smtClean="0"/>
+              <a:t>()</a:t>
+            </a:r>
+            <a:endParaRPr lang="en-US" sz="1400" dirty="0"/>
+          </a:p>
+        </p:txBody>
+      </p:sp>
+      <p:sp>
+        <p:nvSpPr>
+          <p:cNvPr id="12" name="Rectangle 11"/>
           <p:cNvSpPr/>
           <p:nvPr/>
         </p:nvSpPr>
         <p:spPr>
           <a:xfrm>
-            <a:off x="746728" y="1726489"/>
-            <a:ext cx="3295183" cy="698660"/>
+            <a:off x="6286139" y="3421641"/>
+            <a:ext cx="2447043" cy="1039903"/>
           </a:xfrm>
           <a:prstGeom prst="rect">
             <a:avLst/>
@@ -15161,23 +16008,42 @@
           <a:p>
             <a:pPr algn="ctr"/>
             <a:r>
-              <a:rPr lang="en-US" sz="2000" dirty="0" err="1"/>
-              <a:t>HostelListItem</a:t>
-            </a:r>
-            <a:endParaRPr lang="en-US" sz="2000" dirty="0"/>
-          </a:p>
-        </p:txBody>
-      </p:sp>
-      <p:sp>
-        <p:nvSpPr>
-          <p:cNvPr id="25" name="Rectangle 24"/>
+              <a:rPr lang="en-US" dirty="0"/>
+              <a:t>Module/</a:t>
+            </a:r>
+            <a:r>
+              <a:rPr lang="en-US" dirty="0" err="1"/>
+              <a:t>HostelSelection</a:t>
+            </a:r>
+            <a:r>
+              <a:rPr lang="en-US" sz="2000" dirty="0"/>
+              <a:t/>
+            </a:r>
+            <a:br>
+              <a:rPr lang="en-US" sz="2000" dirty="0"/>
+            </a:br>
+            <a:r>
+              <a:rPr lang="en-US" sz="1400" dirty="0"/>
+              <a:t> mutation: </a:t>
+            </a:r>
+            <a:r>
+              <a:rPr lang="en-US" sz="1400" dirty="0" err="1"/>
+              <a:t>addToSelection</a:t>
+            </a:r>
+            <a:endParaRPr lang="en-US" sz="1400" dirty="0"/>
+          </a:p>
+        </p:txBody>
+      </p:sp>
+      <p:sp>
+        <p:nvSpPr>
+          <p:cNvPr id="13" name="Rectangle 12"/>
           <p:cNvSpPr/>
           <p:nvPr/>
         </p:nvSpPr>
         <p:spPr>
           <a:xfrm>
-            <a:off x="730275" y="2571203"/>
-            <a:ext cx="3295183" cy="698660"/>
+            <a:off x="6286138" y="1919365"/>
+            <a:ext cx="2447043" cy="1039903"/>
           </a:xfrm>
           <a:prstGeom prst="rect">
             <a:avLst/>
@@ -15211,29 +16077,156 @@
           <a:p>
             <a:pPr algn="ctr"/>
             <a:r>
-              <a:rPr lang="en-US" sz="2000" dirty="0" err="1"/>
-              <a:t>HostelListItem</a:t>
+              <a:rPr lang="en-US" dirty="0" smtClean="0"/>
+              <a:t>Module/</a:t>
+            </a:r>
+            <a:r>
+              <a:rPr lang="en-US" dirty="0" err="1" smtClean="0"/>
+              <a:t>HostelList</a:t>
+            </a:r>
+            <a:r>
+              <a:rPr lang="en-US" sz="2000" dirty="0" smtClean="0"/>
+              <a:t/>
+            </a:r>
+            <a:br>
+              <a:rPr lang="en-US" sz="2000" dirty="0" smtClean="0"/>
+            </a:br>
+            <a:r>
+              <a:rPr lang="en-US" sz="1400" dirty="0" smtClean="0"/>
+              <a:t>mutation: </a:t>
+            </a:r>
+            <a:r>
+              <a:rPr lang="en-US" sz="1400" dirty="0" err="1" smtClean="0"/>
+              <a:t>addToSelection</a:t>
             </a:r>
             <a:endParaRPr lang="en-US" sz="2000" dirty="0"/>
           </a:p>
         </p:txBody>
       </p:sp>
-      <p:sp>
-        <p:nvSpPr>
-          <p:cNvPr id="26" name="Rectangle 25"/>
+      <p:cxnSp>
+        <p:nvCxnSpPr>
+          <p:cNvPr id="17" name="Straight Arrow Connector 16"/>
+          <p:cNvCxnSpPr>
+            <a:stCxn id="25" idx="6"/>
+            <a:endCxn id="12" idx="1"/>
+          </p:cNvCxnSpPr>
+          <p:nvPr/>
+        </p:nvCxnSpPr>
+        <p:spPr>
+          <a:xfrm>
+            <a:off x="5369432" y="3224312"/>
+            <a:ext cx="916707" cy="717281"/>
+          </a:xfrm>
+          <a:prstGeom prst="straightConnector1">
+            <a:avLst/>
+          </a:prstGeom>
+          <a:ln w="76200">
+            <a:tailEnd type="triangle"/>
+          </a:ln>
+        </p:spPr>
+        <p:style>
+          <a:lnRef idx="1">
+            <a:schemeClr val="accent3"/>
+          </a:lnRef>
+          <a:fillRef idx="0">
+            <a:schemeClr val="accent3"/>
+          </a:fillRef>
+          <a:effectRef idx="0">
+            <a:schemeClr val="accent3"/>
+          </a:effectRef>
+          <a:fontRef idx="minor">
+            <a:schemeClr val="tx1"/>
+          </a:fontRef>
+        </p:style>
+      </p:cxnSp>
+      <p:cxnSp>
+        <p:nvCxnSpPr>
+          <p:cNvPr id="21" name="Straight Arrow Connector 20"/>
+          <p:cNvCxnSpPr>
+            <a:stCxn id="25" idx="6"/>
+            <a:endCxn id="13" idx="1"/>
+          </p:cNvCxnSpPr>
+          <p:nvPr/>
+        </p:nvCxnSpPr>
+        <p:spPr>
+          <a:xfrm flipV="1">
+            <a:off x="5369432" y="2439317"/>
+            <a:ext cx="916706" cy="784995"/>
+          </a:xfrm>
+          <a:prstGeom prst="straightConnector1">
+            <a:avLst/>
+          </a:prstGeom>
+          <a:ln w="76200">
+            <a:tailEnd type="triangle"/>
+          </a:ln>
+        </p:spPr>
+        <p:style>
+          <a:lnRef idx="1">
+            <a:schemeClr val="accent3"/>
+          </a:lnRef>
+          <a:fillRef idx="0">
+            <a:schemeClr val="accent3"/>
+          </a:fillRef>
+          <a:effectRef idx="0">
+            <a:schemeClr val="accent3"/>
+          </a:effectRef>
+          <a:fontRef idx="minor">
+            <a:schemeClr val="tx1"/>
+          </a:fontRef>
+        </p:style>
+      </p:cxnSp>
+      <p:cxnSp>
+        <p:nvCxnSpPr>
+          <p:cNvPr id="24" name="Straight Arrow Connector 23"/>
+          <p:cNvCxnSpPr>
+            <a:stCxn id="2" idx="3"/>
+            <a:endCxn id="25" idx="2"/>
+          </p:cNvCxnSpPr>
+          <p:nvPr/>
+        </p:nvCxnSpPr>
+        <p:spPr>
+          <a:xfrm flipV="1">
+            <a:off x="3498570" y="3224312"/>
+            <a:ext cx="810689" cy="10135"/>
+          </a:xfrm>
+          <a:prstGeom prst="straightConnector1">
+            <a:avLst/>
+          </a:prstGeom>
+          <a:ln w="76200">
+            <a:tailEnd type="triangle"/>
+          </a:ln>
+        </p:spPr>
+        <p:style>
+          <a:lnRef idx="1">
+            <a:schemeClr val="accent3"/>
+          </a:lnRef>
+          <a:fillRef idx="0">
+            <a:schemeClr val="accent3"/>
+          </a:fillRef>
+          <a:effectRef idx="0">
+            <a:schemeClr val="accent3"/>
+          </a:effectRef>
+          <a:fontRef idx="minor">
+            <a:schemeClr val="tx1"/>
+          </a:fontRef>
+        </p:style>
+      </p:cxnSp>
+      <p:sp>
+        <p:nvSpPr>
+          <p:cNvPr id="25" name="Oval 24"/>
           <p:cNvSpPr/>
           <p:nvPr/>
         </p:nvSpPr>
         <p:spPr>
           <a:xfrm>
-            <a:off x="723650" y="3415917"/>
-            <a:ext cx="3295183" cy="698660"/>
-          </a:xfrm>
-          <a:prstGeom prst="rect">
+            <a:off x="4309259" y="2694225"/>
+            <a:ext cx="1060173" cy="1060173"/>
+          </a:xfrm>
+          <a:prstGeom prst="ellipse">
             <a:avLst/>
           </a:prstGeom>
           <a:solidFill>
-            <a:srgbClr val="00A44D"/>
+            <a:schemeClr val="accent2"/>
           </a:solidFill>
           <a:ln>
             <a:noFill/>
@@ -15241,15 +16234,15 @@
         </p:spPr>
         <p:style>
           <a:lnRef idx="2">
-            <a:schemeClr val="accent4">
+            <a:schemeClr val="accent1">
               <a:shade val="50000"/>
             </a:schemeClr>
           </a:lnRef>
           <a:fillRef idx="1">
-            <a:schemeClr val="accent4"/>
-          </a:fillRef>
-          <a:effectRef idx="0">
-            <a:schemeClr val="accent4"/>
+            <a:schemeClr val="accent1"/>
+          </a:fillRef>
+          <a:effectRef idx="0">
+            <a:schemeClr val="accent1"/>
           </a:effectRef>
           <a:fontRef idx="minor">
             <a:schemeClr val="lt1"/>
@@ -15261,249 +16254,40 @@
           <a:p>
             <a:pPr algn="ctr"/>
             <a:r>
-              <a:rPr lang="mr-IN" sz="2000" dirty="0" smtClean="0"/>
-              <a:t>…</a:t>
-            </a:r>
-            <a:endParaRPr lang="en-US" sz="2000" dirty="0"/>
-          </a:p>
-        </p:txBody>
-      </p:sp>
-      <p:sp>
-        <p:nvSpPr>
-          <p:cNvPr id="27" name="Rectangle 26"/>
-          <p:cNvSpPr/>
-          <p:nvPr/>
-        </p:nvSpPr>
-        <p:spPr>
-          <a:xfrm>
-            <a:off x="5597249" y="1112735"/>
-            <a:ext cx="3659396" cy="3180969"/>
-          </a:xfrm>
-          <a:prstGeom prst="rect">
-            <a:avLst/>
-          </a:prstGeom>
-          <a:ln>
-            <a:noFill/>
-          </a:ln>
-        </p:spPr>
-        <p:style>
-          <a:lnRef idx="2">
-            <a:schemeClr val="accent4">
-              <a:shade val="50000"/>
-            </a:schemeClr>
-          </a:lnRef>
-          <a:fillRef idx="1">
-            <a:schemeClr val="accent4"/>
-          </a:fillRef>
-          <a:effectRef idx="0">
-            <a:schemeClr val="accent4"/>
-          </a:effectRef>
-          <a:fontRef idx="minor">
-            <a:schemeClr val="lt1"/>
-          </a:fontRef>
-        </p:style>
-        <p:txBody>
-          <a:bodyPr rtlCol="0" anchor="t"/>
-          <a:lstStyle/>
-          <a:p>
-            <a:pPr algn="ctr"/>
-            <a:r>
-              <a:rPr lang="en-US" sz="3200" dirty="0" err="1" smtClean="0"/>
-              <a:t>HostelList</a:t>
-            </a:r>
-            <a:endParaRPr lang="en-US" sz="3200" dirty="0"/>
-          </a:p>
-        </p:txBody>
-      </p:sp>
-      <p:sp>
-        <p:nvSpPr>
-          <p:cNvPr id="28" name="Rectangle 27"/>
-          <p:cNvSpPr/>
-          <p:nvPr/>
-        </p:nvSpPr>
-        <p:spPr>
-          <a:xfrm>
-            <a:off x="5802433" y="1726489"/>
-            <a:ext cx="3295183" cy="698660"/>
-          </a:xfrm>
-          <a:prstGeom prst="rect">
-            <a:avLst/>
-          </a:prstGeom>
-          <a:solidFill>
-            <a:srgbClr val="00A44D"/>
-          </a:solidFill>
-          <a:ln>
-            <a:noFill/>
-          </a:ln>
-        </p:spPr>
-        <p:style>
-          <a:lnRef idx="2">
-            <a:schemeClr val="accent4">
-              <a:shade val="50000"/>
-            </a:schemeClr>
-          </a:lnRef>
-          <a:fillRef idx="1">
-            <a:schemeClr val="accent4"/>
-          </a:fillRef>
-          <a:effectRef idx="0">
-            <a:schemeClr val="accent4"/>
-          </a:effectRef>
-          <a:fontRef idx="minor">
-            <a:schemeClr val="lt1"/>
-          </a:fontRef>
-        </p:style>
-        <p:txBody>
-          <a:bodyPr rtlCol="0" anchor="ctr"/>
-          <a:lstStyle/>
-          <a:p>
-            <a:pPr algn="ctr"/>
-            <a:r>
-              <a:rPr lang="en-US" sz="2000" dirty="0" err="1"/>
-              <a:t>HostelListItem</a:t>
-            </a:r>
-            <a:endParaRPr lang="en-US" sz="2000" dirty="0"/>
-          </a:p>
-        </p:txBody>
-      </p:sp>
-      <p:sp>
-        <p:nvSpPr>
-          <p:cNvPr id="29" name="Rectangle 28"/>
-          <p:cNvSpPr/>
-          <p:nvPr/>
-        </p:nvSpPr>
-        <p:spPr>
-          <a:xfrm>
-            <a:off x="5785980" y="2571203"/>
-            <a:ext cx="3295183" cy="698660"/>
-          </a:xfrm>
-          <a:prstGeom prst="rect">
-            <a:avLst/>
-          </a:prstGeom>
-          <a:solidFill>
-            <a:srgbClr val="00A44D"/>
-          </a:solidFill>
-          <a:ln>
-            <a:noFill/>
-          </a:ln>
-        </p:spPr>
-        <p:style>
-          <a:lnRef idx="2">
-            <a:schemeClr val="accent4">
-              <a:shade val="50000"/>
-            </a:schemeClr>
-          </a:lnRef>
-          <a:fillRef idx="1">
-            <a:schemeClr val="accent4"/>
-          </a:fillRef>
-          <a:effectRef idx="0">
-            <a:schemeClr val="accent4"/>
-          </a:effectRef>
-          <a:fontRef idx="minor">
-            <a:schemeClr val="lt1"/>
-          </a:fontRef>
-        </p:style>
-        <p:txBody>
-          <a:bodyPr rtlCol="0" anchor="ctr"/>
-          <a:lstStyle/>
-          <a:p>
-            <a:pPr algn="ctr"/>
-            <a:r>
-              <a:rPr lang="en-US" sz="2000" dirty="0" err="1"/>
-              <a:t>HostelListItem</a:t>
-            </a:r>
-            <a:endParaRPr lang="en-US" sz="2000" dirty="0"/>
-          </a:p>
-        </p:txBody>
-      </p:sp>
-      <p:sp>
-        <p:nvSpPr>
-          <p:cNvPr id="30" name="Rectangle 29"/>
-          <p:cNvSpPr/>
-          <p:nvPr/>
-        </p:nvSpPr>
-        <p:spPr>
-          <a:xfrm>
-            <a:off x="5779355" y="3415917"/>
-            <a:ext cx="3295183" cy="698660"/>
-          </a:xfrm>
-          <a:prstGeom prst="rect">
-            <a:avLst/>
-          </a:prstGeom>
-          <a:solidFill>
-            <a:srgbClr val="00A44D"/>
-          </a:solidFill>
-          <a:ln>
-            <a:noFill/>
-          </a:ln>
-        </p:spPr>
-        <p:style>
-          <a:lnRef idx="2">
-            <a:schemeClr val="accent4">
-              <a:shade val="50000"/>
-            </a:schemeClr>
-          </a:lnRef>
-          <a:fillRef idx="1">
-            <a:schemeClr val="accent4"/>
-          </a:fillRef>
-          <a:effectRef idx="0">
-            <a:schemeClr val="accent4"/>
-          </a:effectRef>
-          <a:fontRef idx="minor">
-            <a:schemeClr val="lt1"/>
-          </a:fontRef>
-        </p:style>
-        <p:txBody>
-          <a:bodyPr rtlCol="0" anchor="ctr"/>
-          <a:lstStyle/>
-          <a:p>
-            <a:pPr algn="ctr"/>
-            <a:r>
-              <a:rPr lang="mr-IN" sz="2000" dirty="0" smtClean="0"/>
-              <a:t>…</a:t>
-            </a:r>
-            <a:endParaRPr lang="en-US" sz="2000" dirty="0"/>
+              <a:rPr lang="en-US" sz="1400" dirty="0" smtClean="0"/>
+              <a:t>commit</a:t>
+            </a:r>
+            <a:endParaRPr lang="en-US" sz="1400" dirty="0"/>
           </a:p>
         </p:txBody>
       </p:sp>
       <p:cxnSp>
         <p:nvCxnSpPr>
-          <p:cNvPr id="31" name="Elbow Connector 30"/>
-          <p:cNvCxnSpPr>
-            <a:endCxn id="29" idx="3"/>
-          </p:cNvCxnSpPr>
+          <p:cNvPr id="70" name="Straight Arrow Connector 69"/>
+          <p:cNvCxnSpPr/>
           <p:nvPr/>
         </p:nvCxnSpPr>
         <p:spPr>
-          <a:xfrm rot="16200000" flipH="1">
-            <a:off x="8009341" y="1848710"/>
-            <a:ext cx="1500921" cy="642724"/>
-          </a:xfrm>
-          <a:prstGeom prst="bentConnector4">
-            <a:avLst>
-              <a:gd name="adj1" fmla="val 1279"/>
-              <a:gd name="adj2" fmla="val 205671"/>
-            </a:avLst>
-          </a:prstGeom>
-          <a:ln w="38100">
-            <a:solidFill>
-              <a:schemeClr val="bg1">
-                <a:lumMod val="50000"/>
-              </a:schemeClr>
-            </a:solidFill>
-            <a:prstDash val="dash"/>
-            <a:headEnd type="arrow" w="med" len="med"/>
-            <a:tailEnd type="none" w="med" len="med"/>
+          <a:xfrm flipV="1">
+            <a:off x="755374" y="3219244"/>
+            <a:ext cx="746728" cy="15203"/>
+          </a:xfrm>
+          <a:prstGeom prst="straightConnector1">
+            <a:avLst/>
+          </a:prstGeom>
+          <a:ln w="76200">
+            <a:tailEnd type="triangle"/>
           </a:ln>
         </p:spPr>
         <p:style>
           <a:lnRef idx="1">
-            <a:schemeClr val="accent1"/>
+            <a:schemeClr val="accent3"/>
           </a:lnRef>
           <a:fillRef idx="0">
-            <a:schemeClr val="accent1"/>
-          </a:fillRef>
-          <a:effectRef idx="0">
-            <a:schemeClr val="accent1"/>
+            <a:schemeClr val="accent3"/>
+          </a:fillRef>
+          <a:effectRef idx="0">
+            <a:schemeClr val="accent3"/>
           </a:effectRef>
           <a:fontRef idx="minor">
             <a:schemeClr val="tx1"/>
@@ -15512,14 +16296,14 @@
       </p:cxnSp>
       <p:sp>
         <p:nvSpPr>
-          <p:cNvPr id="53" name="TextBox 52"/>
+          <p:cNvPr id="7" name="TextBox 6"/>
           <p:cNvSpPr txBox="1"/>
           <p:nvPr/>
         </p:nvSpPr>
         <p:spPr>
           <a:xfrm>
-            <a:off x="9740347" y="2075819"/>
-            <a:ext cx="415498" cy="369332"/>
+            <a:off x="9439286" y="2254650"/>
+            <a:ext cx="1772921" cy="369332"/>
           </a:xfrm>
           <a:prstGeom prst="rect">
             <a:avLst/>
@@ -15533,23 +16317,148 @@
           <a:lstStyle/>
           <a:p>
             <a:r>
-              <a:rPr lang="en-US" dirty="0" smtClean="0"/>
-              <a:t>❤️</a:t>
-            </a:r>
-            <a:endParaRPr lang="en-US" dirty="0"/>
-          </a:p>
-        </p:txBody>
-      </p:sp>
+              <a:rPr lang="en-US" dirty="0" smtClean="0">
+                <a:solidFill>
+                  <a:schemeClr val="bg1"/>
+                </a:solidFill>
+              </a:rPr>
+              <a:t>Remove from list</a:t>
+            </a:r>
+            <a:endParaRPr lang="en-US" dirty="0">
+              <a:solidFill>
+                <a:schemeClr val="bg1"/>
+              </a:solidFill>
+            </a:endParaRPr>
+          </a:p>
+        </p:txBody>
+      </p:sp>
+      <p:cxnSp>
+        <p:nvCxnSpPr>
+          <p:cNvPr id="15" name="Straight Arrow Connector 14"/>
+          <p:cNvCxnSpPr>
+            <a:stCxn id="13" idx="3"/>
+            <a:endCxn id="7" idx="1"/>
+          </p:cNvCxnSpPr>
+          <p:nvPr/>
+        </p:nvCxnSpPr>
+        <p:spPr>
+          <a:xfrm flipV="1">
+            <a:off x="8733181" y="2439316"/>
+            <a:ext cx="706105" cy="1"/>
+          </a:xfrm>
+          <a:prstGeom prst="straightConnector1">
+            <a:avLst/>
+          </a:prstGeom>
+          <a:ln w="76200">
+            <a:tailEnd type="triangle"/>
+          </a:ln>
+        </p:spPr>
+        <p:style>
+          <a:lnRef idx="1">
+            <a:schemeClr val="accent3"/>
+          </a:lnRef>
+          <a:fillRef idx="0">
+            <a:schemeClr val="accent3"/>
+          </a:fillRef>
+          <a:effectRef idx="0">
+            <a:schemeClr val="accent3"/>
+          </a:effectRef>
+          <a:fontRef idx="minor">
+            <a:schemeClr val="tx1"/>
+          </a:fontRef>
+        </p:style>
+      </p:cxnSp>
+      <p:sp>
+        <p:nvSpPr>
+          <p:cNvPr id="19" name="TextBox 18"/>
+          <p:cNvSpPr txBox="1"/>
+          <p:nvPr/>
+        </p:nvSpPr>
+        <p:spPr>
+          <a:xfrm>
+            <a:off x="9439286" y="3756926"/>
+            <a:ext cx="1772921" cy="369332"/>
+          </a:xfrm>
+          <a:prstGeom prst="rect">
+            <a:avLst/>
+          </a:prstGeom>
+          <a:noFill/>
+        </p:spPr>
+        <p:txBody>
+          <a:bodyPr wrap="square" rtlCol="0">
+            <a:spAutoFit/>
+          </a:bodyPr>
+          <a:lstStyle/>
+          <a:p>
+            <a:r>
+              <a:rPr lang="en-US" dirty="0" smtClean="0">
+                <a:solidFill>
+                  <a:schemeClr val="bg1"/>
+                </a:solidFill>
+              </a:rPr>
+              <a:t>Add to list</a:t>
+            </a:r>
+            <a:endParaRPr lang="en-US" dirty="0">
+              <a:solidFill>
+                <a:schemeClr val="bg1"/>
+              </a:solidFill>
+            </a:endParaRPr>
+          </a:p>
+        </p:txBody>
+      </p:sp>
+      <p:cxnSp>
+        <p:nvCxnSpPr>
+          <p:cNvPr id="20" name="Straight Arrow Connector 19"/>
+          <p:cNvCxnSpPr>
+            <a:stCxn id="12" idx="3"/>
+            <a:endCxn id="19" idx="1"/>
+          </p:cNvCxnSpPr>
+          <p:nvPr/>
+        </p:nvCxnSpPr>
+        <p:spPr>
+          <a:xfrm flipV="1">
+            <a:off x="8733182" y="3941592"/>
+            <a:ext cx="706104" cy="1"/>
+          </a:xfrm>
+          <a:prstGeom prst="straightConnector1">
+            <a:avLst/>
+          </a:prstGeom>
+          <a:ln w="76200">
+            <a:tailEnd type="triangle"/>
+          </a:ln>
+        </p:spPr>
+        <p:style>
+          <a:lnRef idx="1">
+            <a:schemeClr val="accent3"/>
+          </a:lnRef>
+          <a:fillRef idx="0">
+            <a:schemeClr val="accent3"/>
+          </a:fillRef>
+          <a:effectRef idx="0">
+            <a:schemeClr val="accent3"/>
+          </a:effectRef>
+          <a:fontRef idx="minor">
+            <a:schemeClr val="tx1"/>
+          </a:fontRef>
+        </p:style>
+      </p:cxnSp>
     </p:spTree>
     <p:extLst>
       <p:ext uri="{BB962C8B-B14F-4D97-AF65-F5344CB8AC3E}">
-        <p14:creationId xmlns:p14="http://schemas.microsoft.com/office/powerpoint/2010/main" val="85593840"/>
+        <p14:creationId xmlns:p14="http://schemas.microsoft.com/office/powerpoint/2010/main" val="1964913867"/>
       </p:ext>
     </p:extLst>
   </p:cSld>
   <p:clrMapOvr>
     <a:masterClrMapping/>
   </p:clrMapOvr>
+  <p:timing>
+    <p:tnLst>
+      <p:par>
+        <p:cTn id="1" dur="indefinite" restart="never" nodeType="tmRoot"/>
+      </p:par>
+    </p:tnLst>
+  </p:timing>
 </p:sld>
 </file>
 
@@ -15572,21 +16481,18 @@
       </p:grpSpPr>
       <p:sp>
         <p:nvSpPr>
-          <p:cNvPr id="27" name="Rectangle 26"/>
+          <p:cNvPr id="2" name="Rectangle 1"/>
           <p:cNvSpPr/>
           <p:nvPr/>
         </p:nvSpPr>
         <p:spPr>
           <a:xfrm>
-            <a:off x="2519937" y="1007165"/>
-            <a:ext cx="7962533" cy="4823792"/>
+            <a:off x="541544" y="1112735"/>
+            <a:ext cx="3659396" cy="3180969"/>
           </a:xfrm>
           <a:prstGeom prst="rect">
             <a:avLst/>
           </a:prstGeom>
-          <a:solidFill>
-            <a:srgbClr val="7030A0"/>
-          </a:solidFill>
           <a:ln>
             <a:noFill/>
           </a:ln>
@@ -15613,67 +16519,9 @@
           <a:p>
             <a:pPr algn="ctr"/>
             <a:r>
-              <a:rPr lang="en-US" sz="3200" dirty="0" smtClean="0"/>
-              <a:t>APP</a:t>
-            </a:r>
-            <a:endParaRPr lang="en-US" sz="3200" dirty="0"/>
-          </a:p>
-        </p:txBody>
-      </p:sp>
-      <p:sp>
-        <p:nvSpPr>
-          <p:cNvPr id="2" name="Rectangle 1"/>
-          <p:cNvSpPr/>
-          <p:nvPr/>
-        </p:nvSpPr>
-        <p:spPr>
-          <a:xfrm>
-            <a:off x="6598184" y="1828801"/>
-            <a:ext cx="3659396" cy="3710956"/>
-          </a:xfrm>
-          <a:prstGeom prst="rect">
-            <a:avLst/>
-          </a:prstGeom>
-          <a:ln>
-            <a:noFill/>
-          </a:ln>
-        </p:spPr>
-        <p:style>
-          <a:lnRef idx="2">
-            <a:schemeClr val="accent4">
-              <a:shade val="50000"/>
-            </a:schemeClr>
-          </a:lnRef>
-          <a:fillRef idx="1">
-            <a:schemeClr val="accent4"/>
-          </a:fillRef>
-          <a:effectRef idx="0">
-            <a:schemeClr val="accent4"/>
-          </a:effectRef>
-          <a:fontRef idx="minor">
-            <a:schemeClr val="lt1"/>
-          </a:fontRef>
-        </p:style>
-        <p:txBody>
-          <a:bodyPr rtlCol="0" anchor="t"/>
-          <a:lstStyle/>
-          <a:p>
-            <a:pPr algn="ctr"/>
-            <a:r>
               <a:rPr lang="en-US" sz="3200" dirty="0" err="1" smtClean="0"/>
               <a:t>HostelList</a:t>
             </a:r>
-            <a:r>
-              <a:rPr lang="en-US" sz="3200" dirty="0" smtClean="0"/>
-              <a:t/>
-            </a:r>
-            <a:br>
-              <a:rPr lang="en-US" sz="3200" dirty="0" smtClean="0"/>
-            </a:br>
-            <a:r>
-              <a:rPr lang="en-US" sz="3200" dirty="0" smtClean="0"/>
-              <a:t>(+ filter form)</a:t>
-            </a:r>
             <a:endParaRPr lang="en-US" sz="3200" dirty="0"/>
           </a:p>
         </p:txBody>
@@ -15686,7 +16534,7 @@
         </p:nvSpPr>
         <p:spPr>
           <a:xfrm>
-            <a:off x="6803369" y="2972542"/>
+            <a:off x="746728" y="1726489"/>
             <a:ext cx="3295183" cy="698660"/>
           </a:xfrm>
           <a:prstGeom prst="rect">
@@ -15736,7 +16584,7 @@
         </p:nvSpPr>
         <p:spPr>
           <a:xfrm>
-            <a:off x="6786916" y="3817256"/>
+            <a:off x="730275" y="2571203"/>
             <a:ext cx="3295183" cy="698660"/>
           </a:xfrm>
           <a:prstGeom prst="rect">
@@ -15786,7 +16634,7 @@
         </p:nvSpPr>
         <p:spPr>
           <a:xfrm>
-            <a:off x="6780291" y="4661970"/>
+            <a:off x="723650" y="3415917"/>
             <a:ext cx="3295183" cy="698660"/>
           </a:xfrm>
           <a:prstGeom prst="rect">
@@ -15830,14 +16678,14 @@
       </p:sp>
       <p:sp>
         <p:nvSpPr>
-          <p:cNvPr id="12" name="Rectangle 11"/>
+          <p:cNvPr id="27" name="Rectangle 26"/>
           <p:cNvSpPr/>
           <p:nvPr/>
         </p:nvSpPr>
         <p:spPr>
           <a:xfrm>
-            <a:off x="2729364" y="1828801"/>
-            <a:ext cx="3659396" cy="3710955"/>
+            <a:off x="5597249" y="1112735"/>
+            <a:ext cx="3659396" cy="3180969"/>
           </a:xfrm>
           <a:prstGeom prst="rect">
             <a:avLst/>
@@ -15869,22 +16717,254 @@
             <a:pPr algn="ctr"/>
             <a:r>
               <a:rPr lang="en-US" sz="3200" dirty="0" err="1" smtClean="0"/>
-              <a:t>HostelMap</a:t>
+              <a:t>HostelList</a:t>
             </a:r>
             <a:endParaRPr lang="en-US" sz="3200" dirty="0"/>
+          </a:p>
+        </p:txBody>
+      </p:sp>
+      <p:sp>
+        <p:nvSpPr>
+          <p:cNvPr id="28" name="Rectangle 27"/>
+          <p:cNvSpPr/>
+          <p:nvPr/>
+        </p:nvSpPr>
+        <p:spPr>
+          <a:xfrm>
+            <a:off x="5802433" y="1726489"/>
+            <a:ext cx="3295183" cy="698660"/>
+          </a:xfrm>
+          <a:prstGeom prst="rect">
+            <a:avLst/>
+          </a:prstGeom>
+          <a:solidFill>
+            <a:srgbClr val="00A44D"/>
+          </a:solidFill>
+          <a:ln>
+            <a:noFill/>
+          </a:ln>
+        </p:spPr>
+        <p:style>
+          <a:lnRef idx="2">
+            <a:schemeClr val="accent4">
+              <a:shade val="50000"/>
+            </a:schemeClr>
+          </a:lnRef>
+          <a:fillRef idx="1">
+            <a:schemeClr val="accent4"/>
+          </a:fillRef>
+          <a:effectRef idx="0">
+            <a:schemeClr val="accent4"/>
+          </a:effectRef>
+          <a:fontRef idx="minor">
+            <a:schemeClr val="lt1"/>
+          </a:fontRef>
+        </p:style>
+        <p:txBody>
+          <a:bodyPr rtlCol="0" anchor="ctr"/>
+          <a:lstStyle/>
+          <a:p>
+            <a:pPr algn="ctr"/>
+            <a:r>
+              <a:rPr lang="en-US" sz="2000" dirty="0" err="1"/>
+              <a:t>HostelListItem</a:t>
+            </a:r>
+            <a:endParaRPr lang="en-US" sz="2000" dirty="0"/>
+          </a:p>
+        </p:txBody>
+      </p:sp>
+      <p:sp>
+        <p:nvSpPr>
+          <p:cNvPr id="29" name="Rectangle 28"/>
+          <p:cNvSpPr/>
+          <p:nvPr/>
+        </p:nvSpPr>
+        <p:spPr>
+          <a:xfrm>
+            <a:off x="5785980" y="2571203"/>
+            <a:ext cx="3295183" cy="698660"/>
+          </a:xfrm>
+          <a:prstGeom prst="rect">
+            <a:avLst/>
+          </a:prstGeom>
+          <a:solidFill>
+            <a:srgbClr val="00A44D"/>
+          </a:solidFill>
+          <a:ln>
+            <a:noFill/>
+          </a:ln>
+        </p:spPr>
+        <p:style>
+          <a:lnRef idx="2">
+            <a:schemeClr val="accent4">
+              <a:shade val="50000"/>
+            </a:schemeClr>
+          </a:lnRef>
+          <a:fillRef idx="1">
+            <a:schemeClr val="accent4"/>
+          </a:fillRef>
+          <a:effectRef idx="0">
+            <a:schemeClr val="accent4"/>
+          </a:effectRef>
+          <a:fontRef idx="minor">
+            <a:schemeClr val="lt1"/>
+          </a:fontRef>
+        </p:style>
+        <p:txBody>
+          <a:bodyPr rtlCol="0" anchor="ctr"/>
+          <a:lstStyle/>
+          <a:p>
+            <a:pPr algn="ctr"/>
+            <a:r>
+              <a:rPr lang="en-US" sz="2000" dirty="0" err="1"/>
+              <a:t>HostelListItem</a:t>
+            </a:r>
+            <a:endParaRPr lang="en-US" sz="2000" dirty="0"/>
+          </a:p>
+        </p:txBody>
+      </p:sp>
+      <p:sp>
+        <p:nvSpPr>
+          <p:cNvPr id="30" name="Rectangle 29"/>
+          <p:cNvSpPr/>
+          <p:nvPr/>
+        </p:nvSpPr>
+        <p:spPr>
+          <a:xfrm>
+            <a:off x="5779355" y="3415917"/>
+            <a:ext cx="3295183" cy="698660"/>
+          </a:xfrm>
+          <a:prstGeom prst="rect">
+            <a:avLst/>
+          </a:prstGeom>
+          <a:solidFill>
+            <a:srgbClr val="00A44D"/>
+          </a:solidFill>
+          <a:ln>
+            <a:noFill/>
+          </a:ln>
+        </p:spPr>
+        <p:style>
+          <a:lnRef idx="2">
+            <a:schemeClr val="accent4">
+              <a:shade val="50000"/>
+            </a:schemeClr>
+          </a:lnRef>
+          <a:fillRef idx="1">
+            <a:schemeClr val="accent4"/>
+          </a:fillRef>
+          <a:effectRef idx="0">
+            <a:schemeClr val="accent4"/>
+          </a:effectRef>
+          <a:fontRef idx="minor">
+            <a:schemeClr val="lt1"/>
+          </a:fontRef>
+        </p:style>
+        <p:txBody>
+          <a:bodyPr rtlCol="0" anchor="ctr"/>
+          <a:lstStyle/>
+          <a:p>
+            <a:pPr algn="ctr"/>
+            <a:r>
+              <a:rPr lang="mr-IN" sz="2000" dirty="0" smtClean="0"/>
+              <a:t>…</a:t>
+            </a:r>
+            <a:endParaRPr lang="en-US" sz="2000" dirty="0"/>
+          </a:p>
+        </p:txBody>
+      </p:sp>
+      <p:cxnSp>
+        <p:nvCxnSpPr>
+          <p:cNvPr id="31" name="Elbow Connector 30"/>
+          <p:cNvCxnSpPr>
+            <a:endCxn id="29" idx="3"/>
+          </p:cNvCxnSpPr>
+          <p:nvPr/>
+        </p:nvCxnSpPr>
+        <p:spPr>
+          <a:xfrm rot="16200000" flipH="1">
+            <a:off x="8009341" y="1848710"/>
+            <a:ext cx="1500921" cy="642724"/>
+          </a:xfrm>
+          <a:prstGeom prst="bentConnector4">
+            <a:avLst>
+              <a:gd name="adj1" fmla="val 1279"/>
+              <a:gd name="adj2" fmla="val 205671"/>
+            </a:avLst>
+          </a:prstGeom>
+          <a:ln w="38100">
+            <a:solidFill>
+              <a:schemeClr val="bg1">
+                <a:lumMod val="50000"/>
+              </a:schemeClr>
+            </a:solidFill>
+            <a:prstDash val="dash"/>
+            <a:headEnd type="arrow" w="med" len="med"/>
+            <a:tailEnd type="none" w="med" len="med"/>
+          </a:ln>
+        </p:spPr>
+        <p:style>
+          <a:lnRef idx="1">
+            <a:schemeClr val="accent1"/>
+          </a:lnRef>
+          <a:fillRef idx="0">
+            <a:schemeClr val="accent1"/>
+          </a:fillRef>
+          <a:effectRef idx="0">
+            <a:schemeClr val="accent1"/>
+          </a:effectRef>
+          <a:fontRef idx="minor">
+            <a:schemeClr val="tx1"/>
+          </a:fontRef>
+        </p:style>
+      </p:cxnSp>
+      <p:sp>
+        <p:nvSpPr>
+          <p:cNvPr id="53" name="TextBox 52"/>
+          <p:cNvSpPr txBox="1"/>
+          <p:nvPr/>
+        </p:nvSpPr>
+        <p:spPr>
+          <a:xfrm>
+            <a:off x="9740347" y="2075819"/>
+            <a:ext cx="415498" cy="369332"/>
+          </a:xfrm>
+          <a:prstGeom prst="rect">
+            <a:avLst/>
+          </a:prstGeom>
+          <a:noFill/>
+        </p:spPr>
+        <p:txBody>
+          <a:bodyPr wrap="none" rtlCol="0">
+            <a:spAutoFit/>
+          </a:bodyPr>
+          <a:lstStyle/>
+          <a:p>
+            <a:r>
+              <a:rPr lang="en-US" dirty="0" smtClean="0"/>
+              <a:t>❤️</a:t>
+            </a:r>
+            <a:endParaRPr lang="en-US" dirty="0"/>
           </a:p>
         </p:txBody>
       </p:sp>
     </p:spTree>
     <p:extLst>
       <p:ext uri="{BB962C8B-B14F-4D97-AF65-F5344CB8AC3E}">
-        <p14:creationId xmlns:p14="http://schemas.microsoft.com/office/powerpoint/2010/main" val="498230863"/>
+        <p14:creationId xmlns:p14="http://schemas.microsoft.com/office/powerpoint/2010/main" val="85593840"/>
       </p:ext>
     </p:extLst>
   </p:cSld>
   <p:clrMapOvr>
     <a:masterClrMapping/>
   </p:clrMapOvr>
+  <p:timing>
+    <p:tnLst>
+      <p:par>
+        <p:cTn id="1" dur="indefinite" restart="never" nodeType="tmRoot"/>
+      </p:par>
+    </p:tnLst>
+  </p:timing>
 </p:sld>
 </file>
 
@@ -15951,13 +17031,6 @@
               <a:rPr lang="en-US" sz="3200" dirty="0" smtClean="0"/>
               <a:t>APP</a:t>
             </a:r>
-            <a:br>
-              <a:rPr lang="en-US" sz="3200" dirty="0" smtClean="0"/>
-            </a:br>
-            <a:r>
-              <a:rPr lang="en-US" sz="3200" dirty="0" smtClean="0"/>
-              <a:t>+ filter form</a:t>
-            </a:r>
             <a:endParaRPr lang="en-US" sz="3200" dirty="0"/>
           </a:p>
         </p:txBody>
@@ -15970,8 +17043,8 @@
         </p:nvSpPr>
         <p:spPr>
           <a:xfrm>
-            <a:off x="6598184" y="2305877"/>
-            <a:ext cx="3659396" cy="3233879"/>
+            <a:off x="6598184" y="1828801"/>
+            <a:ext cx="3659396" cy="3710956"/>
           </a:xfrm>
           <a:prstGeom prst="rect">
             <a:avLst/>
@@ -16002,8 +17075,19 @@
           <a:p>
             <a:pPr algn="ctr"/>
             <a:r>
-              <a:rPr lang="en-US" sz="3200" smtClean="0"/>
+              <a:rPr lang="en-US" sz="3200" dirty="0" err="1" smtClean="0"/>
               <a:t>HostelList</a:t>
+            </a:r>
+            <a:r>
+              <a:rPr lang="en-US" sz="3200" dirty="0" smtClean="0"/>
+              <a:t/>
+            </a:r>
+            <a:br>
+              <a:rPr lang="en-US" sz="3200" dirty="0" smtClean="0"/>
+            </a:br>
+            <a:r>
+              <a:rPr lang="en-US" sz="3200" dirty="0" smtClean="0"/>
+              <a:t>(+ filter form)</a:t>
             </a:r>
             <a:endParaRPr lang="en-US" sz="3200" dirty="0"/>
           </a:p>
@@ -16167,8 +17251,8 @@
         </p:nvSpPr>
         <p:spPr>
           <a:xfrm>
-            <a:off x="2729364" y="2305877"/>
-            <a:ext cx="3659396" cy="3233879"/>
+            <a:off x="2729364" y="1828801"/>
+            <a:ext cx="3659396" cy="3710955"/>
           </a:xfrm>
           <a:prstGeom prst="rect">
             <a:avLst/>
@@ -16209,7 +17293,7 @@
     </p:spTree>
     <p:extLst>
       <p:ext uri="{BB962C8B-B14F-4D97-AF65-F5344CB8AC3E}">
-        <p14:creationId xmlns:p14="http://schemas.microsoft.com/office/powerpoint/2010/main" val="1294256187"/>
+        <p14:creationId xmlns:p14="http://schemas.microsoft.com/office/powerpoint/2010/main" val="498230863"/>
       </p:ext>
     </p:extLst>
   </p:cSld>
@@ -16244,8 +17328,8 @@
         </p:nvSpPr>
         <p:spPr>
           <a:xfrm>
-            <a:off x="278296" y="1378226"/>
-            <a:ext cx="4108174" cy="3313044"/>
+            <a:off x="2519937" y="1007165"/>
+            <a:ext cx="7962533" cy="4823792"/>
           </a:xfrm>
           <a:prstGeom prst="rect">
             <a:avLst/>
@@ -16282,6 +17366,13 @@
               <a:rPr lang="en-US" sz="3200" dirty="0" smtClean="0"/>
               <a:t>APP</a:t>
             </a:r>
+            <a:br>
+              <a:rPr lang="en-US" sz="3200" dirty="0" smtClean="0"/>
+            </a:br>
+            <a:r>
+              <a:rPr lang="en-US" sz="3200" dirty="0" smtClean="0"/>
+              <a:t>+ filter form</a:t>
+            </a:r>
             <a:endParaRPr lang="en-US" sz="3200" dirty="0"/>
           </a:p>
         </p:txBody>
@@ -16294,8 +17385,8 @@
         </p:nvSpPr>
         <p:spPr>
           <a:xfrm>
-            <a:off x="502184" y="2067338"/>
-            <a:ext cx="3659396" cy="2425149"/>
+            <a:off x="6598184" y="2305877"/>
+            <a:ext cx="3659396" cy="3233879"/>
           </a:xfrm>
           <a:prstGeom prst="rect">
             <a:avLst/>
@@ -16341,7 +17432,7 @@
         </p:nvSpPr>
         <p:spPr>
           <a:xfrm>
-            <a:off x="707369" y="2734003"/>
+            <a:off x="6803369" y="2972542"/>
             <a:ext cx="3295183" cy="698660"/>
           </a:xfrm>
           <a:prstGeom prst="rect">
@@ -16391,7 +17482,7 @@
         </p:nvSpPr>
         <p:spPr>
           <a:xfrm>
-            <a:off x="690916" y="3578717"/>
+            <a:off x="6786916" y="3817256"/>
             <a:ext cx="3295183" cy="698660"/>
           </a:xfrm>
           <a:prstGeom prst="rect">
@@ -16426,8 +17517,8 @@
           <a:p>
             <a:pPr algn="ctr"/>
             <a:r>
-              <a:rPr lang="mr-IN" sz="2000" dirty="0" smtClean="0"/>
-              <a:t>…</a:t>
+              <a:rPr lang="en-US" sz="2000" dirty="0" err="1"/>
+              <a:t>HostelListItem</a:t>
             </a:r>
             <a:endParaRPr lang="en-US" sz="2000" dirty="0"/>
           </a:p>
@@ -16435,86 +17526,20 @@
       </p:sp>
       <p:sp>
         <p:nvSpPr>
-          <p:cNvPr id="9" name="TextBox 8"/>
-          <p:cNvSpPr txBox="1"/>
-          <p:nvPr/>
-        </p:nvSpPr>
-        <p:spPr>
-          <a:xfrm>
-            <a:off x="4887022" y="2549337"/>
-            <a:ext cx="415498" cy="369332"/>
+          <p:cNvPr id="26" name="Rectangle 25"/>
+          <p:cNvSpPr/>
+          <p:nvPr/>
+        </p:nvSpPr>
+        <p:spPr>
+          <a:xfrm>
+            <a:off x="6780291" y="4661970"/>
+            <a:ext cx="3295183" cy="698660"/>
           </a:xfrm>
           <a:prstGeom prst="rect">
             <a:avLst/>
           </a:prstGeom>
-          <a:noFill/>
-        </p:spPr>
-        <p:txBody>
-          <a:bodyPr wrap="square" rtlCol="0">
-            <a:spAutoFit/>
-          </a:bodyPr>
-          <a:lstStyle/>
-          <a:p>
-            <a:r>
-              <a:rPr lang="en-US" dirty="0" smtClean="0"/>
-              <a:t>❤️</a:t>
-            </a:r>
-            <a:endParaRPr lang="en-US" dirty="0"/>
-          </a:p>
-        </p:txBody>
-      </p:sp>
-      <p:sp>
-        <p:nvSpPr>
-          <p:cNvPr id="31" name="TextBox 30"/>
-          <p:cNvSpPr txBox="1"/>
-          <p:nvPr/>
-        </p:nvSpPr>
-        <p:spPr>
-          <a:xfrm>
-            <a:off x="5032798" y="1756408"/>
-            <a:ext cx="415498" cy="369332"/>
-          </a:xfrm>
-          <a:prstGeom prst="rect">
-            <a:avLst/>
-          </a:prstGeom>
-          <a:noFill/>
-        </p:spPr>
-        <p:txBody>
-          <a:bodyPr wrap="square" rtlCol="0">
-            <a:spAutoFit/>
-          </a:bodyPr>
-          <a:lstStyle/>
-          <a:p>
-            <a:r>
-              <a:rPr lang="en-US" dirty="0" smtClean="0"/>
-              <a:t>❤️</a:t>
-            </a:r>
-            <a:endParaRPr lang="en-US" dirty="0"/>
-          </a:p>
-        </p:txBody>
-      </p:sp>
-      <p:sp>
-        <p:nvSpPr>
-          <p:cNvPr id="32" name="U-Turn Arrow 31"/>
-          <p:cNvSpPr/>
-          <p:nvPr/>
-        </p:nvSpPr>
-        <p:spPr>
-          <a:xfrm rot="5400000" flipH="1">
-            <a:off x="4148626" y="2296728"/>
-            <a:ext cx="592322" cy="884470"/>
-          </a:xfrm>
-          <a:prstGeom prst="uturnArrow">
-            <a:avLst>
-              <a:gd name="adj1" fmla="val 18725"/>
-              <a:gd name="adj2" fmla="val 17810"/>
-              <a:gd name="adj3" fmla="val 25000"/>
-              <a:gd name="adj4" fmla="val 46610"/>
-              <a:gd name="adj5" fmla="val 80994"/>
-            </a:avLst>
-          </a:prstGeom>
           <a:solidFill>
-            <a:schemeClr val="accent3"/>
+            <a:srgbClr val="00A44D"/>
           </a:solidFill>
           <a:ln>
             <a:noFill/>
@@ -16522,15 +17547,15 @@
         </p:spPr>
         <p:style>
           <a:lnRef idx="2">
-            <a:schemeClr val="accent1">
+            <a:schemeClr val="accent4">
               <a:shade val="50000"/>
             </a:schemeClr>
           </a:lnRef>
           <a:fillRef idx="1">
-            <a:schemeClr val="accent1"/>
-          </a:fillRef>
-          <a:effectRef idx="0">
-            <a:schemeClr val="accent1"/>
+            <a:schemeClr val="accent4"/>
+          </a:fillRef>
+          <a:effectRef idx="0">
+            <a:schemeClr val="accent4"/>
           </a:effectRef>
           <a:fontRef idx="minor">
             <a:schemeClr val="lt1"/>
@@ -16541,74 +17566,65 @@
           <a:lstStyle/>
           <a:p>
             <a:pPr algn="ctr"/>
-            <a:endParaRPr lang="en-US">
-              <a:solidFill>
-                <a:schemeClr val="tx1"/>
-              </a:solidFill>
-            </a:endParaRPr>
-          </a:p>
-        </p:txBody>
-      </p:sp>
-      <p:sp>
-        <p:nvSpPr>
-          <p:cNvPr id="33" name="U-Turn Arrow 32"/>
+            <a:r>
+              <a:rPr lang="mr-IN" sz="2000" dirty="0" smtClean="0"/>
+              <a:t>…</a:t>
+            </a:r>
+            <a:endParaRPr lang="en-US" sz="2000" dirty="0"/>
+          </a:p>
+        </p:txBody>
+      </p:sp>
+      <p:sp>
+        <p:nvSpPr>
+          <p:cNvPr id="12" name="Rectangle 11"/>
           <p:cNvSpPr/>
           <p:nvPr/>
         </p:nvSpPr>
         <p:spPr>
-          <a:xfrm rot="5400000" flipH="1">
-            <a:off x="4294402" y="1498839"/>
-            <a:ext cx="592322" cy="884470"/>
-          </a:xfrm>
-          <a:prstGeom prst="uturnArrow">
-            <a:avLst>
-              <a:gd name="adj1" fmla="val 18725"/>
-              <a:gd name="adj2" fmla="val 17810"/>
-              <a:gd name="adj3" fmla="val 25000"/>
-              <a:gd name="adj4" fmla="val 46610"/>
-              <a:gd name="adj5" fmla="val 80994"/>
-            </a:avLst>
-          </a:prstGeom>
-          <a:solidFill>
-            <a:schemeClr val="accent3"/>
-          </a:solidFill>
+          <a:xfrm>
+            <a:off x="2729364" y="2305877"/>
+            <a:ext cx="3659396" cy="3233879"/>
+          </a:xfrm>
+          <a:prstGeom prst="rect">
+            <a:avLst/>
+          </a:prstGeom>
           <a:ln>
             <a:noFill/>
           </a:ln>
         </p:spPr>
         <p:style>
           <a:lnRef idx="2">
-            <a:schemeClr val="accent1">
+            <a:schemeClr val="accent4">
               <a:shade val="50000"/>
             </a:schemeClr>
           </a:lnRef>
           <a:fillRef idx="1">
-            <a:schemeClr val="accent1"/>
-          </a:fillRef>
-          <a:effectRef idx="0">
-            <a:schemeClr val="accent1"/>
+            <a:schemeClr val="accent4"/>
+          </a:fillRef>
+          <a:effectRef idx="0">
+            <a:schemeClr val="accent4"/>
           </a:effectRef>
           <a:fontRef idx="minor">
             <a:schemeClr val="lt1"/>
           </a:fontRef>
         </p:style>
         <p:txBody>
-          <a:bodyPr rtlCol="0" anchor="ctr"/>
+          <a:bodyPr rtlCol="0" anchor="t"/>
           <a:lstStyle/>
           <a:p>
             <a:pPr algn="ctr"/>
-            <a:endParaRPr lang="en-US">
-              <a:solidFill>
-                <a:schemeClr val="tx1"/>
-              </a:solidFill>
-            </a:endParaRPr>
+            <a:r>
+              <a:rPr lang="en-US" sz="3200" dirty="0" err="1" smtClean="0"/>
+              <a:t>HostelMap</a:t>
+            </a:r>
+            <a:endParaRPr lang="en-US" sz="3200" dirty="0"/>
           </a:p>
         </p:txBody>
       </p:sp>
     </p:spTree>
     <p:extLst>
       <p:ext uri="{BB962C8B-B14F-4D97-AF65-F5344CB8AC3E}">
-        <p14:creationId xmlns:p14="http://schemas.microsoft.com/office/powerpoint/2010/main" val="565262619"/>
+        <p14:creationId xmlns:p14="http://schemas.microsoft.com/office/powerpoint/2010/main" val="1294256187"/>
       </p:ext>
     </p:extLst>
   </p:cSld>
@@ -16621,14 +17637,6 @@
 <file path=ppt/slides/slide9.xml><?xml version="1.0" encoding="utf-8"?>
 <p:sld xmlns:a="http://schemas.openxmlformats.org/drawingml/2006/main" xmlns:r="http://schemas.openxmlformats.org/officeDocument/2006/relationships" xmlns:p="http://schemas.openxmlformats.org/presentationml/2006/main">
   <p:cSld>
-    <p:bg>
-      <p:bgPr>
-        <a:solidFill>
-          <a:srgbClr val="7030A0"/>
-        </a:solidFill>
-        <a:effectLst/>
-      </p:bgPr>
-    </p:bg>
     <p:spTree>
       <p:nvGrpSpPr>
         <p:cNvPr id="1" name=""/>
@@ -16645,18 +17653,21 @@
       </p:grpSpPr>
       <p:sp>
         <p:nvSpPr>
-          <p:cNvPr id="2" name="Rectangle 1"/>
+          <p:cNvPr id="27" name="Rectangle 26"/>
           <p:cNvSpPr/>
           <p:nvPr/>
         </p:nvSpPr>
         <p:spPr>
           <a:xfrm>
-            <a:off x="1555109" y="2714495"/>
-            <a:ext cx="1943461" cy="1039903"/>
+            <a:off x="278296" y="1378226"/>
+            <a:ext cx="4108174" cy="3313044"/>
           </a:xfrm>
           <a:prstGeom prst="rect">
             <a:avLst/>
           </a:prstGeom>
+          <a:solidFill>
+            <a:srgbClr val="7030A0"/>
+          </a:solidFill>
           <a:ln>
             <a:noFill/>
           </a:ln>
@@ -16678,39 +17689,75 @@
           </a:fontRef>
         </p:style>
         <p:txBody>
-          <a:bodyPr rtlCol="0" anchor="ctr"/>
+          <a:bodyPr rtlCol="0" anchor="t"/>
           <a:lstStyle/>
           <a:p>
             <a:pPr algn="ctr"/>
             <a:r>
-              <a:rPr lang="en-US" sz="2000" dirty="0" smtClean="0"/>
-              <a:t>Store action:</a:t>
-            </a:r>
-            <a:br>
-              <a:rPr lang="en-US" sz="2000" dirty="0" smtClean="0"/>
-            </a:br>
-            <a:r>
-              <a:rPr lang="en-US" sz="1400" dirty="0" err="1" smtClean="0"/>
-              <a:t>addToSelection</a:t>
-            </a:r>
-            <a:r>
-              <a:rPr lang="en-US" sz="1400" dirty="0" smtClean="0"/>
-              <a:t>()</a:t>
-            </a:r>
-            <a:endParaRPr lang="en-US" sz="1400" dirty="0"/>
-          </a:p>
-        </p:txBody>
-      </p:sp>
-      <p:sp>
-        <p:nvSpPr>
-          <p:cNvPr id="12" name="Rectangle 11"/>
+              <a:rPr lang="en-US" sz="3200" dirty="0" smtClean="0"/>
+              <a:t>APP</a:t>
+            </a:r>
+            <a:endParaRPr lang="en-US" sz="3200" dirty="0"/>
+          </a:p>
+        </p:txBody>
+      </p:sp>
+      <p:sp>
+        <p:nvSpPr>
+          <p:cNvPr id="2" name="Rectangle 1"/>
           <p:cNvSpPr/>
           <p:nvPr/>
         </p:nvSpPr>
         <p:spPr>
           <a:xfrm>
-            <a:off x="6286139" y="3421641"/>
-            <a:ext cx="2447043" cy="1039903"/>
+            <a:off x="502184" y="2067338"/>
+            <a:ext cx="3659396" cy="2425149"/>
+          </a:xfrm>
+          <a:prstGeom prst="rect">
+            <a:avLst/>
+          </a:prstGeom>
+          <a:ln>
+            <a:noFill/>
+          </a:ln>
+        </p:spPr>
+        <p:style>
+          <a:lnRef idx="2">
+            <a:schemeClr val="accent4">
+              <a:shade val="50000"/>
+            </a:schemeClr>
+          </a:lnRef>
+          <a:fillRef idx="1">
+            <a:schemeClr val="accent4"/>
+          </a:fillRef>
+          <a:effectRef idx="0">
+            <a:schemeClr val="accent4"/>
+          </a:effectRef>
+          <a:fontRef idx="minor">
+            <a:schemeClr val="lt1"/>
+          </a:fontRef>
+        </p:style>
+        <p:txBody>
+          <a:bodyPr rtlCol="0" anchor="t"/>
+          <a:lstStyle/>
+          <a:p>
+            <a:pPr algn="ctr"/>
+            <a:r>
+              <a:rPr lang="en-US" sz="3200" smtClean="0"/>
+              <a:t>HostelList</a:t>
+            </a:r>
+            <a:endParaRPr lang="en-US" sz="3200" dirty="0"/>
+          </a:p>
+        </p:txBody>
+      </p:sp>
+      <p:sp>
+        <p:nvSpPr>
+          <p:cNvPr id="13" name="Rectangle 12"/>
+          <p:cNvSpPr/>
+          <p:nvPr/>
+        </p:nvSpPr>
+        <p:spPr>
+          <a:xfrm>
+            <a:off x="707369" y="2734003"/>
+            <a:ext cx="3295183" cy="698660"/>
           </a:xfrm>
           <a:prstGeom prst="rect">
             <a:avLst/>
@@ -16744,42 +17791,23 @@
           <a:p>
             <a:pPr algn="ctr"/>
             <a:r>
-              <a:rPr lang="en-US" dirty="0"/>
-              <a:t>Module/</a:t>
-            </a:r>
-            <a:r>
-              <a:rPr lang="en-US" dirty="0" err="1"/>
-              <a:t>HostelSelection</a:t>
-            </a:r>
-            <a:r>
-              <a:rPr lang="en-US" sz="2000" dirty="0"/>
-              <a:t/>
-            </a:r>
-            <a:br>
-              <a:rPr lang="en-US" sz="2000" dirty="0"/>
-            </a:br>
-            <a:r>
-              <a:rPr lang="en-US" sz="1400" dirty="0"/>
-              <a:t> mutation: </a:t>
-            </a:r>
-            <a:r>
-              <a:rPr lang="en-US" sz="1400" dirty="0" err="1"/>
-              <a:t>addToSelection</a:t>
-            </a:r>
-            <a:endParaRPr lang="en-US" sz="1400" dirty="0"/>
-          </a:p>
-        </p:txBody>
-      </p:sp>
-      <p:sp>
-        <p:nvSpPr>
-          <p:cNvPr id="13" name="Rectangle 12"/>
+              <a:rPr lang="en-US" sz="2000" dirty="0" err="1"/>
+              <a:t>HostelListItem</a:t>
+            </a:r>
+            <a:endParaRPr lang="en-US" sz="2000" dirty="0"/>
+          </a:p>
+        </p:txBody>
+      </p:sp>
+      <p:sp>
+        <p:nvSpPr>
+          <p:cNvPr id="25" name="Rectangle 24"/>
           <p:cNvSpPr/>
           <p:nvPr/>
         </p:nvSpPr>
         <p:spPr>
           <a:xfrm>
-            <a:off x="6286138" y="1919365"/>
-            <a:ext cx="2447043" cy="1039903"/>
+            <a:off x="690916" y="3578717"/>
+            <a:ext cx="3295183" cy="698660"/>
           </a:xfrm>
           <a:prstGeom prst="rect">
             <a:avLst/>
@@ -16813,156 +17841,95 @@
           <a:p>
             <a:pPr algn="ctr"/>
             <a:r>
+              <a:rPr lang="mr-IN" sz="2000" dirty="0" smtClean="0"/>
+              <a:t>…</a:t>
+            </a:r>
+            <a:endParaRPr lang="en-US" sz="2000" dirty="0"/>
+          </a:p>
+        </p:txBody>
+      </p:sp>
+      <p:sp>
+        <p:nvSpPr>
+          <p:cNvPr id="9" name="TextBox 8"/>
+          <p:cNvSpPr txBox="1"/>
+          <p:nvPr/>
+        </p:nvSpPr>
+        <p:spPr>
+          <a:xfrm>
+            <a:off x="4887022" y="2549337"/>
+            <a:ext cx="415498" cy="369332"/>
+          </a:xfrm>
+          <a:prstGeom prst="rect">
+            <a:avLst/>
+          </a:prstGeom>
+          <a:noFill/>
+        </p:spPr>
+        <p:txBody>
+          <a:bodyPr wrap="square" rtlCol="0">
+            <a:spAutoFit/>
+          </a:bodyPr>
+          <a:lstStyle/>
+          <a:p>
+            <a:r>
               <a:rPr lang="en-US" dirty="0" smtClean="0"/>
-              <a:t>Module/</a:t>
-            </a:r>
-            <a:r>
-              <a:rPr lang="en-US" dirty="0" err="1" smtClean="0"/>
-              <a:t>HostelList</a:t>
-            </a:r>
-            <a:r>
-              <a:rPr lang="en-US" sz="2000" dirty="0" smtClean="0"/>
-              <a:t/>
-            </a:r>
-            <a:br>
-              <a:rPr lang="en-US" sz="2000" dirty="0" smtClean="0"/>
-            </a:br>
-            <a:r>
-              <a:rPr lang="en-US" sz="1400" dirty="0" smtClean="0"/>
-              <a:t>mutation: </a:t>
-            </a:r>
-            <a:r>
-              <a:rPr lang="en-US" sz="1400" dirty="0" err="1" smtClean="0"/>
-              <a:t>addToSelection</a:t>
-            </a:r>
-            <a:endParaRPr lang="en-US" sz="2000" dirty="0"/>
-          </a:p>
-        </p:txBody>
-      </p:sp>
-      <p:cxnSp>
-        <p:nvCxnSpPr>
-          <p:cNvPr id="17" name="Straight Arrow Connector 16"/>
-          <p:cNvCxnSpPr>
-            <a:stCxn id="25" idx="6"/>
-            <a:endCxn id="12" idx="1"/>
-          </p:cNvCxnSpPr>
-          <p:nvPr/>
-        </p:nvCxnSpPr>
-        <p:spPr>
-          <a:xfrm>
-            <a:off x="5369432" y="3224312"/>
-            <a:ext cx="916707" cy="717281"/>
-          </a:xfrm>
-          <a:prstGeom prst="straightConnector1">
-            <a:avLst/>
-          </a:prstGeom>
-          <a:ln w="76200">
-            <a:tailEnd type="triangle"/>
-          </a:ln>
-        </p:spPr>
-        <p:style>
-          <a:lnRef idx="1">
+              <a:t>❤️</a:t>
+            </a:r>
+            <a:endParaRPr lang="en-US" dirty="0"/>
+          </a:p>
+        </p:txBody>
+      </p:sp>
+      <p:sp>
+        <p:nvSpPr>
+          <p:cNvPr id="31" name="TextBox 30"/>
+          <p:cNvSpPr txBox="1"/>
+          <p:nvPr/>
+        </p:nvSpPr>
+        <p:spPr>
+          <a:xfrm>
+            <a:off x="5032798" y="1756408"/>
+            <a:ext cx="415498" cy="369332"/>
+          </a:xfrm>
+          <a:prstGeom prst="rect">
+            <a:avLst/>
+          </a:prstGeom>
+          <a:noFill/>
+        </p:spPr>
+        <p:txBody>
+          <a:bodyPr wrap="square" rtlCol="0">
+            <a:spAutoFit/>
+          </a:bodyPr>
+          <a:lstStyle/>
+          <a:p>
+            <a:r>
+              <a:rPr lang="en-US" dirty="0" smtClean="0"/>
+              <a:t>❤️</a:t>
+            </a:r>
+            <a:endParaRPr lang="en-US" dirty="0"/>
+          </a:p>
+        </p:txBody>
+      </p:sp>
+      <p:sp>
+        <p:nvSpPr>
+          <p:cNvPr id="32" name="U-Turn Arrow 31"/>
+          <p:cNvSpPr/>
+          <p:nvPr/>
+        </p:nvSpPr>
+        <p:spPr>
+          <a:xfrm rot="5400000" flipH="1">
+            <a:off x="4148626" y="2296728"/>
+            <a:ext cx="592322" cy="884470"/>
+          </a:xfrm>
+          <a:prstGeom prst="uturnArrow">
+            <a:avLst>
+              <a:gd name="adj1" fmla="val 18725"/>
+              <a:gd name="adj2" fmla="val 17810"/>
+              <a:gd name="adj3" fmla="val 25000"/>
+              <a:gd name="adj4" fmla="val 46610"/>
+              <a:gd name="adj5" fmla="val 80994"/>
+            </a:avLst>
+          </a:prstGeom>
+          <a:solidFill>
             <a:schemeClr val="accent3"/>
-          </a:lnRef>
-          <a:fillRef idx="0">
-            <a:schemeClr val="accent3"/>
-          </a:fillRef>
-          <a:effectRef idx="0">
-            <a:schemeClr val="accent3"/>
-          </a:effectRef>
-          <a:fontRef idx="minor">
-            <a:schemeClr val="tx1"/>
-          </a:fontRef>
-        </p:style>
-      </p:cxnSp>
-      <p:cxnSp>
-        <p:nvCxnSpPr>
-          <p:cNvPr id="21" name="Straight Arrow Connector 20"/>
-          <p:cNvCxnSpPr>
-            <a:stCxn id="25" idx="6"/>
-            <a:endCxn id="13" idx="1"/>
-          </p:cNvCxnSpPr>
-          <p:nvPr/>
-        </p:nvCxnSpPr>
-        <p:spPr>
-          <a:xfrm flipV="1">
-            <a:off x="5369432" y="2439317"/>
-            <a:ext cx="916706" cy="784995"/>
-          </a:xfrm>
-          <a:prstGeom prst="straightConnector1">
-            <a:avLst/>
-          </a:prstGeom>
-          <a:ln w="76200">
-            <a:tailEnd type="triangle"/>
-          </a:ln>
-        </p:spPr>
-        <p:style>
-          <a:lnRef idx="1">
-            <a:schemeClr val="accent3"/>
-          </a:lnRef>
-          <a:fillRef idx="0">
-            <a:schemeClr val="accent3"/>
-          </a:fillRef>
-          <a:effectRef idx="0">
-            <a:schemeClr val="accent3"/>
-          </a:effectRef>
-          <a:fontRef idx="minor">
-            <a:schemeClr val="tx1"/>
-          </a:fontRef>
-        </p:style>
-      </p:cxnSp>
-      <p:cxnSp>
-        <p:nvCxnSpPr>
-          <p:cNvPr id="24" name="Straight Arrow Connector 23"/>
-          <p:cNvCxnSpPr>
-            <a:stCxn id="2" idx="3"/>
-            <a:endCxn id="25" idx="2"/>
-          </p:cNvCxnSpPr>
-          <p:nvPr/>
-        </p:nvCxnSpPr>
-        <p:spPr>
-          <a:xfrm flipV="1">
-            <a:off x="3498570" y="3224312"/>
-            <a:ext cx="810689" cy="10135"/>
-          </a:xfrm>
-          <a:prstGeom prst="straightConnector1">
-            <a:avLst/>
-          </a:prstGeom>
-          <a:ln w="76200">
-            <a:tailEnd type="triangle"/>
-          </a:ln>
-        </p:spPr>
-        <p:style>
-          <a:lnRef idx="1">
-            <a:schemeClr val="accent3"/>
-          </a:lnRef>
-          <a:fillRef idx="0">
-            <a:schemeClr val="accent3"/>
-          </a:fillRef>
-          <a:effectRef idx="0">
-            <a:schemeClr val="accent3"/>
-          </a:effectRef>
-          <a:fontRef idx="minor">
-            <a:schemeClr val="tx1"/>
-          </a:fontRef>
-        </p:style>
-      </p:cxnSp>
-      <p:sp>
-        <p:nvSpPr>
-          <p:cNvPr id="25" name="Oval 24"/>
-          <p:cNvSpPr/>
-          <p:nvPr/>
-        </p:nvSpPr>
-        <p:spPr>
-          <a:xfrm>
-            <a:off x="4309259" y="2694225"/>
-            <a:ext cx="1060173" cy="1060173"/>
-          </a:xfrm>
-          <a:prstGeom prst="ellipse">
-            <a:avLst/>
-          </a:prstGeom>
-          <a:solidFill>
-            <a:schemeClr val="accent2"/>
           </a:solidFill>
           <a:ln>
             <a:noFill/>
@@ -16989,199 +17956,74 @@
           <a:lstStyle/>
           <a:p>
             <a:pPr algn="ctr"/>
-            <a:r>
-              <a:rPr lang="en-US" sz="1400" dirty="0" smtClean="0"/>
-              <a:t>commit</a:t>
-            </a:r>
-            <a:endParaRPr lang="en-US" sz="1400" dirty="0"/>
-          </a:p>
-        </p:txBody>
-      </p:sp>
-      <p:cxnSp>
-        <p:nvCxnSpPr>
-          <p:cNvPr id="70" name="Straight Arrow Connector 69"/>
-          <p:cNvCxnSpPr/>
-          <p:nvPr/>
-        </p:nvCxnSpPr>
-        <p:spPr>
-          <a:xfrm flipV="1">
-            <a:off x="755374" y="3219244"/>
-            <a:ext cx="746728" cy="15203"/>
-          </a:xfrm>
-          <a:prstGeom prst="straightConnector1">
-            <a:avLst/>
-          </a:prstGeom>
-          <a:ln w="76200">
-            <a:tailEnd type="triangle"/>
-          </a:ln>
-        </p:spPr>
-        <p:style>
-          <a:lnRef idx="1">
-            <a:schemeClr val="accent3"/>
-          </a:lnRef>
-          <a:fillRef idx="0">
-            <a:schemeClr val="accent3"/>
-          </a:fillRef>
-          <a:effectRef idx="0">
-            <a:schemeClr val="accent3"/>
-          </a:effectRef>
-          <a:fontRef idx="minor">
-            <a:schemeClr val="tx1"/>
-          </a:fontRef>
-        </p:style>
-      </p:cxnSp>
-      <p:sp>
-        <p:nvSpPr>
-          <p:cNvPr id="7" name="TextBox 6"/>
-          <p:cNvSpPr txBox="1"/>
-          <p:nvPr/>
-        </p:nvSpPr>
-        <p:spPr>
-          <a:xfrm>
-            <a:off x="9439286" y="2254650"/>
-            <a:ext cx="1772921" cy="369332"/>
-          </a:xfrm>
-          <a:prstGeom prst="rect">
-            <a:avLst/>
-          </a:prstGeom>
-          <a:noFill/>
-        </p:spPr>
-        <p:txBody>
-          <a:bodyPr wrap="none" rtlCol="0">
-            <a:spAutoFit/>
-          </a:bodyPr>
-          <a:lstStyle/>
-          <a:p>
-            <a:r>
-              <a:rPr lang="en-US" dirty="0" smtClean="0">
-                <a:solidFill>
-                  <a:schemeClr val="bg1"/>
-                </a:solidFill>
-              </a:rPr>
-              <a:t>Remove from list</a:t>
-            </a:r>
-            <a:endParaRPr lang="en-US" dirty="0">
+            <a:endParaRPr lang="en-US">
               <a:solidFill>
-                <a:schemeClr val="bg1"/>
+                <a:schemeClr val="tx1"/>
               </a:solidFill>
             </a:endParaRPr>
           </a:p>
         </p:txBody>
       </p:sp>
-      <p:cxnSp>
-        <p:nvCxnSpPr>
-          <p:cNvPr id="15" name="Straight Arrow Connector 14"/>
-          <p:cNvCxnSpPr>
-            <a:stCxn id="13" idx="3"/>
-            <a:endCxn id="7" idx="1"/>
-          </p:cNvCxnSpPr>
-          <p:nvPr/>
-        </p:nvCxnSpPr>
-        <p:spPr>
-          <a:xfrm flipV="1">
-            <a:off x="8733181" y="2439316"/>
-            <a:ext cx="706105" cy="1"/>
-          </a:xfrm>
-          <a:prstGeom prst="straightConnector1">
-            <a:avLst/>
-          </a:prstGeom>
-          <a:ln w="76200">
-            <a:tailEnd type="triangle"/>
-          </a:ln>
-        </p:spPr>
-        <p:style>
-          <a:lnRef idx="1">
+      <p:sp>
+        <p:nvSpPr>
+          <p:cNvPr id="33" name="U-Turn Arrow 32"/>
+          <p:cNvSpPr/>
+          <p:nvPr/>
+        </p:nvSpPr>
+        <p:spPr>
+          <a:xfrm rot="5400000" flipH="1">
+            <a:off x="4294402" y="1498839"/>
+            <a:ext cx="592322" cy="884470"/>
+          </a:xfrm>
+          <a:prstGeom prst="uturnArrow">
+            <a:avLst>
+              <a:gd name="adj1" fmla="val 18725"/>
+              <a:gd name="adj2" fmla="val 17810"/>
+              <a:gd name="adj3" fmla="val 25000"/>
+              <a:gd name="adj4" fmla="val 46610"/>
+              <a:gd name="adj5" fmla="val 80994"/>
+            </a:avLst>
+          </a:prstGeom>
+          <a:solidFill>
             <a:schemeClr val="accent3"/>
-          </a:lnRef>
-          <a:fillRef idx="0">
-            <a:schemeClr val="accent3"/>
-          </a:fillRef>
-          <a:effectRef idx="0">
-            <a:schemeClr val="accent3"/>
-          </a:effectRef>
-          <a:fontRef idx="minor">
-            <a:schemeClr val="tx1"/>
-          </a:fontRef>
-        </p:style>
-      </p:cxnSp>
-      <p:sp>
-        <p:nvSpPr>
-          <p:cNvPr id="19" name="TextBox 18"/>
-          <p:cNvSpPr txBox="1"/>
-          <p:nvPr/>
-        </p:nvSpPr>
-        <p:spPr>
-          <a:xfrm>
-            <a:off x="9439286" y="3756926"/>
-            <a:ext cx="1772921" cy="369332"/>
-          </a:xfrm>
-          <a:prstGeom prst="rect">
-            <a:avLst/>
-          </a:prstGeom>
-          <a:noFill/>
-        </p:spPr>
-        <p:txBody>
-          <a:bodyPr wrap="square" rtlCol="0">
-            <a:spAutoFit/>
-          </a:bodyPr>
-          <a:lstStyle/>
-          <a:p>
-            <a:r>
-              <a:rPr lang="en-US" dirty="0" smtClean="0">
-                <a:solidFill>
-                  <a:schemeClr val="bg1"/>
-                </a:solidFill>
-              </a:rPr>
-              <a:t>Add to list</a:t>
-            </a:r>
-            <a:endParaRPr lang="en-US" dirty="0">
+          </a:solidFill>
+          <a:ln>
+            <a:noFill/>
+          </a:ln>
+        </p:spPr>
+        <p:style>
+          <a:lnRef idx="2">
+            <a:schemeClr val="accent1">
+              <a:shade val="50000"/>
+            </a:schemeClr>
+          </a:lnRef>
+          <a:fillRef idx="1">
+            <a:schemeClr val="accent1"/>
+          </a:fillRef>
+          <a:effectRef idx="0">
+            <a:schemeClr val="accent1"/>
+          </a:effectRef>
+          <a:fontRef idx="minor">
+            <a:schemeClr val="lt1"/>
+          </a:fontRef>
+        </p:style>
+        <p:txBody>
+          <a:bodyPr rtlCol="0" anchor="ctr"/>
+          <a:lstStyle/>
+          <a:p>
+            <a:pPr algn="ctr"/>
+            <a:endParaRPr lang="en-US">
               <a:solidFill>
-                <a:schemeClr val="bg1"/>
+                <a:schemeClr val="tx1"/>
               </a:solidFill>
             </a:endParaRPr>
           </a:p>
         </p:txBody>
       </p:sp>
-      <p:cxnSp>
-        <p:nvCxnSpPr>
-          <p:cNvPr id="20" name="Straight Arrow Connector 19"/>
-          <p:cNvCxnSpPr>
-            <a:stCxn id="12" idx="3"/>
-            <a:endCxn id="19" idx="1"/>
-          </p:cNvCxnSpPr>
-          <p:nvPr/>
-        </p:nvCxnSpPr>
-        <p:spPr>
-          <a:xfrm flipV="1">
-            <a:off x="8733182" y="3941592"/>
-            <a:ext cx="706104" cy="1"/>
-          </a:xfrm>
-          <a:prstGeom prst="straightConnector1">
-            <a:avLst/>
-          </a:prstGeom>
-          <a:ln w="76200">
-            <a:tailEnd type="triangle"/>
-          </a:ln>
-        </p:spPr>
-        <p:style>
-          <a:lnRef idx="1">
-            <a:schemeClr val="accent3"/>
-          </a:lnRef>
-          <a:fillRef idx="0">
-            <a:schemeClr val="accent3"/>
-          </a:fillRef>
-          <a:effectRef idx="0">
-            <a:schemeClr val="accent3"/>
-          </a:effectRef>
-          <a:fontRef idx="minor">
-            <a:schemeClr val="tx1"/>
-          </a:fontRef>
-        </p:style>
-      </p:cxnSp>
     </p:spTree>
     <p:extLst>
       <p:ext uri="{BB962C8B-B14F-4D97-AF65-F5344CB8AC3E}">
-        <p14:creationId xmlns:p14="http://schemas.microsoft.com/office/powerpoint/2010/main" val="1964913867"/>
+        <p14:creationId xmlns:p14="http://schemas.microsoft.com/office/powerpoint/2010/main" val="565262619"/>
       </p:ext>
     </p:extLst>
   </p:cSld>
